--- a/gnu-parallel-tutorial.pptx
+++ b/gnu-parallel-tutorial.pptx
@@ -271,7 +271,7 @@
           <a:p>
             <a:fld id="{DE0C789A-1381-F54D-B55B-DCBB91319C08}" type="datetimeFigureOut">
               <a:rPr lang="en-US" smtClean="0"/>
-              <a:t>10/6/23</a:t>
+              <a:t>10/7/23</a:t>
             </a:fld>
             <a:endParaRPr lang="en-US"/>
           </a:p>
@@ -448,7 +448,7 @@
           <a:p>
             <a:fld id="{46CB9FDB-056B-6244-AE56-9549F1074EBB}" type="datetimeFigureOut">
               <a:rPr lang="en-US" smtClean="0"/>
-              <a:t>10/6/23</a:t>
+              <a:t>10/7/23</a:t>
             </a:fld>
             <a:endParaRPr lang="en-US"/>
           </a:p>
@@ -1555,7 +1555,7 @@
           <a:p>
             <a:fld id="{524F091B-C9FE-714F-8F5F-8CFB82A747F1}" type="datetime1">
               <a:rPr lang="en-US" smtClean="0"/>
-              <a:t>10/6/23</a:t>
+              <a:t>10/7/23</a:t>
             </a:fld>
             <a:endParaRPr lang="en-US"/>
           </a:p>
@@ -1725,7 +1725,7 @@
           <a:p>
             <a:fld id="{E5121F4C-BC13-F84F-9AD9-260A611D728C}" type="datetime1">
               <a:rPr lang="en-US" smtClean="0"/>
-              <a:t>10/6/23</a:t>
+              <a:t>10/7/23</a:t>
             </a:fld>
             <a:endParaRPr lang="en-US"/>
           </a:p>
@@ -1905,7 +1905,7 @@
           <a:p>
             <a:fld id="{69934431-5E8A-0144-AD3C-F9F3B5843812}" type="datetime1">
               <a:rPr lang="en-US" smtClean="0"/>
-              <a:t>10/6/23</a:t>
+              <a:t>10/7/23</a:t>
             </a:fld>
             <a:endParaRPr lang="en-US"/>
           </a:p>
@@ -2075,7 +2075,7 @@
           <a:p>
             <a:fld id="{4D966F88-1DAF-F94F-A3D2-93E7964825AC}" type="datetime1">
               <a:rPr lang="en-US" smtClean="0"/>
-              <a:t>10/6/23</a:t>
+              <a:t>10/7/23</a:t>
             </a:fld>
             <a:endParaRPr lang="en-US"/>
           </a:p>
@@ -2321,7 +2321,7 @@
           <a:p>
             <a:fld id="{75F67F5F-B354-5B41-A0FF-E33ACFB7B000}" type="datetime1">
               <a:rPr lang="en-US" smtClean="0"/>
-              <a:t>10/6/23</a:t>
+              <a:t>10/7/23</a:t>
             </a:fld>
             <a:endParaRPr lang="en-US"/>
           </a:p>
@@ -2553,7 +2553,7 @@
           <a:p>
             <a:fld id="{1FE71E3D-61C4-AF47-B5F6-80F7A2125094}" type="datetime1">
               <a:rPr lang="en-US" smtClean="0"/>
-              <a:t>10/6/23</a:t>
+              <a:t>10/7/23</a:t>
             </a:fld>
             <a:endParaRPr lang="en-US"/>
           </a:p>
@@ -2920,7 +2920,7 @@
           <a:p>
             <a:fld id="{B7259F95-3E7B-AE48-BD5A-55F4F48F15EE}" type="datetime1">
               <a:rPr lang="en-US" smtClean="0"/>
-              <a:t>10/6/23</a:t>
+              <a:t>10/7/23</a:t>
             </a:fld>
             <a:endParaRPr lang="en-US"/>
           </a:p>
@@ -3038,7 +3038,7 @@
           <a:p>
             <a:fld id="{1E2D71D9-286E-D847-8194-60F3E909E40C}" type="datetime1">
               <a:rPr lang="en-US" smtClean="0"/>
-              <a:t>10/6/23</a:t>
+              <a:t>10/7/23</a:t>
             </a:fld>
             <a:endParaRPr lang="en-US"/>
           </a:p>
@@ -3133,7 +3133,7 @@
           <a:p>
             <a:fld id="{3AC70D76-DA63-C342-B98E-F532027F9CD7}" type="datetime1">
               <a:rPr lang="en-US" smtClean="0"/>
-              <a:t>10/6/23</a:t>
+              <a:t>10/7/23</a:t>
             </a:fld>
             <a:endParaRPr lang="en-US"/>
           </a:p>
@@ -3410,7 +3410,7 @@
           <a:p>
             <a:fld id="{74E169E1-67F4-DE43-8AD1-CF716A32D6D9}" type="datetime1">
               <a:rPr lang="en-US" smtClean="0"/>
-              <a:t>10/6/23</a:t>
+              <a:t>10/7/23</a:t>
             </a:fld>
             <a:endParaRPr lang="en-US"/>
           </a:p>
@@ -3667,7 +3667,7 @@
           <a:p>
             <a:fld id="{EDBC0E13-B072-744E-A1EF-1258C23FD22F}" type="datetime1">
               <a:rPr lang="en-US" smtClean="0"/>
-              <a:t>10/6/23</a:t>
+              <a:t>10/7/23</a:t>
             </a:fld>
             <a:endParaRPr lang="en-US"/>
           </a:p>
@@ -3880,7 +3880,7 @@
           <a:p>
             <a:fld id="{14D54490-4A22-8B41-9AA4-9BECA28CBC89}" type="datetime1">
               <a:rPr lang="en-US" smtClean="0"/>
-              <a:t>10/6/23</a:t>
+              <a:t>10/7/23</a:t>
             </a:fld>
             <a:endParaRPr lang="en-US"/>
           </a:p>
@@ -7782,7 +7782,7 @@
             </a:r>
             <a:r>
               <a:rPr lang="en-US" sz="1600" dirty="0"/>
-              <a:t>from NERSC for his contributions to the tutorial.</a:t>
+              <a:t>from NERSC / LBNL for his contributions to the tutorial.</a:t>
             </a:r>
             <a:br>
               <a:rPr lang="en-US" sz="1600" dirty="0"/>
@@ -8692,10 +8692,6 @@
               <a:rPr lang="en-US" sz="1600" dirty="0"/>
               <a:t> will be generated</a:t>
             </a:r>
-            <a:br>
-              <a:rPr lang="en-US" sz="1600" dirty="0"/>
-            </a:br>
-            <a:endParaRPr lang="en-US" sz="1600" dirty="0"/>
           </a:p>
           <a:p>
             <a:pPr marL="596900" lvl="1" indent="0">
@@ -8865,14 +8861,67 @@
               </a:rPr>
               <a:t>done</a:t>
             </a:r>
+          </a:p>
+          <a:p>
+            <a:pPr marL="596900" lvl="1" indent="0">
+              <a:spcBef>
+                <a:spcPts val="0"/>
+              </a:spcBef>
+              <a:buSzPts val="1400"/>
+              <a:buNone/>
+            </a:pPr>
+            <a:endParaRPr lang="en-US" sz="1600" b="1" dirty="0">
+              <a:latin typeface="Courier New"/>
+              <a:ea typeface="Courier New"/>
+              <a:cs typeface="Courier New"/>
+              <a:sym typeface="Courier New"/>
+            </a:endParaRPr>
+          </a:p>
+          <a:p>
+            <a:pPr marL="596900" indent="-342900">
+              <a:spcBef>
+                <a:spcPts val="0"/>
+              </a:spcBef>
+              <a:buSzPts val="1400"/>
+            </a:pPr>
+            <a:r>
+              <a:rPr lang="en-US" sz="1640" b="1" dirty="0">
+                <a:latin typeface="Courier New" panose="02070309020205020404" pitchFamily="49" charset="0"/>
+                <a:cs typeface="Courier New" panose="02070309020205020404" pitchFamily="49" charset="0"/>
+              </a:rPr>
+              <a:t>--link</a:t>
+            </a:r>
+            <a:r>
+              <a:rPr lang="en-US" sz="1900" dirty="0"/>
+              <a:t> to map the </a:t>
+            </a:r>
+            <a:r>
+              <a:rPr lang="en-US" sz="1900" dirty="0" err="1"/>
+              <a:t>args</a:t>
+            </a:r>
+            <a:r>
+              <a:rPr lang="en-US" sz="1900" dirty="0"/>
+              <a:t> 1:1</a:t>
+            </a:r>
             <a:br>
-              <a:rPr lang="en-US" sz="1600" b="1" dirty="0">
-                <a:latin typeface="Courier New"/>
-                <a:ea typeface="Courier New"/>
-                <a:cs typeface="Courier New"/>
-                <a:sym typeface="Courier New"/>
-              </a:rPr>
+              <a:rPr lang="en-US" sz="1900" dirty="0"/>
             </a:br>
+            <a:r>
+              <a:rPr lang="en-US" sz="1640" b="1" dirty="0">
+                <a:latin typeface="Courier New" panose="02070309020205020404" pitchFamily="49" charset="0"/>
+                <a:cs typeface="Courier New" panose="02070309020205020404" pitchFamily="49" charset="0"/>
+              </a:rPr>
+              <a:t>parallel --link echo ::: A B C ::: 1 2 3</a:t>
+            </a:r>
+          </a:p>
+          <a:p>
+            <a:pPr marL="596900" lvl="1" indent="0">
+              <a:spcBef>
+                <a:spcPts val="0"/>
+              </a:spcBef>
+              <a:buSzPts val="1400"/>
+              <a:buNone/>
+            </a:pPr>
             <a:endParaRPr lang="en-US" sz="1600" dirty="0"/>
           </a:p>
         </p:txBody>
@@ -15182,7 +15231,18 @@
             </a:br>
             <a:r>
               <a:rPr lang="en-US" dirty="0"/>
-              <a:t>Obtain a job allocation (as needed) and execute an application. Option we will use: --wait=0 means do not terminate other tasks if one finishes</a:t>
+              <a:t>Obtain a job allocation (as needed) and execute an application. Option we will use: </a:t>
+            </a:r>
+            <a:r>
+              <a:rPr lang="en-US" sz="1800" b="1" dirty="0">
+                <a:latin typeface="Courier New" panose="02070309020205020404" pitchFamily="49" charset="0"/>
+                <a:cs typeface="Courier New" panose="02070309020205020404" pitchFamily="49" charset="0"/>
+              </a:rPr>
+              <a:t>--wait=0</a:t>
+            </a:r>
+            <a:r>
+              <a:rPr lang="en-US" dirty="0"/>
+              <a:t> means do not terminate other tasks if one finishes</a:t>
             </a:r>
           </a:p>
           <a:p>
@@ -15340,7 +15400,10 @@
           <a:p>
             <a:pPr lvl="1"/>
             <a:r>
-              <a:rPr lang="en-US" dirty="0"/>
+              <a:rPr lang="en-US" sz="1640" b="1" dirty="0">
+                <a:latin typeface="Courier New" panose="02070309020205020404" pitchFamily="49" charset="0"/>
+                <a:cs typeface="Courier New" panose="02070309020205020404" pitchFamily="49" charset="0"/>
+              </a:rPr>
               <a:t>$SLURM_NTASKS</a:t>
             </a:r>
             <a:br>
@@ -15362,7 +15425,10 @@
           <a:p>
             <a:pPr lvl="1"/>
             <a:r>
-              <a:rPr lang="en-US" dirty="0"/>
+              <a:rPr lang="en-US" sz="1640" b="1" dirty="0">
+                <a:latin typeface="Courier New" panose="02070309020205020404" pitchFamily="49" charset="0"/>
+                <a:cs typeface="Courier New" panose="02070309020205020404" pitchFamily="49" charset="0"/>
+              </a:rPr>
               <a:t>$SLURM_CPUS_PER_TASK</a:t>
             </a:r>
             <a:br>
@@ -15376,7 +15442,10 @@
           <a:p>
             <a:pPr lvl="1"/>
             <a:r>
-              <a:rPr lang="en-US" dirty="0"/>
+              <a:rPr lang="en-US" sz="1640" b="1" dirty="0">
+                <a:latin typeface="Courier New" panose="02070309020205020404" pitchFamily="49" charset="0"/>
+                <a:cs typeface="Courier New" panose="02070309020205020404" pitchFamily="49" charset="0"/>
+              </a:rPr>
               <a:t>$SLURM_NODEID</a:t>
             </a:r>
             <a:br>
@@ -15384,13 +15453,16 @@
             </a:br>
             <a:r>
               <a:rPr lang="en-US" dirty="0"/>
-              <a:t>The relative node id of the current node.</a:t>
+              <a:t>The node id of the current node. Starts from 0.</a:t>
             </a:r>
           </a:p>
           <a:p>
             <a:pPr lvl="1"/>
             <a:r>
-              <a:rPr lang="en-US" dirty="0"/>
+              <a:rPr lang="en-US" sz="1640" b="1" dirty="0">
+                <a:latin typeface="Courier New" panose="02070309020205020404" pitchFamily="49" charset="0"/>
+                <a:cs typeface="Courier New" panose="02070309020205020404" pitchFamily="49" charset="0"/>
+              </a:rPr>
               <a:t>$SLURM_NNODES</a:t>
             </a:r>
             <a:br>
@@ -15404,7 +15476,10 @@
           <a:p>
             <a:pPr lvl="1"/>
             <a:r>
-              <a:rPr lang="en-US" dirty="0"/>
+              <a:rPr lang="en-US" sz="1640" b="1" dirty="0">
+                <a:latin typeface="Courier New" panose="02070309020205020404" pitchFamily="49" charset="0"/>
+                <a:cs typeface="Courier New" panose="02070309020205020404" pitchFamily="49" charset="0"/>
+              </a:rPr>
               <a:t>$SLURM_NODELIST</a:t>
             </a:r>
             <a:br>
@@ -15544,7 +15619,7 @@
         <p:spPr/>
         <p:txBody>
           <a:bodyPr>
-            <a:normAutofit/>
+            <a:normAutofit lnSpcReduction="10000"/>
           </a:bodyPr>
           <a:lstStyle/>
           <a:p>
@@ -15552,19 +15627,31 @@
               <a:buNone/>
             </a:pPr>
             <a:r>
-              <a:rPr lang="en-US" dirty="0" err="1"/>
+              <a:rPr lang="en-US" sz="1640" b="1" dirty="0" err="1">
+                <a:latin typeface="Courier New" panose="02070309020205020404" pitchFamily="49" charset="0"/>
+                <a:cs typeface="Courier New" panose="02070309020205020404" pitchFamily="49" charset="0"/>
+              </a:rPr>
               <a:t>srun</a:t>
             </a:r>
             <a:r>
-              <a:rPr lang="en-US" dirty="0"/>
+              <a:rPr lang="en-US" sz="1640" b="1" dirty="0">
+                <a:latin typeface="Courier New" panose="02070309020205020404" pitchFamily="49" charset="0"/>
+                <a:cs typeface="Courier New" panose="02070309020205020404" pitchFamily="49" charset="0"/>
+              </a:rPr>
               <a:t>="</a:t>
             </a:r>
             <a:r>
-              <a:rPr lang="en-US" dirty="0" err="1"/>
+              <a:rPr lang="en-US" sz="1640" b="1" dirty="0" err="1">
+                <a:latin typeface="Courier New" panose="02070309020205020404" pitchFamily="49" charset="0"/>
+                <a:cs typeface="Courier New" panose="02070309020205020404" pitchFamily="49" charset="0"/>
+              </a:rPr>
               <a:t>srun</a:t>
             </a:r>
             <a:r>
-              <a:rPr lang="en-US" dirty="0"/>
+              <a:rPr lang="en-US" sz="1640" b="1" dirty="0">
+                <a:latin typeface="Courier New" panose="02070309020205020404" pitchFamily="49" charset="0"/>
+                <a:cs typeface="Courier New" panose="02070309020205020404" pitchFamily="49" charset="0"/>
+              </a:rPr>
               <a:t> --exclusive -N1 -n1 -c1"</a:t>
             </a:r>
           </a:p>
@@ -15573,23 +15660,38 @@
               <a:buNone/>
             </a:pPr>
             <a:r>
-              <a:rPr lang="en-US" dirty="0"/>
+              <a:rPr lang="en-US" sz="1640" b="1" dirty="0">
+                <a:latin typeface="Courier New" panose="02070309020205020404" pitchFamily="49" charset="0"/>
+                <a:cs typeface="Courier New" panose="02070309020205020404" pitchFamily="49" charset="0"/>
+              </a:rPr>
               <a:t>parallel -j $SLURM_NTASKS "$</a:t>
             </a:r>
             <a:r>
-              <a:rPr lang="en-US" dirty="0" err="1"/>
+              <a:rPr lang="en-US" sz="1640" b="1" dirty="0" err="1">
+                <a:latin typeface="Courier New" panose="02070309020205020404" pitchFamily="49" charset="0"/>
+                <a:cs typeface="Courier New" panose="02070309020205020404" pitchFamily="49" charset="0"/>
+              </a:rPr>
               <a:t>srun</a:t>
             </a:r>
             <a:r>
-              <a:rPr lang="en-US" dirty="0"/>
+              <a:rPr lang="en-US" sz="1640" b="1" dirty="0">
+                <a:latin typeface="Courier New" panose="02070309020205020404" pitchFamily="49" charset="0"/>
+                <a:cs typeface="Courier New" panose="02070309020205020404" pitchFamily="49" charset="0"/>
+              </a:rPr>
               <a:t> ./</a:t>
             </a:r>
             <a:r>
-              <a:rPr lang="en-US" dirty="0" err="1"/>
+              <a:rPr lang="en-US" sz="1640" b="1" dirty="0" err="1">
+                <a:latin typeface="Courier New" panose="02070309020205020404" pitchFamily="49" charset="0"/>
+                <a:cs typeface="Courier New" panose="02070309020205020404" pitchFamily="49" charset="0"/>
+              </a:rPr>
               <a:t>runtask.sh</a:t>
             </a:r>
             <a:r>
-              <a:rPr lang="en-US" dirty="0"/>
+              <a:rPr lang="en-US" sz="1640" b="1" dirty="0">
+                <a:latin typeface="Courier New" panose="02070309020205020404" pitchFamily="49" charset="0"/>
+                <a:cs typeface="Courier New" panose="02070309020205020404" pitchFamily="49" charset="0"/>
+              </a:rPr>
               <a:t> {1}" ::: {1..112}</a:t>
             </a:r>
           </a:p>
@@ -15607,34 +15709,58 @@
               <a:buNone/>
             </a:pPr>
             <a:r>
-              <a:rPr lang="en-US" dirty="0" err="1"/>
+              <a:rPr lang="en-US" sz="1640" b="1" dirty="0" err="1">
+                <a:latin typeface="Courier New" panose="02070309020205020404" pitchFamily="49" charset="0"/>
+                <a:cs typeface="Courier New" panose="02070309020205020404" pitchFamily="49" charset="0"/>
+              </a:rPr>
               <a:t>srun</a:t>
             </a:r>
             <a:r>
-              <a:rPr lang="en-US" dirty="0"/>
+              <a:rPr lang="en-US" sz="1640" b="1" dirty="0">
+                <a:latin typeface="Courier New" panose="02070309020205020404" pitchFamily="49" charset="0"/>
+                <a:cs typeface="Courier New" panose="02070309020205020404" pitchFamily="49" charset="0"/>
+              </a:rPr>
               <a:t> --</a:t>
             </a:r>
             <a:r>
-              <a:rPr lang="en-US" dirty="0" err="1"/>
+              <a:rPr lang="en-US" sz="1640" b="1" dirty="0" err="1">
+                <a:latin typeface="Courier New" panose="02070309020205020404" pitchFamily="49" charset="0"/>
+                <a:cs typeface="Courier New" panose="02070309020205020404" pitchFamily="49" charset="0"/>
+              </a:rPr>
               <a:t>ntasks</a:t>
             </a:r>
             <a:r>
-              <a:rPr lang="en-US" dirty="0"/>
+              <a:rPr lang="en-US" sz="1640" b="1" dirty="0">
+                <a:latin typeface="Courier New" panose="02070309020205020404" pitchFamily="49" charset="0"/>
+                <a:cs typeface="Courier New" panose="02070309020205020404" pitchFamily="49" charset="0"/>
+              </a:rPr>
               <a:t>-per-node=1 parallel -j $</a:t>
             </a:r>
             <a:r>
-              <a:rPr lang="en-US" dirty="0" err="1"/>
+              <a:rPr lang="en-US" sz="1640" b="1" dirty="0" err="1">
+                <a:latin typeface="Courier New" panose="02070309020205020404" pitchFamily="49" charset="0"/>
+                <a:cs typeface="Courier New" panose="02070309020205020404" pitchFamily="49" charset="0"/>
+              </a:rPr>
               <a:t>cores_per_node</a:t>
             </a:r>
             <a:r>
-              <a:rPr lang="en-US" dirty="0"/>
+              <a:rPr lang="en-US" sz="1640" b="1" dirty="0">
+                <a:latin typeface="Courier New" panose="02070309020205020404" pitchFamily="49" charset="0"/>
+                <a:cs typeface="Courier New" panose="02070309020205020404" pitchFamily="49" charset="0"/>
+              </a:rPr>
               <a:t> </a:t>
             </a:r>
             <a:r>
-              <a:rPr lang="en-US" dirty="0" err="1"/>
+              <a:rPr lang="en-US" sz="1640" b="1" dirty="0" err="1">
+                <a:latin typeface="Courier New" panose="02070309020205020404" pitchFamily="49" charset="0"/>
+                <a:cs typeface="Courier New" panose="02070309020205020404" pitchFamily="49" charset="0"/>
+              </a:rPr>
               <a:t>app_invocation</a:t>
             </a:r>
-            <a:endParaRPr lang="en-US" dirty="0"/>
+            <a:endParaRPr lang="en-US" sz="1640" b="1" dirty="0">
+              <a:latin typeface="Courier New" panose="02070309020205020404" pitchFamily="49" charset="0"/>
+              <a:cs typeface="Courier New" panose="02070309020205020404" pitchFamily="49" charset="0"/>
+            </a:endParaRPr>
           </a:p>
           <a:p>
             <a:pPr marL="0" indent="0">
@@ -15645,11 +15771,17 @@
               <a:t>Consensus: </a:t>
             </a:r>
             <a:r>
-              <a:rPr lang="en-US" dirty="0" err="1"/>
+              <a:rPr lang="en-US" b="1" dirty="0" err="1">
+                <a:latin typeface="Courier New" panose="02070309020205020404" pitchFamily="49" charset="0"/>
+                <a:cs typeface="Courier New" panose="02070309020205020404" pitchFamily="49" charset="0"/>
+              </a:rPr>
               <a:t>srun</a:t>
             </a:r>
             <a:r>
-              <a:rPr lang="en-US" dirty="0"/>
+              <a:rPr lang="en-US" b="1" dirty="0">
+                <a:latin typeface="Courier New" panose="02070309020205020404" pitchFamily="49" charset="0"/>
+                <a:cs typeface="Courier New" panose="02070309020205020404" pitchFamily="49" charset="0"/>
+              </a:rPr>
               <a:t> ... parallel ...</a:t>
             </a:r>
           </a:p>
@@ -16177,136 +16309,252 @@
               <a:buNone/>
             </a:pPr>
             <a:r>
-              <a:rPr lang="en-US" dirty="0"/>
+              <a:rPr lang="en-US" sz="1640" dirty="0">
+                <a:latin typeface="Courier New" panose="02070309020205020404" pitchFamily="49" charset="0"/>
+                <a:cs typeface="Courier New" panose="02070309020205020404" pitchFamily="49" charset="0"/>
+              </a:rPr>
               <a:t>#SBATCH --job-name=</a:t>
             </a:r>
             <a:r>
-              <a:rPr lang="en-US" dirty="0" err="1"/>
-              <a:t>htcjob</a:t>
+              <a:rPr lang="en-US" sz="1640" dirty="0" err="1">
+                <a:latin typeface="Courier New" panose="02070309020205020404" pitchFamily="49" charset="0"/>
+                <a:cs typeface="Courier New" panose="02070309020205020404" pitchFamily="49" charset="0"/>
+              </a:rPr>
+              <a:t>parallel_job</a:t>
             </a:r>
             <a:br>
-              <a:rPr lang="en-US" dirty="0"/>
+              <a:rPr lang="en-US" sz="1640" dirty="0">
+                <a:latin typeface="Courier New" panose="02070309020205020404" pitchFamily="49" charset="0"/>
+                <a:cs typeface="Courier New" panose="02070309020205020404" pitchFamily="49" charset="0"/>
+              </a:rPr>
             </a:br>
             <a:r>
-              <a:rPr lang="en-US" dirty="0"/>
-              <a:t>#SBATCH ... # other </a:t>
-            </a:r>
-            <a:r>
-              <a:rPr lang="en-US" dirty="0" err="1"/>
-              <a:t>sbatch</a:t>
-            </a:r>
-            <a:r>
-              <a:rPr lang="en-US" dirty="0"/>
-              <a:t> options</a:t>
+              <a:rPr lang="en-US" sz="1640" dirty="0">
+                <a:latin typeface="Courier New" panose="02070309020205020404" pitchFamily="49" charset="0"/>
+                <a:cs typeface="Courier New" panose="02070309020205020404" pitchFamily="49" charset="0"/>
+              </a:rPr>
+              <a:t>#SBATCH ... </a:t>
             </a:r>
           </a:p>
           <a:p>
             <a:pPr marL="0" indent="0">
               <a:buNone/>
             </a:pPr>
-            <a:r>
-              <a:rPr lang="en-US" dirty="0"/>
-              <a:t>find </a:t>
-            </a:r>
-            <a:r>
-              <a:rPr lang="en-US" dirty="0" err="1"/>
-              <a:t>infiles</a:t>
-            </a:r>
-            <a:r>
-              <a:rPr lang="en-US" dirty="0"/>
-              <a:t>/*.txt | parallel --dry-run ./</a:t>
-            </a:r>
-            <a:r>
-              <a:rPr lang="en-US" dirty="0" err="1"/>
-              <a:t>process_data</a:t>
-            </a:r>
-            <a:r>
-              <a:rPr lang="en-US" dirty="0"/>
-              <a:t> {} &gt;</a:t>
-            </a:r>
-            <a:r>
-              <a:rPr lang="en-US" dirty="0" err="1"/>
-              <a:t>commands.txt</a:t>
-            </a:r>
-            <a:endParaRPr lang="en-US" dirty="0"/>
+            <a:endParaRPr lang="en-US" sz="1640" b="1" dirty="0">
+              <a:latin typeface="Courier New" panose="02070309020205020404" pitchFamily="49" charset="0"/>
+              <a:cs typeface="Courier New" panose="02070309020205020404" pitchFamily="49" charset="0"/>
+            </a:endParaRPr>
           </a:p>
           <a:p>
             <a:pPr marL="0" indent="0">
               <a:buNone/>
             </a:pPr>
             <a:r>
-              <a:rPr lang="en-US" dirty="0"/>
-              <a:t>parallel -j $SLURM_NTASKS &lt; </a:t>
-            </a:r>
-            <a:r>
-              <a:rPr lang="en-US" dirty="0" err="1"/>
+              <a:rPr lang="en-US" sz="1640" dirty="0">
+                <a:latin typeface="Courier New" panose="02070309020205020404" pitchFamily="49" charset="0"/>
+                <a:cs typeface="Courier New" panose="02070309020205020404" pitchFamily="49" charset="0"/>
+              </a:rPr>
+              <a:t>find </a:t>
+            </a:r>
+            <a:r>
+              <a:rPr lang="en-US" sz="1640" dirty="0" err="1">
+                <a:latin typeface="Courier New" panose="02070309020205020404" pitchFamily="49" charset="0"/>
+                <a:cs typeface="Courier New" panose="02070309020205020404" pitchFamily="49" charset="0"/>
+              </a:rPr>
+              <a:t>infiles</a:t>
+            </a:r>
+            <a:r>
+              <a:rPr lang="en-US" sz="1640" dirty="0">
+                <a:latin typeface="Courier New" panose="02070309020205020404" pitchFamily="49" charset="0"/>
+                <a:cs typeface="Courier New" panose="02070309020205020404" pitchFamily="49" charset="0"/>
+              </a:rPr>
+              <a:t>/*.txt | parallel </a:t>
+            </a:r>
+            <a:r>
+              <a:rPr lang="en-US" sz="1640" b="1" dirty="0">
+                <a:latin typeface="Courier New" panose="02070309020205020404" pitchFamily="49" charset="0"/>
+                <a:cs typeface="Courier New" panose="02070309020205020404" pitchFamily="49" charset="0"/>
+              </a:rPr>
+              <a:t>--dry-run</a:t>
+            </a:r>
+            <a:r>
+              <a:rPr lang="en-US" sz="1640" dirty="0">
+                <a:latin typeface="Courier New" panose="02070309020205020404" pitchFamily="49" charset="0"/>
+                <a:cs typeface="Courier New" panose="02070309020205020404" pitchFamily="49" charset="0"/>
+              </a:rPr>
+              <a:t> ./</a:t>
+            </a:r>
+            <a:r>
+              <a:rPr lang="en-US" sz="1640" dirty="0" err="1">
+                <a:latin typeface="Courier New" panose="02070309020205020404" pitchFamily="49" charset="0"/>
+                <a:cs typeface="Courier New" panose="02070309020205020404" pitchFamily="49" charset="0"/>
+              </a:rPr>
+              <a:t>process_data</a:t>
+            </a:r>
+            <a:r>
+              <a:rPr lang="en-US" sz="1640" dirty="0">
+                <a:latin typeface="Courier New" panose="02070309020205020404" pitchFamily="49" charset="0"/>
+                <a:cs typeface="Courier New" panose="02070309020205020404" pitchFamily="49" charset="0"/>
+              </a:rPr>
+              <a:t> {} &gt;</a:t>
+            </a:r>
+            <a:r>
+              <a:rPr lang="en-US" sz="1640" dirty="0" err="1">
+                <a:latin typeface="Courier New" panose="02070309020205020404" pitchFamily="49" charset="0"/>
+                <a:cs typeface="Courier New" panose="02070309020205020404" pitchFamily="49" charset="0"/>
+              </a:rPr>
               <a:t>commands.txt</a:t>
             </a:r>
-            <a:endParaRPr lang="en-US" dirty="0"/>
+            <a:endParaRPr lang="en-US" sz="1640" dirty="0">
+              <a:latin typeface="Courier New" panose="02070309020205020404" pitchFamily="49" charset="0"/>
+              <a:cs typeface="Courier New" panose="02070309020205020404" pitchFamily="49" charset="0"/>
+            </a:endParaRPr>
           </a:p>
           <a:p>
             <a:pPr marL="0" indent="0">
               <a:buNone/>
             </a:pPr>
-            <a:endParaRPr lang="en-US" dirty="0"/>
+            <a:r>
+              <a:rPr lang="en-US" sz="1640" b="1" dirty="0">
+                <a:latin typeface="Courier New" panose="02070309020205020404" pitchFamily="49" charset="0"/>
+                <a:cs typeface="Courier New" panose="02070309020205020404" pitchFamily="49" charset="0"/>
+              </a:rPr>
+              <a:t>parallel -j $SLURM_NTASKS &lt; </a:t>
+            </a:r>
+            <a:r>
+              <a:rPr lang="en-US" sz="1640" b="1" dirty="0" err="1">
+                <a:latin typeface="Courier New" panose="02070309020205020404" pitchFamily="49" charset="0"/>
+                <a:cs typeface="Courier New" panose="02070309020205020404" pitchFamily="49" charset="0"/>
+              </a:rPr>
+              <a:t>commands.txt</a:t>
+            </a:r>
+            <a:endParaRPr lang="en-US" sz="1640" b="1" dirty="0">
+              <a:latin typeface="Courier New" panose="02070309020205020404" pitchFamily="49" charset="0"/>
+              <a:cs typeface="Courier New" panose="02070309020205020404" pitchFamily="49" charset="0"/>
+            </a:endParaRPr>
           </a:p>
           <a:p>
             <a:pPr marL="0" indent="0">
               <a:buNone/>
             </a:pPr>
             <a:r>
-              <a:rPr lang="en-US" dirty="0"/>
-              <a:t>find </a:t>
-            </a:r>
-            <a:r>
-              <a:rPr lang="en-US" dirty="0" err="1"/>
-              <a:t>infiles</a:t>
-            </a:r>
-            <a:r>
-              <a:rPr lang="en-US" dirty="0"/>
-              <a:t>/*.txt | parallel --dry-run </a:t>
-            </a:r>
-            <a:r>
-              <a:rPr lang="en-US" dirty="0" err="1"/>
-              <a:t>Rscript</a:t>
-            </a:r>
-            <a:r>
-              <a:rPr lang="en-US" dirty="0"/>
-              <a:t> </a:t>
-            </a:r>
-            <a:r>
-              <a:rPr lang="en-US" dirty="0" err="1"/>
-              <a:t>R_array_test.R</a:t>
-            </a:r>
-            <a:r>
-              <a:rPr lang="en-US" dirty="0"/>
-              <a:t> {} &gt;</a:t>
-            </a:r>
-            <a:r>
-              <a:rPr lang="en-US" dirty="0" err="1"/>
-              <a:t>commands.txt</a:t>
-            </a:r>
-            <a:endParaRPr lang="en-US" dirty="0"/>
+              <a:rPr lang="en-US" sz="1640" dirty="0">
+                <a:latin typeface="Courier New" panose="02070309020205020404" pitchFamily="49" charset="0"/>
+                <a:cs typeface="Courier New" panose="02070309020205020404" pitchFamily="49" charset="0"/>
+              </a:rPr>
+              <a:t>#OR</a:t>
+            </a:r>
           </a:p>
           <a:p>
             <a:pPr marL="0" indent="0">
               <a:buNone/>
             </a:pPr>
             <a:r>
-              <a:rPr lang="en-US" dirty="0"/>
-              <a:t>parallel -j $SLURM_NTASKS &lt; </a:t>
-            </a:r>
-            <a:r>
-              <a:rPr lang="en-US" dirty="0" err="1"/>
+              <a:rPr lang="en-US" sz="1640" dirty="0">
+                <a:latin typeface="Courier New" panose="02070309020205020404" pitchFamily="49" charset="0"/>
+                <a:cs typeface="Courier New" panose="02070309020205020404" pitchFamily="49" charset="0"/>
+              </a:rPr>
+              <a:t>find </a:t>
+            </a:r>
+            <a:r>
+              <a:rPr lang="en-US" sz="1640" dirty="0" err="1">
+                <a:latin typeface="Courier New" panose="02070309020205020404" pitchFamily="49" charset="0"/>
+                <a:cs typeface="Courier New" panose="02070309020205020404" pitchFamily="49" charset="0"/>
+              </a:rPr>
+              <a:t>infiles</a:t>
+            </a:r>
+            <a:r>
+              <a:rPr lang="en-US" sz="1640" dirty="0">
+                <a:latin typeface="Courier New" panose="02070309020205020404" pitchFamily="49" charset="0"/>
+                <a:cs typeface="Courier New" panose="02070309020205020404" pitchFamily="49" charset="0"/>
+              </a:rPr>
+              <a:t>/*.txt | parallel </a:t>
+            </a:r>
+            <a:r>
+              <a:rPr lang="en-US" sz="1640" b="1" dirty="0">
+                <a:latin typeface="Courier New" panose="02070309020205020404" pitchFamily="49" charset="0"/>
+                <a:cs typeface="Courier New" panose="02070309020205020404" pitchFamily="49" charset="0"/>
+              </a:rPr>
+              <a:t>--dry-run</a:t>
+            </a:r>
+            <a:r>
+              <a:rPr lang="en-US" sz="1640" dirty="0">
+                <a:latin typeface="Courier New" panose="02070309020205020404" pitchFamily="49" charset="0"/>
+                <a:cs typeface="Courier New" panose="02070309020205020404" pitchFamily="49" charset="0"/>
+              </a:rPr>
+              <a:t> </a:t>
+            </a:r>
+            <a:r>
+              <a:rPr lang="en-US" sz="1640" dirty="0" err="1">
+                <a:latin typeface="Courier New" panose="02070309020205020404" pitchFamily="49" charset="0"/>
+                <a:cs typeface="Courier New" panose="02070309020205020404" pitchFamily="49" charset="0"/>
+              </a:rPr>
+              <a:t>Rscript</a:t>
+            </a:r>
+            <a:r>
+              <a:rPr lang="en-US" sz="1640" dirty="0">
+                <a:latin typeface="Courier New" panose="02070309020205020404" pitchFamily="49" charset="0"/>
+                <a:cs typeface="Courier New" panose="02070309020205020404" pitchFamily="49" charset="0"/>
+              </a:rPr>
+              <a:t> </a:t>
+            </a:r>
+            <a:r>
+              <a:rPr lang="en-US" sz="1640" dirty="0" err="1">
+                <a:latin typeface="Courier New" panose="02070309020205020404" pitchFamily="49" charset="0"/>
+                <a:cs typeface="Courier New" panose="02070309020205020404" pitchFamily="49" charset="0"/>
+              </a:rPr>
+              <a:t>R_array_test.R</a:t>
+            </a:r>
+            <a:r>
+              <a:rPr lang="en-US" sz="1640" dirty="0">
+                <a:latin typeface="Courier New" panose="02070309020205020404" pitchFamily="49" charset="0"/>
+                <a:cs typeface="Courier New" panose="02070309020205020404" pitchFamily="49" charset="0"/>
+              </a:rPr>
+              <a:t> {} &gt;</a:t>
+            </a:r>
+            <a:r>
+              <a:rPr lang="en-US" sz="1640" dirty="0" err="1">
+                <a:latin typeface="Courier New" panose="02070309020205020404" pitchFamily="49" charset="0"/>
+                <a:cs typeface="Courier New" panose="02070309020205020404" pitchFamily="49" charset="0"/>
+              </a:rPr>
               <a:t>commands.txt</a:t>
             </a:r>
-            <a:endParaRPr lang="en-US" dirty="0"/>
+            <a:endParaRPr lang="en-US" sz="1640" dirty="0">
+              <a:latin typeface="Courier New" panose="02070309020205020404" pitchFamily="49" charset="0"/>
+              <a:cs typeface="Courier New" panose="02070309020205020404" pitchFamily="49" charset="0"/>
+            </a:endParaRPr>
           </a:p>
           <a:p>
             <a:pPr marL="0" indent="0">
               <a:buNone/>
             </a:pPr>
-            <a:endParaRPr lang="en-US" dirty="0"/>
+            <a:r>
+              <a:rPr lang="en-US" sz="1640" b="1" dirty="0">
+                <a:latin typeface="Courier New" panose="02070309020205020404" pitchFamily="49" charset="0"/>
+                <a:cs typeface="Courier New" panose="02070309020205020404" pitchFamily="49" charset="0"/>
+              </a:rPr>
+              <a:t>parallel -j $SLURM_NTASKS &lt; </a:t>
+            </a:r>
+            <a:r>
+              <a:rPr lang="en-US" sz="1640" b="1" dirty="0" err="1">
+                <a:latin typeface="Courier New" panose="02070309020205020404" pitchFamily="49" charset="0"/>
+                <a:cs typeface="Courier New" panose="02070309020205020404" pitchFamily="49" charset="0"/>
+              </a:rPr>
+              <a:t>commands.txt</a:t>
+            </a:r>
+            <a:endParaRPr lang="en-US" sz="1640" b="1" dirty="0">
+              <a:latin typeface="Courier New" panose="02070309020205020404" pitchFamily="49" charset="0"/>
+              <a:cs typeface="Courier New" panose="02070309020205020404" pitchFamily="49" charset="0"/>
+            </a:endParaRPr>
+          </a:p>
+          <a:p>
+            <a:pPr marL="0" indent="0">
+              <a:buNone/>
+            </a:pPr>
+            <a:endParaRPr lang="en-US" sz="1640" b="1" dirty="0">
+              <a:latin typeface="Courier New" panose="02070309020205020404" pitchFamily="49" charset="0"/>
+              <a:cs typeface="Courier New" panose="02070309020205020404" pitchFamily="49" charset="0"/>
+            </a:endParaRPr>
           </a:p>
         </p:txBody>
       </p:sp>
@@ -18182,7 +18430,7 @@
         </p:spPr>
         <p:txBody>
           <a:bodyPr>
-            <a:normAutofit/>
+            <a:normAutofit fontScale="92500"/>
           </a:bodyPr>
           <a:lstStyle/>
           <a:p>
@@ -18190,20 +18438,32 @@
               <a:buNone/>
             </a:pPr>
             <a:r>
-              <a:rPr lang="en-US" sz="1600" dirty="0"/>
+              <a:rPr lang="en-US" sz="1600" b="1" dirty="0">
+                <a:latin typeface="Courier New" panose="02070309020205020404" pitchFamily="49" charset="0"/>
+                <a:cs typeface="Courier New" panose="02070309020205020404" pitchFamily="49" charset="0"/>
+              </a:rPr>
               <a:t>#!/bin/bash</a:t>
             </a:r>
             <a:br>
-              <a:rPr lang="en-US" sz="1600" dirty="0"/>
+              <a:rPr lang="en-US" sz="1600" b="1" dirty="0">
+                <a:latin typeface="Courier New" panose="02070309020205020404" pitchFamily="49" charset="0"/>
+                <a:cs typeface="Courier New" panose="02070309020205020404" pitchFamily="49" charset="0"/>
+              </a:rPr>
             </a:br>
-            <a:endParaRPr lang="en-US" sz="1600" dirty="0"/>
+            <a:endParaRPr lang="en-US" sz="1600" b="1" dirty="0">
+              <a:latin typeface="Courier New" panose="02070309020205020404" pitchFamily="49" charset="0"/>
+              <a:cs typeface="Courier New" panose="02070309020205020404" pitchFamily="49" charset="0"/>
+            </a:endParaRPr>
           </a:p>
           <a:p>
             <a:pPr marL="0" indent="0">
               <a:buNone/>
             </a:pPr>
             <a:r>
-              <a:rPr lang="en-US" sz="1600" dirty="0"/>
+              <a:rPr lang="en-US" sz="1600" b="1" dirty="0">
+                <a:latin typeface="Courier New" panose="02070309020205020404" pitchFamily="49" charset="0"/>
+                <a:cs typeface="Courier New" panose="02070309020205020404" pitchFamily="49" charset="0"/>
+              </a:rPr>
               <a:t>p1/p1.sh inputs/in1.txt p1/out1.txt</a:t>
             </a:r>
           </a:p>
@@ -18211,14 +18471,20 @@
             <a:pPr marL="0" indent="0">
               <a:buNone/>
             </a:pPr>
-            <a:endParaRPr lang="en-US" sz="1600" dirty="0"/>
+            <a:endParaRPr lang="en-US" sz="1600" b="1" dirty="0">
+              <a:latin typeface="Courier New" panose="02070309020205020404" pitchFamily="49" charset="0"/>
+              <a:cs typeface="Courier New" panose="02070309020205020404" pitchFamily="49" charset="0"/>
+            </a:endParaRPr>
           </a:p>
           <a:p>
             <a:pPr marL="0" indent="0">
               <a:buNone/>
             </a:pPr>
             <a:r>
-              <a:rPr lang="en-US" sz="1600" dirty="0"/>
+              <a:rPr lang="en-US" sz="1600" b="1" dirty="0">
+                <a:latin typeface="Courier New" panose="02070309020205020404" pitchFamily="49" charset="0"/>
+                <a:cs typeface="Courier New" panose="02070309020205020404" pitchFamily="49" charset="0"/>
+              </a:rPr>
               <a:t>p2/p2.sh p1/out1.txt p2/out2.txt</a:t>
             </a:r>
           </a:p>
@@ -18227,7 +18493,10 @@
               <a:buNone/>
             </a:pPr>
             <a:r>
-              <a:rPr lang="en-US" sz="1600" dirty="0"/>
+              <a:rPr lang="en-US" sz="1600" b="1" dirty="0">
+                <a:latin typeface="Courier New" panose="02070309020205020404" pitchFamily="49" charset="0"/>
+                <a:cs typeface="Courier New" panose="02070309020205020404" pitchFamily="49" charset="0"/>
+              </a:rPr>
               <a:t>p3/p3.sh p1/out1.txt p3/out3.txt</a:t>
             </a:r>
           </a:p>
@@ -18236,7 +18505,10 @@
               <a:buNone/>
             </a:pPr>
             <a:r>
-              <a:rPr lang="en-US" sz="1600" dirty="0"/>
+              <a:rPr lang="en-US" sz="1600" b="1" dirty="0">
+                <a:latin typeface="Courier New" panose="02070309020205020404" pitchFamily="49" charset="0"/>
+                <a:cs typeface="Courier New" panose="02070309020205020404" pitchFamily="49" charset="0"/>
+              </a:rPr>
               <a:t>p4/p4.sh p2/out2.txt p4/out4.txt</a:t>
             </a:r>
           </a:p>
@@ -18245,7 +18517,10 @@
               <a:buNone/>
             </a:pPr>
             <a:r>
-              <a:rPr lang="en-US" sz="1600" dirty="0"/>
+              <a:rPr lang="en-US" sz="1600" b="1" dirty="0">
+                <a:latin typeface="Courier New" panose="02070309020205020404" pitchFamily="49" charset="0"/>
+                <a:cs typeface="Courier New" panose="02070309020205020404" pitchFamily="49" charset="0"/>
+              </a:rPr>
               <a:t>p5/p5.sh p3/out3.txt p5/out5.txt</a:t>
             </a:r>
           </a:p>
@@ -18253,14 +18528,20 @@
             <a:pPr marL="0" indent="0">
               <a:buNone/>
             </a:pPr>
-            <a:endParaRPr lang="en-US" sz="1600" dirty="0"/>
+            <a:endParaRPr lang="en-US" sz="1600" b="1" dirty="0">
+              <a:latin typeface="Courier New" panose="02070309020205020404" pitchFamily="49" charset="0"/>
+              <a:cs typeface="Courier New" panose="02070309020205020404" pitchFamily="49" charset="0"/>
+            </a:endParaRPr>
           </a:p>
           <a:p>
             <a:pPr marL="0" indent="0">
               <a:buNone/>
             </a:pPr>
             <a:r>
-              <a:rPr lang="en-US" sz="1600" dirty="0"/>
+              <a:rPr lang="en-US" sz="1600" b="1" dirty="0">
+                <a:latin typeface="Courier New" panose="02070309020205020404" pitchFamily="49" charset="0"/>
+                <a:cs typeface="Courier New" panose="02070309020205020404" pitchFamily="49" charset="0"/>
+              </a:rPr>
               <a:t>p6/p6.sh p4/out4.txt p5/out5.txt outputs/out6.txt</a:t>
             </a:r>
           </a:p>
@@ -18325,7 +18606,7 @@
         </p:spPr>
         <p:txBody>
           <a:bodyPr vert="horz" lIns="91440" tIns="45720" rIns="91440" bIns="45720" rtlCol="0">
-            <a:normAutofit fontScale="77500" lnSpcReduction="20000"/>
+            <a:normAutofit fontScale="62500" lnSpcReduction="20000"/>
           </a:bodyPr>
           <a:lstStyle>
             <a:lvl1pPr marL="171450" indent="-171450" algn="l" defTabSz="685800" rtl="0" eaLnBrk="1" latinLnBrk="0" hangingPunct="1">
@@ -18497,14 +18778,29 @@
               <a:buNone/>
             </a:pPr>
             <a:r>
-              <a:rPr lang="en-US" dirty="0"/>
+              <a:rPr lang="en-US" b="1" dirty="0">
+                <a:latin typeface="Courier New" panose="02070309020205020404" pitchFamily="49" charset="0"/>
+                <a:cs typeface="Courier New" panose="02070309020205020404" pitchFamily="49" charset="0"/>
+              </a:rPr>
               <a:t>#!/bin/bash</a:t>
             </a:r>
             <a:br>
-              <a:rPr lang="en-US" dirty="0"/>
+              <a:rPr lang="en-US" b="1" dirty="0">
+                <a:latin typeface="Courier New" panose="02070309020205020404" pitchFamily="49" charset="0"/>
+                <a:cs typeface="Courier New" panose="02070309020205020404" pitchFamily="49" charset="0"/>
+              </a:rPr>
             </a:br>
-            <a:r>
-              <a:rPr lang="en-US" dirty="0"/>
+            <a:br>
+              <a:rPr lang="en-US" b="1" dirty="0">
+                <a:latin typeface="Courier New" panose="02070309020205020404" pitchFamily="49" charset="0"/>
+                <a:cs typeface="Courier New" panose="02070309020205020404" pitchFamily="49" charset="0"/>
+              </a:rPr>
+            </a:br>
+            <a:r>
+              <a:rPr lang="en-US" b="1" dirty="0">
+                <a:latin typeface="Courier New" panose="02070309020205020404" pitchFamily="49" charset="0"/>
+                <a:cs typeface="Courier New" panose="02070309020205020404" pitchFamily="49" charset="0"/>
+              </a:rPr>
               <a:t>#p1.sh</a:t>
             </a:r>
           </a:p>
@@ -18514,7 +18810,10 @@
               <a:buNone/>
             </a:pPr>
             <a:r>
-              <a:rPr lang="en-US" dirty="0"/>
+              <a:rPr lang="en-US" b="1" dirty="0">
+                <a:latin typeface="Courier New" panose="02070309020205020404" pitchFamily="49" charset="0"/>
+                <a:cs typeface="Courier New" panose="02070309020205020404" pitchFamily="49" charset="0"/>
+              </a:rPr>
               <a:t>if test "$#" != 2 ; then</a:t>
             </a:r>
           </a:p>
@@ -18524,15 +18823,24 @@
               <a:buNone/>
             </a:pPr>
             <a:r>
-              <a:rPr lang="en-US" dirty="0"/>
+              <a:rPr lang="en-US" b="1" dirty="0">
+                <a:latin typeface="Courier New" panose="02070309020205020404" pitchFamily="49" charset="0"/>
+                <a:cs typeface="Courier New" panose="02070309020205020404" pitchFamily="49" charset="0"/>
+              </a:rPr>
               <a:t>    echo "wrong </a:t>
             </a:r>
             <a:r>
-              <a:rPr lang="en-US" dirty="0" err="1"/>
+              <a:rPr lang="en-US" b="1" dirty="0" err="1">
+                <a:latin typeface="Courier New" panose="02070309020205020404" pitchFamily="49" charset="0"/>
+                <a:cs typeface="Courier New" panose="02070309020205020404" pitchFamily="49" charset="0"/>
+              </a:rPr>
               <a:t>invocation..exiting</a:t>
             </a:r>
             <a:r>
-              <a:rPr lang="en-US" dirty="0"/>
+              <a:rPr lang="en-US" b="1" dirty="0">
+                <a:latin typeface="Courier New" panose="02070309020205020404" pitchFamily="49" charset="0"/>
+                <a:cs typeface="Courier New" panose="02070309020205020404" pitchFamily="49" charset="0"/>
+              </a:rPr>
               <a:t>."</a:t>
             </a:r>
           </a:p>
@@ -18542,7 +18850,10 @@
               <a:buNone/>
             </a:pPr>
             <a:r>
-              <a:rPr lang="en-US" dirty="0"/>
+              <a:rPr lang="en-US" b="1" dirty="0">
+                <a:latin typeface="Courier New" panose="02070309020205020404" pitchFamily="49" charset="0"/>
+                <a:cs typeface="Courier New" panose="02070309020205020404" pitchFamily="49" charset="0"/>
+              </a:rPr>
               <a:t>    exit 3</a:t>
             </a:r>
           </a:p>
@@ -18552,7 +18863,10 @@
               <a:buNone/>
             </a:pPr>
             <a:r>
-              <a:rPr lang="en-US" dirty="0"/>
+              <a:rPr lang="en-US" b="1" dirty="0">
+                <a:latin typeface="Courier New" panose="02070309020205020404" pitchFamily="49" charset="0"/>
+                <a:cs typeface="Courier New" panose="02070309020205020404" pitchFamily="49" charset="0"/>
+              </a:rPr>
               <a:t>fi</a:t>
             </a:r>
           </a:p>
@@ -18562,7 +18876,10 @@
               <a:buNone/>
             </a:pPr>
             <a:r>
-              <a:rPr lang="en-US" dirty="0"/>
+              <a:rPr lang="en-US" b="1" dirty="0">
+                <a:latin typeface="Courier New" panose="02070309020205020404" pitchFamily="49" charset="0"/>
+                <a:cs typeface="Courier New" panose="02070309020205020404" pitchFamily="49" charset="0"/>
+              </a:rPr>
               <a:t>if [ -f "$2" ] ; then</a:t>
             </a:r>
           </a:p>
@@ -18572,7 +18889,10 @@
               <a:buNone/>
             </a:pPr>
             <a:r>
-              <a:rPr lang="en-US" dirty="0"/>
+              <a:rPr lang="en-US" b="1" dirty="0">
+                <a:latin typeface="Courier New" panose="02070309020205020404" pitchFamily="49" charset="0"/>
+                <a:cs typeface="Courier New" panose="02070309020205020404" pitchFamily="49" charset="0"/>
+              </a:rPr>
               <a:t>    rm -v "$2"</a:t>
             </a:r>
           </a:p>
@@ -18582,7 +18902,10 @@
               <a:buNone/>
             </a:pPr>
             <a:r>
-              <a:rPr lang="en-US" dirty="0"/>
+              <a:rPr lang="en-US" b="1" dirty="0">
+                <a:latin typeface="Courier New" panose="02070309020205020404" pitchFamily="49" charset="0"/>
+                <a:cs typeface="Courier New" panose="02070309020205020404" pitchFamily="49" charset="0"/>
+              </a:rPr>
               <a:t>fi</a:t>
             </a:r>
           </a:p>
@@ -18592,7 +18915,10 @@
               <a:buNone/>
             </a:pPr>
             <a:r>
-              <a:rPr lang="en-US" dirty="0"/>
+              <a:rPr lang="en-US" b="1" dirty="0">
+                <a:latin typeface="Courier New" panose="02070309020205020404" pitchFamily="49" charset="0"/>
+                <a:cs typeface="Courier New" panose="02070309020205020404" pitchFamily="49" charset="0"/>
+              </a:rPr>
               <a:t>cat $1 &gt;&gt; $2 || exit</a:t>
             </a:r>
           </a:p>
@@ -18602,7 +18928,10 @@
               <a:buNone/>
             </a:pPr>
             <a:r>
-              <a:rPr lang="en-US" dirty="0"/>
+              <a:rPr lang="en-US" b="1" dirty="0">
+                <a:latin typeface="Courier New" panose="02070309020205020404" pitchFamily="49" charset="0"/>
+                <a:cs typeface="Courier New" panose="02070309020205020404" pitchFamily="49" charset="0"/>
+              </a:rPr>
               <a:t>echo "processed by p1" &gt;&gt; $2</a:t>
             </a:r>
           </a:p>
@@ -18612,7 +18941,10 @@
               <a:buNone/>
             </a:pPr>
             <a:r>
-              <a:rPr lang="en-US" dirty="0"/>
+              <a:rPr lang="en-US" b="1" dirty="0">
+                <a:latin typeface="Courier New" panose="02070309020205020404" pitchFamily="49" charset="0"/>
+                <a:cs typeface="Courier New" panose="02070309020205020404" pitchFamily="49" charset="0"/>
+              </a:rPr>
               <a:t>echo "$2" &gt;&gt; ./q.p1</a:t>
             </a:r>
           </a:p>
@@ -18743,10 +19075,15 @@
             <p:ph idx="1"/>
           </p:nvPr>
         </p:nvSpPr>
-        <p:spPr/>
+        <p:spPr>
+          <a:xfrm>
+            <a:off x="628650" y="1369219"/>
+            <a:ext cx="7886700" cy="3398044"/>
+          </a:xfrm>
+        </p:spPr>
         <p:txBody>
           <a:bodyPr>
-            <a:normAutofit fontScale="70000" lnSpcReduction="20000"/>
+            <a:noAutofit/>
           </a:bodyPr>
           <a:lstStyle/>
           <a:p>
@@ -18754,7 +19091,10 @@
               <a:buNone/>
             </a:pPr>
             <a:r>
-              <a:rPr lang="en-US" dirty="0"/>
+              <a:rPr lang="en-US" sz="1200" b="1" dirty="0">
+                <a:latin typeface="Courier New" panose="02070309020205020404" pitchFamily="49" charset="0"/>
+                <a:cs typeface="Courier New" panose="02070309020205020404" pitchFamily="49" charset="0"/>
+              </a:rPr>
               <a:t>#!/bin/bash</a:t>
             </a:r>
           </a:p>
@@ -18762,43 +19102,58 @@
             <a:pPr marL="0" indent="0">
               <a:buNone/>
             </a:pPr>
-            <a:endParaRPr lang="en-US" dirty="0"/>
+            <a:r>
+              <a:rPr lang="en-US" sz="1200" b="1" dirty="0" err="1">
+                <a:latin typeface="Courier New" panose="02070309020205020404" pitchFamily="49" charset="0"/>
+                <a:cs typeface="Courier New" panose="02070309020205020404" pitchFamily="49" charset="0"/>
+              </a:rPr>
+              <a:t>mkdir</a:t>
+            </a:r>
+            <a:r>
+              <a:rPr lang="en-US" sz="1200" b="1" dirty="0">
+                <a:latin typeface="Courier New" panose="02070309020205020404" pitchFamily="49" charset="0"/>
+                <a:cs typeface="Courier New" panose="02070309020205020404" pitchFamily="49" charset="0"/>
+              </a:rPr>
+              <a:t> -p p{1..5}/</a:t>
+            </a:r>
+            <a:r>
+              <a:rPr lang="en-US" sz="1200" b="1" dirty="0" err="1">
+                <a:latin typeface="Courier New" panose="02070309020205020404" pitchFamily="49" charset="0"/>
+                <a:cs typeface="Courier New" panose="02070309020205020404" pitchFamily="49" charset="0"/>
+              </a:rPr>
+              <a:t>outdir</a:t>
+            </a:r>
+            <a:r>
+              <a:rPr lang="en-US" sz="1200" b="1" dirty="0">
+                <a:latin typeface="Courier New" panose="02070309020205020404" pitchFamily="49" charset="0"/>
+                <a:cs typeface="Courier New" panose="02070309020205020404" pitchFamily="49" charset="0"/>
+              </a:rPr>
+              <a:t> outputs</a:t>
+            </a:r>
           </a:p>
           <a:p>
             <a:pPr marL="0" indent="0">
               <a:buNone/>
             </a:pPr>
             <a:r>
-              <a:rPr lang="en-US" dirty="0" err="1"/>
-              <a:t>mkdir</a:t>
-            </a:r>
-            <a:r>
-              <a:rPr lang="en-US" dirty="0"/>
-              <a:t> -p p{1..5}/</a:t>
-            </a:r>
-            <a:r>
-              <a:rPr lang="en-US" dirty="0" err="1"/>
+              <a:rPr lang="en-US" sz="1200" b="1" dirty="0">
+                <a:latin typeface="Courier New" panose="02070309020205020404" pitchFamily="49" charset="0"/>
+                <a:cs typeface="Courier New" panose="02070309020205020404" pitchFamily="49" charset="0"/>
+              </a:rPr>
+              <a:t>parallel --link p1/p1.sh {1} {2} ::: inputs/in{1..6}.txt ::: p1/</a:t>
+            </a:r>
+            <a:r>
+              <a:rPr lang="en-US" sz="1200" b="1" dirty="0" err="1">
+                <a:latin typeface="Courier New" panose="02070309020205020404" pitchFamily="49" charset="0"/>
+                <a:cs typeface="Courier New" panose="02070309020205020404" pitchFamily="49" charset="0"/>
+              </a:rPr>
               <a:t>outdir</a:t>
             </a:r>
             <a:r>
-              <a:rPr lang="en-US" dirty="0"/>
-              <a:t> outputs</a:t>
-            </a:r>
-          </a:p>
-          <a:p>
-            <a:pPr marL="0" indent="0">
-              <a:buNone/>
-            </a:pPr>
-            <a:r>
-              <a:rPr lang="en-US" dirty="0"/>
-              <a:t>parallel --link p1/p1.sh {1} {2} ::: inputs/in{1..6}.txt ::: p1/</a:t>
-            </a:r>
-            <a:r>
-              <a:rPr lang="en-US" dirty="0" err="1"/>
-              <a:t>outdir</a:t>
-            </a:r>
-            <a:r>
-              <a:rPr lang="en-US" dirty="0"/>
+              <a:rPr lang="en-US" sz="1200" b="1" dirty="0">
+                <a:latin typeface="Courier New" panose="02070309020205020404" pitchFamily="49" charset="0"/>
+                <a:cs typeface="Courier New" panose="02070309020205020404" pitchFamily="49" charset="0"/>
+              </a:rPr>
               <a:t>/out{1..6}.txt &amp;</a:t>
             </a:r>
           </a:p>
@@ -18807,18 +19162,30 @@
               <a:buNone/>
             </a:pPr>
             <a:br>
-              <a:rPr lang="en-US" dirty="0"/>
+              <a:rPr lang="en-US" sz="1200" b="1" dirty="0">
+                <a:latin typeface="Courier New" panose="02070309020205020404" pitchFamily="49" charset="0"/>
+                <a:cs typeface="Courier New" panose="02070309020205020404" pitchFamily="49" charset="0"/>
+              </a:rPr>
             </a:br>
             <a:r>
-              <a:rPr lang="en-US" dirty="0"/>
+              <a:rPr lang="en-US" sz="1200" b="1" dirty="0">
+                <a:latin typeface="Courier New" panose="02070309020205020404" pitchFamily="49" charset="0"/>
+                <a:cs typeface="Courier New" panose="02070309020205020404" pitchFamily="49" charset="0"/>
+              </a:rPr>
               <a:t>touch q.p1 ; tail -n+0 -f q.p1 | parallel -u --link p2/p2.sh {1} {2} :::: - ::: p2/</a:t>
             </a:r>
             <a:r>
-              <a:rPr lang="en-US" dirty="0" err="1"/>
+              <a:rPr lang="en-US" sz="1200" b="1" dirty="0" err="1">
+                <a:latin typeface="Courier New" panose="02070309020205020404" pitchFamily="49" charset="0"/>
+                <a:cs typeface="Courier New" panose="02070309020205020404" pitchFamily="49" charset="0"/>
+              </a:rPr>
               <a:t>outdir</a:t>
             </a:r>
             <a:r>
-              <a:rPr lang="en-US" dirty="0"/>
+              <a:rPr lang="en-US" sz="1200" b="1" dirty="0">
+                <a:latin typeface="Courier New" panose="02070309020205020404" pitchFamily="49" charset="0"/>
+                <a:cs typeface="Courier New" panose="02070309020205020404" pitchFamily="49" charset="0"/>
+              </a:rPr>
               <a:t>/out{1..6}.txt &amp;</a:t>
             </a:r>
           </a:p>
@@ -18827,15 +19194,24 @@
               <a:buNone/>
             </a:pPr>
             <a:r>
-              <a:rPr lang="en-US" dirty="0"/>
+              <a:rPr lang="en-US" sz="1200" b="1" dirty="0">
+                <a:latin typeface="Courier New" panose="02070309020205020404" pitchFamily="49" charset="0"/>
+                <a:cs typeface="Courier New" panose="02070309020205020404" pitchFamily="49" charset="0"/>
+              </a:rPr>
               <a:t>touch q.p1 ; tail -n+0 -f q.p1 | parallel -u --link p3/p3.sh {1} {2} :::: - ::: p3/</a:t>
             </a:r>
             <a:r>
-              <a:rPr lang="en-US" dirty="0" err="1"/>
+              <a:rPr lang="en-US" sz="1200" b="1" dirty="0" err="1">
+                <a:latin typeface="Courier New" panose="02070309020205020404" pitchFamily="49" charset="0"/>
+                <a:cs typeface="Courier New" panose="02070309020205020404" pitchFamily="49" charset="0"/>
+              </a:rPr>
               <a:t>outdir</a:t>
             </a:r>
             <a:r>
-              <a:rPr lang="en-US" dirty="0"/>
+              <a:rPr lang="en-US" sz="1200" b="1" dirty="0">
+                <a:latin typeface="Courier New" panose="02070309020205020404" pitchFamily="49" charset="0"/>
+                <a:cs typeface="Courier New" panose="02070309020205020404" pitchFamily="49" charset="0"/>
+              </a:rPr>
               <a:t>/out{1..6}.txt &amp;</a:t>
             </a:r>
           </a:p>
@@ -18844,15 +19220,24 @@
               <a:buNone/>
             </a:pPr>
             <a:r>
-              <a:rPr lang="en-US" dirty="0"/>
+              <a:rPr lang="en-US" sz="1200" b="1" dirty="0">
+                <a:latin typeface="Courier New" panose="02070309020205020404" pitchFamily="49" charset="0"/>
+                <a:cs typeface="Courier New" panose="02070309020205020404" pitchFamily="49" charset="0"/>
+              </a:rPr>
               <a:t>touch q.p2 ; tail -n+0 -f q.p2 | parallel -u --link p4/p4.sh {1} {2} :::: - ::: p4/</a:t>
             </a:r>
             <a:r>
-              <a:rPr lang="en-US" dirty="0" err="1"/>
+              <a:rPr lang="en-US" sz="1200" b="1" dirty="0" err="1">
+                <a:latin typeface="Courier New" panose="02070309020205020404" pitchFamily="49" charset="0"/>
+                <a:cs typeface="Courier New" panose="02070309020205020404" pitchFamily="49" charset="0"/>
+              </a:rPr>
               <a:t>outdir</a:t>
             </a:r>
             <a:r>
-              <a:rPr lang="en-US" dirty="0"/>
+              <a:rPr lang="en-US" sz="1200" b="1" dirty="0">
+                <a:latin typeface="Courier New" panose="02070309020205020404" pitchFamily="49" charset="0"/>
+                <a:cs typeface="Courier New" panose="02070309020205020404" pitchFamily="49" charset="0"/>
+              </a:rPr>
               <a:t>/out{1..6}.txt &amp;</a:t>
             </a:r>
           </a:p>
@@ -18861,15 +19246,24 @@
               <a:buNone/>
             </a:pPr>
             <a:r>
-              <a:rPr lang="en-US" dirty="0"/>
+              <a:rPr lang="en-US" sz="1200" b="1" dirty="0">
+                <a:latin typeface="Courier New" panose="02070309020205020404" pitchFamily="49" charset="0"/>
+                <a:cs typeface="Courier New" panose="02070309020205020404" pitchFamily="49" charset="0"/>
+              </a:rPr>
               <a:t>touch q.p3 ; tail -n+0 -f q.p3 | parallel -u --link p5/p5.sh {1} {2} :::: - ::: p5/</a:t>
             </a:r>
             <a:r>
-              <a:rPr lang="en-US" dirty="0" err="1"/>
+              <a:rPr lang="en-US" sz="1200" b="1" dirty="0" err="1">
+                <a:latin typeface="Courier New" panose="02070309020205020404" pitchFamily="49" charset="0"/>
+                <a:cs typeface="Courier New" panose="02070309020205020404" pitchFamily="49" charset="0"/>
+              </a:rPr>
               <a:t>outdir</a:t>
             </a:r>
             <a:r>
-              <a:rPr lang="en-US" dirty="0"/>
+              <a:rPr lang="en-US" sz="1200" b="1" dirty="0">
+                <a:latin typeface="Courier New" panose="02070309020205020404" pitchFamily="49" charset="0"/>
+                <a:cs typeface="Courier New" panose="02070309020205020404" pitchFamily="49" charset="0"/>
+              </a:rPr>
               <a:t>/out{1..6}.txt &amp; </a:t>
             </a:r>
           </a:p>
@@ -18878,26 +19272,44 @@
               <a:buNone/>
             </a:pPr>
             <a:br>
-              <a:rPr lang="en-US" dirty="0"/>
+              <a:rPr lang="en-US" sz="1200" b="1" dirty="0">
+                <a:latin typeface="Courier New" panose="02070309020205020404" pitchFamily="49" charset="0"/>
+                <a:cs typeface="Courier New" panose="02070309020205020404" pitchFamily="49" charset="0"/>
+              </a:rPr>
             </a:br>
             <a:r>
-              <a:rPr lang="en-US" dirty="0"/>
+              <a:rPr lang="en-US" sz="1200" b="1" dirty="0">
+                <a:latin typeface="Courier New" panose="02070309020205020404" pitchFamily="49" charset="0"/>
+                <a:cs typeface="Courier New" panose="02070309020205020404" pitchFamily="49" charset="0"/>
+              </a:rPr>
               <a:t>(</a:t>
             </a:r>
             <a:r>
-              <a:rPr lang="en-US" dirty="0" err="1"/>
+              <a:rPr lang="en-US" sz="1200" b="1" dirty="0" err="1">
+                <a:latin typeface="Courier New" panose="02070309020205020404" pitchFamily="49" charset="0"/>
+                <a:cs typeface="Courier New" panose="02070309020205020404" pitchFamily="49" charset="0"/>
+              </a:rPr>
               <a:t>stdbuf</a:t>
             </a:r>
             <a:r>
-              <a:rPr lang="en-US" dirty="0"/>
+              <a:rPr lang="en-US" sz="1200" b="1" dirty="0">
+                <a:latin typeface="Courier New" panose="02070309020205020404" pitchFamily="49" charset="0"/>
+                <a:cs typeface="Courier New" panose="02070309020205020404" pitchFamily="49" charset="0"/>
+              </a:rPr>
               <a:t> -</a:t>
             </a:r>
             <a:r>
-              <a:rPr lang="en-US" dirty="0" err="1"/>
+              <a:rPr lang="en-US" sz="1200" b="1" dirty="0" err="1">
+                <a:latin typeface="Courier New" panose="02070309020205020404" pitchFamily="49" charset="0"/>
+                <a:cs typeface="Courier New" panose="02070309020205020404" pitchFamily="49" charset="0"/>
+              </a:rPr>
               <a:t>oL</a:t>
             </a:r>
             <a:r>
-              <a:rPr lang="en-US" dirty="0"/>
+              <a:rPr lang="en-US" sz="1200" b="1" dirty="0">
+                <a:latin typeface="Courier New" panose="02070309020205020404" pitchFamily="49" charset="0"/>
+                <a:cs typeface="Courier New" panose="02070309020205020404" pitchFamily="49" charset="0"/>
+              </a:rPr>
               <a:t> paste &lt;(touch q.p4 ; tail -n+0 -f q.p4) &lt;(touch q.p5 ; tail -n+0 -f q.p5)) | parallel -u --link p6/p6.sh :::: - ::: outputs/out{1..6}.txt</a:t>
             </a:r>
           </a:p>

--- a/gnu-parallel-tutorial.pptx
+++ b/gnu-parallel-tutorial.pptx
@@ -5,10 +5,10 @@
     <p:sldMasterId id="2147483660" r:id="rId1"/>
   </p:sldMasterIdLst>
   <p:notesMasterIdLst>
-    <p:notesMasterId r:id="rId62"/>
+    <p:notesMasterId r:id="rId66"/>
   </p:notesMasterIdLst>
   <p:handoutMasterIdLst>
-    <p:handoutMasterId r:id="rId63"/>
+    <p:handoutMasterId r:id="rId67"/>
   </p:handoutMasterIdLst>
   <p:sldIdLst>
     <p:sldId id="256" r:id="rId2"/>
@@ -63,14 +63,18 @@
     <p:sldId id="447" r:id="rId51"/>
     <p:sldId id="457" r:id="rId52"/>
     <p:sldId id="450" r:id="rId53"/>
-    <p:sldId id="423" r:id="rId54"/>
-    <p:sldId id="432" r:id="rId55"/>
-    <p:sldId id="411" r:id="rId56"/>
-    <p:sldId id="288" r:id="rId57"/>
-    <p:sldId id="309" r:id="rId58"/>
-    <p:sldId id="398" r:id="rId59"/>
-    <p:sldId id="393" r:id="rId60"/>
-    <p:sldId id="456" r:id="rId61"/>
+    <p:sldId id="460" r:id="rId54"/>
+    <p:sldId id="461" r:id="rId55"/>
+    <p:sldId id="462" r:id="rId56"/>
+    <p:sldId id="463" r:id="rId57"/>
+    <p:sldId id="432" r:id="rId58"/>
+    <p:sldId id="423" r:id="rId59"/>
+    <p:sldId id="411" r:id="rId60"/>
+    <p:sldId id="288" r:id="rId61"/>
+    <p:sldId id="309" r:id="rId62"/>
+    <p:sldId id="398" r:id="rId63"/>
+    <p:sldId id="393" r:id="rId64"/>
+    <p:sldId id="456" r:id="rId65"/>
   </p:sldIdLst>
   <p:sldSz cx="9144000" cy="5143500" type="screen16x9"/>
   <p:notesSz cx="9144000" cy="6858000"/>
@@ -271,7 +275,7 @@
           <a:p>
             <a:fld id="{DE0C789A-1381-F54D-B55B-DCBB91319C08}" type="datetimeFigureOut">
               <a:rPr lang="en-US" smtClean="0"/>
-              <a:t>10/7/23</a:t>
+              <a:t>10/9/23</a:t>
             </a:fld>
             <a:endParaRPr lang="en-US"/>
           </a:p>
@@ -448,7 +452,7 @@
           <a:p>
             <a:fld id="{46CB9FDB-056B-6244-AE56-9549F1074EBB}" type="datetimeFigureOut">
               <a:rPr lang="en-US" smtClean="0"/>
-              <a:t>10/7/23</a:t>
+              <a:t>10/9/23</a:t>
             </a:fld>
             <a:endParaRPr lang="en-US"/>
           </a:p>
@@ -1263,16 +1267,6 @@
           <a:bodyPr/>
           <a:lstStyle/>
           <a:p>
-            <a:r>
-              <a:rPr lang="en-US" b="0" i="0" u="none" strike="noStrike" dirty="0">
-                <a:solidFill>
-                  <a:srgbClr val="1D1D1D"/>
-                </a:solidFill>
-                <a:effectLst/>
-                <a:latin typeface="Calibri" panose="020F0502020204030204" pitchFamily="34" charset="0"/>
-              </a:rPr>
-              <a:t>HMMER3 Takes a protein sequence and compares it to a probabilistic profile that describes a protein domain. It reports when there is a statistically significant likelihood that the protein and the domain share the same evolutionary origin. This basic comparison is repeated for all combinations of many protein sequences and many domains.</a:t>
-            </a:r>
             <a:endParaRPr lang="en-US" dirty="0"/>
           </a:p>
         </p:txBody>
@@ -1294,7 +1288,7 @@
           <a:p>
             <a:fld id="{D97B2049-7013-B143-AD62-F7BCB3DA4A6F}" type="slidenum">
               <a:rPr lang="en-US" smtClean="0"/>
-              <a:t>53</a:t>
+              <a:t>58</a:t>
             </a:fld>
             <a:endParaRPr lang="en-US"/>
           </a:p>
@@ -1405,7 +1399,7 @@
           <a:p>
             <a:fld id="{D97B2049-7013-B143-AD62-F7BCB3DA4A6F}" type="slidenum">
               <a:rPr lang="en-US" smtClean="0"/>
-              <a:t>56</a:t>
+              <a:t>60</a:t>
             </a:fld>
             <a:endParaRPr lang="en-US"/>
           </a:p>
@@ -1555,7 +1549,7 @@
           <a:p>
             <a:fld id="{524F091B-C9FE-714F-8F5F-8CFB82A747F1}" type="datetime1">
               <a:rPr lang="en-US" smtClean="0"/>
-              <a:t>10/7/23</a:t>
+              <a:t>10/9/23</a:t>
             </a:fld>
             <a:endParaRPr lang="en-US"/>
           </a:p>
@@ -1725,7 +1719,7 @@
           <a:p>
             <a:fld id="{E5121F4C-BC13-F84F-9AD9-260A611D728C}" type="datetime1">
               <a:rPr lang="en-US" smtClean="0"/>
-              <a:t>10/7/23</a:t>
+              <a:t>10/9/23</a:t>
             </a:fld>
             <a:endParaRPr lang="en-US"/>
           </a:p>
@@ -1905,7 +1899,7 @@
           <a:p>
             <a:fld id="{69934431-5E8A-0144-AD3C-F9F3B5843812}" type="datetime1">
               <a:rPr lang="en-US" smtClean="0"/>
-              <a:t>10/7/23</a:t>
+              <a:t>10/9/23</a:t>
             </a:fld>
             <a:endParaRPr lang="en-US"/>
           </a:p>
@@ -2075,7 +2069,7 @@
           <a:p>
             <a:fld id="{4D966F88-1DAF-F94F-A3D2-93E7964825AC}" type="datetime1">
               <a:rPr lang="en-US" smtClean="0"/>
-              <a:t>10/7/23</a:t>
+              <a:t>10/9/23</a:t>
             </a:fld>
             <a:endParaRPr lang="en-US"/>
           </a:p>
@@ -2321,7 +2315,7 @@
           <a:p>
             <a:fld id="{75F67F5F-B354-5B41-A0FF-E33ACFB7B000}" type="datetime1">
               <a:rPr lang="en-US" smtClean="0"/>
-              <a:t>10/7/23</a:t>
+              <a:t>10/9/23</a:t>
             </a:fld>
             <a:endParaRPr lang="en-US"/>
           </a:p>
@@ -2553,7 +2547,7 @@
           <a:p>
             <a:fld id="{1FE71E3D-61C4-AF47-B5F6-80F7A2125094}" type="datetime1">
               <a:rPr lang="en-US" smtClean="0"/>
-              <a:t>10/7/23</a:t>
+              <a:t>10/9/23</a:t>
             </a:fld>
             <a:endParaRPr lang="en-US"/>
           </a:p>
@@ -2920,7 +2914,7 @@
           <a:p>
             <a:fld id="{B7259F95-3E7B-AE48-BD5A-55F4F48F15EE}" type="datetime1">
               <a:rPr lang="en-US" smtClean="0"/>
-              <a:t>10/7/23</a:t>
+              <a:t>10/9/23</a:t>
             </a:fld>
             <a:endParaRPr lang="en-US"/>
           </a:p>
@@ -3038,7 +3032,7 @@
           <a:p>
             <a:fld id="{1E2D71D9-286E-D847-8194-60F3E909E40C}" type="datetime1">
               <a:rPr lang="en-US" smtClean="0"/>
-              <a:t>10/7/23</a:t>
+              <a:t>10/9/23</a:t>
             </a:fld>
             <a:endParaRPr lang="en-US"/>
           </a:p>
@@ -3133,7 +3127,7 @@
           <a:p>
             <a:fld id="{3AC70D76-DA63-C342-B98E-F532027F9CD7}" type="datetime1">
               <a:rPr lang="en-US" smtClean="0"/>
-              <a:t>10/7/23</a:t>
+              <a:t>10/9/23</a:t>
             </a:fld>
             <a:endParaRPr lang="en-US"/>
           </a:p>
@@ -3410,7 +3404,7 @@
           <a:p>
             <a:fld id="{74E169E1-67F4-DE43-8AD1-CF716A32D6D9}" type="datetime1">
               <a:rPr lang="en-US" smtClean="0"/>
-              <a:t>10/7/23</a:t>
+              <a:t>10/9/23</a:t>
             </a:fld>
             <a:endParaRPr lang="en-US"/>
           </a:p>
@@ -3667,7 +3661,7 @@
           <a:p>
             <a:fld id="{EDBC0E13-B072-744E-A1EF-1258C23FD22F}" type="datetime1">
               <a:rPr lang="en-US" smtClean="0"/>
-              <a:t>10/7/23</a:t>
+              <a:t>10/9/23</a:t>
             </a:fld>
             <a:endParaRPr lang="en-US"/>
           </a:p>
@@ -3880,7 +3874,7 @@
           <a:p>
             <a:fld id="{14D54490-4A22-8B41-9AA4-9BECA28CBC89}" type="datetime1">
               <a:rPr lang="en-US" smtClean="0"/>
-              <a:t>10/7/23</a:t>
+              <a:t>10/9/23</a:t>
             </a:fld>
             <a:endParaRPr lang="en-US"/>
           </a:p>
@@ -9025,7 +9019,18 @@
             </a:pPr>
             <a:r>
               <a:rPr lang="en-US" sz="1600" dirty="0"/>
-              <a:t>Use {[n]} to put nth set of arguments in multiple commands / </a:t>
+              <a:t>Use </a:t>
+            </a:r>
+            <a:r>
+              <a:rPr lang="en-US" sz="1600" b="1" dirty="0">
+                <a:latin typeface="Courier New" panose="02070309020205020404" pitchFamily="49" charset="0"/>
+                <a:cs typeface="Courier New" panose="02070309020205020404" pitchFamily="49" charset="0"/>
+              </a:rPr>
+              <a:t>{[n]}</a:t>
+            </a:r>
+            <a:r>
+              <a:rPr lang="en-US" sz="1600" dirty="0"/>
+              <a:t> to put nth set of arguments in multiple commands / </a:t>
             </a:r>
             <a:r>
               <a:rPr lang="en-US" sz="1600" dirty="0" err="1"/>
@@ -9193,8 +9198,15 @@
               <a:rPr lang="en-US" sz="1600" dirty="0"/>
             </a:br>
             <a:r>
+              <a:rPr lang="en-US" sz="1600" b="1" dirty="0">
+                <a:latin typeface="Courier New" panose="02070309020205020404" pitchFamily="49" charset="0"/>
+                <a:cs typeface="Courier New" panose="02070309020205020404" pitchFamily="49" charset="0"/>
+              </a:rPr>
+              <a:t>{.}</a:t>
+            </a:r>
+            <a:r>
               <a:rPr lang="en-US" sz="1600" dirty="0"/>
-              <a:t>{.} remove extension, </a:t>
+              <a:t> remove extension, </a:t>
             </a:r>
             <a:r>
               <a:rPr lang="en-US" sz="1600" dirty="0" err="1"/>
@@ -9236,8 +9248,15 @@
               <a:rPr lang="en-US" sz="1600" dirty="0"/>
             </a:br>
             <a:r>
+              <a:rPr lang="en-US" sz="1600" b="1" dirty="0">
+                <a:latin typeface="Courier New" panose="02070309020205020404" pitchFamily="49" charset="0"/>
+                <a:cs typeface="Courier New" panose="02070309020205020404" pitchFamily="49" charset="0"/>
+              </a:rPr>
+              <a:t>{/}</a:t>
+            </a:r>
+            <a:r>
               <a:rPr lang="en-US" sz="1600" dirty="0"/>
-              <a:t>{/} extracts just the filename, </a:t>
+              <a:t> extracts just the filename, </a:t>
             </a:r>
             <a:r>
               <a:rPr lang="en-US" sz="1600" dirty="0" err="1"/>
@@ -9282,15 +9301,29 @@
               <a:rPr lang="en-US" sz="1600" dirty="0"/>
             </a:br>
             <a:r>
+              <a:rPr lang="en-US" sz="1600" b="1" dirty="0">
+                <a:latin typeface="Courier New" panose="02070309020205020404" pitchFamily="49" charset="0"/>
+                <a:cs typeface="Courier New" panose="02070309020205020404" pitchFamily="49" charset="0"/>
+              </a:rPr>
+              <a:t>{#}</a:t>
+            </a:r>
+            <a:r>
               <a:rPr lang="en-US" sz="1600" dirty="0"/>
-              <a:t>{#} sequence number of the job</a:t>
+              <a:t> sequence number of the job</a:t>
             </a:r>
             <a:br>
               <a:rPr lang="en-US" sz="1600" dirty="0"/>
             </a:br>
             <a:r>
+              <a:rPr lang="en-US" sz="1600" b="1" dirty="0">
+                <a:latin typeface="Courier New" panose="02070309020205020404" pitchFamily="49" charset="0"/>
+                <a:cs typeface="Courier New" panose="02070309020205020404" pitchFamily="49" charset="0"/>
+              </a:rPr>
+              <a:t>{%}</a:t>
+            </a:r>
+            <a:r>
               <a:rPr lang="en-US" sz="1600" dirty="0"/>
-              <a:t>{%} slot number of the job</a:t>
+              <a:t> slot number of the job</a:t>
             </a:r>
             <a:br>
               <a:rPr lang="en-US" sz="1600" dirty="0"/>
@@ -9299,20 +9332,50 @@
               <a:rPr lang="en-US" sz="1600" dirty="0"/>
             </a:br>
             <a:r>
-              <a:rPr lang="en-US" sz="1600" dirty="0" err="1"/>
-              <a:t>eg.</a:t>
-            </a:r>
-            <a:r>
-              <a:rPr lang="en-US" sz="1600" dirty="0"/>
+              <a:rPr lang="en-US" sz="1600" b="1" dirty="0">
+                <a:latin typeface="Courier New" panose="02070309020205020404" pitchFamily="49" charset="0"/>
+                <a:cs typeface="Courier New" panose="02070309020205020404" pitchFamily="49" charset="0"/>
+              </a:rPr>
+              <a:t>parallel echo "sequence {#} slot {%}" ::: {1..100}</a:t>
+            </a:r>
+            <a:br>
+              <a:rPr lang="en-US" sz="1600" b="1" dirty="0">
+                <a:latin typeface="Courier New" panose="02070309020205020404" pitchFamily="49" charset="0"/>
+                <a:cs typeface="Courier New" panose="02070309020205020404" pitchFamily="49" charset="0"/>
+              </a:rPr>
+            </a:br>
+            <a:r>
+              <a:rPr lang="en-US" sz="1600" b="1" dirty="0">
+                <a:latin typeface="Courier New" panose="02070309020205020404" pitchFamily="49" charset="0"/>
+                <a:cs typeface="Courier New" panose="02070309020205020404" pitchFamily="49" charset="0"/>
+              </a:rPr>
+              <a:t>parallel echo {2.} {1} ::: 1 2 ::: </a:t>
+            </a:r>
+            <a:r>
+              <a:rPr lang="en-US" sz="1600" b="1" dirty="0" err="1">
+                <a:latin typeface="Courier New" panose="02070309020205020404" pitchFamily="49" charset="0"/>
+                <a:cs typeface="Courier New" panose="02070309020205020404" pitchFamily="49" charset="0"/>
+              </a:rPr>
+              <a:t>afile.txt</a:t>
+            </a:r>
+            <a:r>
+              <a:rPr lang="en-US" sz="1600" b="1" dirty="0">
+                <a:latin typeface="Courier New" panose="02070309020205020404" pitchFamily="49" charset="0"/>
+                <a:cs typeface="Courier New" panose="02070309020205020404" pitchFamily="49" charset="0"/>
+              </a:rPr>
               <a:t> </a:t>
             </a:r>
             <a:r>
-              <a:rPr lang="en-US" sz="1600" b="1" dirty="0">
-                <a:latin typeface="Courier New" panose="02070309020205020404" pitchFamily="49" charset="0"/>
-                <a:cs typeface="Courier New" panose="02070309020205020404" pitchFamily="49" charset="0"/>
-              </a:rPr>
-              <a:t>parallel echo "sequence {#} slot {%}" ::: {1..100}</a:t>
-            </a:r>
+              <a:rPr lang="en-US" sz="1600" b="1" dirty="0" err="1">
+                <a:latin typeface="Courier New" panose="02070309020205020404" pitchFamily="49" charset="0"/>
+                <a:cs typeface="Courier New" panose="02070309020205020404" pitchFamily="49" charset="0"/>
+              </a:rPr>
+              <a:t>bpic.png</a:t>
+            </a:r>
+            <a:endParaRPr lang="en-US" sz="1600" b="1" dirty="0">
+              <a:latin typeface="Courier New" panose="02070309020205020404" pitchFamily="49" charset="0"/>
+              <a:cs typeface="Courier New" panose="02070309020205020404" pitchFamily="49" charset="0"/>
+            </a:endParaRPr>
           </a:p>
         </p:txBody>
       </p:sp>
@@ -15701,7 +15764,7 @@
             </a:pPr>
             <a:r>
               <a:rPr lang="en-US" dirty="0"/>
-              <a:t>Vs</a:t>
+              <a:t>vs</a:t>
             </a:r>
           </a:p>
           <a:p>
@@ -16947,14 +17010,11 @@
           <a:p>
             <a:pPr algn="ctr"/>
             <a:r>
-              <a:rPr lang="en-US">
+              <a:rPr lang="en-US" dirty="0">
                 <a:latin typeface="National Park " pitchFamily="2" charset="77"/>
               </a:rPr>
               <a:t>Driver and Payload codes</a:t>
             </a:r>
-            <a:endParaRPr lang="en-US" dirty="0">
-              <a:latin typeface="National Park " pitchFamily="2" charset="77"/>
-            </a:endParaRPr>
           </a:p>
         </p:txBody>
       </p:sp>
@@ -19506,7 +19566,7 @@
           <p:cNvPr id="2" name="Title 1">
             <a:extLst>
               <a:ext uri="{FF2B5EF4-FFF2-40B4-BE49-F238E27FC236}">
-                <a16:creationId xmlns:a16="http://schemas.microsoft.com/office/drawing/2014/main" id="{1A155580-7F59-A971-9A10-80B0292411CB}"/>
+                <a16:creationId xmlns:a16="http://schemas.microsoft.com/office/drawing/2014/main" id="{F371B76F-F96F-6C91-F05D-CBD47D5087CC}"/>
               </a:ext>
             </a:extLst>
           </p:cNvPr>
@@ -19519,9 +19579,7 @@
         </p:nvSpPr>
         <p:spPr/>
         <p:txBody>
-          <a:bodyPr>
-            <a:normAutofit/>
-          </a:bodyPr>
+          <a:bodyPr/>
           <a:lstStyle/>
           <a:p>
             <a:pPr algn="ctr"/>
@@ -19531,6 +19589,7 @@
               </a:rPr>
               <a:t>A Real Application: Bioinformatics</a:t>
             </a:r>
+            <a:endParaRPr lang="en-US" dirty="0"/>
           </a:p>
         </p:txBody>
       </p:sp>
@@ -19539,7 +19598,7 @@
           <p:cNvPr id="3" name="Content Placeholder 2">
             <a:extLst>
               <a:ext uri="{FF2B5EF4-FFF2-40B4-BE49-F238E27FC236}">
-                <a16:creationId xmlns:a16="http://schemas.microsoft.com/office/drawing/2014/main" id="{212B05BE-AE06-9735-3017-22BAFDEC394F}"/>
+                <a16:creationId xmlns:a16="http://schemas.microsoft.com/office/drawing/2014/main" id="{7F3AD349-A36F-F691-1F5B-C7F082FB442F}"/>
               </a:ext>
             </a:extLst>
           </p:cNvPr>
@@ -19550,175 +19609,54 @@
             <p:ph idx="1"/>
           </p:nvPr>
         </p:nvSpPr>
-        <p:spPr/>
-        <p:txBody>
-          <a:bodyPr>
-            <a:normAutofit/>
-          </a:bodyPr>
-          <a:lstStyle/>
-          <a:p>
-            <a:pPr marL="0" indent="0">
-              <a:buNone/>
-            </a:pPr>
-            <a:r>
-              <a:rPr lang="en-US" dirty="0" err="1">
-                <a:latin typeface="National Park " pitchFamily="2" charset="77"/>
-              </a:rPr>
-              <a:t>hmmsearch</a:t>
-            </a:r>
-            <a:r>
-              <a:rPr lang="en-US" dirty="0">
-                <a:latin typeface="National Park " pitchFamily="2" charset="77"/>
-              </a:rPr>
-              <a:t> --</a:t>
-            </a:r>
-            <a:r>
-              <a:rPr lang="en-US" dirty="0" err="1">
-                <a:latin typeface="National Park " pitchFamily="2" charset="77"/>
-              </a:rPr>
-              <a:t>cpu</a:t>
-            </a:r>
-            <a:r>
-              <a:rPr lang="en-US" dirty="0">
-                <a:latin typeface="National Park " pitchFamily="2" charset="77"/>
-              </a:rPr>
-              <a:t> 8 --</a:t>
-            </a:r>
-            <a:r>
-              <a:rPr lang="en-US" dirty="0" err="1">
-                <a:latin typeface="National Park " pitchFamily="2" charset="77"/>
-              </a:rPr>
-              <a:t>noali</a:t>
-            </a:r>
-            <a:r>
-              <a:rPr lang="en-US" dirty="0">
-                <a:latin typeface="National Park " pitchFamily="2" charset="77"/>
-              </a:rPr>
-              <a:t> -o </a:t>
-            </a:r>
-            <a:r>
-              <a:rPr lang="en-US" dirty="0" err="1">
-                <a:latin typeface="National Park " pitchFamily="2" charset="77"/>
-              </a:rPr>
-              <a:t>output.txt</a:t>
-            </a:r>
-            <a:r>
-              <a:rPr lang="en-US" dirty="0">
-                <a:latin typeface="National Park " pitchFamily="2" charset="77"/>
-              </a:rPr>
-              <a:t> $SCRATCH/</a:t>
-            </a:r>
-            <a:r>
-              <a:rPr lang="en-US" dirty="0" err="1">
-                <a:latin typeface="National Park " pitchFamily="2" charset="77"/>
-              </a:rPr>
-              <a:t>CR_data</a:t>
-            </a:r>
-            <a:r>
-              <a:rPr lang="en-US" dirty="0">
-                <a:latin typeface="National Park " pitchFamily="2" charset="77"/>
-              </a:rPr>
-              <a:t>/</a:t>
-            </a:r>
-            <a:r>
-              <a:rPr lang="en-US" dirty="0" err="1">
-                <a:latin typeface="National Park " pitchFamily="2" charset="77"/>
-              </a:rPr>
-              <a:t>Pfam-A.hmm</a:t>
-            </a:r>
-            <a:r>
-              <a:rPr lang="en-US" dirty="0">
-                <a:latin typeface="National Park " pitchFamily="2" charset="77"/>
-              </a:rPr>
-              <a:t> </a:t>
-            </a:r>
-            <a:r>
-              <a:rPr lang="en-US" dirty="0" err="1">
-                <a:latin typeface="National Park " pitchFamily="2" charset="77"/>
-              </a:rPr>
-              <a:t>input.fasta</a:t>
-            </a:r>
-            <a:br>
-              <a:rPr lang="en-US" dirty="0">
-                <a:latin typeface="National Park " pitchFamily="2" charset="77"/>
-              </a:rPr>
-            </a:br>
-            <a:br>
-              <a:rPr lang="en-US" dirty="0">
-                <a:latin typeface="National Park " pitchFamily="2" charset="77"/>
-              </a:rPr>
-            </a:br>
-            <a:r>
-              <a:rPr lang="en-US" dirty="0">
-                <a:latin typeface="National Park " pitchFamily="2" charset="77"/>
-              </a:rPr>
-              <a:t>ls | head -3</a:t>
-            </a:r>
-          </a:p>
-          <a:p>
-            <a:pPr marL="0" indent="0">
-              <a:buNone/>
-            </a:pPr>
-            <a:r>
-              <a:rPr lang="en-US" dirty="0">
-                <a:latin typeface="National Park " pitchFamily="2" charset="77"/>
-              </a:rPr>
-              <a:t>uniprot_100.fasta</a:t>
-            </a:r>
-          </a:p>
-          <a:p>
-            <a:pPr marL="0" indent="0">
-              <a:buNone/>
-            </a:pPr>
-            <a:r>
-              <a:rPr lang="en-US" dirty="0">
-                <a:latin typeface="National Park " pitchFamily="2" charset="77"/>
-              </a:rPr>
-              <a:t>uniprot_101.fasta</a:t>
-            </a:r>
-          </a:p>
-          <a:p>
-            <a:pPr marL="0" indent="0">
-              <a:buNone/>
-            </a:pPr>
-            <a:r>
-              <a:rPr lang="en-US" dirty="0">
-                <a:latin typeface="National Park " pitchFamily="2" charset="77"/>
-              </a:rPr>
-              <a:t>uniprot_102.fasta</a:t>
-            </a:r>
-          </a:p>
-          <a:p>
-            <a:pPr marL="0" indent="0">
-              <a:buNone/>
-            </a:pPr>
-            <a:r>
-              <a:rPr lang="en-US" dirty="0">
-                <a:latin typeface="National Park " pitchFamily="2" charset="77"/>
-              </a:rPr>
-              <a:t>find $PWD -type f | grep </a:t>
-            </a:r>
-            <a:r>
-              <a:rPr lang="en-US" dirty="0" err="1">
-                <a:latin typeface="National Park " pitchFamily="2" charset="77"/>
-              </a:rPr>
-              <a:t>fasta</a:t>
-            </a:r>
-            <a:r>
-              <a:rPr lang="en-US" dirty="0">
-                <a:latin typeface="National Park " pitchFamily="2" charset="77"/>
-              </a:rPr>
-              <a:t> | sort &gt; </a:t>
-            </a:r>
-            <a:r>
-              <a:rPr lang="en-US">
-                <a:latin typeface="National Park " pitchFamily="2" charset="77"/>
-              </a:rPr>
-              <a:t>input.txt</a:t>
-            </a:r>
-            <a:endParaRPr lang="en-US" dirty="0">
-              <a:latin typeface="National Park " pitchFamily="2" charset="77"/>
-            </a:endParaRPr>
+        <p:spPr>
+          <a:xfrm>
+            <a:off x="628650" y="1369219"/>
+            <a:ext cx="7886700" cy="2333351"/>
+          </a:xfrm>
+        </p:spPr>
+        <p:txBody>
+          <a:bodyPr/>
+          <a:lstStyle/>
+          <a:p>
+            <a:r>
+              <a:rPr lang="en-US" b="0" i="0" u="none" strike="noStrike" dirty="0">
+                <a:solidFill>
+                  <a:srgbClr val="1D1D1D"/>
+                </a:solidFill>
+                <a:effectLst/>
+                <a:latin typeface="Calibri" panose="020F0502020204030204" pitchFamily="34" charset="0"/>
+              </a:rPr>
+              <a:t>HMMER3 Takes a protein sequence and compares it to a probabilistic profile that describes a protein domain.</a:t>
+            </a:r>
+          </a:p>
+          <a:p>
+            <a:r>
+              <a:rPr lang="en-US" b="0" i="0" u="none" strike="noStrike" dirty="0">
+                <a:solidFill>
+                  <a:srgbClr val="1D1D1D"/>
+                </a:solidFill>
+                <a:effectLst/>
+                <a:latin typeface="Calibri" panose="020F0502020204030204" pitchFamily="34" charset="0"/>
+              </a:rPr>
+              <a:t>It reports when there is a statistically significant likelihood that the protein and the domain share the same evolutionary origin.</a:t>
+            </a:r>
+          </a:p>
+          <a:p>
+            <a:r>
+              <a:rPr lang="en-US" b="0" i="0" u="none" strike="noStrike" dirty="0">
+                <a:solidFill>
+                  <a:srgbClr val="1D1D1D"/>
+                </a:solidFill>
+                <a:effectLst/>
+                <a:latin typeface="Calibri" panose="020F0502020204030204" pitchFamily="34" charset="0"/>
+              </a:rPr>
+              <a:t>This basic comparison is repeated for all combinations of many protein sequences and many domains.</a:t>
+            </a:r>
+            <a:endParaRPr lang="en-US" dirty="0"/>
+          </a:p>
+          <a:p>
+            <a:endParaRPr lang="en-US" dirty="0"/>
           </a:p>
         </p:txBody>
       </p:sp>
@@ -19727,7 +19665,7 @@
           <p:cNvPr id="4" name="Slide Number Placeholder 3">
             <a:extLst>
               <a:ext uri="{FF2B5EF4-FFF2-40B4-BE49-F238E27FC236}">
-                <a16:creationId xmlns:a16="http://schemas.microsoft.com/office/drawing/2014/main" id="{000BA920-5C23-2095-5937-AEA71FE5E280}"/>
+                <a16:creationId xmlns:a16="http://schemas.microsoft.com/office/drawing/2014/main" id="{9BDADC2D-10EA-3405-7429-34ECB07E5B24}"/>
               </a:ext>
             </a:extLst>
           </p:cNvPr>
@@ -19744,21 +19682,554 @@
           <a:lstStyle/>
           <a:p>
             <a:fld id="{4E3AEE2C-3A74-8643-B4A2-442777B583A3}" type="slidenum">
-              <a:rPr lang="en-US" smtClean="0">
-                <a:latin typeface="National Park " pitchFamily="2" charset="77"/>
-              </a:rPr>
+              <a:rPr lang="en-US" smtClean="0"/>
               <a:t>53</a:t>
             </a:fld>
-            <a:endParaRPr lang="en-US">
-              <a:latin typeface="National Park " pitchFamily="2" charset="77"/>
-            </a:endParaRPr>
+            <a:endParaRPr lang="en-US"/>
+          </a:p>
+        </p:txBody>
+      </p:sp>
+      <p:sp>
+        <p:nvSpPr>
+          <p:cNvPr id="5" name="TextBox 4">
+            <a:extLst>
+              <a:ext uri="{FF2B5EF4-FFF2-40B4-BE49-F238E27FC236}">
+                <a16:creationId xmlns:a16="http://schemas.microsoft.com/office/drawing/2014/main" id="{1F971D62-FEB0-D103-D5BA-63C9F33BD873}"/>
+              </a:ext>
+            </a:extLst>
+          </p:cNvPr>
+          <p:cNvSpPr txBox="1"/>
+          <p:nvPr/>
+        </p:nvSpPr>
+        <p:spPr>
+          <a:xfrm>
+            <a:off x="3284660" y="4453890"/>
+            <a:ext cx="1287340" cy="369332"/>
+          </a:xfrm>
+          <a:prstGeom prst="rect">
+            <a:avLst/>
+          </a:prstGeom>
+          <a:noFill/>
+          <a:ln>
+            <a:solidFill>
+              <a:schemeClr val="accent1"/>
+            </a:solidFill>
+          </a:ln>
+        </p:spPr>
+        <p:txBody>
+          <a:bodyPr wrap="none" rtlCol="0">
+            <a:spAutoFit/>
+          </a:bodyPr>
+          <a:lstStyle/>
+          <a:p>
+            <a:r>
+              <a:rPr lang="en-US" dirty="0" err="1"/>
+              <a:t>hmmsearch</a:t>
+            </a:r>
+            <a:endParaRPr lang="en-US" dirty="0"/>
+          </a:p>
+        </p:txBody>
+      </p:sp>
+      <p:sp>
+        <p:nvSpPr>
+          <p:cNvPr id="6" name="TextBox 5">
+            <a:extLst>
+              <a:ext uri="{FF2B5EF4-FFF2-40B4-BE49-F238E27FC236}">
+                <a16:creationId xmlns:a16="http://schemas.microsoft.com/office/drawing/2014/main" id="{73E289B6-21C4-DE4C-DEB7-F51247AE9EA2}"/>
+              </a:ext>
+            </a:extLst>
+          </p:cNvPr>
+          <p:cNvSpPr txBox="1"/>
+          <p:nvPr/>
+        </p:nvSpPr>
+        <p:spPr>
+          <a:xfrm>
+            <a:off x="3419216" y="3748373"/>
+            <a:ext cx="1018227" cy="369332"/>
+          </a:xfrm>
+          <a:prstGeom prst="rect">
+            <a:avLst/>
+          </a:prstGeom>
+          <a:solidFill>
+            <a:schemeClr val="accent1">
+              <a:lumMod val="40000"/>
+              <a:lumOff val="60000"/>
+            </a:schemeClr>
+          </a:solidFill>
+          <a:ln>
+            <a:solidFill>
+              <a:schemeClr val="accent1"/>
+            </a:solidFill>
+          </a:ln>
+        </p:spPr>
+        <p:txBody>
+          <a:bodyPr wrap="none" rtlCol="0">
+            <a:spAutoFit/>
+          </a:bodyPr>
+          <a:lstStyle/>
+          <a:p>
+            <a:r>
+              <a:rPr lang="en-US" dirty="0" err="1"/>
+              <a:t>hmm_lib</a:t>
+            </a:r>
+            <a:endParaRPr lang="en-US" dirty="0"/>
+          </a:p>
+        </p:txBody>
+      </p:sp>
+      <p:sp>
+        <p:nvSpPr>
+          <p:cNvPr id="7" name="TextBox 6">
+            <a:extLst>
+              <a:ext uri="{FF2B5EF4-FFF2-40B4-BE49-F238E27FC236}">
+                <a16:creationId xmlns:a16="http://schemas.microsoft.com/office/drawing/2014/main" id="{BBF525CE-1BB2-DC3A-CC25-E24BE3223B2D}"/>
+              </a:ext>
+            </a:extLst>
+          </p:cNvPr>
+          <p:cNvSpPr txBox="1"/>
+          <p:nvPr/>
+        </p:nvSpPr>
+        <p:spPr>
+          <a:xfrm>
+            <a:off x="1873087" y="4453890"/>
+            <a:ext cx="865686" cy="369332"/>
+          </a:xfrm>
+          <a:prstGeom prst="rect">
+            <a:avLst/>
+          </a:prstGeom>
+          <a:solidFill>
+            <a:schemeClr val="accent1">
+              <a:lumMod val="40000"/>
+              <a:lumOff val="60000"/>
+            </a:schemeClr>
+          </a:solidFill>
+          <a:ln>
+            <a:solidFill>
+              <a:schemeClr val="accent1"/>
+            </a:solidFill>
+          </a:ln>
+        </p:spPr>
+        <p:txBody>
+          <a:bodyPr wrap="none" rtlCol="0">
+            <a:spAutoFit/>
+          </a:bodyPr>
+          <a:lstStyle/>
+          <a:p>
+            <a:r>
+              <a:rPr lang="en-US" dirty="0" err="1"/>
+              <a:t>fasta.in</a:t>
+            </a:r>
+            <a:endParaRPr lang="en-US" dirty="0"/>
+          </a:p>
+        </p:txBody>
+      </p:sp>
+      <p:sp>
+        <p:nvSpPr>
+          <p:cNvPr id="8" name="TextBox 7">
+            <a:extLst>
+              <a:ext uri="{FF2B5EF4-FFF2-40B4-BE49-F238E27FC236}">
+                <a16:creationId xmlns:a16="http://schemas.microsoft.com/office/drawing/2014/main" id="{29532F8A-7DC6-231F-E4D7-01CE6AAA6F67}"/>
+              </a:ext>
+            </a:extLst>
+          </p:cNvPr>
+          <p:cNvSpPr txBox="1"/>
+          <p:nvPr/>
+        </p:nvSpPr>
+        <p:spPr>
+          <a:xfrm>
+            <a:off x="5106318" y="4453890"/>
+            <a:ext cx="812017" cy="369332"/>
+          </a:xfrm>
+          <a:prstGeom prst="rect">
+            <a:avLst/>
+          </a:prstGeom>
+          <a:solidFill>
+            <a:schemeClr val="accent6">
+              <a:lumMod val="60000"/>
+              <a:lumOff val="40000"/>
+            </a:schemeClr>
+          </a:solidFill>
+          <a:ln>
+            <a:solidFill>
+              <a:schemeClr val="accent1"/>
+            </a:solidFill>
+          </a:ln>
+        </p:spPr>
+        <p:txBody>
+          <a:bodyPr wrap="none" rtlCol="0">
+            <a:spAutoFit/>
+          </a:bodyPr>
+          <a:lstStyle/>
+          <a:p>
+            <a:r>
+              <a:rPr lang="en-US" dirty="0" err="1"/>
+              <a:t>out.txt</a:t>
+            </a:r>
+            <a:endParaRPr lang="en-US" dirty="0"/>
+          </a:p>
+        </p:txBody>
+      </p:sp>
+      <p:cxnSp>
+        <p:nvCxnSpPr>
+          <p:cNvPr id="10" name="Straight Arrow Connector 9">
+            <a:extLst>
+              <a:ext uri="{FF2B5EF4-FFF2-40B4-BE49-F238E27FC236}">
+                <a16:creationId xmlns:a16="http://schemas.microsoft.com/office/drawing/2014/main" id="{AFC3B868-AC12-82B1-9B95-B7E31C66C3A1}"/>
+              </a:ext>
+            </a:extLst>
+          </p:cNvPr>
+          <p:cNvCxnSpPr>
+            <a:stCxn id="6" idx="2"/>
+            <a:endCxn id="5" idx="0"/>
+          </p:cNvCxnSpPr>
+          <p:nvPr/>
+        </p:nvCxnSpPr>
+        <p:spPr>
+          <a:xfrm>
+            <a:off x="3928330" y="4117705"/>
+            <a:ext cx="0" cy="336185"/>
+          </a:xfrm>
+          <a:prstGeom prst="straightConnector1">
+            <a:avLst/>
+          </a:prstGeom>
+          <a:ln>
+            <a:tailEnd type="triangle"/>
+          </a:ln>
+        </p:spPr>
+        <p:style>
+          <a:lnRef idx="1">
+            <a:schemeClr val="accent1"/>
+          </a:lnRef>
+          <a:fillRef idx="0">
+            <a:schemeClr val="accent1"/>
+          </a:fillRef>
+          <a:effectRef idx="0">
+            <a:schemeClr val="accent1"/>
+          </a:effectRef>
+          <a:fontRef idx="minor">
+            <a:schemeClr val="tx1"/>
+          </a:fontRef>
+        </p:style>
+      </p:cxnSp>
+      <p:cxnSp>
+        <p:nvCxnSpPr>
+          <p:cNvPr id="11" name="Straight Arrow Connector 10">
+            <a:extLst>
+              <a:ext uri="{FF2B5EF4-FFF2-40B4-BE49-F238E27FC236}">
+                <a16:creationId xmlns:a16="http://schemas.microsoft.com/office/drawing/2014/main" id="{29BD0E09-66DA-EA1C-8058-471F85D84910}"/>
+              </a:ext>
+            </a:extLst>
+          </p:cNvPr>
+          <p:cNvCxnSpPr>
+            <a:cxnSpLocks/>
+            <a:stCxn id="7" idx="3"/>
+            <a:endCxn id="5" idx="1"/>
+          </p:cNvCxnSpPr>
+          <p:nvPr/>
+        </p:nvCxnSpPr>
+        <p:spPr>
+          <a:xfrm>
+            <a:off x="2738773" y="4638556"/>
+            <a:ext cx="545887" cy="0"/>
+          </a:xfrm>
+          <a:prstGeom prst="straightConnector1">
+            <a:avLst/>
+          </a:prstGeom>
+          <a:ln>
+            <a:tailEnd type="triangle"/>
+          </a:ln>
+        </p:spPr>
+        <p:style>
+          <a:lnRef idx="1">
+            <a:schemeClr val="accent1"/>
+          </a:lnRef>
+          <a:fillRef idx="0">
+            <a:schemeClr val="accent1"/>
+          </a:fillRef>
+          <a:effectRef idx="0">
+            <a:schemeClr val="accent1"/>
+          </a:effectRef>
+          <a:fontRef idx="minor">
+            <a:schemeClr val="tx1"/>
+          </a:fontRef>
+        </p:style>
+      </p:cxnSp>
+      <p:cxnSp>
+        <p:nvCxnSpPr>
+          <p:cNvPr id="14" name="Straight Arrow Connector 13">
+            <a:extLst>
+              <a:ext uri="{FF2B5EF4-FFF2-40B4-BE49-F238E27FC236}">
+                <a16:creationId xmlns:a16="http://schemas.microsoft.com/office/drawing/2014/main" id="{25E16FB3-6827-CE91-E237-A9E3EF3F7E1E}"/>
+              </a:ext>
+            </a:extLst>
+          </p:cNvPr>
+          <p:cNvCxnSpPr>
+            <a:cxnSpLocks/>
+            <a:stCxn id="5" idx="3"/>
+            <a:endCxn id="8" idx="1"/>
+          </p:cNvCxnSpPr>
+          <p:nvPr/>
+        </p:nvCxnSpPr>
+        <p:spPr>
+          <a:xfrm>
+            <a:off x="4572000" y="4638556"/>
+            <a:ext cx="534318" cy="0"/>
+          </a:xfrm>
+          <a:prstGeom prst="straightConnector1">
+            <a:avLst/>
+          </a:prstGeom>
+          <a:ln>
+            <a:tailEnd type="triangle"/>
+          </a:ln>
+        </p:spPr>
+        <p:style>
+          <a:lnRef idx="1">
+            <a:schemeClr val="accent1"/>
+          </a:lnRef>
+          <a:fillRef idx="0">
+            <a:schemeClr val="accent1"/>
+          </a:fillRef>
+          <a:effectRef idx="0">
+            <a:schemeClr val="accent1"/>
+          </a:effectRef>
+          <a:fontRef idx="minor">
+            <a:schemeClr val="tx1"/>
+          </a:fontRef>
+        </p:style>
+      </p:cxnSp>
+      <p:sp>
+        <p:nvSpPr>
+          <p:cNvPr id="18" name="TextBox 17">
+            <a:extLst>
+              <a:ext uri="{FF2B5EF4-FFF2-40B4-BE49-F238E27FC236}">
+                <a16:creationId xmlns:a16="http://schemas.microsoft.com/office/drawing/2014/main" id="{45B52CB7-0010-8E5E-95FD-16F2BDF002C4}"/>
+              </a:ext>
+            </a:extLst>
+          </p:cNvPr>
+          <p:cNvSpPr txBox="1"/>
+          <p:nvPr/>
+        </p:nvSpPr>
+        <p:spPr>
+          <a:xfrm>
+            <a:off x="1874606" y="4453890"/>
+            <a:ext cx="865686" cy="369332"/>
+          </a:xfrm>
+          <a:prstGeom prst="rect">
+            <a:avLst/>
+          </a:prstGeom>
+          <a:solidFill>
+            <a:schemeClr val="accent1">
+              <a:lumMod val="40000"/>
+              <a:lumOff val="60000"/>
+            </a:schemeClr>
+          </a:solidFill>
+          <a:ln>
+            <a:solidFill>
+              <a:schemeClr val="accent1"/>
+            </a:solidFill>
+          </a:ln>
+        </p:spPr>
+        <p:txBody>
+          <a:bodyPr wrap="none" rtlCol="0">
+            <a:spAutoFit/>
+          </a:bodyPr>
+          <a:lstStyle/>
+          <a:p>
+            <a:r>
+              <a:rPr lang="en-US" dirty="0" err="1"/>
+              <a:t>fasta.in</a:t>
+            </a:r>
+            <a:endParaRPr lang="en-US" dirty="0"/>
+          </a:p>
+        </p:txBody>
+      </p:sp>
+      <p:sp>
+        <p:nvSpPr>
+          <p:cNvPr id="19" name="TextBox 18">
+            <a:extLst>
+              <a:ext uri="{FF2B5EF4-FFF2-40B4-BE49-F238E27FC236}">
+                <a16:creationId xmlns:a16="http://schemas.microsoft.com/office/drawing/2014/main" id="{B8F30AE2-3C8E-1354-17E3-E0D5590B121F}"/>
+              </a:ext>
+            </a:extLst>
+          </p:cNvPr>
+          <p:cNvSpPr txBox="1"/>
+          <p:nvPr/>
+        </p:nvSpPr>
+        <p:spPr>
+          <a:xfrm>
+            <a:off x="1946518" y="4401425"/>
+            <a:ext cx="865686" cy="369332"/>
+          </a:xfrm>
+          <a:prstGeom prst="rect">
+            <a:avLst/>
+          </a:prstGeom>
+          <a:solidFill>
+            <a:schemeClr val="accent1">
+              <a:lumMod val="40000"/>
+              <a:lumOff val="60000"/>
+            </a:schemeClr>
+          </a:solidFill>
+          <a:ln>
+            <a:solidFill>
+              <a:schemeClr val="accent1"/>
+            </a:solidFill>
+          </a:ln>
+        </p:spPr>
+        <p:txBody>
+          <a:bodyPr wrap="none" rtlCol="0">
+            <a:spAutoFit/>
+          </a:bodyPr>
+          <a:lstStyle/>
+          <a:p>
+            <a:r>
+              <a:rPr lang="en-US" dirty="0" err="1"/>
+              <a:t>fasta.in</a:t>
+            </a:r>
+            <a:endParaRPr lang="en-US" dirty="0"/>
+          </a:p>
+        </p:txBody>
+      </p:sp>
+      <p:sp>
+        <p:nvSpPr>
+          <p:cNvPr id="20" name="TextBox 19">
+            <a:extLst>
+              <a:ext uri="{FF2B5EF4-FFF2-40B4-BE49-F238E27FC236}">
+                <a16:creationId xmlns:a16="http://schemas.microsoft.com/office/drawing/2014/main" id="{FA297EA5-55EE-AF77-CC99-9C47E32CD3C5}"/>
+              </a:ext>
+            </a:extLst>
+          </p:cNvPr>
+          <p:cNvSpPr txBox="1"/>
+          <p:nvPr/>
+        </p:nvSpPr>
+        <p:spPr>
+          <a:xfrm>
+            <a:off x="2047292" y="4311485"/>
+            <a:ext cx="865686" cy="369332"/>
+          </a:xfrm>
+          <a:prstGeom prst="rect">
+            <a:avLst/>
+          </a:prstGeom>
+          <a:solidFill>
+            <a:schemeClr val="accent1">
+              <a:lumMod val="40000"/>
+              <a:lumOff val="60000"/>
+            </a:schemeClr>
+          </a:solidFill>
+          <a:ln>
+            <a:solidFill>
+              <a:schemeClr val="accent1"/>
+            </a:solidFill>
+          </a:ln>
+        </p:spPr>
+        <p:txBody>
+          <a:bodyPr wrap="none" rtlCol="0">
+            <a:spAutoFit/>
+          </a:bodyPr>
+          <a:lstStyle/>
+          <a:p>
+            <a:r>
+              <a:rPr lang="en-US" dirty="0" err="1"/>
+              <a:t>fasta.in</a:t>
+            </a:r>
+            <a:endParaRPr lang="en-US" dirty="0"/>
+          </a:p>
+        </p:txBody>
+      </p:sp>
+      <p:sp>
+        <p:nvSpPr>
+          <p:cNvPr id="21" name="TextBox 20">
+            <a:extLst>
+              <a:ext uri="{FF2B5EF4-FFF2-40B4-BE49-F238E27FC236}">
+                <a16:creationId xmlns:a16="http://schemas.microsoft.com/office/drawing/2014/main" id="{A186A814-3B2B-31A6-1344-6C05902DCC8C}"/>
+              </a:ext>
+            </a:extLst>
+          </p:cNvPr>
+          <p:cNvSpPr txBox="1"/>
+          <p:nvPr/>
+        </p:nvSpPr>
+        <p:spPr>
+          <a:xfrm>
+            <a:off x="5258718" y="4606290"/>
+            <a:ext cx="812017" cy="369332"/>
+          </a:xfrm>
+          <a:prstGeom prst="rect">
+            <a:avLst/>
+          </a:prstGeom>
+          <a:solidFill>
+            <a:schemeClr val="accent6">
+              <a:lumMod val="60000"/>
+              <a:lumOff val="40000"/>
+            </a:schemeClr>
+          </a:solidFill>
+          <a:ln>
+            <a:solidFill>
+              <a:schemeClr val="accent1"/>
+            </a:solidFill>
+          </a:ln>
+        </p:spPr>
+        <p:txBody>
+          <a:bodyPr wrap="none" rtlCol="0">
+            <a:spAutoFit/>
+          </a:bodyPr>
+          <a:lstStyle/>
+          <a:p>
+            <a:r>
+              <a:rPr lang="en-US" dirty="0" err="1"/>
+              <a:t>out.txt</a:t>
+            </a:r>
+            <a:endParaRPr lang="en-US" dirty="0"/>
+          </a:p>
+        </p:txBody>
+      </p:sp>
+      <p:sp>
+        <p:nvSpPr>
+          <p:cNvPr id="22" name="TextBox 21">
+            <a:extLst>
+              <a:ext uri="{FF2B5EF4-FFF2-40B4-BE49-F238E27FC236}">
+                <a16:creationId xmlns:a16="http://schemas.microsoft.com/office/drawing/2014/main" id="{6D67B2BB-546B-9BB1-3723-3773028F76A5}"/>
+              </a:ext>
+            </a:extLst>
+          </p:cNvPr>
+          <p:cNvSpPr txBox="1"/>
+          <p:nvPr/>
+        </p:nvSpPr>
+        <p:spPr>
+          <a:xfrm>
+            <a:off x="5411118" y="4758690"/>
+            <a:ext cx="812017" cy="369332"/>
+          </a:xfrm>
+          <a:prstGeom prst="rect">
+            <a:avLst/>
+          </a:prstGeom>
+          <a:solidFill>
+            <a:schemeClr val="accent6">
+              <a:lumMod val="60000"/>
+              <a:lumOff val="40000"/>
+            </a:schemeClr>
+          </a:solidFill>
+          <a:ln>
+            <a:solidFill>
+              <a:schemeClr val="accent1"/>
+            </a:solidFill>
+          </a:ln>
+        </p:spPr>
+        <p:txBody>
+          <a:bodyPr wrap="none" rtlCol="0">
+            <a:spAutoFit/>
+          </a:bodyPr>
+          <a:lstStyle/>
+          <a:p>
+            <a:r>
+              <a:rPr lang="en-US" dirty="0" err="1"/>
+              <a:t>out.txt</a:t>
+            </a:r>
+            <a:endParaRPr lang="en-US" dirty="0"/>
           </a:p>
         </p:txBody>
       </p:sp>
     </p:spTree>
     <p:extLst>
       <p:ext uri="{BB962C8B-B14F-4D97-AF65-F5344CB8AC3E}">
-        <p14:creationId xmlns:p14="http://schemas.microsoft.com/office/powerpoint/2010/main" val="3396750355"/>
+        <p14:creationId xmlns:p14="http://schemas.microsoft.com/office/powerpoint/2010/main" val="2316895711"/>
       </p:ext>
     </p:extLst>
   </p:cSld>
@@ -19787,7 +20258,13 @@
       </p:grpSpPr>
       <p:sp>
         <p:nvSpPr>
-          <p:cNvPr id="2" name="Title 1"/>
+          <p:cNvPr id="2" name="Title 1">
+            <a:extLst>
+              <a:ext uri="{FF2B5EF4-FFF2-40B4-BE49-F238E27FC236}">
+                <a16:creationId xmlns:a16="http://schemas.microsoft.com/office/drawing/2014/main" id="{0C28A41E-1C09-F0C0-19CB-22B134C5DF4B}"/>
+              </a:ext>
+            </a:extLst>
+          </p:cNvPr>
           <p:cNvSpPr>
             <a:spLocks noGrp="1"/>
           </p:cNvSpPr>
@@ -19795,34 +20272,225 @@
             <p:ph type="title"/>
           </p:nvPr>
         </p:nvSpPr>
-        <p:spPr>
-          <a:xfrm>
-            <a:off x="628650" y="1888115"/>
-            <a:ext cx="7886700" cy="1367270"/>
-          </a:xfrm>
-        </p:spPr>
-        <p:txBody>
-          <a:bodyPr>
-            <a:normAutofit fontScale="90000"/>
-          </a:bodyPr>
+        <p:spPr/>
+        <p:txBody>
+          <a:bodyPr/>
           <a:lstStyle/>
           <a:p>
             <a:pPr algn="ctr"/>
             <a:r>
               <a:rPr lang="en-US" dirty="0">
                 <a:latin typeface="National Park " pitchFamily="2" charset="77"/>
-              </a:rPr>
-              <a:t>Part 8: Putting it all Together: Asynchronous Workflow Execution in HPC at Scale</a:t>
-            </a:r>
-            <a:endParaRPr lang="en-US" i="1" dirty="0">
-              <a:latin typeface="National Park Medium" pitchFamily="2" charset="77"/>
+                <a:cs typeface="Courier New" panose="02070309020205020404" pitchFamily="49" charset="0"/>
+              </a:rPr>
+              <a:t>Download App Package and Data</a:t>
+            </a:r>
+          </a:p>
+        </p:txBody>
+      </p:sp>
+      <p:sp>
+        <p:nvSpPr>
+          <p:cNvPr id="3" name="Content Placeholder 2">
+            <a:extLst>
+              <a:ext uri="{FF2B5EF4-FFF2-40B4-BE49-F238E27FC236}">
+                <a16:creationId xmlns:a16="http://schemas.microsoft.com/office/drawing/2014/main" id="{FD6FF26F-55F2-B6F3-DC7F-AB9CF6D4E6D1}"/>
+              </a:ext>
+            </a:extLst>
+          </p:cNvPr>
+          <p:cNvSpPr>
+            <a:spLocks noGrp="1"/>
+          </p:cNvSpPr>
+          <p:nvPr>
+            <p:ph idx="1"/>
+          </p:nvPr>
+        </p:nvSpPr>
+        <p:spPr/>
+        <p:txBody>
+          <a:bodyPr/>
+          <a:lstStyle/>
+          <a:p>
+            <a:r>
+              <a:rPr lang="en-US" dirty="0"/>
+              <a:t>Download the </a:t>
+            </a:r>
+            <a:r>
+              <a:rPr lang="en-US" dirty="0" err="1"/>
+              <a:t>hmmsearch</a:t>
+            </a:r>
+            <a:r>
+              <a:rPr lang="en-US" dirty="0"/>
+              <a:t> package: </a:t>
+            </a:r>
+            <a:r>
+              <a:rPr lang="en-US" dirty="0">
+                <a:hlinkClick r:id="rId2"/>
+              </a:rPr>
+              <a:t>hmmer.org/download.html</a:t>
+            </a:r>
+            <a:br>
+              <a:rPr lang="en-US" dirty="0"/>
+            </a:br>
+            <a:r>
+              <a:rPr lang="en-US" sz="1640" b="1" dirty="0" err="1">
+                <a:latin typeface="Courier New" panose="02070309020205020404" pitchFamily="49" charset="0"/>
+                <a:cs typeface="Courier New" panose="02070309020205020404" pitchFamily="49" charset="0"/>
+              </a:rPr>
+              <a:t>wget</a:t>
+            </a:r>
+            <a:r>
+              <a:rPr lang="en-US" sz="1640" b="1" dirty="0">
+                <a:latin typeface="Courier New" panose="02070309020205020404" pitchFamily="49" charset="0"/>
+                <a:cs typeface="Courier New" panose="02070309020205020404" pitchFamily="49" charset="0"/>
+              </a:rPr>
+              <a:t> http://</a:t>
+            </a:r>
+            <a:r>
+              <a:rPr lang="en-US" sz="1640" b="1" dirty="0" err="1">
+                <a:latin typeface="Courier New" panose="02070309020205020404" pitchFamily="49" charset="0"/>
+                <a:cs typeface="Courier New" panose="02070309020205020404" pitchFamily="49" charset="0"/>
+              </a:rPr>
+              <a:t>eddylab.org</a:t>
+            </a:r>
+            <a:r>
+              <a:rPr lang="en-US" sz="1640" b="1" dirty="0">
+                <a:latin typeface="Courier New" panose="02070309020205020404" pitchFamily="49" charset="0"/>
+                <a:cs typeface="Courier New" panose="02070309020205020404" pitchFamily="49" charset="0"/>
+              </a:rPr>
+              <a:t>/software/</a:t>
+            </a:r>
+            <a:r>
+              <a:rPr lang="en-US" sz="1640" b="1" dirty="0" err="1">
+                <a:latin typeface="Courier New" panose="02070309020205020404" pitchFamily="49" charset="0"/>
+                <a:cs typeface="Courier New" panose="02070309020205020404" pitchFamily="49" charset="0"/>
+              </a:rPr>
+              <a:t>hmmer</a:t>
+            </a:r>
+            <a:r>
+              <a:rPr lang="en-US" sz="1640" b="1" dirty="0">
+                <a:latin typeface="Courier New" panose="02070309020205020404" pitchFamily="49" charset="0"/>
+                <a:cs typeface="Courier New" panose="02070309020205020404" pitchFamily="49" charset="0"/>
+              </a:rPr>
+              <a:t>/hmmer-3.4.tar.gz</a:t>
+            </a:r>
+          </a:p>
+          <a:p>
+            <a:r>
+              <a:rPr lang="en-US" dirty="0"/>
+              <a:t>Download the protein HMM searchable library here: </a:t>
+            </a:r>
+            <a:br>
+              <a:rPr lang="en-US" dirty="0"/>
+            </a:br>
+            <a:r>
+              <a:rPr lang="en-US" sz="1640" b="1" dirty="0" err="1">
+                <a:latin typeface="Courier New" panose="02070309020205020404" pitchFamily="49" charset="0"/>
+                <a:cs typeface="Courier New" panose="02070309020205020404" pitchFamily="49" charset="0"/>
+              </a:rPr>
+              <a:t>wget</a:t>
+            </a:r>
+            <a:r>
+              <a:rPr lang="en-US" sz="1640" b="1" dirty="0">
+                <a:latin typeface="Courier New" panose="02070309020205020404" pitchFamily="49" charset="0"/>
+                <a:cs typeface="Courier New" panose="02070309020205020404" pitchFamily="49" charset="0"/>
+              </a:rPr>
+              <a:t> ftp.ebi.ac.uk/pub/databases/Pfam/current_release/Pfam-A.hmm.dat.gz</a:t>
+            </a:r>
+          </a:p>
+          <a:p>
+            <a:r>
+              <a:rPr lang="en-US" dirty="0"/>
+              <a:t>Download the </a:t>
+            </a:r>
+            <a:r>
+              <a:rPr lang="en-US" dirty="0" err="1"/>
+              <a:t>fasta</a:t>
+            </a:r>
+            <a:r>
+              <a:rPr lang="en-US" dirty="0"/>
+              <a:t> file:</a:t>
+            </a:r>
+            <a:br>
+              <a:rPr lang="en-US" dirty="0"/>
+            </a:br>
+            <a:r>
+              <a:rPr lang="en-US" sz="1640" b="1" dirty="0" err="1">
+                <a:latin typeface="Courier New" panose="02070309020205020404" pitchFamily="49" charset="0"/>
+                <a:cs typeface="Courier New" panose="02070309020205020404" pitchFamily="49" charset="0"/>
+              </a:rPr>
+              <a:t>wget</a:t>
+            </a:r>
+            <a:r>
+              <a:rPr lang="en-US" sz="1640" b="1" dirty="0">
+                <a:latin typeface="Courier New" panose="02070309020205020404" pitchFamily="49" charset="0"/>
+                <a:cs typeface="Courier New" panose="02070309020205020404" pitchFamily="49" charset="0"/>
+              </a:rPr>
+              <a:t> https://</a:t>
+            </a:r>
+            <a:r>
+              <a:rPr lang="en-US" sz="1640" b="1" dirty="0" err="1">
+                <a:latin typeface="Courier New" panose="02070309020205020404" pitchFamily="49" charset="0"/>
+                <a:cs typeface="Courier New" panose="02070309020205020404" pitchFamily="49" charset="0"/>
+              </a:rPr>
+              <a:t>ftp.uniprot.org</a:t>
+            </a:r>
+            <a:r>
+              <a:rPr lang="en-US" sz="1640" b="1" dirty="0">
+                <a:latin typeface="Courier New" panose="02070309020205020404" pitchFamily="49" charset="0"/>
+                <a:cs typeface="Courier New" panose="02070309020205020404" pitchFamily="49" charset="0"/>
+              </a:rPr>
+              <a:t>/pub/databases/</a:t>
+            </a:r>
+            <a:r>
+              <a:rPr lang="en-US" sz="1640" b="1" dirty="0" err="1">
+                <a:latin typeface="Courier New" panose="02070309020205020404" pitchFamily="49" charset="0"/>
+                <a:cs typeface="Courier New" panose="02070309020205020404" pitchFamily="49" charset="0"/>
+              </a:rPr>
+              <a:t>uniprot</a:t>
+            </a:r>
+            <a:r>
+              <a:rPr lang="en-US" sz="1640" b="1" dirty="0">
+                <a:latin typeface="Courier New" panose="02070309020205020404" pitchFamily="49" charset="0"/>
+                <a:cs typeface="Courier New" panose="02070309020205020404" pitchFamily="49" charset="0"/>
+              </a:rPr>
+              <a:t>/</a:t>
+            </a:r>
+            <a:r>
+              <a:rPr lang="en-US" sz="1640" b="1" dirty="0" err="1">
+                <a:latin typeface="Courier New" panose="02070309020205020404" pitchFamily="49" charset="0"/>
+                <a:cs typeface="Courier New" panose="02070309020205020404" pitchFamily="49" charset="0"/>
+              </a:rPr>
+              <a:t>current_release</a:t>
+            </a:r>
+            <a:r>
+              <a:rPr lang="en-US" sz="1640" b="1" dirty="0">
+                <a:latin typeface="Courier New" panose="02070309020205020404" pitchFamily="49" charset="0"/>
+                <a:cs typeface="Courier New" panose="02070309020205020404" pitchFamily="49" charset="0"/>
+              </a:rPr>
+              <a:t>/knowledgebase/complete/</a:t>
+            </a:r>
+            <a:r>
+              <a:rPr lang="en-US" sz="1640" b="1" dirty="0" err="1">
+                <a:latin typeface="Courier New" panose="02070309020205020404" pitchFamily="49" charset="0"/>
+                <a:cs typeface="Courier New" panose="02070309020205020404" pitchFamily="49" charset="0"/>
+              </a:rPr>
+              <a:t>uniprot_sprot.fasta.gz</a:t>
+            </a:r>
+            <a:endParaRPr lang="en-US" sz="1640" b="1" dirty="0">
+              <a:latin typeface="Courier New" panose="02070309020205020404" pitchFamily="49" charset="0"/>
+              <a:cs typeface="Courier New" panose="02070309020205020404" pitchFamily="49" charset="0"/>
             </a:endParaRPr>
           </a:p>
         </p:txBody>
       </p:sp>
       <p:sp>
         <p:nvSpPr>
-          <p:cNvPr id="4" name="Slide Number Placeholder 3"/>
+          <p:cNvPr id="4" name="Slide Number Placeholder 3">
+            <a:extLst>
+              <a:ext uri="{FF2B5EF4-FFF2-40B4-BE49-F238E27FC236}">
+                <a16:creationId xmlns:a16="http://schemas.microsoft.com/office/drawing/2014/main" id="{C8CDDA20-D8A5-BC66-0663-09DE83FFACDE}"/>
+              </a:ext>
+            </a:extLst>
+          </p:cNvPr>
           <p:cNvSpPr>
             <a:spLocks noGrp="1"/>
           </p:cNvSpPr>
@@ -19836,56 +20504,17 @@
           <a:lstStyle/>
           <a:p>
             <a:fld id="{4E3AEE2C-3A74-8643-B4A2-442777B583A3}" type="slidenum">
-              <a:rPr lang="en-US" smtClean="0">
-                <a:latin typeface="National Park " pitchFamily="2" charset="77"/>
-              </a:rPr>
+              <a:rPr lang="en-US" smtClean="0"/>
               <a:t>54</a:t>
             </a:fld>
-            <a:endParaRPr lang="en-US">
-              <a:latin typeface="National Park " pitchFamily="2" charset="77"/>
-            </a:endParaRPr>
-          </a:p>
-        </p:txBody>
-      </p:sp>
-      <p:sp>
-        <p:nvSpPr>
-          <p:cNvPr id="5" name="TextBox 4"/>
-          <p:cNvSpPr txBox="1"/>
-          <p:nvPr/>
-        </p:nvSpPr>
-        <p:spPr>
-          <a:xfrm>
-            <a:off x="7603274" y="4490264"/>
-            <a:ext cx="816249" cy="248209"/>
-          </a:xfrm>
-          <a:prstGeom prst="rect">
-            <a:avLst/>
-          </a:prstGeom>
-          <a:noFill/>
-        </p:spPr>
-        <p:txBody>
-          <a:bodyPr wrap="none" rtlCol="0">
-            <a:spAutoFit/>
-          </a:bodyPr>
-          <a:lstStyle/>
-          <a:p>
-            <a:r>
-              <a:rPr lang="en-US" sz="1013" dirty="0">
-                <a:latin typeface="National Park " pitchFamily="2" charset="77"/>
-                <a:hlinkClick r:id="rId2" action="ppaction://hlinksldjump"/>
-              </a:rPr>
-              <a:t>back to toc</a:t>
-            </a:r>
-            <a:endParaRPr lang="en-US" sz="1013" dirty="0">
-              <a:latin typeface="National Park " pitchFamily="2" charset="77"/>
-            </a:endParaRPr>
+            <a:endParaRPr lang="en-US"/>
           </a:p>
         </p:txBody>
       </p:sp>
     </p:spTree>
     <p:extLst>
       <p:ext uri="{BB962C8B-B14F-4D97-AF65-F5344CB8AC3E}">
-        <p14:creationId xmlns:p14="http://schemas.microsoft.com/office/powerpoint/2010/main" val="1821741904"/>
+        <p14:creationId xmlns:p14="http://schemas.microsoft.com/office/powerpoint/2010/main" val="2768143595"/>
       </p:ext>
     </p:extLst>
   </p:cSld>
@@ -19917,7 +20546,7 @@
           <p:cNvPr id="2" name="Title 1">
             <a:extLst>
               <a:ext uri="{FF2B5EF4-FFF2-40B4-BE49-F238E27FC236}">
-                <a16:creationId xmlns:a16="http://schemas.microsoft.com/office/drawing/2014/main" id="{6972196C-1D2D-C240-AD57-E3EBC4FA030D}"/>
+                <a16:creationId xmlns:a16="http://schemas.microsoft.com/office/drawing/2014/main" id="{20B38F4C-7EEE-565C-EF39-B86CC1CBD72B}"/>
               </a:ext>
             </a:extLst>
           </p:cNvPr>
@@ -19937,8 +20566,23 @@
             <a:r>
               <a:rPr lang="en-US" dirty="0">
                 <a:latin typeface="National Park " pitchFamily="2" charset="77"/>
-              </a:rPr>
-              <a:t>Summary</a:t>
+                <a:cs typeface="Courier New" panose="02070309020205020404" pitchFamily="49" charset="0"/>
+              </a:rPr>
+              <a:t>Install the </a:t>
+            </a:r>
+            <a:r>
+              <a:rPr lang="en-US" dirty="0" err="1">
+                <a:latin typeface="National Park " pitchFamily="2" charset="77"/>
+                <a:cs typeface="Courier New" panose="02070309020205020404" pitchFamily="49" charset="0"/>
+              </a:rPr>
+              <a:t>hmmsearch</a:t>
+            </a:r>
+            <a:r>
+              <a:rPr lang="en-US" dirty="0">
+                <a:latin typeface="National Park " pitchFamily="2" charset="77"/>
+                <a:cs typeface="Courier New" panose="02070309020205020404" pitchFamily="49" charset="0"/>
+              </a:rPr>
+              <a:t> package</a:t>
             </a:r>
           </a:p>
         </p:txBody>
@@ -19948,7 +20592,7 @@
           <p:cNvPr id="3" name="Content Placeholder 2">
             <a:extLst>
               <a:ext uri="{FF2B5EF4-FFF2-40B4-BE49-F238E27FC236}">
-                <a16:creationId xmlns:a16="http://schemas.microsoft.com/office/drawing/2014/main" id="{59541F7C-8324-CD41-84A0-D9DC3E4E12B8}"/>
+                <a16:creationId xmlns:a16="http://schemas.microsoft.com/office/drawing/2014/main" id="{70D8CBED-C13C-6933-A337-AE56BB96F45F}"/>
               </a:ext>
             </a:extLst>
           </p:cNvPr>
@@ -19962,37 +20606,215 @@
         <p:spPr/>
         <p:txBody>
           <a:bodyPr>
-            <a:normAutofit/>
+            <a:normAutofit fontScale="85000" lnSpcReduction="20000"/>
           </a:bodyPr>
           <a:lstStyle/>
           <a:p>
             <a:r>
+              <a:rPr lang="en-US" b="1" dirty="0">
+                <a:latin typeface="Courier New" panose="02070309020205020404" pitchFamily="49" charset="0"/>
+                <a:cs typeface="Courier New" panose="02070309020205020404" pitchFamily="49" charset="0"/>
+              </a:rPr>
+              <a:t>tar </a:t>
+            </a:r>
+            <a:r>
+              <a:rPr lang="en-US" b="1" dirty="0" err="1">
+                <a:latin typeface="Courier New" panose="02070309020205020404" pitchFamily="49" charset="0"/>
+                <a:cs typeface="Courier New" panose="02070309020205020404" pitchFamily="49" charset="0"/>
+              </a:rPr>
+              <a:t>zxf</a:t>
+            </a:r>
+            <a:r>
+              <a:rPr lang="en-US" b="1" dirty="0">
+                <a:latin typeface="Courier New" panose="02070309020205020404" pitchFamily="49" charset="0"/>
+                <a:cs typeface="Courier New" panose="02070309020205020404" pitchFamily="49" charset="0"/>
+              </a:rPr>
+              <a:t> hmmer-3.4.tar.gz </a:t>
+            </a:r>
+          </a:p>
+          <a:p>
+            <a:r>
+              <a:rPr lang="en-US" b="1" dirty="0">
+                <a:latin typeface="Courier New" panose="02070309020205020404" pitchFamily="49" charset="0"/>
+                <a:cs typeface="Courier New" panose="02070309020205020404" pitchFamily="49" charset="0"/>
+              </a:rPr>
+              <a:t>cd hmmer-3.4/</a:t>
+            </a:r>
+          </a:p>
+          <a:p>
+            <a:r>
+              <a:rPr lang="en-US" b="1" dirty="0">
+                <a:latin typeface="Courier New" panose="02070309020205020404" pitchFamily="49" charset="0"/>
+                <a:cs typeface="Courier New" panose="02070309020205020404" pitchFamily="49" charset="0"/>
+              </a:rPr>
+              <a:t>./configure --prefix=$PWD/install</a:t>
+            </a:r>
+            <a:br>
               <a:rPr lang="en-US" dirty="0">
-                <a:latin typeface="National Park " pitchFamily="2" charset="77"/>
-              </a:rPr>
-              <a:t>GNU Parallel is an effective tool that could be useful in day to day tasks on the terminal as well as for larger workflows</a:t>
-            </a:r>
-          </a:p>
-          <a:p>
+                <a:latin typeface="Courier New" panose="02070309020205020404" pitchFamily="49" charset="0"/>
+                <a:cs typeface="Courier New" panose="02070309020205020404" pitchFamily="49" charset="0"/>
+              </a:rPr>
+            </a:br>
             <a:r>
               <a:rPr lang="en-US" dirty="0">
-                <a:latin typeface="National Park " pitchFamily="2" charset="77"/>
-              </a:rPr>
-              <a:t>Many many options to choose from to customize a parallel operation</a:t>
-            </a:r>
-          </a:p>
-          <a:p>
-            <a:r>
+                <a:latin typeface="Courier New" panose="02070309020205020404" pitchFamily="49" charset="0"/>
+                <a:cs typeface="Courier New" panose="02070309020205020404" pitchFamily="49" charset="0"/>
+              </a:rPr>
+              <a:t>... output ...</a:t>
+            </a:r>
+            <a:br>
               <a:rPr lang="en-US" dirty="0">
-                <a:latin typeface="National Park " pitchFamily="2" charset="77"/>
-              </a:rPr>
-              <a:t>Very handy for quick prototyping</a:t>
-            </a:r>
-          </a:p>
-          <a:p>
+                <a:latin typeface="Courier New" panose="02070309020205020404" pitchFamily="49" charset="0"/>
+                <a:cs typeface="Courier New" panose="02070309020205020404" pitchFamily="49" charset="0"/>
+              </a:rPr>
+            </a:br>
+            <a:r>
+              <a:rPr lang="en-US" dirty="0">
+                <a:latin typeface="Courier New" panose="02070309020205020404" pitchFamily="49" charset="0"/>
+                <a:cs typeface="Courier New" panose="02070309020205020404" pitchFamily="49" charset="0"/>
+              </a:rPr>
+              <a:t>HMMER configuration:</a:t>
+            </a:r>
+          </a:p>
+          <a:p>
+            <a:pPr marL="0" indent="0">
+              <a:buNone/>
+            </a:pPr>
+            <a:r>
+              <a:rPr lang="en-US" dirty="0">
+                <a:latin typeface="Courier New" panose="02070309020205020404" pitchFamily="49" charset="0"/>
+                <a:cs typeface="Courier New" panose="02070309020205020404" pitchFamily="49" charset="0"/>
+              </a:rPr>
+              <a:t>   compiler:     </a:t>
+            </a:r>
+            <a:r>
+              <a:rPr lang="en-US" dirty="0" err="1">
+                <a:latin typeface="Courier New" panose="02070309020205020404" pitchFamily="49" charset="0"/>
+                <a:cs typeface="Courier New" panose="02070309020205020404" pitchFamily="49" charset="0"/>
+              </a:rPr>
+              <a:t>gcc</a:t>
+            </a:r>
+            <a:r>
+              <a:rPr lang="en-US" dirty="0">
+                <a:latin typeface="Courier New" panose="02070309020205020404" pitchFamily="49" charset="0"/>
+                <a:cs typeface="Courier New" panose="02070309020205020404" pitchFamily="49" charset="0"/>
+              </a:rPr>
+              <a:t> -O3    -</a:t>
+            </a:r>
+            <a:r>
+              <a:rPr lang="en-US" dirty="0" err="1">
+                <a:latin typeface="Courier New" panose="02070309020205020404" pitchFamily="49" charset="0"/>
+                <a:cs typeface="Courier New" panose="02070309020205020404" pitchFamily="49" charset="0"/>
+              </a:rPr>
+              <a:t>pthread</a:t>
+            </a:r>
+            <a:r>
+              <a:rPr lang="en-US" dirty="0">
+                <a:latin typeface="Courier New" panose="02070309020205020404" pitchFamily="49" charset="0"/>
+                <a:cs typeface="Courier New" panose="02070309020205020404" pitchFamily="49" charset="0"/>
+              </a:rPr>
+              <a:t> </a:t>
+            </a:r>
+          </a:p>
+          <a:p>
+            <a:pPr marL="0" indent="0">
+              <a:buNone/>
+            </a:pPr>
+            <a:r>
+              <a:rPr lang="en-US" dirty="0">
+                <a:latin typeface="Courier New" panose="02070309020205020404" pitchFamily="49" charset="0"/>
+                <a:cs typeface="Courier New" panose="02070309020205020404" pitchFamily="49" charset="0"/>
+              </a:rPr>
+              <a:t>   host:         x86_64-pc-linux-gnu</a:t>
+            </a:r>
+          </a:p>
+          <a:p>
+            <a:pPr marL="0" indent="0">
+              <a:buNone/>
+            </a:pPr>
+            <a:r>
+              <a:rPr lang="en-US" dirty="0">
+                <a:latin typeface="Courier New" panose="02070309020205020404" pitchFamily="49" charset="0"/>
+                <a:cs typeface="Courier New" panose="02070309020205020404" pitchFamily="49" charset="0"/>
+              </a:rPr>
+              <a:t>   linker:               </a:t>
+            </a:r>
+          </a:p>
+          <a:p>
+            <a:pPr marL="0" indent="0">
+              <a:buNone/>
+            </a:pPr>
+            <a:r>
+              <a:rPr lang="en-US" dirty="0">
+                <a:latin typeface="Courier New" panose="02070309020205020404" pitchFamily="49" charset="0"/>
+                <a:cs typeface="Courier New" panose="02070309020205020404" pitchFamily="49" charset="0"/>
+              </a:rPr>
+              <a:t>   libraries:    -</a:t>
+            </a:r>
+            <a:r>
+              <a:rPr lang="en-US" dirty="0" err="1">
+                <a:latin typeface="Courier New" panose="02070309020205020404" pitchFamily="49" charset="0"/>
+                <a:cs typeface="Courier New" panose="02070309020205020404" pitchFamily="49" charset="0"/>
+              </a:rPr>
+              <a:t>lpthread</a:t>
+            </a:r>
             <a:endParaRPr lang="en-US" dirty="0">
-              <a:latin typeface="National Park " pitchFamily="2" charset="77"/>
+              <a:latin typeface="Courier New" panose="02070309020205020404" pitchFamily="49" charset="0"/>
+              <a:cs typeface="Courier New" panose="02070309020205020404" pitchFamily="49" charset="0"/>
             </a:endParaRPr>
+          </a:p>
+          <a:p>
+            <a:pPr marL="0" indent="0">
+              <a:buNone/>
+            </a:pPr>
+            <a:r>
+              <a:rPr lang="en-US" dirty="0">
+                <a:latin typeface="Courier New" panose="02070309020205020404" pitchFamily="49" charset="0"/>
+                <a:cs typeface="Courier New" panose="02070309020205020404" pitchFamily="49" charset="0"/>
+              </a:rPr>
+              <a:t>   DP implementation:    </a:t>
+            </a:r>
+            <a:r>
+              <a:rPr lang="en-US" dirty="0" err="1">
+                <a:latin typeface="Courier New" panose="02070309020205020404" pitchFamily="49" charset="0"/>
+                <a:cs typeface="Courier New" panose="02070309020205020404" pitchFamily="49" charset="0"/>
+              </a:rPr>
+              <a:t>sse</a:t>
+            </a:r>
+            <a:endParaRPr lang="en-US" dirty="0">
+              <a:latin typeface="Courier New" panose="02070309020205020404" pitchFamily="49" charset="0"/>
+              <a:cs typeface="Courier New" panose="02070309020205020404" pitchFamily="49" charset="0"/>
+            </a:endParaRPr>
+          </a:p>
+          <a:p>
+            <a:r>
+              <a:rPr lang="en-US" b="1" dirty="0">
+                <a:latin typeface="Courier New" panose="02070309020205020404" pitchFamily="49" charset="0"/>
+                <a:cs typeface="Courier New" panose="02070309020205020404" pitchFamily="49" charset="0"/>
+              </a:rPr>
+              <a:t>make -j install</a:t>
+            </a:r>
+            <a:r>
+              <a:rPr lang="en-US" dirty="0">
+                <a:latin typeface="Courier New" panose="02070309020205020404" pitchFamily="49" charset="0"/>
+                <a:cs typeface="Courier New" panose="02070309020205020404" pitchFamily="49" charset="0"/>
+              </a:rPr>
+              <a:t>  # </a:t>
+            </a:r>
+            <a:r>
+              <a:rPr lang="en-US" dirty="0" err="1">
+                <a:latin typeface="Courier New" panose="02070309020205020404" pitchFamily="49" charset="0"/>
+                <a:cs typeface="Courier New" panose="02070309020205020404" pitchFamily="49" charset="0"/>
+              </a:rPr>
+              <a:t>hmmer</a:t>
+            </a:r>
+            <a:r>
+              <a:rPr lang="en-US" dirty="0">
+                <a:latin typeface="Courier New" panose="02070309020205020404" pitchFamily="49" charset="0"/>
+                <a:cs typeface="Courier New" panose="02070309020205020404" pitchFamily="49" charset="0"/>
+              </a:rPr>
+              <a:t> will be installed.</a:t>
+            </a:r>
           </a:p>
         </p:txBody>
       </p:sp>
@@ -20001,7 +20823,7 @@
           <p:cNvPr id="4" name="Slide Number Placeholder 3">
             <a:extLst>
               <a:ext uri="{FF2B5EF4-FFF2-40B4-BE49-F238E27FC236}">
-                <a16:creationId xmlns:a16="http://schemas.microsoft.com/office/drawing/2014/main" id="{6D0E0BA3-5ECE-E94D-B034-8F400208F397}"/>
+                <a16:creationId xmlns:a16="http://schemas.microsoft.com/office/drawing/2014/main" id="{1DA8116F-8460-C900-6331-BB2838B1A74A}"/>
               </a:ext>
             </a:extLst>
           </p:cNvPr>
@@ -20018,62 +20840,17 @@
           <a:lstStyle/>
           <a:p>
             <a:fld id="{4E3AEE2C-3A74-8643-B4A2-442777B583A3}" type="slidenum">
-              <a:rPr lang="en-US" smtClean="0">
-                <a:latin typeface="National Park " pitchFamily="2" charset="77"/>
-              </a:rPr>
+              <a:rPr lang="en-US" smtClean="0"/>
               <a:t>55</a:t>
             </a:fld>
-            <a:endParaRPr lang="en-US">
-              <a:latin typeface="National Park " pitchFamily="2" charset="77"/>
-            </a:endParaRPr>
-          </a:p>
-        </p:txBody>
-      </p:sp>
-      <p:sp>
-        <p:nvSpPr>
-          <p:cNvPr id="5" name="TextBox 4">
-            <a:extLst>
-              <a:ext uri="{FF2B5EF4-FFF2-40B4-BE49-F238E27FC236}">
-                <a16:creationId xmlns:a16="http://schemas.microsoft.com/office/drawing/2014/main" id="{B9BD456B-BB50-C343-BC4E-DD06F77B9D78}"/>
-              </a:ext>
-            </a:extLst>
-          </p:cNvPr>
-          <p:cNvSpPr txBox="1"/>
-          <p:nvPr/>
-        </p:nvSpPr>
-        <p:spPr>
-          <a:xfrm>
-            <a:off x="7603274" y="4490264"/>
-            <a:ext cx="816249" cy="248209"/>
-          </a:xfrm>
-          <a:prstGeom prst="rect">
-            <a:avLst/>
-          </a:prstGeom>
-          <a:noFill/>
-        </p:spPr>
-        <p:txBody>
-          <a:bodyPr wrap="none" rtlCol="0">
-            <a:spAutoFit/>
-          </a:bodyPr>
-          <a:lstStyle/>
-          <a:p>
-            <a:r>
-              <a:rPr lang="en-US" sz="1013" dirty="0">
-                <a:latin typeface="National Park " pitchFamily="2" charset="77"/>
-                <a:hlinkClick r:id="rId2" action="ppaction://hlinksldjump"/>
-              </a:rPr>
-              <a:t>back to toc</a:t>
-            </a:r>
-            <a:endParaRPr lang="en-US" sz="1013" dirty="0">
-              <a:latin typeface="National Park " pitchFamily="2" charset="77"/>
-            </a:endParaRPr>
+            <a:endParaRPr lang="en-US"/>
           </a:p>
         </p:txBody>
       </p:sp>
     </p:spTree>
     <p:extLst>
       <p:ext uri="{BB962C8B-B14F-4D97-AF65-F5344CB8AC3E}">
-        <p14:creationId xmlns:p14="http://schemas.microsoft.com/office/powerpoint/2010/main" val="1077433394"/>
+        <p14:creationId xmlns:p14="http://schemas.microsoft.com/office/powerpoint/2010/main" val="2345782413"/>
       </p:ext>
     </p:extLst>
   </p:cSld>
@@ -20102,7 +20879,13 @@
       </p:grpSpPr>
       <p:sp>
         <p:nvSpPr>
-          <p:cNvPr id="2" name="Title 1"/>
+          <p:cNvPr id="2" name="Title 1">
+            <a:extLst>
+              <a:ext uri="{FF2B5EF4-FFF2-40B4-BE49-F238E27FC236}">
+                <a16:creationId xmlns:a16="http://schemas.microsoft.com/office/drawing/2014/main" id="{73AEFD32-2760-D278-D38F-58CD8EB40FDF}"/>
+              </a:ext>
+            </a:extLst>
+          </p:cNvPr>
           <p:cNvSpPr>
             <a:spLocks noGrp="1"/>
           </p:cNvSpPr>
@@ -20116,18 +20899,42 @@
           <a:lstStyle/>
           <a:p>
             <a:pPr algn="ctr"/>
+            <a:r>
+              <a:rPr lang="en-US" dirty="0" err="1">
+                <a:latin typeface="National Park " pitchFamily="2" charset="77"/>
+              </a:rPr>
+              <a:t>gunzip</a:t>
+            </a:r>
             <a:r>
               <a:rPr lang="en-US" dirty="0">
                 <a:latin typeface="National Park " pitchFamily="2" charset="77"/>
               </a:rPr>
-              <a:t>Credits, references and resources</a:t>
-            </a:r>
-          </a:p>
-        </p:txBody>
-      </p:sp>
-      <p:sp>
-        <p:nvSpPr>
-          <p:cNvPr id="3" name="Content Placeholder 2"/>
+              <a:t> and split the </a:t>
+            </a:r>
+            <a:r>
+              <a:rPr lang="en-US" dirty="0" err="1">
+                <a:latin typeface="National Park " pitchFamily="2" charset="77"/>
+              </a:rPr>
+              <a:t>Fasta</a:t>
+            </a:r>
+            <a:r>
+              <a:rPr lang="en-US" dirty="0">
+                <a:latin typeface="National Park " pitchFamily="2" charset="77"/>
+              </a:rPr>
+              <a:t> File</a:t>
+            </a:r>
+          </a:p>
+        </p:txBody>
+      </p:sp>
+      <p:sp>
+        <p:nvSpPr>
+          <p:cNvPr id="3" name="Content Placeholder 2">
+            <a:extLst>
+              <a:ext uri="{FF2B5EF4-FFF2-40B4-BE49-F238E27FC236}">
+                <a16:creationId xmlns:a16="http://schemas.microsoft.com/office/drawing/2014/main" id="{8A38A6AB-8404-F303-5FAC-6DCB47ECAC75}"/>
+              </a:ext>
+            </a:extLst>
+          </p:cNvPr>
           <p:cNvSpPr>
             <a:spLocks noGrp="1"/>
           </p:cNvSpPr>
@@ -20138,113 +20945,281 @@
         <p:spPr/>
         <p:txBody>
           <a:bodyPr>
-            <a:normAutofit fontScale="77500" lnSpcReduction="20000"/>
+            <a:normAutofit fontScale="92500"/>
           </a:bodyPr>
           <a:lstStyle/>
           <a:p>
+            <a:pPr marL="0" indent="0">
+              <a:buNone/>
+            </a:pPr>
+            <a:r>
+              <a:rPr lang="en-US" dirty="0" err="1">
+                <a:latin typeface="Courier New" panose="02070309020205020404" pitchFamily="49" charset="0"/>
+                <a:cs typeface="Courier New" panose="02070309020205020404" pitchFamily="49" charset="0"/>
+              </a:rPr>
+              <a:t>gunzip</a:t>
+            </a:r>
             <a:r>
               <a:rPr lang="en-US" dirty="0">
-                <a:hlinkClick r:id="rId3"/>
-              </a:rPr>
-              <a:t>gnu.org/software/parallel</a:t>
-            </a:r>
-            <a:endParaRPr lang="en-US" dirty="0"/>
-          </a:p>
-          <a:p>
+                <a:latin typeface="Courier New" panose="02070309020205020404" pitchFamily="49" charset="0"/>
+                <a:cs typeface="Courier New" panose="02070309020205020404" pitchFamily="49" charset="0"/>
+              </a:rPr>
+              <a:t> </a:t>
+            </a:r>
+            <a:r>
+              <a:rPr lang="en-US" dirty="0" err="1">
+                <a:latin typeface="Courier New" panose="02070309020205020404" pitchFamily="49" charset="0"/>
+                <a:cs typeface="Courier New" panose="02070309020205020404" pitchFamily="49" charset="0"/>
+              </a:rPr>
+              <a:t>uniprot_sprot.fasta.gz</a:t>
+            </a:r>
             <a:r>
               <a:rPr lang="en-US" dirty="0">
-                <a:hlinkClick r:id="rId4"/>
-              </a:rPr>
-              <a:t>rcc.uchicago.edu/documentation/_build/html/running-jobs/srun-parallel/index.html</a:t>
-            </a:r>
-            <a:endParaRPr lang="en-US" dirty="0"/>
-          </a:p>
-          <a:p>
-            <a:r>
+                <a:latin typeface="Courier New" panose="02070309020205020404" pitchFamily="49" charset="0"/>
+                <a:cs typeface="Courier New" panose="02070309020205020404" pitchFamily="49" charset="0"/>
+              </a:rPr>
+              <a:t> </a:t>
+            </a:r>
+            <a:br>
               <a:rPr lang="en-US" dirty="0">
-                <a:hlinkClick r:id="rId5"/>
-              </a:rPr>
-              <a:t>ulhpc-tutorials.readthedocs.io/en/latest/sequential/basics</a:t>
-            </a:r>
-            <a:endParaRPr lang="en-US" dirty="0"/>
-          </a:p>
-          <a:p>
+                <a:latin typeface="Courier New" panose="02070309020205020404" pitchFamily="49" charset="0"/>
+                <a:cs typeface="Courier New" panose="02070309020205020404" pitchFamily="49" charset="0"/>
+              </a:rPr>
+            </a:br>
+            <a:endParaRPr lang="en-US" dirty="0">
+              <a:latin typeface="Courier New" panose="02070309020205020404" pitchFamily="49" charset="0"/>
+              <a:cs typeface="Courier New" panose="02070309020205020404" pitchFamily="49" charset="0"/>
+            </a:endParaRPr>
+          </a:p>
+          <a:p>
+            <a:pPr marL="0" indent="0">
+              <a:buNone/>
+            </a:pPr>
+            <a:r>
+              <a:rPr lang="en-US" b="1" dirty="0">
+                <a:latin typeface="Courier New" panose="02070309020205020404" pitchFamily="49" charset="0"/>
+                <a:cs typeface="Courier New" panose="02070309020205020404" pitchFamily="49" charset="0"/>
+              </a:rPr>
+              <a:t>awk</a:t>
+            </a:r>
             <a:r>
               <a:rPr lang="en-US" dirty="0">
-                <a:hlinkClick r:id="rId6"/>
-              </a:rPr>
-              <a:t>docs.ycrc.yale.edu/clusters-at-yale/guides/parallel</a:t>
-            </a:r>
-            <a:endParaRPr lang="en-US" dirty="0"/>
-          </a:p>
-          <a:p>
+                <a:latin typeface="Courier New" panose="02070309020205020404" pitchFamily="49" charset="0"/>
+                <a:cs typeface="Courier New" panose="02070309020205020404" pitchFamily="49" charset="0"/>
+              </a:rPr>
+              <a:t> -v </a:t>
+            </a:r>
+            <a:r>
+              <a:rPr lang="en-US" dirty="0" err="1">
+                <a:latin typeface="Courier New" panose="02070309020205020404" pitchFamily="49" charset="0"/>
+                <a:cs typeface="Courier New" panose="02070309020205020404" pitchFamily="49" charset="0"/>
+              </a:rPr>
+              <a:t>chunksize</a:t>
+            </a:r>
             <a:r>
               <a:rPr lang="en-US" dirty="0">
-                <a:hlinkClick r:id="rId7"/>
-              </a:rPr>
-              <a:t>www.vanderbilt.edu/accre/documentation/parallel</a:t>
-            </a:r>
-            <a:endParaRPr lang="en-US" dirty="0"/>
-          </a:p>
-          <a:p>
+                <a:latin typeface="Courier New" panose="02070309020205020404" pitchFamily="49" charset="0"/>
+                <a:cs typeface="Courier New" panose="02070309020205020404" pitchFamily="49" charset="0"/>
+              </a:rPr>
+              <a:t>=$(grep "&gt;" </a:t>
+            </a:r>
+            <a:r>
+              <a:rPr lang="en-US" dirty="0" err="1">
+                <a:latin typeface="Courier New" panose="02070309020205020404" pitchFamily="49" charset="0"/>
+                <a:cs typeface="Courier New" panose="02070309020205020404" pitchFamily="49" charset="0"/>
+              </a:rPr>
+              <a:t>uniprot_sprot.fasta</a:t>
+            </a:r>
             <a:r>
               <a:rPr lang="en-US" dirty="0">
-                <a:hlinkClick r:id="rId8"/>
-              </a:rPr>
-              <a:t>docs-research-it.berkeley.edu/services/high-performance-computing/user-guide/running-your-jobs/gnu-parallel</a:t>
-            </a:r>
-            <a:endParaRPr lang="en-US" dirty="0"/>
-          </a:p>
-          <a:p>
-            <a:r>
+                <a:latin typeface="Courier New" panose="02070309020205020404" pitchFamily="49" charset="0"/>
+                <a:cs typeface="Courier New" panose="02070309020205020404" pitchFamily="49" charset="0"/>
+              </a:rPr>
+              <a:t> -c) </a:t>
+            </a:r>
+            <a:br>
               <a:rPr lang="en-US" dirty="0">
-                <a:hlinkClick r:id="rId9"/>
-              </a:rPr>
-              <a:t>omgenomics.com/parallel</a:t>
-            </a:r>
-            <a:endParaRPr lang="en-US" dirty="0"/>
-          </a:p>
-          <a:p>
+                <a:latin typeface="Courier New" panose="02070309020205020404" pitchFamily="49" charset="0"/>
+                <a:cs typeface="Courier New" panose="02070309020205020404" pitchFamily="49" charset="0"/>
+              </a:rPr>
+            </a:br>
             <a:r>
               <a:rPr lang="en-US" dirty="0">
-                <a:hlinkClick r:id="rId10"/>
-              </a:rPr>
-              <a:t>curc.readthedocs.io/en/latest/software/GNUParallel.html</a:t>
-            </a:r>
-            <a:endParaRPr lang="en-US" dirty="0"/>
-          </a:p>
-          <a:p>
+                <a:latin typeface="Courier New" panose="02070309020205020404" pitchFamily="49" charset="0"/>
+                <a:cs typeface="Courier New" panose="02070309020205020404" pitchFamily="49" charset="0"/>
+              </a:rPr>
+              <a:t>'BEGIN{n=0; </a:t>
+            </a:r>
+            <a:r>
+              <a:rPr lang="en-US" dirty="0" err="1">
+                <a:latin typeface="Courier New" panose="02070309020205020404" pitchFamily="49" charset="0"/>
+                <a:cs typeface="Courier New" panose="02070309020205020404" pitchFamily="49" charset="0"/>
+              </a:rPr>
+              <a:t>chunksize</a:t>
+            </a:r>
             <a:r>
               <a:rPr lang="en-US" dirty="0">
-                <a:hlinkClick r:id="rId11"/>
-              </a:rPr>
-              <a:t>thenybble.de/posts/json-analysis</a:t>
-            </a:r>
-            <a:endParaRPr lang="en-US" dirty="0"/>
-          </a:p>
-          <a:p>
+                <a:latin typeface="Courier New" panose="02070309020205020404" pitchFamily="49" charset="0"/>
+                <a:cs typeface="Courier New" panose="02070309020205020404" pitchFamily="49" charset="0"/>
+              </a:rPr>
+              <a:t>=int(</a:t>
+            </a:r>
+            <a:r>
+              <a:rPr lang="en-US" dirty="0" err="1">
+                <a:latin typeface="Courier New" panose="02070309020205020404" pitchFamily="49" charset="0"/>
+                <a:cs typeface="Courier New" panose="02070309020205020404" pitchFamily="49" charset="0"/>
+              </a:rPr>
+              <a:t>chunksize</a:t>
+            </a:r>
             <a:r>
               <a:rPr lang="en-US" dirty="0">
-                <a:hlinkClick r:id="rId12"/>
-              </a:rPr>
-              <a:t>stackoverflow.com/questions/tagged/gnu-parallel</a:t>
-            </a:r>
-            <a:endParaRPr lang="en-US" dirty="0"/>
-          </a:p>
-          <a:p>
-            <a:r>
+                <a:latin typeface="Courier New" panose="02070309020205020404" pitchFamily="49" charset="0"/>
+                <a:cs typeface="Courier New" panose="02070309020205020404" pitchFamily="49" charset="0"/>
+              </a:rPr>
+              <a:t>/256)+1 } </a:t>
+            </a:r>
+            <a:br>
               <a:rPr lang="en-US" dirty="0">
-                <a:hlinkClick r:id="rId13"/>
-              </a:rPr>
-              <a:t>unix.stackexchange.com/questions/tagged/gnu-parallel</a:t>
-            </a:r>
-            <a:endParaRPr lang="en-US" dirty="0"/>
-          </a:p>
-        </p:txBody>
-      </p:sp>
-      <p:sp>
-        <p:nvSpPr>
-          <p:cNvPr id="4" name="Slide Number Placeholder 3"/>
+                <a:latin typeface="Courier New" panose="02070309020205020404" pitchFamily="49" charset="0"/>
+                <a:cs typeface="Courier New" panose="02070309020205020404" pitchFamily="49" charset="0"/>
+              </a:rPr>
+            </a:br>
+            <a:r>
+              <a:rPr lang="en-US" dirty="0">
+                <a:latin typeface="Courier New" panose="02070309020205020404" pitchFamily="49" charset="0"/>
+                <a:cs typeface="Courier New" panose="02070309020205020404" pitchFamily="49" charset="0"/>
+              </a:rPr>
+              <a:t>/^&gt;/ {</a:t>
+            </a:r>
+            <a:br>
+              <a:rPr lang="en-US" dirty="0">
+                <a:latin typeface="Courier New" panose="02070309020205020404" pitchFamily="49" charset="0"/>
+                <a:cs typeface="Courier New" panose="02070309020205020404" pitchFamily="49" charset="0"/>
+              </a:rPr>
+            </a:br>
+            <a:r>
+              <a:rPr lang="en-US" dirty="0">
+                <a:latin typeface="Courier New" panose="02070309020205020404" pitchFamily="49" charset="0"/>
+                <a:cs typeface="Courier New" panose="02070309020205020404" pitchFamily="49" charset="0"/>
+              </a:rPr>
+              <a:t>       if(</a:t>
+            </a:r>
+            <a:r>
+              <a:rPr lang="en-US" dirty="0" err="1">
+                <a:latin typeface="Courier New" panose="02070309020205020404" pitchFamily="49" charset="0"/>
+                <a:cs typeface="Courier New" panose="02070309020205020404" pitchFamily="49" charset="0"/>
+              </a:rPr>
+              <a:t>n%chunksize</a:t>
+            </a:r>
+            <a:r>
+              <a:rPr lang="en-US" dirty="0">
+                <a:latin typeface="Courier New" panose="02070309020205020404" pitchFamily="49" charset="0"/>
+                <a:cs typeface="Courier New" panose="02070309020205020404" pitchFamily="49" charset="0"/>
+              </a:rPr>
+              <a:t>==0){</a:t>
+            </a:r>
+            <a:br>
+              <a:rPr lang="en-US" dirty="0">
+                <a:latin typeface="Courier New" panose="02070309020205020404" pitchFamily="49" charset="0"/>
+                <a:cs typeface="Courier New" panose="02070309020205020404" pitchFamily="49" charset="0"/>
+              </a:rPr>
+            </a:br>
+            <a:r>
+              <a:rPr lang="en-US" dirty="0">
+                <a:latin typeface="Courier New" panose="02070309020205020404" pitchFamily="49" charset="0"/>
+                <a:cs typeface="Courier New" panose="02070309020205020404" pitchFamily="49" charset="0"/>
+              </a:rPr>
+              <a:t>         file=</a:t>
+            </a:r>
+            <a:r>
+              <a:rPr lang="en-US" dirty="0" err="1">
+                <a:latin typeface="Courier New" panose="02070309020205020404" pitchFamily="49" charset="0"/>
+                <a:cs typeface="Courier New" panose="02070309020205020404" pitchFamily="49" charset="0"/>
+              </a:rPr>
+              <a:t>sprintf</a:t>
+            </a:r>
+            <a:r>
+              <a:rPr lang="en-US" dirty="0">
+                <a:latin typeface="Courier New" panose="02070309020205020404" pitchFamily="49" charset="0"/>
+                <a:cs typeface="Courier New" panose="02070309020205020404" pitchFamily="49" charset="0"/>
+              </a:rPr>
+              <a:t>("uniprot_%d.fasta",1+(n%256));</a:t>
+            </a:r>
+            <a:br>
+              <a:rPr lang="en-US" dirty="0">
+                <a:latin typeface="Courier New" panose="02070309020205020404" pitchFamily="49" charset="0"/>
+                <a:cs typeface="Courier New" panose="02070309020205020404" pitchFamily="49" charset="0"/>
+              </a:rPr>
+            </a:br>
+            <a:r>
+              <a:rPr lang="en-US" dirty="0">
+                <a:latin typeface="Courier New" panose="02070309020205020404" pitchFamily="49" charset="0"/>
+                <a:cs typeface="Courier New" panose="02070309020205020404" pitchFamily="49" charset="0"/>
+              </a:rPr>
+              <a:t>       } </a:t>
+            </a:r>
+            <a:br>
+              <a:rPr lang="en-US" dirty="0">
+                <a:latin typeface="Courier New" panose="02070309020205020404" pitchFamily="49" charset="0"/>
+                <a:cs typeface="Courier New" panose="02070309020205020404" pitchFamily="49" charset="0"/>
+              </a:rPr>
+            </a:br>
+            <a:r>
+              <a:rPr lang="en-US" dirty="0">
+                <a:latin typeface="Courier New" panose="02070309020205020404" pitchFamily="49" charset="0"/>
+                <a:cs typeface="Courier New" panose="02070309020205020404" pitchFamily="49" charset="0"/>
+              </a:rPr>
+              <a:t>       print &gt;&gt; file; n++; next;</a:t>
+            </a:r>
+            <a:br>
+              <a:rPr lang="en-US" dirty="0">
+                <a:latin typeface="Courier New" panose="02070309020205020404" pitchFamily="49" charset="0"/>
+                <a:cs typeface="Courier New" panose="02070309020205020404" pitchFamily="49" charset="0"/>
+              </a:rPr>
+            </a:br>
+            <a:r>
+              <a:rPr lang="en-US" dirty="0">
+                <a:latin typeface="Courier New" panose="02070309020205020404" pitchFamily="49" charset="0"/>
+                <a:cs typeface="Courier New" panose="02070309020205020404" pitchFamily="49" charset="0"/>
+              </a:rPr>
+              <a:t>     }</a:t>
+            </a:r>
+            <a:br>
+              <a:rPr lang="en-US" dirty="0">
+                <a:latin typeface="Courier New" panose="02070309020205020404" pitchFamily="49" charset="0"/>
+                <a:cs typeface="Courier New" panose="02070309020205020404" pitchFamily="49" charset="0"/>
+              </a:rPr>
+            </a:br>
+            <a:r>
+              <a:rPr lang="en-US" dirty="0">
+                <a:latin typeface="Courier New" panose="02070309020205020404" pitchFamily="49" charset="0"/>
+                <a:cs typeface="Courier New" panose="02070309020205020404" pitchFamily="49" charset="0"/>
+              </a:rPr>
+              <a:t>{ print &gt;&gt; file; }' &lt; </a:t>
+            </a:r>
+            <a:r>
+              <a:rPr lang="en-US" dirty="0" err="1">
+                <a:latin typeface="Courier New" panose="02070309020205020404" pitchFamily="49" charset="0"/>
+                <a:cs typeface="Courier New" panose="02070309020205020404" pitchFamily="49" charset="0"/>
+              </a:rPr>
+              <a:t>uniprot_sprot.fasta</a:t>
+            </a:r>
+            <a:endParaRPr lang="en-US" dirty="0">
+              <a:latin typeface="Courier New" panose="02070309020205020404" pitchFamily="49" charset="0"/>
+              <a:cs typeface="Courier New" panose="02070309020205020404" pitchFamily="49" charset="0"/>
+            </a:endParaRPr>
+          </a:p>
+        </p:txBody>
+      </p:sp>
+      <p:sp>
+        <p:nvSpPr>
+          <p:cNvPr id="4" name="Slide Number Placeholder 3">
+            <a:extLst>
+              <a:ext uri="{FF2B5EF4-FFF2-40B4-BE49-F238E27FC236}">
+                <a16:creationId xmlns:a16="http://schemas.microsoft.com/office/drawing/2014/main" id="{CCAF379A-A20E-EB16-1A9F-309509C8A2F2}"/>
+              </a:ext>
+            </a:extLst>
+          </p:cNvPr>
           <p:cNvSpPr>
             <a:spLocks noGrp="1"/>
           </p:cNvSpPr>
@@ -20258,21 +21233,17 @@
           <a:lstStyle/>
           <a:p>
             <a:fld id="{4E3AEE2C-3A74-8643-B4A2-442777B583A3}" type="slidenum">
-              <a:rPr lang="en-US" smtClean="0">
-                <a:latin typeface="National Park " pitchFamily="2" charset="77"/>
-              </a:rPr>
+              <a:rPr lang="en-US" smtClean="0"/>
               <a:t>56</a:t>
             </a:fld>
-            <a:endParaRPr lang="en-US">
-              <a:latin typeface="National Park " pitchFamily="2" charset="77"/>
-            </a:endParaRPr>
+            <a:endParaRPr lang="en-US"/>
           </a:p>
         </p:txBody>
       </p:sp>
     </p:spTree>
     <p:extLst>
       <p:ext uri="{BB962C8B-B14F-4D97-AF65-F5344CB8AC3E}">
-        <p14:creationId xmlns:p14="http://schemas.microsoft.com/office/powerpoint/2010/main" val="1816197902"/>
+        <p14:creationId xmlns:p14="http://schemas.microsoft.com/office/powerpoint/2010/main" val="3076711723"/>
       </p:ext>
     </p:extLst>
   </p:cSld>
@@ -20311,6 +21282,1073 @@
         </p:nvSpPr>
         <p:spPr>
           <a:xfrm>
+            <a:off x="628650" y="1888115"/>
+            <a:ext cx="7886700" cy="1367270"/>
+          </a:xfrm>
+        </p:spPr>
+        <p:txBody>
+          <a:bodyPr>
+            <a:normAutofit fontScale="90000"/>
+          </a:bodyPr>
+          <a:lstStyle/>
+          <a:p>
+            <a:pPr algn="ctr"/>
+            <a:r>
+              <a:rPr lang="en-US" dirty="0">
+                <a:latin typeface="National Park " pitchFamily="2" charset="77"/>
+              </a:rPr>
+              <a:t>Part 8: Putting it all Together: Asynchronous Workflow Execution in HPC at Scale</a:t>
+            </a:r>
+            <a:endParaRPr lang="en-US" i="1" dirty="0">
+              <a:latin typeface="National Park Medium" pitchFamily="2" charset="77"/>
+            </a:endParaRPr>
+          </a:p>
+        </p:txBody>
+      </p:sp>
+      <p:sp>
+        <p:nvSpPr>
+          <p:cNvPr id="4" name="Slide Number Placeholder 3"/>
+          <p:cNvSpPr>
+            <a:spLocks noGrp="1"/>
+          </p:cNvSpPr>
+          <p:nvPr>
+            <p:ph type="sldNum" sz="quarter" idx="12"/>
+          </p:nvPr>
+        </p:nvSpPr>
+        <p:spPr/>
+        <p:txBody>
+          <a:bodyPr/>
+          <a:lstStyle/>
+          <a:p>
+            <a:fld id="{4E3AEE2C-3A74-8643-B4A2-442777B583A3}" type="slidenum">
+              <a:rPr lang="en-US" smtClean="0">
+                <a:latin typeface="National Park " pitchFamily="2" charset="77"/>
+              </a:rPr>
+              <a:t>57</a:t>
+            </a:fld>
+            <a:endParaRPr lang="en-US">
+              <a:latin typeface="National Park " pitchFamily="2" charset="77"/>
+            </a:endParaRPr>
+          </a:p>
+        </p:txBody>
+      </p:sp>
+      <p:sp>
+        <p:nvSpPr>
+          <p:cNvPr id="5" name="TextBox 4"/>
+          <p:cNvSpPr txBox="1"/>
+          <p:nvPr/>
+        </p:nvSpPr>
+        <p:spPr>
+          <a:xfrm>
+            <a:off x="7603274" y="4490264"/>
+            <a:ext cx="816249" cy="248209"/>
+          </a:xfrm>
+          <a:prstGeom prst="rect">
+            <a:avLst/>
+          </a:prstGeom>
+          <a:noFill/>
+        </p:spPr>
+        <p:txBody>
+          <a:bodyPr wrap="none" rtlCol="0">
+            <a:spAutoFit/>
+          </a:bodyPr>
+          <a:lstStyle/>
+          <a:p>
+            <a:r>
+              <a:rPr lang="en-US" sz="1013" dirty="0">
+                <a:latin typeface="National Park " pitchFamily="2" charset="77"/>
+                <a:hlinkClick r:id="rId2" action="ppaction://hlinksldjump"/>
+              </a:rPr>
+              <a:t>back to toc</a:t>
+            </a:r>
+            <a:endParaRPr lang="en-US" sz="1013" dirty="0">
+              <a:latin typeface="National Park " pitchFamily="2" charset="77"/>
+            </a:endParaRPr>
+          </a:p>
+        </p:txBody>
+      </p:sp>
+    </p:spTree>
+    <p:extLst>
+      <p:ext uri="{BB962C8B-B14F-4D97-AF65-F5344CB8AC3E}">
+        <p14:creationId xmlns:p14="http://schemas.microsoft.com/office/powerpoint/2010/main" val="1821741904"/>
+      </p:ext>
+    </p:extLst>
+  </p:cSld>
+  <p:clrMapOvr>
+    <a:masterClrMapping/>
+  </p:clrMapOvr>
+</p:sld>
+</file>
+
+<file path=ppt/slides/slide58.xml><?xml version="1.0" encoding="utf-8"?>
+<p:sld xmlns:a="http://schemas.openxmlformats.org/drawingml/2006/main" xmlns:r="http://schemas.openxmlformats.org/officeDocument/2006/relationships" xmlns:p="http://schemas.openxmlformats.org/presentationml/2006/main">
+  <p:cSld>
+    <p:spTree>
+      <p:nvGrpSpPr>
+        <p:cNvPr id="1" name=""/>
+        <p:cNvGrpSpPr/>
+        <p:nvPr/>
+      </p:nvGrpSpPr>
+      <p:grpSpPr>
+        <a:xfrm>
+          <a:off x="0" y="0"/>
+          <a:ext cx="0" cy="0"/>
+          <a:chOff x="0" y="0"/>
+          <a:chExt cx="0" cy="0"/>
+        </a:xfrm>
+      </p:grpSpPr>
+      <p:sp>
+        <p:nvSpPr>
+          <p:cNvPr id="2" name="Title 1">
+            <a:extLst>
+              <a:ext uri="{FF2B5EF4-FFF2-40B4-BE49-F238E27FC236}">
+                <a16:creationId xmlns:a16="http://schemas.microsoft.com/office/drawing/2014/main" id="{1A155580-7F59-A971-9A10-80B0292411CB}"/>
+              </a:ext>
+            </a:extLst>
+          </p:cNvPr>
+          <p:cNvSpPr>
+            <a:spLocks noGrp="1"/>
+          </p:cNvSpPr>
+          <p:nvPr>
+            <p:ph type="title"/>
+          </p:nvPr>
+        </p:nvSpPr>
+        <p:spPr/>
+        <p:txBody>
+          <a:bodyPr>
+            <a:normAutofit/>
+          </a:bodyPr>
+          <a:lstStyle/>
+          <a:p>
+            <a:pPr algn="ctr"/>
+            <a:r>
+              <a:rPr lang="en-US" dirty="0" err="1">
+                <a:latin typeface="National Park " pitchFamily="2" charset="77"/>
+              </a:rPr>
+              <a:t>HMMSearch</a:t>
+            </a:r>
+            <a:r>
+              <a:rPr lang="en-US" dirty="0">
+                <a:latin typeface="National Park " pitchFamily="2" charset="77"/>
+              </a:rPr>
+              <a:t> Command line</a:t>
+            </a:r>
+          </a:p>
+        </p:txBody>
+      </p:sp>
+      <p:sp>
+        <p:nvSpPr>
+          <p:cNvPr id="3" name="Content Placeholder 2">
+            <a:extLst>
+              <a:ext uri="{FF2B5EF4-FFF2-40B4-BE49-F238E27FC236}">
+                <a16:creationId xmlns:a16="http://schemas.microsoft.com/office/drawing/2014/main" id="{212B05BE-AE06-9735-3017-22BAFDEC394F}"/>
+              </a:ext>
+            </a:extLst>
+          </p:cNvPr>
+          <p:cNvSpPr>
+            <a:spLocks noGrp="1"/>
+          </p:cNvSpPr>
+          <p:nvPr>
+            <p:ph idx="1"/>
+          </p:nvPr>
+        </p:nvSpPr>
+        <p:spPr/>
+        <p:txBody>
+          <a:bodyPr>
+            <a:normAutofit/>
+          </a:bodyPr>
+          <a:lstStyle/>
+          <a:p>
+            <a:pPr marL="0" indent="0">
+              <a:buNone/>
+            </a:pPr>
+            <a:r>
+              <a:rPr lang="en-US" sz="1640" b="1" dirty="0" err="1">
+                <a:latin typeface="Courier New" panose="02070309020205020404" pitchFamily="49" charset="0"/>
+                <a:cs typeface="Courier New" panose="02070309020205020404" pitchFamily="49" charset="0"/>
+              </a:rPr>
+              <a:t>hmmsearch</a:t>
+            </a:r>
+            <a:r>
+              <a:rPr lang="en-US" sz="1640" b="1" dirty="0">
+                <a:latin typeface="Courier New" panose="02070309020205020404" pitchFamily="49" charset="0"/>
+                <a:cs typeface="Courier New" panose="02070309020205020404" pitchFamily="49" charset="0"/>
+              </a:rPr>
+              <a:t> </a:t>
+            </a:r>
+            <a:r>
+              <a:rPr lang="en-US" sz="1640" dirty="0">
+                <a:latin typeface="Courier New" panose="02070309020205020404" pitchFamily="49" charset="0"/>
+                <a:cs typeface="Courier New" panose="02070309020205020404" pitchFamily="49" charset="0"/>
+              </a:rPr>
+              <a:t>--</a:t>
+            </a:r>
+            <a:r>
+              <a:rPr lang="en-US" sz="1640" dirty="0" err="1">
+                <a:latin typeface="Courier New" panose="02070309020205020404" pitchFamily="49" charset="0"/>
+                <a:cs typeface="Courier New" panose="02070309020205020404" pitchFamily="49" charset="0"/>
+              </a:rPr>
+              <a:t>cpu</a:t>
+            </a:r>
+            <a:r>
+              <a:rPr lang="en-US" sz="1640" dirty="0">
+                <a:latin typeface="Courier New" panose="02070309020205020404" pitchFamily="49" charset="0"/>
+                <a:cs typeface="Courier New" panose="02070309020205020404" pitchFamily="49" charset="0"/>
+              </a:rPr>
+              <a:t> 8 --</a:t>
+            </a:r>
+            <a:r>
+              <a:rPr lang="en-US" sz="1640" dirty="0" err="1">
+                <a:latin typeface="Courier New" panose="02070309020205020404" pitchFamily="49" charset="0"/>
+                <a:cs typeface="Courier New" panose="02070309020205020404" pitchFamily="49" charset="0"/>
+              </a:rPr>
+              <a:t>noali</a:t>
+            </a:r>
+            <a:r>
+              <a:rPr lang="en-US" sz="1640" dirty="0">
+                <a:latin typeface="Courier New" panose="02070309020205020404" pitchFamily="49" charset="0"/>
+                <a:cs typeface="Courier New" panose="02070309020205020404" pitchFamily="49" charset="0"/>
+              </a:rPr>
+              <a:t> </a:t>
+            </a:r>
+            <a:r>
+              <a:rPr lang="en-US" sz="1640" b="1" dirty="0">
+                <a:latin typeface="Courier New" panose="02070309020205020404" pitchFamily="49" charset="0"/>
+                <a:cs typeface="Courier New" panose="02070309020205020404" pitchFamily="49" charset="0"/>
+              </a:rPr>
+              <a:t>-o </a:t>
+            </a:r>
+            <a:r>
+              <a:rPr lang="en-US" sz="1640" b="1" dirty="0" err="1">
+                <a:latin typeface="Courier New" panose="02070309020205020404" pitchFamily="49" charset="0"/>
+                <a:cs typeface="Courier New" panose="02070309020205020404" pitchFamily="49" charset="0"/>
+              </a:rPr>
+              <a:t>output.txt</a:t>
+            </a:r>
+            <a:r>
+              <a:rPr lang="en-US" sz="1640" b="1" dirty="0">
+                <a:latin typeface="Courier New" panose="02070309020205020404" pitchFamily="49" charset="0"/>
+                <a:cs typeface="Courier New" panose="02070309020205020404" pitchFamily="49" charset="0"/>
+              </a:rPr>
+              <a:t> \</a:t>
+            </a:r>
+          </a:p>
+          <a:p>
+            <a:pPr marL="0" indent="0">
+              <a:buNone/>
+            </a:pPr>
+            <a:r>
+              <a:rPr lang="en-US" sz="1640" b="1" dirty="0">
+                <a:latin typeface="Courier New" panose="02070309020205020404" pitchFamily="49" charset="0"/>
+                <a:cs typeface="Courier New" panose="02070309020205020404" pitchFamily="49" charset="0"/>
+              </a:rPr>
+              <a:t>                             </a:t>
+            </a:r>
+            <a:r>
+              <a:rPr lang="en-US" sz="1640" b="1" dirty="0" err="1">
+                <a:latin typeface="Courier New" panose="02070309020205020404" pitchFamily="49" charset="0"/>
+                <a:cs typeface="Courier New" panose="02070309020205020404" pitchFamily="49" charset="0"/>
+              </a:rPr>
+              <a:t>Pfam-A.hmm</a:t>
+            </a:r>
+            <a:r>
+              <a:rPr lang="en-US" sz="1640" b="1" dirty="0">
+                <a:latin typeface="Courier New" panose="02070309020205020404" pitchFamily="49" charset="0"/>
+                <a:cs typeface="Courier New" panose="02070309020205020404" pitchFamily="49" charset="0"/>
+              </a:rPr>
+              <a:t> </a:t>
+            </a:r>
+            <a:r>
+              <a:rPr lang="en-US" sz="1640" b="1" dirty="0" err="1">
+                <a:latin typeface="Courier New" panose="02070309020205020404" pitchFamily="49" charset="0"/>
+                <a:cs typeface="Courier New" panose="02070309020205020404" pitchFamily="49" charset="0"/>
+              </a:rPr>
+              <a:t>input.fasta</a:t>
+            </a:r>
+            <a:br>
+              <a:rPr lang="en-US" sz="1640" b="1" dirty="0">
+                <a:latin typeface="Courier New" panose="02070309020205020404" pitchFamily="49" charset="0"/>
+                <a:cs typeface="Courier New" panose="02070309020205020404" pitchFamily="49" charset="0"/>
+              </a:rPr>
+            </a:br>
+            <a:br>
+              <a:rPr lang="en-US" sz="1640" b="1" dirty="0">
+                <a:latin typeface="Courier New" panose="02070309020205020404" pitchFamily="49" charset="0"/>
+                <a:cs typeface="Courier New" panose="02070309020205020404" pitchFamily="49" charset="0"/>
+              </a:rPr>
+            </a:br>
+            <a:endParaRPr lang="en-US" sz="1640" b="1" dirty="0">
+              <a:latin typeface="Courier New" panose="02070309020205020404" pitchFamily="49" charset="0"/>
+              <a:cs typeface="Courier New" panose="02070309020205020404" pitchFamily="49" charset="0"/>
+            </a:endParaRPr>
+          </a:p>
+          <a:p>
+            <a:pPr marL="0" indent="0">
+              <a:buNone/>
+            </a:pPr>
+            <a:r>
+              <a:rPr lang="en-US" sz="1640" b="1" dirty="0">
+                <a:latin typeface="Courier New" panose="02070309020205020404" pitchFamily="49" charset="0"/>
+                <a:cs typeface="Courier New" panose="02070309020205020404" pitchFamily="49" charset="0"/>
+              </a:rPr>
+              <a:t>find $PWD -type f | grep </a:t>
+            </a:r>
+            <a:r>
+              <a:rPr lang="en-US" sz="1640" b="1" dirty="0" err="1">
+                <a:latin typeface="Courier New" panose="02070309020205020404" pitchFamily="49" charset="0"/>
+                <a:cs typeface="Courier New" panose="02070309020205020404" pitchFamily="49" charset="0"/>
+              </a:rPr>
+              <a:t>fasta</a:t>
+            </a:r>
+            <a:r>
+              <a:rPr lang="en-US" sz="1640" b="1" dirty="0">
+                <a:latin typeface="Courier New" panose="02070309020205020404" pitchFamily="49" charset="0"/>
+                <a:cs typeface="Courier New" panose="02070309020205020404" pitchFamily="49" charset="0"/>
+              </a:rPr>
+              <a:t> &gt; </a:t>
+            </a:r>
+            <a:r>
+              <a:rPr lang="en-US" sz="1640" b="1" dirty="0" err="1">
+                <a:latin typeface="Courier New" panose="02070309020205020404" pitchFamily="49" charset="0"/>
+                <a:cs typeface="Courier New" panose="02070309020205020404" pitchFamily="49" charset="0"/>
+              </a:rPr>
+              <a:t>inputs.txt</a:t>
+            </a:r>
+            <a:endParaRPr lang="en-US" sz="1640" b="1" dirty="0">
+              <a:latin typeface="Courier New" panose="02070309020205020404" pitchFamily="49" charset="0"/>
+              <a:cs typeface="Courier New" panose="02070309020205020404" pitchFamily="49" charset="0"/>
+            </a:endParaRPr>
+          </a:p>
+          <a:p>
+            <a:pPr marL="0" indent="0">
+              <a:buNone/>
+            </a:pPr>
+            <a:endParaRPr lang="en-US" sz="1640" b="1" dirty="0">
+              <a:latin typeface="Courier New" panose="02070309020205020404" pitchFamily="49" charset="0"/>
+              <a:cs typeface="Courier New" panose="02070309020205020404" pitchFamily="49" charset="0"/>
+            </a:endParaRPr>
+          </a:p>
+          <a:p>
+            <a:pPr marL="0" indent="0">
+              <a:buNone/>
+            </a:pPr>
+            <a:r>
+              <a:rPr lang="en-US" sz="1640" b="1" dirty="0">
+                <a:latin typeface="Courier New" panose="02070309020205020404" pitchFamily="49" charset="0"/>
+                <a:cs typeface="Courier New" panose="02070309020205020404" pitchFamily="49" charset="0"/>
+              </a:rPr>
+              <a:t>ls | head -3</a:t>
+            </a:r>
+          </a:p>
+          <a:p>
+            <a:pPr marL="0" indent="0">
+              <a:buNone/>
+            </a:pPr>
+            <a:r>
+              <a:rPr lang="en-US" sz="1640" b="1" dirty="0">
+                <a:latin typeface="Courier New" panose="02070309020205020404" pitchFamily="49" charset="0"/>
+                <a:cs typeface="Courier New" panose="02070309020205020404" pitchFamily="49" charset="0"/>
+              </a:rPr>
+              <a:t>uniprot_100.fasta</a:t>
+            </a:r>
+          </a:p>
+          <a:p>
+            <a:pPr marL="0" indent="0">
+              <a:buNone/>
+            </a:pPr>
+            <a:r>
+              <a:rPr lang="en-US" sz="1640" b="1" dirty="0">
+                <a:latin typeface="Courier New" panose="02070309020205020404" pitchFamily="49" charset="0"/>
+                <a:cs typeface="Courier New" panose="02070309020205020404" pitchFamily="49" charset="0"/>
+              </a:rPr>
+              <a:t>uniprot_101.fasta</a:t>
+            </a:r>
+          </a:p>
+          <a:p>
+            <a:pPr marL="0" indent="0">
+              <a:buNone/>
+            </a:pPr>
+            <a:r>
+              <a:rPr lang="en-US" sz="1640" b="1" dirty="0">
+                <a:latin typeface="Courier New" panose="02070309020205020404" pitchFamily="49" charset="0"/>
+                <a:cs typeface="Courier New" panose="02070309020205020404" pitchFamily="49" charset="0"/>
+              </a:rPr>
+              <a:t>uniprot_102.fasta</a:t>
+            </a:r>
+          </a:p>
+          <a:p>
+            <a:pPr marL="0" indent="0">
+              <a:buNone/>
+            </a:pPr>
+            <a:endParaRPr lang="en-US" sz="1640" b="1" dirty="0">
+              <a:latin typeface="Courier New" panose="02070309020205020404" pitchFamily="49" charset="0"/>
+              <a:cs typeface="Courier New" panose="02070309020205020404" pitchFamily="49" charset="0"/>
+            </a:endParaRPr>
+          </a:p>
+        </p:txBody>
+      </p:sp>
+      <p:sp>
+        <p:nvSpPr>
+          <p:cNvPr id="4" name="Slide Number Placeholder 3">
+            <a:extLst>
+              <a:ext uri="{FF2B5EF4-FFF2-40B4-BE49-F238E27FC236}">
+                <a16:creationId xmlns:a16="http://schemas.microsoft.com/office/drawing/2014/main" id="{000BA920-5C23-2095-5937-AEA71FE5E280}"/>
+              </a:ext>
+            </a:extLst>
+          </p:cNvPr>
+          <p:cNvSpPr>
+            <a:spLocks noGrp="1"/>
+          </p:cNvSpPr>
+          <p:nvPr>
+            <p:ph type="sldNum" sz="quarter" idx="12"/>
+          </p:nvPr>
+        </p:nvSpPr>
+        <p:spPr/>
+        <p:txBody>
+          <a:bodyPr/>
+          <a:lstStyle/>
+          <a:p>
+            <a:fld id="{4E3AEE2C-3A74-8643-B4A2-442777B583A3}" type="slidenum">
+              <a:rPr lang="en-US" smtClean="0">
+                <a:latin typeface="National Park " pitchFamily="2" charset="77"/>
+              </a:rPr>
+              <a:t>58</a:t>
+            </a:fld>
+            <a:endParaRPr lang="en-US">
+              <a:latin typeface="National Park " pitchFamily="2" charset="77"/>
+            </a:endParaRPr>
+          </a:p>
+        </p:txBody>
+      </p:sp>
+    </p:spTree>
+    <p:extLst>
+      <p:ext uri="{BB962C8B-B14F-4D97-AF65-F5344CB8AC3E}">
+        <p14:creationId xmlns:p14="http://schemas.microsoft.com/office/powerpoint/2010/main" val="3396750355"/>
+      </p:ext>
+    </p:extLst>
+  </p:cSld>
+  <p:clrMapOvr>
+    <a:masterClrMapping/>
+  </p:clrMapOvr>
+</p:sld>
+</file>
+
+<file path=ppt/slides/slide59.xml><?xml version="1.0" encoding="utf-8"?>
+<p:sld xmlns:a="http://schemas.openxmlformats.org/drawingml/2006/main" xmlns:r="http://schemas.openxmlformats.org/officeDocument/2006/relationships" xmlns:p="http://schemas.openxmlformats.org/presentationml/2006/main">
+  <p:cSld>
+    <p:spTree>
+      <p:nvGrpSpPr>
+        <p:cNvPr id="1" name=""/>
+        <p:cNvGrpSpPr/>
+        <p:nvPr/>
+      </p:nvGrpSpPr>
+      <p:grpSpPr>
+        <a:xfrm>
+          <a:off x="0" y="0"/>
+          <a:ext cx="0" cy="0"/>
+          <a:chOff x="0" y="0"/>
+          <a:chExt cx="0" cy="0"/>
+        </a:xfrm>
+      </p:grpSpPr>
+      <p:sp>
+        <p:nvSpPr>
+          <p:cNvPr id="2" name="Title 1">
+            <a:extLst>
+              <a:ext uri="{FF2B5EF4-FFF2-40B4-BE49-F238E27FC236}">
+                <a16:creationId xmlns:a16="http://schemas.microsoft.com/office/drawing/2014/main" id="{6972196C-1D2D-C240-AD57-E3EBC4FA030D}"/>
+              </a:ext>
+            </a:extLst>
+          </p:cNvPr>
+          <p:cNvSpPr>
+            <a:spLocks noGrp="1"/>
+          </p:cNvSpPr>
+          <p:nvPr>
+            <p:ph type="title"/>
+          </p:nvPr>
+        </p:nvSpPr>
+        <p:spPr/>
+        <p:txBody>
+          <a:bodyPr/>
+          <a:lstStyle/>
+          <a:p>
+            <a:pPr algn="ctr"/>
+            <a:r>
+              <a:rPr lang="en-US" dirty="0">
+                <a:latin typeface="National Park " pitchFamily="2" charset="77"/>
+              </a:rPr>
+              <a:t>Summary</a:t>
+            </a:r>
+          </a:p>
+        </p:txBody>
+      </p:sp>
+      <p:sp>
+        <p:nvSpPr>
+          <p:cNvPr id="3" name="Content Placeholder 2">
+            <a:extLst>
+              <a:ext uri="{FF2B5EF4-FFF2-40B4-BE49-F238E27FC236}">
+                <a16:creationId xmlns:a16="http://schemas.microsoft.com/office/drawing/2014/main" id="{59541F7C-8324-CD41-84A0-D9DC3E4E12B8}"/>
+              </a:ext>
+            </a:extLst>
+          </p:cNvPr>
+          <p:cNvSpPr>
+            <a:spLocks noGrp="1"/>
+          </p:cNvSpPr>
+          <p:nvPr>
+            <p:ph idx="1"/>
+          </p:nvPr>
+        </p:nvSpPr>
+        <p:spPr/>
+        <p:txBody>
+          <a:bodyPr>
+            <a:normAutofit/>
+          </a:bodyPr>
+          <a:lstStyle/>
+          <a:p>
+            <a:r>
+              <a:rPr lang="en-US" dirty="0">
+                <a:latin typeface="National Park " pitchFamily="2" charset="77"/>
+              </a:rPr>
+              <a:t>GNU Parallel is an effective tool that could be useful in day to day tasks on the terminal as well as for larger workflows</a:t>
+            </a:r>
+          </a:p>
+          <a:p>
+            <a:r>
+              <a:rPr lang="en-US" dirty="0">
+                <a:latin typeface="National Park " pitchFamily="2" charset="77"/>
+              </a:rPr>
+              <a:t>Many many options to choose from to customize a parallel operation</a:t>
+            </a:r>
+          </a:p>
+          <a:p>
+            <a:r>
+              <a:rPr lang="en-US" dirty="0">
+                <a:latin typeface="National Park " pitchFamily="2" charset="77"/>
+              </a:rPr>
+              <a:t>Very handy for quick prototyping</a:t>
+            </a:r>
+          </a:p>
+          <a:p>
+            <a:endParaRPr lang="en-US" dirty="0">
+              <a:latin typeface="National Park " pitchFamily="2" charset="77"/>
+            </a:endParaRPr>
+          </a:p>
+        </p:txBody>
+      </p:sp>
+      <p:sp>
+        <p:nvSpPr>
+          <p:cNvPr id="4" name="Slide Number Placeholder 3">
+            <a:extLst>
+              <a:ext uri="{FF2B5EF4-FFF2-40B4-BE49-F238E27FC236}">
+                <a16:creationId xmlns:a16="http://schemas.microsoft.com/office/drawing/2014/main" id="{6D0E0BA3-5ECE-E94D-B034-8F400208F397}"/>
+              </a:ext>
+            </a:extLst>
+          </p:cNvPr>
+          <p:cNvSpPr>
+            <a:spLocks noGrp="1"/>
+          </p:cNvSpPr>
+          <p:nvPr>
+            <p:ph type="sldNum" sz="quarter" idx="12"/>
+          </p:nvPr>
+        </p:nvSpPr>
+        <p:spPr/>
+        <p:txBody>
+          <a:bodyPr/>
+          <a:lstStyle/>
+          <a:p>
+            <a:fld id="{4E3AEE2C-3A74-8643-B4A2-442777B583A3}" type="slidenum">
+              <a:rPr lang="en-US" smtClean="0">
+                <a:latin typeface="National Park " pitchFamily="2" charset="77"/>
+              </a:rPr>
+              <a:t>59</a:t>
+            </a:fld>
+            <a:endParaRPr lang="en-US">
+              <a:latin typeface="National Park " pitchFamily="2" charset="77"/>
+            </a:endParaRPr>
+          </a:p>
+        </p:txBody>
+      </p:sp>
+      <p:sp>
+        <p:nvSpPr>
+          <p:cNvPr id="5" name="TextBox 4">
+            <a:extLst>
+              <a:ext uri="{FF2B5EF4-FFF2-40B4-BE49-F238E27FC236}">
+                <a16:creationId xmlns:a16="http://schemas.microsoft.com/office/drawing/2014/main" id="{B9BD456B-BB50-C343-BC4E-DD06F77B9D78}"/>
+              </a:ext>
+            </a:extLst>
+          </p:cNvPr>
+          <p:cNvSpPr txBox="1"/>
+          <p:nvPr/>
+        </p:nvSpPr>
+        <p:spPr>
+          <a:xfrm>
+            <a:off x="7603274" y="4490264"/>
+            <a:ext cx="816249" cy="248209"/>
+          </a:xfrm>
+          <a:prstGeom prst="rect">
+            <a:avLst/>
+          </a:prstGeom>
+          <a:noFill/>
+        </p:spPr>
+        <p:txBody>
+          <a:bodyPr wrap="none" rtlCol="0">
+            <a:spAutoFit/>
+          </a:bodyPr>
+          <a:lstStyle/>
+          <a:p>
+            <a:r>
+              <a:rPr lang="en-US" sz="1013" dirty="0">
+                <a:latin typeface="National Park " pitchFamily="2" charset="77"/>
+                <a:hlinkClick r:id="rId2" action="ppaction://hlinksldjump"/>
+              </a:rPr>
+              <a:t>back to toc</a:t>
+            </a:r>
+            <a:endParaRPr lang="en-US" sz="1013" dirty="0">
+              <a:latin typeface="National Park " pitchFamily="2" charset="77"/>
+            </a:endParaRPr>
+          </a:p>
+        </p:txBody>
+      </p:sp>
+    </p:spTree>
+    <p:extLst>
+      <p:ext uri="{BB962C8B-B14F-4D97-AF65-F5344CB8AC3E}">
+        <p14:creationId xmlns:p14="http://schemas.microsoft.com/office/powerpoint/2010/main" val="1077433394"/>
+      </p:ext>
+    </p:extLst>
+  </p:cSld>
+  <p:clrMapOvr>
+    <a:masterClrMapping/>
+  </p:clrMapOvr>
+</p:sld>
+</file>
+
+<file path=ppt/slides/slide6.xml><?xml version="1.0" encoding="utf-8"?>
+<p:sld xmlns:a="http://schemas.openxmlformats.org/drawingml/2006/main" xmlns:r="http://schemas.openxmlformats.org/officeDocument/2006/relationships" xmlns:p="http://schemas.openxmlformats.org/presentationml/2006/main">
+  <p:cSld>
+    <p:spTree>
+      <p:nvGrpSpPr>
+        <p:cNvPr id="1" name=""/>
+        <p:cNvGrpSpPr/>
+        <p:nvPr/>
+      </p:nvGrpSpPr>
+      <p:grpSpPr>
+        <a:xfrm>
+          <a:off x="0" y="0"/>
+          <a:ext cx="0" cy="0"/>
+          <a:chOff x="0" y="0"/>
+          <a:chExt cx="0" cy="0"/>
+        </a:xfrm>
+      </p:grpSpPr>
+      <p:sp>
+        <p:nvSpPr>
+          <p:cNvPr id="2" name="Title 1">
+            <a:extLst>
+              <a:ext uri="{FF2B5EF4-FFF2-40B4-BE49-F238E27FC236}">
+                <a16:creationId xmlns:a16="http://schemas.microsoft.com/office/drawing/2014/main" id="{05D44728-7C83-7C46-930E-6B971126B72B}"/>
+              </a:ext>
+            </a:extLst>
+          </p:cNvPr>
+          <p:cNvSpPr>
+            <a:spLocks noGrp="1"/>
+          </p:cNvSpPr>
+          <p:nvPr>
+            <p:ph type="title"/>
+          </p:nvPr>
+        </p:nvSpPr>
+        <p:spPr/>
+        <p:txBody>
+          <a:bodyPr/>
+          <a:lstStyle/>
+          <a:p>
+            <a:pPr algn="ctr"/>
+            <a:r>
+              <a:rPr lang="en-US" dirty="0">
+                <a:latin typeface="National Park " pitchFamily="2" charset="77"/>
+              </a:rPr>
+              <a:t>Slides and practice data for download</a:t>
+            </a:r>
+          </a:p>
+        </p:txBody>
+      </p:sp>
+      <p:sp>
+        <p:nvSpPr>
+          <p:cNvPr id="3" name="Content Placeholder 2">
+            <a:extLst>
+              <a:ext uri="{FF2B5EF4-FFF2-40B4-BE49-F238E27FC236}">
+                <a16:creationId xmlns:a16="http://schemas.microsoft.com/office/drawing/2014/main" id="{29E8057A-DB89-114F-A283-B7526B0229DA}"/>
+              </a:ext>
+            </a:extLst>
+          </p:cNvPr>
+          <p:cNvSpPr>
+            <a:spLocks noGrp="1"/>
+          </p:cNvSpPr>
+          <p:nvPr>
+            <p:ph idx="1"/>
+          </p:nvPr>
+        </p:nvSpPr>
+        <p:spPr/>
+        <p:txBody>
+          <a:bodyPr>
+            <a:normAutofit/>
+          </a:bodyPr>
+          <a:lstStyle/>
+          <a:p>
+            <a:r>
+              <a:rPr lang="en-US" sz="2000" dirty="0"/>
+              <a:t>Slides and practice files available:</a:t>
+            </a:r>
+            <a:endParaRPr lang="en-US" sz="2000" dirty="0">
+              <a:hlinkClick r:id="rId2"/>
+            </a:endParaRPr>
+          </a:p>
+          <a:p>
+            <a:pPr marL="0" indent="0">
+              <a:buNone/>
+            </a:pPr>
+            <a:r>
+              <a:rPr lang="en-US" sz="2000" dirty="0">
+                <a:hlinkClick r:id="rId2"/>
+              </a:rPr>
+              <a:t>github.com/ketancmaheshwari/escience23tut</a:t>
+            </a:r>
+            <a:endParaRPr lang="en-US" sz="2000" dirty="0"/>
+          </a:p>
+          <a:p>
+            <a:pPr marL="0" indent="0">
+              <a:buNone/>
+            </a:pPr>
+            <a:endParaRPr lang="en-US" sz="2000" b="1" dirty="0">
+              <a:latin typeface="Courier New" panose="02070309020205020404" pitchFamily="49" charset="0"/>
+              <a:cs typeface="Courier New" panose="02070309020205020404" pitchFamily="49" charset="0"/>
+            </a:endParaRPr>
+          </a:p>
+          <a:p>
+            <a:pPr marL="0" indent="0">
+              <a:buNone/>
+            </a:pPr>
+            <a:r>
+              <a:rPr lang="en-US" sz="2000" b="1" dirty="0">
+                <a:latin typeface="Courier New" panose="02070309020205020404" pitchFamily="49" charset="0"/>
+                <a:cs typeface="Courier New" panose="02070309020205020404" pitchFamily="49" charset="0"/>
+              </a:rPr>
+              <a:t>/data </a:t>
+            </a:r>
+            <a:r>
+              <a:rPr lang="en-US" sz="2000" dirty="0"/>
+              <a:t>has data used for exercises</a:t>
+            </a:r>
+          </a:p>
+          <a:p>
+            <a:pPr marL="0" indent="0">
+              <a:buNone/>
+            </a:pPr>
+            <a:r>
+              <a:rPr lang="en-US" sz="2000" b="1" dirty="0">
+                <a:latin typeface="Courier New" panose="02070309020205020404" pitchFamily="49" charset="0"/>
+                <a:cs typeface="Courier New" panose="02070309020205020404" pitchFamily="49" charset="0"/>
+              </a:rPr>
+              <a:t>/</a:t>
+            </a:r>
+            <a:r>
+              <a:rPr lang="en-US" sz="2000" b="1" dirty="0" err="1">
+                <a:latin typeface="Courier New" panose="02070309020205020404" pitchFamily="49" charset="0"/>
+                <a:cs typeface="Courier New" panose="02070309020205020404" pitchFamily="49" charset="0"/>
+              </a:rPr>
+              <a:t>src</a:t>
+            </a:r>
+            <a:r>
+              <a:rPr lang="en-US" sz="2000" b="1" dirty="0">
+                <a:latin typeface="Courier New" panose="02070309020205020404" pitchFamily="49" charset="0"/>
+                <a:cs typeface="Courier New" panose="02070309020205020404" pitchFamily="49" charset="0"/>
+              </a:rPr>
+              <a:t> </a:t>
+            </a:r>
+            <a:r>
+              <a:rPr lang="en-US" sz="2000" dirty="0"/>
+              <a:t>has code shown here</a:t>
+            </a:r>
+          </a:p>
+          <a:p>
+            <a:pPr marL="0" indent="0">
+              <a:buNone/>
+            </a:pPr>
+            <a:endParaRPr lang="en-US" sz="2000" dirty="0"/>
+          </a:p>
+        </p:txBody>
+      </p:sp>
+      <p:sp>
+        <p:nvSpPr>
+          <p:cNvPr id="4" name="Slide Number Placeholder 3">
+            <a:extLst>
+              <a:ext uri="{FF2B5EF4-FFF2-40B4-BE49-F238E27FC236}">
+                <a16:creationId xmlns:a16="http://schemas.microsoft.com/office/drawing/2014/main" id="{D7699DEE-AC44-2A4E-AF40-7948177B6604}"/>
+              </a:ext>
+            </a:extLst>
+          </p:cNvPr>
+          <p:cNvSpPr>
+            <a:spLocks noGrp="1"/>
+          </p:cNvSpPr>
+          <p:nvPr>
+            <p:ph type="sldNum" sz="quarter" idx="12"/>
+          </p:nvPr>
+        </p:nvSpPr>
+        <p:spPr/>
+        <p:txBody>
+          <a:bodyPr/>
+          <a:lstStyle/>
+          <a:p>
+            <a:fld id="{4E3AEE2C-3A74-8643-B4A2-442777B583A3}" type="slidenum">
+              <a:rPr lang="en-US" smtClean="0">
+                <a:latin typeface="National Park " pitchFamily="2" charset="77"/>
+              </a:rPr>
+              <a:t>6</a:t>
+            </a:fld>
+            <a:endParaRPr lang="en-US">
+              <a:latin typeface="National Park " pitchFamily="2" charset="77"/>
+            </a:endParaRPr>
+          </a:p>
+        </p:txBody>
+      </p:sp>
+    </p:spTree>
+    <p:extLst>
+      <p:ext uri="{BB962C8B-B14F-4D97-AF65-F5344CB8AC3E}">
+        <p14:creationId xmlns:p14="http://schemas.microsoft.com/office/powerpoint/2010/main" val="1632786532"/>
+      </p:ext>
+    </p:extLst>
+  </p:cSld>
+  <p:clrMapOvr>
+    <a:masterClrMapping/>
+  </p:clrMapOvr>
+</p:sld>
+</file>
+
+<file path=ppt/slides/slide60.xml><?xml version="1.0" encoding="utf-8"?>
+<p:sld xmlns:a="http://schemas.openxmlformats.org/drawingml/2006/main" xmlns:r="http://schemas.openxmlformats.org/officeDocument/2006/relationships" xmlns:p="http://schemas.openxmlformats.org/presentationml/2006/main">
+  <p:cSld>
+    <p:spTree>
+      <p:nvGrpSpPr>
+        <p:cNvPr id="1" name=""/>
+        <p:cNvGrpSpPr/>
+        <p:nvPr/>
+      </p:nvGrpSpPr>
+      <p:grpSpPr>
+        <a:xfrm>
+          <a:off x="0" y="0"/>
+          <a:ext cx="0" cy="0"/>
+          <a:chOff x="0" y="0"/>
+          <a:chExt cx="0" cy="0"/>
+        </a:xfrm>
+      </p:grpSpPr>
+      <p:sp>
+        <p:nvSpPr>
+          <p:cNvPr id="2" name="Title 1"/>
+          <p:cNvSpPr>
+            <a:spLocks noGrp="1"/>
+          </p:cNvSpPr>
+          <p:nvPr>
+            <p:ph type="title"/>
+          </p:nvPr>
+        </p:nvSpPr>
+        <p:spPr/>
+        <p:txBody>
+          <a:bodyPr/>
+          <a:lstStyle/>
+          <a:p>
+            <a:pPr algn="ctr"/>
+            <a:r>
+              <a:rPr lang="en-US" dirty="0">
+                <a:latin typeface="National Park " pitchFamily="2" charset="77"/>
+              </a:rPr>
+              <a:t>Credits, references and resources</a:t>
+            </a:r>
+          </a:p>
+        </p:txBody>
+      </p:sp>
+      <p:sp>
+        <p:nvSpPr>
+          <p:cNvPr id="3" name="Content Placeholder 2"/>
+          <p:cNvSpPr>
+            <a:spLocks noGrp="1"/>
+          </p:cNvSpPr>
+          <p:nvPr>
+            <p:ph idx="1"/>
+          </p:nvPr>
+        </p:nvSpPr>
+        <p:spPr/>
+        <p:txBody>
+          <a:bodyPr>
+            <a:normAutofit fontScale="77500" lnSpcReduction="20000"/>
+          </a:bodyPr>
+          <a:lstStyle/>
+          <a:p>
+            <a:r>
+              <a:rPr lang="en-US" dirty="0">
+                <a:hlinkClick r:id="rId3"/>
+              </a:rPr>
+              <a:t>gnu.org/software/parallel</a:t>
+            </a:r>
+            <a:endParaRPr lang="en-US" dirty="0"/>
+          </a:p>
+          <a:p>
+            <a:r>
+              <a:rPr lang="en-US" dirty="0">
+                <a:hlinkClick r:id="rId4"/>
+              </a:rPr>
+              <a:t>rcc.uchicago.edu/documentation/_build/html/running-jobs/srun-parallel/index.html</a:t>
+            </a:r>
+            <a:endParaRPr lang="en-US" dirty="0"/>
+          </a:p>
+          <a:p>
+            <a:r>
+              <a:rPr lang="en-US" dirty="0">
+                <a:hlinkClick r:id="rId5"/>
+              </a:rPr>
+              <a:t>ulhpc-tutorials.readthedocs.io/en/latest/sequential/basics</a:t>
+            </a:r>
+            <a:endParaRPr lang="en-US" dirty="0"/>
+          </a:p>
+          <a:p>
+            <a:r>
+              <a:rPr lang="en-US" dirty="0">
+                <a:hlinkClick r:id="rId6"/>
+              </a:rPr>
+              <a:t>docs.ycrc.yale.edu/clusters-at-yale/guides/parallel</a:t>
+            </a:r>
+            <a:endParaRPr lang="en-US" dirty="0"/>
+          </a:p>
+          <a:p>
+            <a:r>
+              <a:rPr lang="en-US" dirty="0">
+                <a:hlinkClick r:id="rId7"/>
+              </a:rPr>
+              <a:t>www.vanderbilt.edu/accre/documentation/parallel</a:t>
+            </a:r>
+            <a:endParaRPr lang="en-US" dirty="0"/>
+          </a:p>
+          <a:p>
+            <a:r>
+              <a:rPr lang="en-US" dirty="0">
+                <a:hlinkClick r:id="rId8"/>
+              </a:rPr>
+              <a:t>docs-research-it.berkeley.edu/services/high-performance-computing/user-guide/running-your-jobs/gnu-parallel</a:t>
+            </a:r>
+            <a:endParaRPr lang="en-US" dirty="0"/>
+          </a:p>
+          <a:p>
+            <a:r>
+              <a:rPr lang="en-US" dirty="0">
+                <a:hlinkClick r:id="rId9"/>
+              </a:rPr>
+              <a:t>omgenomics.com/parallel</a:t>
+            </a:r>
+            <a:endParaRPr lang="en-US" dirty="0"/>
+          </a:p>
+          <a:p>
+            <a:r>
+              <a:rPr lang="en-US" dirty="0">
+                <a:hlinkClick r:id="rId10"/>
+              </a:rPr>
+              <a:t>curc.readthedocs.io/en/latest/software/GNUParallel.html</a:t>
+            </a:r>
+            <a:endParaRPr lang="en-US" dirty="0"/>
+          </a:p>
+          <a:p>
+            <a:r>
+              <a:rPr lang="en-US" dirty="0">
+                <a:hlinkClick r:id="rId11"/>
+              </a:rPr>
+              <a:t>thenybble.de/posts/json-analysis</a:t>
+            </a:r>
+            <a:endParaRPr lang="en-US" dirty="0"/>
+          </a:p>
+          <a:p>
+            <a:r>
+              <a:rPr lang="en-US" dirty="0">
+                <a:hlinkClick r:id="rId12"/>
+              </a:rPr>
+              <a:t>stackoverflow.com/questions/tagged/gnu-parallel</a:t>
+            </a:r>
+            <a:endParaRPr lang="en-US" dirty="0"/>
+          </a:p>
+          <a:p>
+            <a:r>
+              <a:rPr lang="en-US" dirty="0">
+                <a:hlinkClick r:id="rId13"/>
+              </a:rPr>
+              <a:t>unix.stackexchange.com/questions/tagged/gnu-parallel</a:t>
+            </a:r>
+            <a:endParaRPr lang="en-US" dirty="0"/>
+          </a:p>
+        </p:txBody>
+      </p:sp>
+      <p:sp>
+        <p:nvSpPr>
+          <p:cNvPr id="4" name="Slide Number Placeholder 3"/>
+          <p:cNvSpPr>
+            <a:spLocks noGrp="1"/>
+          </p:cNvSpPr>
+          <p:nvPr>
+            <p:ph type="sldNum" sz="quarter" idx="12"/>
+          </p:nvPr>
+        </p:nvSpPr>
+        <p:spPr/>
+        <p:txBody>
+          <a:bodyPr/>
+          <a:lstStyle/>
+          <a:p>
+            <a:fld id="{4E3AEE2C-3A74-8643-B4A2-442777B583A3}" type="slidenum">
+              <a:rPr lang="en-US" smtClean="0">
+                <a:latin typeface="National Park " pitchFamily="2" charset="77"/>
+              </a:rPr>
+              <a:t>60</a:t>
+            </a:fld>
+            <a:endParaRPr lang="en-US">
+              <a:latin typeface="National Park " pitchFamily="2" charset="77"/>
+            </a:endParaRPr>
+          </a:p>
+        </p:txBody>
+      </p:sp>
+    </p:spTree>
+    <p:extLst>
+      <p:ext uri="{BB962C8B-B14F-4D97-AF65-F5344CB8AC3E}">
+        <p14:creationId xmlns:p14="http://schemas.microsoft.com/office/powerpoint/2010/main" val="1816197902"/>
+      </p:ext>
+    </p:extLst>
+  </p:cSld>
+  <p:clrMapOvr>
+    <a:masterClrMapping/>
+  </p:clrMapOvr>
+</p:sld>
+</file>
+
+<file path=ppt/slides/slide61.xml><?xml version="1.0" encoding="utf-8"?>
+<p:sld xmlns:a="http://schemas.openxmlformats.org/drawingml/2006/main" xmlns:r="http://schemas.openxmlformats.org/officeDocument/2006/relationships" xmlns:p="http://schemas.openxmlformats.org/presentationml/2006/main">
+  <p:cSld>
+    <p:spTree>
+      <p:nvGrpSpPr>
+        <p:cNvPr id="1" name=""/>
+        <p:cNvGrpSpPr/>
+        <p:nvPr/>
+      </p:nvGrpSpPr>
+      <p:grpSpPr>
+        <a:xfrm>
+          <a:off x="0" y="0"/>
+          <a:ext cx="0" cy="0"/>
+          <a:chOff x="0" y="0"/>
+          <a:chExt cx="0" cy="0"/>
+        </a:xfrm>
+      </p:grpSpPr>
+      <p:sp>
+        <p:nvSpPr>
+          <p:cNvPr id="2" name="Title 1"/>
+          <p:cNvSpPr>
+            <a:spLocks noGrp="1"/>
+          </p:cNvSpPr>
+          <p:nvPr>
+            <p:ph type="title"/>
+          </p:nvPr>
+        </p:nvSpPr>
+        <p:spPr>
+          <a:xfrm>
             <a:off x="714375" y="1670243"/>
             <a:ext cx="7886700" cy="1851626"/>
           </a:xfrm>
@@ -20378,7 +22416,7 @@
               <a:rPr lang="en-US" smtClean="0">
                 <a:latin typeface="National Park " pitchFamily="2" charset="77"/>
               </a:rPr>
-              <a:t>57</a:t>
+              <a:t>61</a:t>
             </a:fld>
             <a:endParaRPr lang="en-US">
               <a:latin typeface="National Park " pitchFamily="2" charset="77"/>
@@ -20429,7 +22467,7 @@
 </p:sld>
 </file>
 
-<file path=ppt/slides/slide58.xml><?xml version="1.0" encoding="utf-8"?>
+<file path=ppt/slides/slide62.xml><?xml version="1.0" encoding="utf-8"?>
 <p:sld xmlns:a="http://schemas.openxmlformats.org/drawingml/2006/main" xmlns:r="http://schemas.openxmlformats.org/officeDocument/2006/relationships" xmlns:p="http://schemas.openxmlformats.org/presentationml/2006/main">
   <p:cSld>
     <p:spTree>
@@ -20586,7 +22624,7 @@
               <a:rPr lang="en-US" smtClean="0">
                 <a:latin typeface="National Park " pitchFamily="2" charset="77"/>
               </a:rPr>
-              <a:t>58</a:t>
+              <a:t>62</a:t>
             </a:fld>
             <a:endParaRPr lang="en-US">
               <a:latin typeface="National Park " pitchFamily="2" charset="77"/>
@@ -20607,7 +22645,7 @@
 </p:sld>
 </file>
 
-<file path=ppt/slides/slide59.xml><?xml version="1.0" encoding="utf-8"?>
+<file path=ppt/slides/slide63.xml><?xml version="1.0" encoding="utf-8"?>
 <p:sld xmlns:a="http://schemas.openxmlformats.org/drawingml/2006/main" xmlns:r="http://schemas.openxmlformats.org/officeDocument/2006/relationships" xmlns:p="http://schemas.openxmlformats.org/presentationml/2006/main">
   <p:cSld>
     <p:spTree>
@@ -20770,7 +22808,7 @@
               <a:rPr lang="en-US" smtClean="0">
                 <a:latin typeface="National Park " pitchFamily="2" charset="77"/>
               </a:rPr>
-              <a:t>59</a:t>
+              <a:t>63</a:t>
             </a:fld>
             <a:endParaRPr lang="en-US">
               <a:latin typeface="National Park " pitchFamily="2" charset="77"/>
@@ -20791,7 +22829,7 @@
 </p:sld>
 </file>
 
-<file path=ppt/slides/slide6.xml><?xml version="1.0" encoding="utf-8"?>
+<file path=ppt/slides/slide64.xml><?xml version="1.0" encoding="utf-8"?>
 <p:sld xmlns:a="http://schemas.openxmlformats.org/drawingml/2006/main" xmlns:r="http://schemas.openxmlformats.org/officeDocument/2006/relationships" xmlns:p="http://schemas.openxmlformats.org/presentationml/2006/main">
   <p:cSld>
     <p:spTree>
@@ -20813,206 +22851,6 @@
           <p:cNvPr id="2" name="Title 1">
             <a:extLst>
               <a:ext uri="{FF2B5EF4-FFF2-40B4-BE49-F238E27FC236}">
-                <a16:creationId xmlns:a16="http://schemas.microsoft.com/office/drawing/2014/main" id="{05D44728-7C83-7C46-930E-6B971126B72B}"/>
-              </a:ext>
-            </a:extLst>
-          </p:cNvPr>
-          <p:cNvSpPr>
-            <a:spLocks noGrp="1"/>
-          </p:cNvSpPr>
-          <p:nvPr>
-            <p:ph type="title"/>
-          </p:nvPr>
-        </p:nvSpPr>
-        <p:spPr/>
-        <p:txBody>
-          <a:bodyPr/>
-          <a:lstStyle/>
-          <a:p>
-            <a:pPr algn="ctr"/>
-            <a:r>
-              <a:rPr lang="en-US" dirty="0">
-                <a:latin typeface="National Park " pitchFamily="2" charset="77"/>
-              </a:rPr>
-              <a:t>Slides and practice data for download</a:t>
-            </a:r>
-          </a:p>
-        </p:txBody>
-      </p:sp>
-      <p:sp>
-        <p:nvSpPr>
-          <p:cNvPr id="3" name="Content Placeholder 2">
-            <a:extLst>
-              <a:ext uri="{FF2B5EF4-FFF2-40B4-BE49-F238E27FC236}">
-                <a16:creationId xmlns:a16="http://schemas.microsoft.com/office/drawing/2014/main" id="{29E8057A-DB89-114F-A283-B7526B0229DA}"/>
-              </a:ext>
-            </a:extLst>
-          </p:cNvPr>
-          <p:cNvSpPr>
-            <a:spLocks noGrp="1"/>
-          </p:cNvSpPr>
-          <p:nvPr>
-            <p:ph idx="1"/>
-          </p:nvPr>
-        </p:nvSpPr>
-        <p:spPr/>
-        <p:txBody>
-          <a:bodyPr>
-            <a:normAutofit/>
-          </a:bodyPr>
-          <a:lstStyle/>
-          <a:p>
-            <a:r>
-              <a:rPr lang="en-US" sz="2000" dirty="0"/>
-              <a:t>Slides and practice files available:</a:t>
-            </a:r>
-            <a:endParaRPr lang="en-US" sz="2000" dirty="0">
-              <a:hlinkClick r:id="rId2"/>
-            </a:endParaRPr>
-          </a:p>
-          <a:p>
-            <a:pPr marL="0" indent="0">
-              <a:buNone/>
-            </a:pPr>
-            <a:r>
-              <a:rPr lang="en-US" sz="2000" dirty="0">
-                <a:hlinkClick r:id="rId2"/>
-              </a:rPr>
-              <a:t>github.com/ketancmaheshwari/escience23tut</a:t>
-            </a:r>
-            <a:endParaRPr lang="en-US" sz="2000" dirty="0"/>
-          </a:p>
-          <a:p>
-            <a:pPr marL="0" indent="0">
-              <a:buNone/>
-            </a:pPr>
-            <a:endParaRPr lang="en-US" sz="2000" b="1" dirty="0">
-              <a:latin typeface="Courier New" panose="02070309020205020404" pitchFamily="49" charset="0"/>
-              <a:cs typeface="Courier New" panose="02070309020205020404" pitchFamily="49" charset="0"/>
-            </a:endParaRPr>
-          </a:p>
-          <a:p>
-            <a:pPr marL="0" indent="0">
-              <a:buNone/>
-            </a:pPr>
-            <a:r>
-              <a:rPr lang="en-US" sz="2000" b="1" dirty="0">
-                <a:latin typeface="Courier New" panose="02070309020205020404" pitchFamily="49" charset="0"/>
-                <a:cs typeface="Courier New" panose="02070309020205020404" pitchFamily="49" charset="0"/>
-              </a:rPr>
-              <a:t>/data </a:t>
-            </a:r>
-            <a:r>
-              <a:rPr lang="en-US" sz="2000" dirty="0"/>
-              <a:t>has data used for exercises</a:t>
-            </a:r>
-          </a:p>
-          <a:p>
-            <a:pPr marL="0" indent="0">
-              <a:buNone/>
-            </a:pPr>
-            <a:r>
-              <a:rPr lang="en-US" sz="2000" b="1" dirty="0">
-                <a:latin typeface="Courier New" panose="02070309020205020404" pitchFamily="49" charset="0"/>
-                <a:cs typeface="Courier New" panose="02070309020205020404" pitchFamily="49" charset="0"/>
-              </a:rPr>
-              <a:t>/</a:t>
-            </a:r>
-            <a:r>
-              <a:rPr lang="en-US" sz="2000" b="1" dirty="0" err="1">
-                <a:latin typeface="Courier New" panose="02070309020205020404" pitchFamily="49" charset="0"/>
-                <a:cs typeface="Courier New" panose="02070309020205020404" pitchFamily="49" charset="0"/>
-              </a:rPr>
-              <a:t>src</a:t>
-            </a:r>
-            <a:r>
-              <a:rPr lang="en-US" sz="2000" b="1" dirty="0">
-                <a:latin typeface="Courier New" panose="02070309020205020404" pitchFamily="49" charset="0"/>
-                <a:cs typeface="Courier New" panose="02070309020205020404" pitchFamily="49" charset="0"/>
-              </a:rPr>
-              <a:t> </a:t>
-            </a:r>
-            <a:r>
-              <a:rPr lang="en-US" sz="2000" dirty="0"/>
-              <a:t>has code shown here</a:t>
-            </a:r>
-          </a:p>
-          <a:p>
-            <a:pPr marL="0" indent="0">
-              <a:buNone/>
-            </a:pPr>
-            <a:endParaRPr lang="en-US" sz="2000" dirty="0"/>
-          </a:p>
-        </p:txBody>
-      </p:sp>
-      <p:sp>
-        <p:nvSpPr>
-          <p:cNvPr id="4" name="Slide Number Placeholder 3">
-            <a:extLst>
-              <a:ext uri="{FF2B5EF4-FFF2-40B4-BE49-F238E27FC236}">
-                <a16:creationId xmlns:a16="http://schemas.microsoft.com/office/drawing/2014/main" id="{D7699DEE-AC44-2A4E-AF40-7948177B6604}"/>
-              </a:ext>
-            </a:extLst>
-          </p:cNvPr>
-          <p:cNvSpPr>
-            <a:spLocks noGrp="1"/>
-          </p:cNvSpPr>
-          <p:nvPr>
-            <p:ph type="sldNum" sz="quarter" idx="12"/>
-          </p:nvPr>
-        </p:nvSpPr>
-        <p:spPr/>
-        <p:txBody>
-          <a:bodyPr/>
-          <a:lstStyle/>
-          <a:p>
-            <a:fld id="{4E3AEE2C-3A74-8643-B4A2-442777B583A3}" type="slidenum">
-              <a:rPr lang="en-US" smtClean="0">
-                <a:latin typeface="National Park " pitchFamily="2" charset="77"/>
-              </a:rPr>
-              <a:t>6</a:t>
-            </a:fld>
-            <a:endParaRPr lang="en-US">
-              <a:latin typeface="National Park " pitchFamily="2" charset="77"/>
-            </a:endParaRPr>
-          </a:p>
-        </p:txBody>
-      </p:sp>
-    </p:spTree>
-    <p:extLst>
-      <p:ext uri="{BB962C8B-B14F-4D97-AF65-F5344CB8AC3E}">
-        <p14:creationId xmlns:p14="http://schemas.microsoft.com/office/powerpoint/2010/main" val="1632786532"/>
-      </p:ext>
-    </p:extLst>
-  </p:cSld>
-  <p:clrMapOvr>
-    <a:masterClrMapping/>
-  </p:clrMapOvr>
-</p:sld>
-</file>
-
-<file path=ppt/slides/slide60.xml><?xml version="1.0" encoding="utf-8"?>
-<p:sld xmlns:a="http://schemas.openxmlformats.org/drawingml/2006/main" xmlns:r="http://schemas.openxmlformats.org/officeDocument/2006/relationships" xmlns:p="http://schemas.openxmlformats.org/presentationml/2006/main">
-  <p:cSld>
-    <p:spTree>
-      <p:nvGrpSpPr>
-        <p:cNvPr id="1" name=""/>
-        <p:cNvGrpSpPr/>
-        <p:nvPr/>
-      </p:nvGrpSpPr>
-      <p:grpSpPr>
-        <a:xfrm>
-          <a:off x="0" y="0"/>
-          <a:ext cx="0" cy="0"/>
-          <a:chOff x="0" y="0"/>
-          <a:chExt cx="0" cy="0"/>
-        </a:xfrm>
-      </p:grpSpPr>
-      <p:sp>
-        <p:nvSpPr>
-          <p:cNvPr id="2" name="Title 1">
-            <a:extLst>
-              <a:ext uri="{FF2B5EF4-FFF2-40B4-BE49-F238E27FC236}">
                 <a16:creationId xmlns:a16="http://schemas.microsoft.com/office/drawing/2014/main" id="{3CDA2C0A-84C5-DDCE-DE2D-F26D112FC42D}"/>
               </a:ext>
             </a:extLst>
@@ -21116,7 +22954,7 @@
           <a:p>
             <a:fld id="{4E3AEE2C-3A74-8643-B4A2-442777B583A3}" type="slidenum">
               <a:rPr lang="en-US" smtClean="0"/>
-              <a:t>60</a:t>
+              <a:t>64</a:t>
             </a:fld>
             <a:endParaRPr lang="en-US"/>
           </a:p>

--- a/gnu-parallel-tutorial.pptx
+++ b/gnu-parallel-tutorial.pptx
@@ -5,10 +5,10 @@
     <p:sldMasterId id="2147483660" r:id="rId1"/>
   </p:sldMasterIdLst>
   <p:notesMasterIdLst>
-    <p:notesMasterId r:id="rId66"/>
+    <p:notesMasterId r:id="rId68"/>
   </p:notesMasterIdLst>
   <p:handoutMasterIdLst>
-    <p:handoutMasterId r:id="rId67"/>
+    <p:handoutMasterId r:id="rId69"/>
   </p:handoutMasterIdLst>
   <p:sldIdLst>
     <p:sldId id="256" r:id="rId2"/>
@@ -69,12 +69,14 @@
     <p:sldId id="463" r:id="rId57"/>
     <p:sldId id="432" r:id="rId58"/>
     <p:sldId id="423" r:id="rId59"/>
-    <p:sldId id="411" r:id="rId60"/>
-    <p:sldId id="288" r:id="rId61"/>
-    <p:sldId id="309" r:id="rId62"/>
+    <p:sldId id="464" r:id="rId60"/>
+    <p:sldId id="465" r:id="rId61"/>
+    <p:sldId id="411" r:id="rId62"/>
     <p:sldId id="398" r:id="rId63"/>
     <p:sldId id="393" r:id="rId64"/>
-    <p:sldId id="456" r:id="rId65"/>
+    <p:sldId id="288" r:id="rId65"/>
+    <p:sldId id="309" r:id="rId66"/>
+    <p:sldId id="456" r:id="rId67"/>
   </p:sldIdLst>
   <p:sldSz cx="9144000" cy="5143500" type="screen16x9"/>
   <p:notesSz cx="9144000" cy="6858000"/>
@@ -1399,7 +1401,7 @@
           <a:p>
             <a:fld id="{D97B2049-7013-B143-AD62-F7BCB3DA4A6F}" type="slidenum">
               <a:rPr lang="en-US" smtClean="0"/>
-              <a:t>60</a:t>
+              <a:t>64</a:t>
             </a:fld>
             <a:endParaRPr lang="en-US"/>
           </a:p>
@@ -4298,7 +4300,7 @@
         </p:spPr>
         <p:txBody>
           <a:bodyPr>
-            <a:normAutofit/>
+            <a:normAutofit fontScale="90000"/>
           </a:bodyPr>
           <a:lstStyle/>
           <a:p>
@@ -4306,7 +4308,7 @@
               <a:rPr lang="en-US" dirty="0">
                 <a:latin typeface="National Park " pitchFamily="2" charset="77"/>
               </a:rPr>
-              <a:t>GNU Parallel</a:t>
+              <a:t>Scientific Workflows at scale using GNU Parallel</a:t>
             </a:r>
           </a:p>
         </p:txBody>
@@ -4980,17 +4982,27 @@
               <a:t>: </a:t>
             </a:r>
             <a:r>
-              <a:rPr lang="en-US" dirty="0" err="1">
-                <a:cs typeface="Courier New" panose="02070309020205020404" pitchFamily="49" charset="0"/>
-              </a:rPr>
-              <a:t>www.pi.dk</a:t>
-            </a:r>
-            <a:r>
               <a:rPr lang="en-US" dirty="0">
                 <a:cs typeface="Courier New" panose="02070309020205020404" pitchFamily="49" charset="0"/>
-              </a:rPr>
-              <a:t>/1</a:t>
-            </a:r>
+                <a:hlinkClick r:id="rId2"/>
+              </a:rPr>
+              <a:t>www.pi.dk/1</a:t>
+            </a:r>
+            <a:endParaRPr lang="en-US" dirty="0">
+              <a:cs typeface="Courier New" panose="02070309020205020404" pitchFamily="49" charset="0"/>
+            </a:endParaRPr>
+          </a:p>
+          <a:p>
+            <a:r>
+              <a:rPr lang="en-US" dirty="0">
+                <a:cs typeface="Courier New" panose="02070309020205020404" pitchFamily="49" charset="0"/>
+                <a:hlinkClick r:id="rId3"/>
+              </a:rPr>
+              <a:t>www.gnu.org/software/parallel/parallel_cheat.pdf</a:t>
+            </a:r>
+            <a:endParaRPr lang="en-US" dirty="0">
+              <a:cs typeface="Courier New" panose="02070309020205020404" pitchFamily="49" charset="0"/>
+            </a:endParaRPr>
           </a:p>
           <a:p>
             <a:r>
@@ -7712,7 +7724,7 @@
         <p:spPr/>
         <p:txBody>
           <a:bodyPr>
-            <a:normAutofit/>
+            <a:noAutofit/>
           </a:bodyPr>
           <a:lstStyle/>
           <a:p>
@@ -7777,6 +7789,21 @@
             <a:r>
               <a:rPr lang="en-US" sz="1600" dirty="0"/>
               <a:t>from NERSC / LBNL for his contributions to the tutorial.</a:t>
+            </a:r>
+          </a:p>
+          <a:p>
+            <a:pPr marL="0" indent="0">
+              <a:buNone/>
+            </a:pPr>
+            <a:endParaRPr lang="en-US" sz="1600" dirty="0"/>
+          </a:p>
+          <a:p>
+            <a:pPr marL="0" indent="0">
+              <a:buNone/>
+            </a:pPr>
+            <a:r>
+              <a:rPr lang="en-US" sz="1600" dirty="0"/>
+              <a:t>I thank the eScience Tutorial committee and chairs for providing this opportunity.</a:t>
             </a:r>
             <a:br>
               <a:rPr lang="en-US" sz="1600" dirty="0"/>
@@ -14958,7 +14985,7 @@
         </p:nvSpPr>
         <p:spPr>
           <a:xfrm>
-            <a:off x="628650" y="1577578"/>
+            <a:off x="628650" y="2074664"/>
             <a:ext cx="7886700" cy="994172"/>
           </a:xfrm>
         </p:spPr>
@@ -19461,7 +19488,7 @@
               <a:rPr lang="en-US" dirty="0">
                 <a:latin typeface="National Park " pitchFamily="2" charset="77"/>
               </a:rPr>
-              <a:t>Part 7: A Real Application Example</a:t>
+              <a:t>Part 7: A Real Application</a:t>
             </a:r>
             <a:endParaRPr lang="en-US" i="1" dirty="0">
               <a:latin typeface="National Park Medium" pitchFamily="2" charset="77"/>
@@ -21288,7 +21315,7 @@
         </p:spPr>
         <p:txBody>
           <a:bodyPr>
-            <a:normAutofit fontScale="90000"/>
+            <a:normAutofit/>
           </a:bodyPr>
           <a:lstStyle/>
           <a:p>
@@ -21297,7 +21324,7 @@
               <a:rPr lang="en-US" dirty="0">
                 <a:latin typeface="National Park " pitchFamily="2" charset="77"/>
               </a:rPr>
-              <a:t>Part 8: Putting it all Together: Asynchronous Workflow Execution in HPC at Scale</a:t>
+              <a:t>Part 8: Putting it all Together</a:t>
             </a:r>
             <a:endParaRPr lang="en-US" i="1" dirty="0">
               <a:latin typeface="National Park Medium" pitchFamily="2" charset="77"/>
@@ -21577,10 +21604,13 @@
                 <a:cs typeface="Courier New" panose="02070309020205020404" pitchFamily="49" charset="0"/>
               </a:rPr>
             </a:br>
-            <a:endParaRPr lang="en-US" sz="1640" b="1" dirty="0">
-              <a:latin typeface="Courier New" panose="02070309020205020404" pitchFamily="49" charset="0"/>
-              <a:cs typeface="Courier New" panose="02070309020205020404" pitchFamily="49" charset="0"/>
-            </a:endParaRPr>
+            <a:r>
+              <a:rPr lang="en-US" sz="1640" b="1" dirty="0">
+                <a:latin typeface="Courier New" panose="02070309020205020404" pitchFamily="49" charset="0"/>
+                <a:cs typeface="Courier New" panose="02070309020205020404" pitchFamily="49" charset="0"/>
+              </a:rPr>
+              <a:t>ls | head -3</a:t>
+            </a:r>
           </a:p>
           <a:p>
             <a:pPr marL="0" indent="0">
@@ -21591,33 +21621,32 @@
                 <a:latin typeface="Courier New" panose="02070309020205020404" pitchFamily="49" charset="0"/>
                 <a:cs typeface="Courier New" panose="02070309020205020404" pitchFamily="49" charset="0"/>
               </a:rPr>
-              <a:t>find $PWD -type f | grep </a:t>
-            </a:r>
-            <a:r>
-              <a:rPr lang="en-US" sz="1640" b="1" dirty="0" err="1">
-                <a:latin typeface="Courier New" panose="02070309020205020404" pitchFamily="49" charset="0"/>
-                <a:cs typeface="Courier New" panose="02070309020205020404" pitchFamily="49" charset="0"/>
-              </a:rPr>
-              <a:t>fasta</a:t>
-            </a:r>
+              <a:t>uniprot_100.fasta</a:t>
+            </a:r>
+          </a:p>
+          <a:p>
+            <a:pPr marL="0" indent="0">
+              <a:buNone/>
+            </a:pPr>
             <a:r>
               <a:rPr lang="en-US" sz="1640" b="1" dirty="0">
                 <a:latin typeface="Courier New" panose="02070309020205020404" pitchFamily="49" charset="0"/>
                 <a:cs typeface="Courier New" panose="02070309020205020404" pitchFamily="49" charset="0"/>
               </a:rPr>
-              <a:t> &gt; </a:t>
-            </a:r>
-            <a:r>
-              <a:rPr lang="en-US" sz="1640" b="1" dirty="0" err="1">
-                <a:latin typeface="Courier New" panose="02070309020205020404" pitchFamily="49" charset="0"/>
-                <a:cs typeface="Courier New" panose="02070309020205020404" pitchFamily="49" charset="0"/>
-              </a:rPr>
-              <a:t>inputs.txt</a:t>
-            </a:r>
-            <a:endParaRPr lang="en-US" sz="1640" b="1" dirty="0">
-              <a:latin typeface="Courier New" panose="02070309020205020404" pitchFamily="49" charset="0"/>
-              <a:cs typeface="Courier New" panose="02070309020205020404" pitchFamily="49" charset="0"/>
-            </a:endParaRPr>
+              <a:t>uniprot_101.fasta</a:t>
+            </a:r>
+          </a:p>
+          <a:p>
+            <a:pPr marL="0" indent="0">
+              <a:buNone/>
+            </a:pPr>
+            <a:r>
+              <a:rPr lang="en-US" sz="1640" b="1" dirty="0">
+                <a:latin typeface="Courier New" panose="02070309020205020404" pitchFamily="49" charset="0"/>
+                <a:cs typeface="Courier New" panose="02070309020205020404" pitchFamily="49" charset="0"/>
+              </a:rPr>
+              <a:t>uniprot_102.fasta</a:t>
+            </a:r>
           </a:p>
           <a:p>
             <a:pPr marL="0" indent="0">
@@ -21637,49 +21666,29 @@
                 <a:latin typeface="Courier New" panose="02070309020205020404" pitchFamily="49" charset="0"/>
                 <a:cs typeface="Courier New" panose="02070309020205020404" pitchFamily="49" charset="0"/>
               </a:rPr>
-              <a:t>ls | head -3</a:t>
-            </a:r>
-          </a:p>
-          <a:p>
-            <a:pPr marL="0" indent="0">
-              <a:buNone/>
-            </a:pPr>
+              <a:t>find $PWD -type f | grep </a:t>
+            </a:r>
+            <a:r>
+              <a:rPr lang="en-US" sz="1640" b="1" dirty="0" err="1">
+                <a:latin typeface="Courier New" panose="02070309020205020404" pitchFamily="49" charset="0"/>
+                <a:cs typeface="Courier New" panose="02070309020205020404" pitchFamily="49" charset="0"/>
+              </a:rPr>
+              <a:t>fasta</a:t>
+            </a:r>
             <a:r>
               <a:rPr lang="en-US" sz="1640" b="1" dirty="0">
                 <a:latin typeface="Courier New" panose="02070309020205020404" pitchFamily="49" charset="0"/>
                 <a:cs typeface="Courier New" panose="02070309020205020404" pitchFamily="49" charset="0"/>
               </a:rPr>
-              <a:t>uniprot_100.fasta</a:t>
-            </a:r>
-          </a:p>
-          <a:p>
-            <a:pPr marL="0" indent="0">
-              <a:buNone/>
-            </a:pPr>
-            <a:r>
-              <a:rPr lang="en-US" sz="1640" b="1" dirty="0">
-                <a:latin typeface="Courier New" panose="02070309020205020404" pitchFamily="49" charset="0"/>
-                <a:cs typeface="Courier New" panose="02070309020205020404" pitchFamily="49" charset="0"/>
-              </a:rPr>
-              <a:t>uniprot_101.fasta</a:t>
-            </a:r>
-          </a:p>
-          <a:p>
-            <a:pPr marL="0" indent="0">
-              <a:buNone/>
-            </a:pPr>
-            <a:r>
-              <a:rPr lang="en-US" sz="1640" b="1" dirty="0">
-                <a:latin typeface="Courier New" panose="02070309020205020404" pitchFamily="49" charset="0"/>
-                <a:cs typeface="Courier New" panose="02070309020205020404" pitchFamily="49" charset="0"/>
-              </a:rPr>
-              <a:t>uniprot_102.fasta</a:t>
-            </a:r>
-          </a:p>
-          <a:p>
-            <a:pPr marL="0" indent="0">
-              <a:buNone/>
-            </a:pPr>
+              <a:t> &gt; </a:t>
+            </a:r>
+            <a:r>
+              <a:rPr lang="en-US" sz="1640" b="1" dirty="0" err="1">
+                <a:latin typeface="Courier New" panose="02070309020205020404" pitchFamily="49" charset="0"/>
+                <a:cs typeface="Courier New" panose="02070309020205020404" pitchFamily="49" charset="0"/>
+              </a:rPr>
+              <a:t>inputs.txt</a:t>
+            </a:r>
             <a:endParaRPr lang="en-US" sz="1640" b="1" dirty="0">
               <a:latin typeface="Courier New" panose="02070309020205020404" pitchFamily="49" charset="0"/>
               <a:cs typeface="Courier New" panose="02070309020205020404" pitchFamily="49" charset="0"/>
@@ -21755,7 +21764,7 @@
           <p:cNvPr id="2" name="Title 1">
             <a:extLst>
               <a:ext uri="{FF2B5EF4-FFF2-40B4-BE49-F238E27FC236}">
-                <a16:creationId xmlns:a16="http://schemas.microsoft.com/office/drawing/2014/main" id="{6972196C-1D2D-C240-AD57-E3EBC4FA030D}"/>
+                <a16:creationId xmlns:a16="http://schemas.microsoft.com/office/drawing/2014/main" id="{BB32880E-3461-51C6-DCC7-DFA1EC09CD50}"/>
               </a:ext>
             </a:extLst>
           </p:cNvPr>
@@ -21776,7 +21785,19 @@
               <a:rPr lang="en-US" dirty="0">
                 <a:latin typeface="National Park " pitchFamily="2" charset="77"/>
               </a:rPr>
-              <a:t>Summary</a:t>
+              <a:t>First Approach: </a:t>
+            </a:r>
+            <a:r>
+              <a:rPr lang="en-US" dirty="0" err="1">
+                <a:latin typeface="National Park " pitchFamily="2" charset="77"/>
+              </a:rPr>
+              <a:t>srun</a:t>
+            </a:r>
+            <a:r>
+              <a:rPr lang="en-US" dirty="0">
+                <a:latin typeface="National Park " pitchFamily="2" charset="77"/>
+              </a:rPr>
+              <a:t> ... parallel</a:t>
             </a:r>
           </a:p>
         </p:txBody>
@@ -21786,7 +21807,7 @@
           <p:cNvPr id="3" name="Content Placeholder 2">
             <a:extLst>
               <a:ext uri="{FF2B5EF4-FFF2-40B4-BE49-F238E27FC236}">
-                <a16:creationId xmlns:a16="http://schemas.microsoft.com/office/drawing/2014/main" id="{59541F7C-8324-CD41-84A0-D9DC3E4E12B8}"/>
+                <a16:creationId xmlns:a16="http://schemas.microsoft.com/office/drawing/2014/main" id="{DEAB976F-7778-54E8-5445-4E85E7388081}"/>
               </a:ext>
             </a:extLst>
           </p:cNvPr>
@@ -21804,32 +21825,180 @@
           </a:bodyPr>
           <a:lstStyle/>
           <a:p>
-            <a:r>
-              <a:rPr lang="en-US" dirty="0">
-                <a:latin typeface="National Park " pitchFamily="2" charset="77"/>
-              </a:rPr>
-              <a:t>GNU Parallel is an effective tool that could be useful in day to day tasks on the terminal as well as for larger workflows</a:t>
-            </a:r>
-          </a:p>
-          <a:p>
-            <a:r>
-              <a:rPr lang="en-US" dirty="0">
-                <a:latin typeface="National Park " pitchFamily="2" charset="77"/>
-              </a:rPr>
-              <a:t>Many many options to choose from to customize a parallel operation</a:t>
-            </a:r>
-          </a:p>
-          <a:p>
-            <a:r>
-              <a:rPr lang="en-US" dirty="0">
-                <a:latin typeface="National Park " pitchFamily="2" charset="77"/>
-              </a:rPr>
-              <a:t>Very handy for quick prototyping</a:t>
-            </a:r>
-          </a:p>
-          <a:p>
-            <a:endParaRPr lang="en-US" dirty="0">
-              <a:latin typeface="National Park " pitchFamily="2" charset="77"/>
+            <a:pPr marL="0" indent="0">
+              <a:buNone/>
+            </a:pPr>
+            <a:br>
+              <a:rPr lang="en-US" sz="1800" b="1" dirty="0">
+                <a:latin typeface="Courier New" panose="02070309020205020404" pitchFamily="49" charset="0"/>
+                <a:cs typeface="Courier New" panose="02070309020205020404" pitchFamily="49" charset="0"/>
+              </a:rPr>
+            </a:br>
+            <a:r>
+              <a:rPr lang="en-US" sz="1800" b="1" dirty="0" err="1">
+                <a:latin typeface="Courier New" panose="02070309020205020404" pitchFamily="49" charset="0"/>
+                <a:cs typeface="Courier New" panose="02070309020205020404" pitchFamily="49" charset="0"/>
+              </a:rPr>
+              <a:t>srun</a:t>
+            </a:r>
+            <a:r>
+              <a:rPr lang="en-US" sz="1800" b="1" dirty="0">
+                <a:latin typeface="Courier New" panose="02070309020205020404" pitchFamily="49" charset="0"/>
+                <a:cs typeface="Courier New" panose="02070309020205020404" pitchFamily="49" charset="0"/>
+              </a:rPr>
+              <a:t> </a:t>
+            </a:r>
+            <a:r>
+              <a:rPr lang="en-US" sz="1800" dirty="0">
+                <a:latin typeface="Courier New" panose="02070309020205020404" pitchFamily="49" charset="0"/>
+                <a:cs typeface="Courier New" panose="02070309020205020404" pitchFamily="49" charset="0"/>
+              </a:rPr>
+              <a:t>--no-kill --</a:t>
+            </a:r>
+            <a:r>
+              <a:rPr lang="en-US" sz="1800" dirty="0" err="1">
+                <a:latin typeface="Courier New" panose="02070309020205020404" pitchFamily="49" charset="0"/>
+                <a:cs typeface="Courier New" panose="02070309020205020404" pitchFamily="49" charset="0"/>
+              </a:rPr>
+              <a:t>ntasks</a:t>
+            </a:r>
+            <a:r>
+              <a:rPr lang="en-US" sz="1800" dirty="0">
+                <a:latin typeface="Courier New" panose="02070309020205020404" pitchFamily="49" charset="0"/>
+                <a:cs typeface="Courier New" panose="02070309020205020404" pitchFamily="49" charset="0"/>
+              </a:rPr>
+              <a:t>-per-node=1 --wait=0</a:t>
+            </a:r>
+            <a:br>
+              <a:rPr lang="en-US" sz="1800" dirty="0">
+                <a:latin typeface="Courier New" panose="02070309020205020404" pitchFamily="49" charset="0"/>
+                <a:cs typeface="Courier New" panose="02070309020205020404" pitchFamily="49" charset="0"/>
+              </a:rPr>
+            </a:br>
+            <a:br>
+              <a:rPr lang="en-US" sz="1800" b="1" dirty="0">
+                <a:latin typeface="Courier New" panose="02070309020205020404" pitchFamily="49" charset="0"/>
+                <a:cs typeface="Courier New" panose="02070309020205020404" pitchFamily="49" charset="0"/>
+              </a:rPr>
+            </a:br>
+            <a:r>
+              <a:rPr lang="en-US" sz="1800" b="1" dirty="0">
+                <a:latin typeface="Courier New" panose="02070309020205020404" pitchFamily="49" charset="0"/>
+                <a:cs typeface="Courier New" panose="02070309020205020404" pitchFamily="49" charset="0"/>
+              </a:rPr>
+              <a:t>parallel </a:t>
+            </a:r>
+            <a:r>
+              <a:rPr lang="en-US" sz="1800" dirty="0">
+                <a:latin typeface="Courier New" panose="02070309020205020404" pitchFamily="49" charset="0"/>
+                <a:cs typeface="Courier New" panose="02070309020205020404" pitchFamily="49" charset="0"/>
+              </a:rPr>
+              <a:t>-j 8 $HOME/hmmer-3.3/install/bin/</a:t>
+            </a:r>
+            <a:r>
+              <a:rPr lang="en-US" sz="1800" dirty="0" err="1">
+                <a:latin typeface="Courier New" panose="02070309020205020404" pitchFamily="49" charset="0"/>
+                <a:cs typeface="Courier New" panose="02070309020205020404" pitchFamily="49" charset="0"/>
+              </a:rPr>
+              <a:t>hmmsearch</a:t>
+            </a:r>
+            <a:r>
+              <a:rPr lang="en-US" sz="1800" dirty="0">
+                <a:latin typeface="Courier New" panose="02070309020205020404" pitchFamily="49" charset="0"/>
+                <a:cs typeface="Courier New" panose="02070309020205020404" pitchFamily="49" charset="0"/>
+              </a:rPr>
+              <a:t> </a:t>
+            </a:r>
+            <a:br>
+              <a:rPr lang="en-US" sz="1800" dirty="0">
+                <a:latin typeface="Courier New" panose="02070309020205020404" pitchFamily="49" charset="0"/>
+                <a:cs typeface="Courier New" panose="02070309020205020404" pitchFamily="49" charset="0"/>
+              </a:rPr>
+            </a:br>
+            <a:br>
+              <a:rPr lang="en-US" sz="1800" dirty="0">
+                <a:latin typeface="Courier New" panose="02070309020205020404" pitchFamily="49" charset="0"/>
+                <a:cs typeface="Courier New" panose="02070309020205020404" pitchFamily="49" charset="0"/>
+              </a:rPr>
+            </a:br>
+            <a:r>
+              <a:rPr lang="en-US" sz="1800" dirty="0">
+                <a:latin typeface="Courier New" panose="02070309020205020404" pitchFamily="49" charset="0"/>
+                <a:cs typeface="Courier New" panose="02070309020205020404" pitchFamily="49" charset="0"/>
+              </a:rPr>
+              <a:t>--</a:t>
+            </a:r>
+            <a:r>
+              <a:rPr lang="en-US" sz="1800" dirty="0" err="1">
+                <a:latin typeface="Courier New" panose="02070309020205020404" pitchFamily="49" charset="0"/>
+                <a:cs typeface="Courier New" panose="02070309020205020404" pitchFamily="49" charset="0"/>
+              </a:rPr>
+              <a:t>cpu</a:t>
+            </a:r>
+            <a:r>
+              <a:rPr lang="en-US" sz="1800" dirty="0">
+                <a:latin typeface="Courier New" panose="02070309020205020404" pitchFamily="49" charset="0"/>
+                <a:cs typeface="Courier New" panose="02070309020205020404" pitchFamily="49" charset="0"/>
+              </a:rPr>
+              <a:t> 4 --</a:t>
+            </a:r>
+            <a:r>
+              <a:rPr lang="en-US" sz="1800" dirty="0" err="1">
+                <a:latin typeface="Courier New" panose="02070309020205020404" pitchFamily="49" charset="0"/>
+                <a:cs typeface="Courier New" panose="02070309020205020404" pitchFamily="49" charset="0"/>
+              </a:rPr>
+              <a:t>noali</a:t>
+            </a:r>
+            <a:r>
+              <a:rPr lang="en-US" sz="1800" dirty="0">
+                <a:latin typeface="Courier New" panose="02070309020205020404" pitchFamily="49" charset="0"/>
+                <a:cs typeface="Courier New" panose="02070309020205020404" pitchFamily="49" charset="0"/>
+              </a:rPr>
+              <a:t> -o {//}/output_{/}.txt </a:t>
+            </a:r>
+            <a:br>
+              <a:rPr lang="en-US" sz="1800" dirty="0">
+                <a:latin typeface="Courier New" panose="02070309020205020404" pitchFamily="49" charset="0"/>
+                <a:cs typeface="Courier New" panose="02070309020205020404" pitchFamily="49" charset="0"/>
+              </a:rPr>
+            </a:br>
+            <a:br>
+              <a:rPr lang="en-US" sz="1800" dirty="0">
+                <a:latin typeface="Courier New" panose="02070309020205020404" pitchFamily="49" charset="0"/>
+                <a:cs typeface="Courier New" panose="02070309020205020404" pitchFamily="49" charset="0"/>
+              </a:rPr>
+            </a:br>
+            <a:r>
+              <a:rPr lang="en-US" sz="1800" dirty="0">
+                <a:latin typeface="Courier New" panose="02070309020205020404" pitchFamily="49" charset="0"/>
+                <a:cs typeface="Courier New" panose="02070309020205020404" pitchFamily="49" charset="0"/>
+              </a:rPr>
+              <a:t>$SCRATCH/</a:t>
+            </a:r>
+            <a:r>
+              <a:rPr lang="en-US" sz="1800" dirty="0" err="1">
+                <a:latin typeface="Courier New" panose="02070309020205020404" pitchFamily="49" charset="0"/>
+                <a:cs typeface="Courier New" panose="02070309020205020404" pitchFamily="49" charset="0"/>
+              </a:rPr>
+              <a:t>Pfam-A.hmm</a:t>
+            </a:r>
+            <a:r>
+              <a:rPr lang="en-US" sz="1800" dirty="0">
+                <a:latin typeface="Courier New" panose="02070309020205020404" pitchFamily="49" charset="0"/>
+                <a:cs typeface="Courier New" panose="02070309020205020404" pitchFamily="49" charset="0"/>
+              </a:rPr>
+              <a:t> {} :::: </a:t>
+            </a:r>
+            <a:r>
+              <a:rPr lang="en-US" sz="1800" dirty="0" err="1">
+                <a:latin typeface="Courier New" panose="02070309020205020404" pitchFamily="49" charset="0"/>
+                <a:cs typeface="Courier New" panose="02070309020205020404" pitchFamily="49" charset="0"/>
+              </a:rPr>
+              <a:t>inputs.txt</a:t>
+            </a:r>
+            <a:endParaRPr lang="en-US" sz="1800" dirty="0">
+              <a:latin typeface="Courier New" panose="02070309020205020404" pitchFamily="49" charset="0"/>
+              <a:cs typeface="Courier New" panose="02070309020205020404" pitchFamily="49" charset="0"/>
             </a:endParaRPr>
           </a:p>
         </p:txBody>
@@ -21839,7 +22008,7 @@
           <p:cNvPr id="4" name="Slide Number Placeholder 3">
             <a:extLst>
               <a:ext uri="{FF2B5EF4-FFF2-40B4-BE49-F238E27FC236}">
-                <a16:creationId xmlns:a16="http://schemas.microsoft.com/office/drawing/2014/main" id="{6D0E0BA3-5ECE-E94D-B034-8F400208F397}"/>
+                <a16:creationId xmlns:a16="http://schemas.microsoft.com/office/drawing/2014/main" id="{E671E754-D163-0655-AD00-F16A6005EBE2}"/>
               </a:ext>
             </a:extLst>
           </p:cNvPr>
@@ -21856,62 +22025,17 @@
           <a:lstStyle/>
           <a:p>
             <a:fld id="{4E3AEE2C-3A74-8643-B4A2-442777B583A3}" type="slidenum">
-              <a:rPr lang="en-US" smtClean="0">
-                <a:latin typeface="National Park " pitchFamily="2" charset="77"/>
-              </a:rPr>
+              <a:rPr lang="en-US" smtClean="0"/>
               <a:t>59</a:t>
             </a:fld>
-            <a:endParaRPr lang="en-US">
-              <a:latin typeface="National Park " pitchFamily="2" charset="77"/>
-            </a:endParaRPr>
-          </a:p>
-        </p:txBody>
-      </p:sp>
-      <p:sp>
-        <p:nvSpPr>
-          <p:cNvPr id="5" name="TextBox 4">
-            <a:extLst>
-              <a:ext uri="{FF2B5EF4-FFF2-40B4-BE49-F238E27FC236}">
-                <a16:creationId xmlns:a16="http://schemas.microsoft.com/office/drawing/2014/main" id="{B9BD456B-BB50-C343-BC4E-DD06F77B9D78}"/>
-              </a:ext>
-            </a:extLst>
-          </p:cNvPr>
-          <p:cNvSpPr txBox="1"/>
-          <p:nvPr/>
-        </p:nvSpPr>
-        <p:spPr>
-          <a:xfrm>
-            <a:off x="7603274" y="4490264"/>
-            <a:ext cx="816249" cy="248209"/>
-          </a:xfrm>
-          <a:prstGeom prst="rect">
-            <a:avLst/>
-          </a:prstGeom>
-          <a:noFill/>
-        </p:spPr>
-        <p:txBody>
-          <a:bodyPr wrap="none" rtlCol="0">
-            <a:spAutoFit/>
-          </a:bodyPr>
-          <a:lstStyle/>
-          <a:p>
-            <a:r>
-              <a:rPr lang="en-US" sz="1013" dirty="0">
-                <a:latin typeface="National Park " pitchFamily="2" charset="77"/>
-                <a:hlinkClick r:id="rId2" action="ppaction://hlinksldjump"/>
-              </a:rPr>
-              <a:t>back to toc</a:t>
-            </a:r>
-            <a:endParaRPr lang="en-US" sz="1013" dirty="0">
-              <a:latin typeface="National Park " pitchFamily="2" charset="77"/>
-            </a:endParaRPr>
+            <a:endParaRPr lang="en-US"/>
           </a:p>
         </p:txBody>
       </p:sp>
     </p:spTree>
     <p:extLst>
       <p:ext uri="{BB962C8B-B14F-4D97-AF65-F5344CB8AC3E}">
-        <p14:creationId xmlns:p14="http://schemas.microsoft.com/office/powerpoint/2010/main" val="1077433394"/>
+        <p14:creationId xmlns:p14="http://schemas.microsoft.com/office/powerpoint/2010/main" val="355479598"/>
       </p:ext>
     </p:extLst>
   </p:cSld>
@@ -22140,7 +22264,13 @@
       </p:grpSpPr>
       <p:sp>
         <p:nvSpPr>
-          <p:cNvPr id="2" name="Title 1"/>
+          <p:cNvPr id="2" name="Title 1">
+            <a:extLst>
+              <a:ext uri="{FF2B5EF4-FFF2-40B4-BE49-F238E27FC236}">
+                <a16:creationId xmlns:a16="http://schemas.microsoft.com/office/drawing/2014/main" id="{BE1E2B3C-2401-3BF0-27E4-B5D012AEF020}"/>
+              </a:ext>
+            </a:extLst>
+          </p:cNvPr>
           <p:cNvSpPr>
             <a:spLocks noGrp="1"/>
           </p:cNvSpPr>
@@ -22158,14 +22288,20 @@
               <a:rPr lang="en-US" dirty="0">
                 <a:latin typeface="National Park " pitchFamily="2" charset="77"/>
               </a:rPr>
-              <a:t>Credits, references and resources</a:t>
-            </a:r>
-          </a:p>
-        </p:txBody>
-      </p:sp>
-      <p:sp>
-        <p:nvSpPr>
-          <p:cNvPr id="3" name="Content Placeholder 2"/>
+              <a:t>Second Approach: Distribute Tasks</a:t>
+            </a:r>
+          </a:p>
+        </p:txBody>
+      </p:sp>
+      <p:sp>
+        <p:nvSpPr>
+          <p:cNvPr id="3" name="Content Placeholder 2">
+            <a:extLst>
+              <a:ext uri="{FF2B5EF4-FFF2-40B4-BE49-F238E27FC236}">
+                <a16:creationId xmlns:a16="http://schemas.microsoft.com/office/drawing/2014/main" id="{EF17F557-D07B-E16A-3941-143412DFCB17}"/>
+              </a:ext>
+            </a:extLst>
+          </p:cNvPr>
           <p:cNvSpPr>
             <a:spLocks noGrp="1"/>
           </p:cNvSpPr>
@@ -22173,144 +22309,277 @@
             <p:ph idx="1"/>
           </p:nvPr>
         </p:nvSpPr>
+        <p:spPr>
+          <a:xfrm>
+            <a:off x="628649" y="1799307"/>
+            <a:ext cx="7886700" cy="1201990"/>
+          </a:xfrm>
+        </p:spPr>
+        <p:txBody>
+          <a:bodyPr>
+            <a:normAutofit fontScale="92500" lnSpcReduction="10000"/>
+          </a:bodyPr>
+          <a:lstStyle/>
+          <a:p>
+            <a:pPr marL="0" indent="0">
+              <a:buNone/>
+            </a:pPr>
+            <a:r>
+              <a:rPr lang="en-US" dirty="0">
+                <a:latin typeface="Courier New" panose="02070309020205020404" pitchFamily="49" charset="0"/>
+                <a:cs typeface="Courier New" panose="02070309020205020404" pitchFamily="49" charset="0"/>
+              </a:rPr>
+              <a:t>#</a:t>
+            </a:r>
+            <a:r>
+              <a:rPr lang="en-US" dirty="0" err="1">
+                <a:latin typeface="Courier New" panose="02070309020205020404" pitchFamily="49" charset="0"/>
+                <a:cs typeface="Courier New" panose="02070309020205020404" pitchFamily="49" charset="0"/>
+              </a:rPr>
+              <a:t>driver.sh</a:t>
+            </a:r>
+            <a:endParaRPr lang="en-US" dirty="0">
+              <a:latin typeface="Courier New" panose="02070309020205020404" pitchFamily="49" charset="0"/>
+              <a:cs typeface="Courier New" panose="02070309020205020404" pitchFamily="49" charset="0"/>
+            </a:endParaRPr>
+          </a:p>
+          <a:p>
+            <a:pPr marL="0" indent="0">
+              <a:buNone/>
+            </a:pPr>
+            <a:r>
+              <a:rPr lang="en-US" dirty="0">
+                <a:latin typeface="Courier New" panose="02070309020205020404" pitchFamily="49" charset="0"/>
+                <a:cs typeface="Courier New" panose="02070309020205020404" pitchFamily="49" charset="0"/>
+              </a:rPr>
+              <a:t>cat </a:t>
+            </a:r>
+            <a:r>
+              <a:rPr lang="en-US" dirty="0" err="1">
+                <a:latin typeface="Courier New" panose="02070309020205020404" pitchFamily="49" charset="0"/>
+                <a:cs typeface="Courier New" panose="02070309020205020404" pitchFamily="49" charset="0"/>
+              </a:rPr>
+              <a:t>inputs.txt</a:t>
+            </a:r>
+            <a:r>
+              <a:rPr lang="en-US" dirty="0">
+                <a:latin typeface="Courier New" panose="02070309020205020404" pitchFamily="49" charset="0"/>
+                <a:cs typeface="Courier New" panose="02070309020205020404" pitchFamily="49" charset="0"/>
+              </a:rPr>
+              <a:t> |awk -v NNODE="$SLURM_NNODES" -v NODEID="$SLURM_NODEID" \ 'NR % NNODE == NODEID’ | parallel ./</a:t>
+            </a:r>
+            <a:r>
+              <a:rPr lang="en-US" dirty="0" err="1">
+                <a:latin typeface="Courier New" panose="02070309020205020404" pitchFamily="49" charset="0"/>
+                <a:cs typeface="Courier New" panose="02070309020205020404" pitchFamily="49" charset="0"/>
+              </a:rPr>
+              <a:t>payload.sh</a:t>
+            </a:r>
+            <a:r>
+              <a:rPr lang="en-US" dirty="0">
+                <a:latin typeface="Courier New" panose="02070309020205020404" pitchFamily="49" charset="0"/>
+                <a:cs typeface="Courier New" panose="02070309020205020404" pitchFamily="49" charset="0"/>
+              </a:rPr>
+              <a:t> {}</a:t>
+            </a:r>
+          </a:p>
+        </p:txBody>
+      </p:sp>
+      <p:sp>
+        <p:nvSpPr>
+          <p:cNvPr id="4" name="Slide Number Placeholder 3">
+            <a:extLst>
+              <a:ext uri="{FF2B5EF4-FFF2-40B4-BE49-F238E27FC236}">
+                <a16:creationId xmlns:a16="http://schemas.microsoft.com/office/drawing/2014/main" id="{ABDB51E9-DC49-6BD8-F7C1-270179FE76F3}"/>
+              </a:ext>
+            </a:extLst>
+          </p:cNvPr>
+          <p:cNvSpPr>
+            <a:spLocks noGrp="1"/>
+          </p:cNvSpPr>
+          <p:nvPr>
+            <p:ph type="sldNum" sz="quarter" idx="12"/>
+          </p:nvPr>
+        </p:nvSpPr>
         <p:spPr/>
         <p:txBody>
-          <a:bodyPr>
-            <a:normAutofit fontScale="77500" lnSpcReduction="20000"/>
-          </a:bodyPr>
-          <a:lstStyle/>
-          <a:p>
-            <a:r>
-              <a:rPr lang="en-US" dirty="0">
-                <a:hlinkClick r:id="rId3"/>
-              </a:rPr>
-              <a:t>gnu.org/software/parallel</a:t>
-            </a:r>
-            <a:endParaRPr lang="en-US" dirty="0"/>
-          </a:p>
-          <a:p>
-            <a:r>
-              <a:rPr lang="en-US" dirty="0">
-                <a:hlinkClick r:id="rId4"/>
-              </a:rPr>
-              <a:t>rcc.uchicago.edu/documentation/_build/html/running-jobs/srun-parallel/index.html</a:t>
-            </a:r>
-            <a:endParaRPr lang="en-US" dirty="0"/>
-          </a:p>
-          <a:p>
-            <a:r>
-              <a:rPr lang="en-US" dirty="0">
-                <a:hlinkClick r:id="rId5"/>
-              </a:rPr>
-              <a:t>ulhpc-tutorials.readthedocs.io/en/latest/sequential/basics</a:t>
-            </a:r>
-            <a:endParaRPr lang="en-US" dirty="0"/>
-          </a:p>
-          <a:p>
-            <a:r>
-              <a:rPr lang="en-US" dirty="0">
-                <a:hlinkClick r:id="rId6"/>
-              </a:rPr>
-              <a:t>docs.ycrc.yale.edu/clusters-at-yale/guides/parallel</a:t>
-            </a:r>
-            <a:endParaRPr lang="en-US" dirty="0"/>
-          </a:p>
-          <a:p>
-            <a:r>
-              <a:rPr lang="en-US" dirty="0">
-                <a:hlinkClick r:id="rId7"/>
-              </a:rPr>
-              <a:t>www.vanderbilt.edu/accre/documentation/parallel</a:t>
-            </a:r>
-            <a:endParaRPr lang="en-US" dirty="0"/>
-          </a:p>
-          <a:p>
-            <a:r>
-              <a:rPr lang="en-US" dirty="0">
-                <a:hlinkClick r:id="rId8"/>
-              </a:rPr>
-              <a:t>docs-research-it.berkeley.edu/services/high-performance-computing/user-guide/running-your-jobs/gnu-parallel</a:t>
-            </a:r>
-            <a:endParaRPr lang="en-US" dirty="0"/>
-          </a:p>
-          <a:p>
-            <a:r>
-              <a:rPr lang="en-US" dirty="0">
-                <a:hlinkClick r:id="rId9"/>
-              </a:rPr>
-              <a:t>omgenomics.com/parallel</a:t>
-            </a:r>
-            <a:endParaRPr lang="en-US" dirty="0"/>
-          </a:p>
-          <a:p>
-            <a:r>
-              <a:rPr lang="en-US" dirty="0">
-                <a:hlinkClick r:id="rId10"/>
-              </a:rPr>
-              <a:t>curc.readthedocs.io/en/latest/software/GNUParallel.html</a:t>
-            </a:r>
-            <a:endParaRPr lang="en-US" dirty="0"/>
-          </a:p>
-          <a:p>
-            <a:r>
-              <a:rPr lang="en-US" dirty="0">
-                <a:hlinkClick r:id="rId11"/>
-              </a:rPr>
-              <a:t>thenybble.de/posts/json-analysis</a:t>
-            </a:r>
-            <a:endParaRPr lang="en-US" dirty="0"/>
-          </a:p>
-          <a:p>
-            <a:r>
-              <a:rPr lang="en-US" dirty="0">
-                <a:hlinkClick r:id="rId12"/>
-              </a:rPr>
-              <a:t>stackoverflow.com/questions/tagged/gnu-parallel</a:t>
-            </a:r>
-            <a:endParaRPr lang="en-US" dirty="0"/>
-          </a:p>
-          <a:p>
-            <a:r>
-              <a:rPr lang="en-US" dirty="0">
-                <a:hlinkClick r:id="rId13"/>
-              </a:rPr>
-              <a:t>unix.stackexchange.com/questions/tagged/gnu-parallel</a:t>
-            </a:r>
-            <a:endParaRPr lang="en-US" dirty="0"/>
-          </a:p>
-        </p:txBody>
-      </p:sp>
-      <p:sp>
-        <p:nvSpPr>
-          <p:cNvPr id="4" name="Slide Number Placeholder 3"/>
-          <p:cNvSpPr>
-            <a:spLocks noGrp="1"/>
-          </p:cNvSpPr>
-          <p:nvPr>
-            <p:ph type="sldNum" sz="quarter" idx="12"/>
-          </p:nvPr>
-        </p:nvSpPr>
-        <p:spPr/>
-        <p:txBody>
           <a:bodyPr/>
           <a:lstStyle/>
           <a:p>
             <a:fld id="{4E3AEE2C-3A74-8643-B4A2-442777B583A3}" type="slidenum">
-              <a:rPr lang="en-US" smtClean="0">
-                <a:latin typeface="National Park " pitchFamily="2" charset="77"/>
-              </a:rPr>
+              <a:rPr lang="en-US" smtClean="0"/>
               <a:t>60</a:t>
             </a:fld>
-            <a:endParaRPr lang="en-US">
-              <a:latin typeface="National Park " pitchFamily="2" charset="77"/>
-            </a:endParaRPr>
+            <a:endParaRPr lang="en-US"/>
+          </a:p>
+        </p:txBody>
+      </p:sp>
+      <p:sp>
+        <p:nvSpPr>
+          <p:cNvPr id="7" name="TextBox 6">
+            <a:extLst>
+              <a:ext uri="{FF2B5EF4-FFF2-40B4-BE49-F238E27FC236}">
+                <a16:creationId xmlns:a16="http://schemas.microsoft.com/office/drawing/2014/main" id="{119856E4-6F7D-75F5-95D4-E0916D0090E5}"/>
+              </a:ext>
+            </a:extLst>
+          </p:cNvPr>
+          <p:cNvSpPr txBox="1"/>
+          <p:nvPr/>
+        </p:nvSpPr>
+        <p:spPr>
+          <a:xfrm>
+            <a:off x="628649" y="3439708"/>
+            <a:ext cx="7886699" cy="1384995"/>
+          </a:xfrm>
+          <a:prstGeom prst="rect">
+            <a:avLst/>
+          </a:prstGeom>
+          <a:noFill/>
+        </p:spPr>
+        <p:txBody>
+          <a:bodyPr wrap="square">
+            <a:spAutoFit/>
+          </a:bodyPr>
+          <a:lstStyle/>
+          <a:p>
+            <a:r>
+              <a:rPr lang="en-US" sz="2100" dirty="0">
+                <a:latin typeface="Courier New" panose="02070309020205020404" pitchFamily="49" charset="0"/>
+                <a:cs typeface="Courier New" panose="02070309020205020404" pitchFamily="49" charset="0"/>
+              </a:rPr>
+              <a:t>#</a:t>
+            </a:r>
+            <a:r>
+              <a:rPr lang="en-US" sz="2100" dirty="0" err="1">
+                <a:latin typeface="Courier New" panose="02070309020205020404" pitchFamily="49" charset="0"/>
+                <a:cs typeface="Courier New" panose="02070309020205020404" pitchFamily="49" charset="0"/>
+              </a:rPr>
+              <a:t>payload.sh</a:t>
+            </a:r>
+            <a:r>
+              <a:rPr lang="en-US" sz="2100" dirty="0">
+                <a:latin typeface="Courier New" panose="02070309020205020404" pitchFamily="49" charset="0"/>
+                <a:cs typeface="Courier New" panose="02070309020205020404" pitchFamily="49" charset="0"/>
+              </a:rPr>
+              <a:t> [</a:t>
+            </a:r>
+            <a:r>
+              <a:rPr lang="en-US" sz="2100" b="1" dirty="0">
+                <a:latin typeface="Courier New" panose="02070309020205020404" pitchFamily="49" charset="0"/>
+                <a:cs typeface="Courier New" panose="02070309020205020404" pitchFamily="49" charset="0"/>
+              </a:rPr>
+              <a:t>untested</a:t>
+            </a:r>
+            <a:r>
+              <a:rPr lang="en-US" sz="2100" dirty="0">
+                <a:latin typeface="Courier New" panose="02070309020205020404" pitchFamily="49" charset="0"/>
+                <a:cs typeface="Courier New" panose="02070309020205020404" pitchFamily="49" charset="0"/>
+              </a:rPr>
+              <a:t>]</a:t>
+            </a:r>
+            <a:br>
+              <a:rPr lang="en-US" sz="2100" dirty="0">
+                <a:latin typeface="Courier New" panose="02070309020205020404" pitchFamily="49" charset="0"/>
+                <a:cs typeface="Courier New" panose="02070309020205020404" pitchFamily="49" charset="0"/>
+              </a:rPr>
+            </a:br>
+            <a:r>
+              <a:rPr lang="en-US" sz="2100" dirty="0">
+                <a:latin typeface="Courier New" panose="02070309020205020404" pitchFamily="49" charset="0"/>
+                <a:cs typeface="Courier New" panose="02070309020205020404" pitchFamily="49" charset="0"/>
+              </a:rPr>
+              <a:t>$HOME/hmmer-3.3/install/bin/</a:t>
+            </a:r>
+            <a:r>
+              <a:rPr lang="en-US" sz="2100" dirty="0" err="1">
+                <a:latin typeface="Courier New" panose="02070309020205020404" pitchFamily="49" charset="0"/>
+                <a:cs typeface="Courier New" panose="02070309020205020404" pitchFamily="49" charset="0"/>
+              </a:rPr>
+              <a:t>hmmsearch</a:t>
+            </a:r>
+            <a:r>
+              <a:rPr lang="en-US" sz="2100" dirty="0">
+                <a:latin typeface="Courier New" panose="02070309020205020404" pitchFamily="49" charset="0"/>
+                <a:cs typeface="Courier New" panose="02070309020205020404" pitchFamily="49" charset="0"/>
+              </a:rPr>
+              <a:t> </a:t>
+            </a:r>
+            <a:br>
+              <a:rPr lang="en-US" sz="2100" dirty="0">
+                <a:latin typeface="Courier New" panose="02070309020205020404" pitchFamily="49" charset="0"/>
+                <a:cs typeface="Courier New" panose="02070309020205020404" pitchFamily="49" charset="0"/>
+              </a:rPr>
+            </a:br>
+            <a:r>
+              <a:rPr lang="en-US" sz="2100" dirty="0">
+                <a:latin typeface="Courier New" panose="02070309020205020404" pitchFamily="49" charset="0"/>
+                <a:cs typeface="Courier New" panose="02070309020205020404" pitchFamily="49" charset="0"/>
+              </a:rPr>
+              <a:t>--</a:t>
+            </a:r>
+            <a:r>
+              <a:rPr lang="en-US" sz="2100" dirty="0" err="1">
+                <a:latin typeface="Courier New" panose="02070309020205020404" pitchFamily="49" charset="0"/>
+                <a:cs typeface="Courier New" panose="02070309020205020404" pitchFamily="49" charset="0"/>
+              </a:rPr>
+              <a:t>cpu</a:t>
+            </a:r>
+            <a:r>
+              <a:rPr lang="en-US" sz="2100" dirty="0">
+                <a:latin typeface="Courier New" panose="02070309020205020404" pitchFamily="49" charset="0"/>
+                <a:cs typeface="Courier New" panose="02070309020205020404" pitchFamily="49" charset="0"/>
+              </a:rPr>
+              <a:t> 4 --</a:t>
+            </a:r>
+            <a:r>
+              <a:rPr lang="en-US" sz="2100" dirty="0" err="1">
+                <a:latin typeface="Courier New" panose="02070309020205020404" pitchFamily="49" charset="0"/>
+                <a:cs typeface="Courier New" panose="02070309020205020404" pitchFamily="49" charset="0"/>
+              </a:rPr>
+              <a:t>noali</a:t>
+            </a:r>
+            <a:r>
+              <a:rPr lang="en-US" sz="2100" dirty="0">
+                <a:latin typeface="Courier New" panose="02070309020205020404" pitchFamily="49" charset="0"/>
+                <a:cs typeface="Courier New" panose="02070309020205020404" pitchFamily="49" charset="0"/>
+              </a:rPr>
+              <a:t> -o {//}/output_{/}.txt </a:t>
+            </a:r>
+            <a:br>
+              <a:rPr lang="en-US" sz="2100" dirty="0">
+                <a:latin typeface="Courier New" panose="02070309020205020404" pitchFamily="49" charset="0"/>
+                <a:cs typeface="Courier New" panose="02070309020205020404" pitchFamily="49" charset="0"/>
+              </a:rPr>
+            </a:br>
+            <a:r>
+              <a:rPr lang="en-US" sz="2100" dirty="0">
+                <a:latin typeface="Courier New" panose="02070309020205020404" pitchFamily="49" charset="0"/>
+                <a:cs typeface="Courier New" panose="02070309020205020404" pitchFamily="49" charset="0"/>
+              </a:rPr>
+              <a:t>$SCRATCH/</a:t>
+            </a:r>
+            <a:r>
+              <a:rPr lang="en-US" sz="2100" dirty="0" err="1">
+                <a:latin typeface="Courier New" panose="02070309020205020404" pitchFamily="49" charset="0"/>
+                <a:cs typeface="Courier New" panose="02070309020205020404" pitchFamily="49" charset="0"/>
+              </a:rPr>
+              <a:t>Pfam-A.hmm</a:t>
+            </a:r>
+            <a:r>
+              <a:rPr lang="en-US" sz="2100" dirty="0">
+                <a:latin typeface="Courier New" panose="02070309020205020404" pitchFamily="49" charset="0"/>
+                <a:cs typeface="Courier New" panose="02070309020205020404" pitchFamily="49" charset="0"/>
+              </a:rPr>
+              <a:t> $1</a:t>
+            </a:r>
+            <a:endParaRPr lang="en-US" sz="2100" dirty="0"/>
           </a:p>
         </p:txBody>
       </p:sp>
     </p:spTree>
     <p:extLst>
       <p:ext uri="{BB962C8B-B14F-4D97-AF65-F5344CB8AC3E}">
-        <p14:creationId xmlns:p14="http://schemas.microsoft.com/office/powerpoint/2010/main" val="1816197902"/>
+        <p14:creationId xmlns:p14="http://schemas.microsoft.com/office/powerpoint/2010/main" val="3991558211"/>
       </p:ext>
     </p:extLst>
   </p:cSld>
@@ -22339,6 +22608,802 @@
       </p:grpSpPr>
       <p:sp>
         <p:nvSpPr>
+          <p:cNvPr id="2" name="Title 1">
+            <a:extLst>
+              <a:ext uri="{FF2B5EF4-FFF2-40B4-BE49-F238E27FC236}">
+                <a16:creationId xmlns:a16="http://schemas.microsoft.com/office/drawing/2014/main" id="{6972196C-1D2D-C240-AD57-E3EBC4FA030D}"/>
+              </a:ext>
+            </a:extLst>
+          </p:cNvPr>
+          <p:cNvSpPr>
+            <a:spLocks noGrp="1"/>
+          </p:cNvSpPr>
+          <p:nvPr>
+            <p:ph type="title"/>
+          </p:nvPr>
+        </p:nvSpPr>
+        <p:spPr/>
+        <p:txBody>
+          <a:bodyPr/>
+          <a:lstStyle/>
+          <a:p>
+            <a:pPr algn="ctr"/>
+            <a:r>
+              <a:rPr lang="en-US" dirty="0">
+                <a:latin typeface="National Park " pitchFamily="2" charset="77"/>
+              </a:rPr>
+              <a:t>Summary</a:t>
+            </a:r>
+          </a:p>
+        </p:txBody>
+      </p:sp>
+      <p:sp>
+        <p:nvSpPr>
+          <p:cNvPr id="3" name="Content Placeholder 2">
+            <a:extLst>
+              <a:ext uri="{FF2B5EF4-FFF2-40B4-BE49-F238E27FC236}">
+                <a16:creationId xmlns:a16="http://schemas.microsoft.com/office/drawing/2014/main" id="{59541F7C-8324-CD41-84A0-D9DC3E4E12B8}"/>
+              </a:ext>
+            </a:extLst>
+          </p:cNvPr>
+          <p:cNvSpPr>
+            <a:spLocks noGrp="1"/>
+          </p:cNvSpPr>
+          <p:nvPr>
+            <p:ph idx="1"/>
+          </p:nvPr>
+        </p:nvSpPr>
+        <p:spPr/>
+        <p:txBody>
+          <a:bodyPr>
+            <a:normAutofit/>
+          </a:bodyPr>
+          <a:lstStyle/>
+          <a:p>
+            <a:r>
+              <a:rPr lang="en-US" dirty="0">
+                <a:latin typeface="National Park " pitchFamily="2" charset="77"/>
+              </a:rPr>
+              <a:t>GNU Parallel is an effective tool that could be useful in </a:t>
+            </a:r>
+            <a:br>
+              <a:rPr lang="en-US" dirty="0">
+                <a:latin typeface="National Park " pitchFamily="2" charset="77"/>
+              </a:rPr>
+            </a:br>
+            <a:r>
+              <a:rPr lang="en-US" dirty="0">
+                <a:latin typeface="National Park " pitchFamily="2" charset="77"/>
+              </a:rPr>
+              <a:t>day-to-day tasks on the terminal as well as for larger workflows</a:t>
+            </a:r>
+          </a:p>
+          <a:p>
+            <a:r>
+              <a:rPr lang="en-US" dirty="0">
+                <a:latin typeface="National Park " pitchFamily="2" charset="77"/>
+              </a:rPr>
+              <a:t>Many options to choose from to customize a parallel operation</a:t>
+            </a:r>
+          </a:p>
+          <a:p>
+            <a:r>
+              <a:rPr lang="en-US" dirty="0">
+                <a:latin typeface="National Park " pitchFamily="2" charset="77"/>
+              </a:rPr>
+              <a:t>Very handy for quick prototyping</a:t>
+            </a:r>
+          </a:p>
+          <a:p>
+            <a:r>
+              <a:rPr lang="en-US" dirty="0">
+                <a:latin typeface="National Park " pitchFamily="2" charset="77"/>
+              </a:rPr>
+              <a:t>May be well suited for some production level work</a:t>
+            </a:r>
+          </a:p>
+          <a:p>
+            <a:endParaRPr lang="en-US" dirty="0">
+              <a:latin typeface="National Park " pitchFamily="2" charset="77"/>
+            </a:endParaRPr>
+          </a:p>
+        </p:txBody>
+      </p:sp>
+      <p:sp>
+        <p:nvSpPr>
+          <p:cNvPr id="4" name="Slide Number Placeholder 3">
+            <a:extLst>
+              <a:ext uri="{FF2B5EF4-FFF2-40B4-BE49-F238E27FC236}">
+                <a16:creationId xmlns:a16="http://schemas.microsoft.com/office/drawing/2014/main" id="{6D0E0BA3-5ECE-E94D-B034-8F400208F397}"/>
+              </a:ext>
+            </a:extLst>
+          </p:cNvPr>
+          <p:cNvSpPr>
+            <a:spLocks noGrp="1"/>
+          </p:cNvSpPr>
+          <p:nvPr>
+            <p:ph type="sldNum" sz="quarter" idx="12"/>
+          </p:nvPr>
+        </p:nvSpPr>
+        <p:spPr/>
+        <p:txBody>
+          <a:bodyPr/>
+          <a:lstStyle/>
+          <a:p>
+            <a:fld id="{4E3AEE2C-3A74-8643-B4A2-442777B583A3}" type="slidenum">
+              <a:rPr lang="en-US" smtClean="0">
+                <a:latin typeface="National Park " pitchFamily="2" charset="77"/>
+              </a:rPr>
+              <a:t>61</a:t>
+            </a:fld>
+            <a:endParaRPr lang="en-US">
+              <a:latin typeface="National Park " pitchFamily="2" charset="77"/>
+            </a:endParaRPr>
+          </a:p>
+        </p:txBody>
+      </p:sp>
+      <p:sp>
+        <p:nvSpPr>
+          <p:cNvPr id="5" name="TextBox 4">
+            <a:extLst>
+              <a:ext uri="{FF2B5EF4-FFF2-40B4-BE49-F238E27FC236}">
+                <a16:creationId xmlns:a16="http://schemas.microsoft.com/office/drawing/2014/main" id="{B9BD456B-BB50-C343-BC4E-DD06F77B9D78}"/>
+              </a:ext>
+            </a:extLst>
+          </p:cNvPr>
+          <p:cNvSpPr txBox="1"/>
+          <p:nvPr/>
+        </p:nvSpPr>
+        <p:spPr>
+          <a:xfrm>
+            <a:off x="7603274" y="4490264"/>
+            <a:ext cx="816249" cy="248209"/>
+          </a:xfrm>
+          <a:prstGeom prst="rect">
+            <a:avLst/>
+          </a:prstGeom>
+          <a:noFill/>
+        </p:spPr>
+        <p:txBody>
+          <a:bodyPr wrap="none" rtlCol="0">
+            <a:spAutoFit/>
+          </a:bodyPr>
+          <a:lstStyle/>
+          <a:p>
+            <a:r>
+              <a:rPr lang="en-US" sz="1013" dirty="0">
+                <a:latin typeface="National Park " pitchFamily="2" charset="77"/>
+                <a:hlinkClick r:id="rId2" action="ppaction://hlinksldjump"/>
+              </a:rPr>
+              <a:t>back to toc</a:t>
+            </a:r>
+            <a:endParaRPr lang="en-US" sz="1013" dirty="0">
+              <a:latin typeface="National Park " pitchFamily="2" charset="77"/>
+            </a:endParaRPr>
+          </a:p>
+        </p:txBody>
+      </p:sp>
+    </p:spTree>
+    <p:extLst>
+      <p:ext uri="{BB962C8B-B14F-4D97-AF65-F5344CB8AC3E}">
+        <p14:creationId xmlns:p14="http://schemas.microsoft.com/office/powerpoint/2010/main" val="1077433394"/>
+      </p:ext>
+    </p:extLst>
+  </p:cSld>
+  <p:clrMapOvr>
+    <a:masterClrMapping/>
+  </p:clrMapOvr>
+</p:sld>
+</file>
+
+<file path=ppt/slides/slide62.xml><?xml version="1.0" encoding="utf-8"?>
+<p:sld xmlns:a="http://schemas.openxmlformats.org/drawingml/2006/main" xmlns:r="http://schemas.openxmlformats.org/officeDocument/2006/relationships" xmlns:p="http://schemas.openxmlformats.org/presentationml/2006/main">
+  <p:cSld>
+    <p:spTree>
+      <p:nvGrpSpPr>
+        <p:cNvPr id="1" name=""/>
+        <p:cNvGrpSpPr/>
+        <p:nvPr/>
+      </p:nvGrpSpPr>
+      <p:grpSpPr>
+        <a:xfrm>
+          <a:off x="0" y="0"/>
+          <a:ext cx="0" cy="0"/>
+          <a:chOff x="0" y="0"/>
+          <a:chExt cx="0" cy="0"/>
+        </a:xfrm>
+      </p:grpSpPr>
+      <p:sp>
+        <p:nvSpPr>
+          <p:cNvPr id="2" name="Title 1">
+            <a:extLst>
+              <a:ext uri="{FF2B5EF4-FFF2-40B4-BE49-F238E27FC236}">
+                <a16:creationId xmlns:a16="http://schemas.microsoft.com/office/drawing/2014/main" id="{6972196C-1D2D-C240-AD57-E3EBC4FA030D}"/>
+              </a:ext>
+            </a:extLst>
+          </p:cNvPr>
+          <p:cNvSpPr>
+            <a:spLocks noGrp="1"/>
+          </p:cNvSpPr>
+          <p:nvPr>
+            <p:ph type="title"/>
+          </p:nvPr>
+        </p:nvSpPr>
+        <p:spPr/>
+        <p:txBody>
+          <a:bodyPr>
+            <a:normAutofit fontScale="90000"/>
+          </a:bodyPr>
+          <a:lstStyle/>
+          <a:p>
+            <a:pPr algn="ctr"/>
+            <a:r>
+              <a:rPr lang="en-US" dirty="0">
+                <a:latin typeface="National Park " pitchFamily="2" charset="77"/>
+              </a:rPr>
+              <a:t>Practice and Exercises : Titanic Data Challenge</a:t>
+            </a:r>
+          </a:p>
+        </p:txBody>
+      </p:sp>
+      <p:sp>
+        <p:nvSpPr>
+          <p:cNvPr id="3" name="Content Placeholder 2">
+            <a:extLst>
+              <a:ext uri="{FF2B5EF4-FFF2-40B4-BE49-F238E27FC236}">
+                <a16:creationId xmlns:a16="http://schemas.microsoft.com/office/drawing/2014/main" id="{59541F7C-8324-CD41-84A0-D9DC3E4E12B8}"/>
+              </a:ext>
+            </a:extLst>
+          </p:cNvPr>
+          <p:cNvSpPr>
+            <a:spLocks noGrp="1"/>
+          </p:cNvSpPr>
+          <p:nvPr>
+            <p:ph idx="1"/>
+          </p:nvPr>
+        </p:nvSpPr>
+        <p:spPr/>
+        <p:txBody>
+          <a:bodyPr>
+            <a:normAutofit fontScale="92500" lnSpcReduction="10000"/>
+          </a:bodyPr>
+          <a:lstStyle/>
+          <a:p>
+            <a:pPr marL="0" indent="0">
+              <a:buNone/>
+            </a:pPr>
+            <a:r>
+              <a:rPr lang="en-US" dirty="0"/>
+              <a:t>Data: in </a:t>
+            </a:r>
+            <a:r>
+              <a:rPr lang="en-US" dirty="0" err="1"/>
+              <a:t>Github</a:t>
+            </a:r>
+            <a:r>
+              <a:rPr lang="en-US" dirty="0"/>
+              <a:t>, </a:t>
+            </a:r>
+            <a:r>
+              <a:rPr lang="en-US" dirty="0" err="1"/>
+              <a:t>Titanic.csv</a:t>
+            </a:r>
+            <a:r>
+              <a:rPr lang="en-US" dirty="0"/>
+              <a:t> </a:t>
+            </a:r>
+          </a:p>
+          <a:p>
+            <a:r>
+              <a:rPr lang="en-US" dirty="0"/>
+              <a:t>Problem 1. What characteristics are shared by all passengers whose fare is 0?</a:t>
+            </a:r>
+          </a:p>
+          <a:p>
+            <a:r>
+              <a:rPr lang="en-US" dirty="0"/>
+              <a:t>Problem 2. How many married women over age 50 embarked in Cherbourg? (Married women are denoted by "Mrs.")</a:t>
+            </a:r>
+          </a:p>
+          <a:p>
+            <a:r>
+              <a:rPr lang="en-US" dirty="0"/>
+              <a:t>Problem 3. Which embarkation city had the highest-paying passengers on average?</a:t>
+            </a:r>
+          </a:p>
+          <a:p>
+            <a:r>
+              <a:rPr lang="en-US" dirty="0"/>
+              <a:t>Problem 4. What is the most common last name among passengers? What is the average number of passengers per last name?</a:t>
+            </a:r>
+          </a:p>
+          <a:p>
+            <a:r>
+              <a:rPr lang="en-US" dirty="0"/>
+              <a:t>Problem 5. What's the survival rate for passengers in the three different classes, i.e., what fraction of passengers in each class </a:t>
+            </a:r>
+            <a:r>
+              <a:rPr lang="en-US"/>
+              <a:t>survived?</a:t>
+            </a:r>
+            <a:endParaRPr lang="en-US" dirty="0"/>
+          </a:p>
+          <a:p>
+            <a:endParaRPr lang="en-US" dirty="0"/>
+          </a:p>
+        </p:txBody>
+      </p:sp>
+      <p:sp>
+        <p:nvSpPr>
+          <p:cNvPr id="4" name="Slide Number Placeholder 3">
+            <a:extLst>
+              <a:ext uri="{FF2B5EF4-FFF2-40B4-BE49-F238E27FC236}">
+                <a16:creationId xmlns:a16="http://schemas.microsoft.com/office/drawing/2014/main" id="{6D0E0BA3-5ECE-E94D-B034-8F400208F397}"/>
+              </a:ext>
+            </a:extLst>
+          </p:cNvPr>
+          <p:cNvSpPr>
+            <a:spLocks noGrp="1"/>
+          </p:cNvSpPr>
+          <p:nvPr>
+            <p:ph type="sldNum" sz="quarter" idx="12"/>
+          </p:nvPr>
+        </p:nvSpPr>
+        <p:spPr/>
+        <p:txBody>
+          <a:bodyPr/>
+          <a:lstStyle/>
+          <a:p>
+            <a:fld id="{4E3AEE2C-3A74-8643-B4A2-442777B583A3}" type="slidenum">
+              <a:rPr lang="en-US" smtClean="0">
+                <a:latin typeface="National Park " pitchFamily="2" charset="77"/>
+              </a:rPr>
+              <a:t>62</a:t>
+            </a:fld>
+            <a:endParaRPr lang="en-US">
+              <a:latin typeface="National Park " pitchFamily="2" charset="77"/>
+            </a:endParaRPr>
+          </a:p>
+        </p:txBody>
+      </p:sp>
+    </p:spTree>
+    <p:extLst>
+      <p:ext uri="{BB962C8B-B14F-4D97-AF65-F5344CB8AC3E}">
+        <p14:creationId xmlns:p14="http://schemas.microsoft.com/office/powerpoint/2010/main" val="2526893295"/>
+      </p:ext>
+    </p:extLst>
+  </p:cSld>
+  <p:clrMapOvr>
+    <a:masterClrMapping/>
+  </p:clrMapOvr>
+</p:sld>
+</file>
+
+<file path=ppt/slides/slide63.xml><?xml version="1.0" encoding="utf-8"?>
+<p:sld xmlns:a="http://schemas.openxmlformats.org/drawingml/2006/main" xmlns:r="http://schemas.openxmlformats.org/officeDocument/2006/relationships" xmlns:p="http://schemas.openxmlformats.org/presentationml/2006/main">
+  <p:cSld>
+    <p:spTree>
+      <p:nvGrpSpPr>
+        <p:cNvPr id="1" name=""/>
+        <p:cNvGrpSpPr/>
+        <p:nvPr/>
+      </p:nvGrpSpPr>
+      <p:grpSpPr>
+        <a:xfrm>
+          <a:off x="0" y="0"/>
+          <a:ext cx="0" cy="0"/>
+          <a:chOff x="0" y="0"/>
+          <a:chExt cx="0" cy="0"/>
+        </a:xfrm>
+      </p:grpSpPr>
+      <p:sp>
+        <p:nvSpPr>
+          <p:cNvPr id="2" name="Title 1">
+            <a:extLst>
+              <a:ext uri="{FF2B5EF4-FFF2-40B4-BE49-F238E27FC236}">
+                <a16:creationId xmlns:a16="http://schemas.microsoft.com/office/drawing/2014/main" id="{6972196C-1D2D-C240-AD57-E3EBC4FA030D}"/>
+              </a:ext>
+            </a:extLst>
+          </p:cNvPr>
+          <p:cNvSpPr>
+            <a:spLocks noGrp="1"/>
+          </p:cNvSpPr>
+          <p:nvPr>
+            <p:ph type="title"/>
+          </p:nvPr>
+        </p:nvSpPr>
+        <p:spPr/>
+        <p:txBody>
+          <a:bodyPr>
+            <a:normAutofit fontScale="90000"/>
+          </a:bodyPr>
+          <a:lstStyle/>
+          <a:p>
+            <a:pPr algn="ctr"/>
+            <a:r>
+              <a:rPr lang="en-US" dirty="0">
+                <a:latin typeface="National Park " pitchFamily="2" charset="77"/>
+              </a:rPr>
+              <a:t>Practice and Exercises : MIT Datacenter Challenge</a:t>
+            </a:r>
+          </a:p>
+        </p:txBody>
+      </p:sp>
+      <p:sp>
+        <p:nvSpPr>
+          <p:cNvPr id="3" name="Content Placeholder 2">
+            <a:extLst>
+              <a:ext uri="{FF2B5EF4-FFF2-40B4-BE49-F238E27FC236}">
+                <a16:creationId xmlns:a16="http://schemas.microsoft.com/office/drawing/2014/main" id="{59541F7C-8324-CD41-84A0-D9DC3E4E12B8}"/>
+              </a:ext>
+            </a:extLst>
+          </p:cNvPr>
+          <p:cNvSpPr>
+            <a:spLocks noGrp="1"/>
+          </p:cNvSpPr>
+          <p:nvPr>
+            <p:ph idx="1"/>
+          </p:nvPr>
+        </p:nvSpPr>
+        <p:spPr/>
+        <p:txBody>
+          <a:bodyPr>
+            <a:normAutofit/>
+          </a:bodyPr>
+          <a:lstStyle/>
+          <a:p>
+            <a:r>
+              <a:rPr lang="en-US" dirty="0">
+                <a:hlinkClick r:id="rId2"/>
+              </a:rPr>
+              <a:t>dcc.mit.edu</a:t>
+            </a:r>
+            <a:r>
+              <a:rPr lang="en-US" dirty="0"/>
+              <a:t> A 2.6T dataset pertaining to cluster operations</a:t>
+            </a:r>
+          </a:p>
+          <a:p>
+            <a:r>
+              <a:rPr lang="en-US" b="1" dirty="0"/>
+              <a:t>Partial</a:t>
+            </a:r>
+            <a:r>
+              <a:rPr lang="en-US" dirty="0"/>
+              <a:t> </a:t>
+            </a:r>
+            <a:r>
+              <a:rPr lang="en-US" b="1" dirty="0"/>
+              <a:t>data </a:t>
+            </a:r>
+            <a:r>
+              <a:rPr lang="en-US" dirty="0"/>
+              <a:t>available on </a:t>
+            </a:r>
+            <a:r>
+              <a:rPr lang="en-US" dirty="0" err="1"/>
+              <a:t>Github</a:t>
+            </a:r>
+            <a:r>
+              <a:rPr lang="en-US" dirty="0"/>
+              <a:t> at </a:t>
+            </a:r>
+            <a:r>
+              <a:rPr lang="en-US" sz="1700" b="1" dirty="0">
+                <a:latin typeface="Courier New" panose="02070309020205020404" pitchFamily="49" charset="0"/>
+                <a:cs typeface="Courier New" panose="02070309020205020404" pitchFamily="49" charset="0"/>
+              </a:rPr>
+              <a:t>data/datacenter-challenge</a:t>
+            </a:r>
+            <a:r>
+              <a:rPr lang="en-US" dirty="0"/>
+              <a:t> </a:t>
+            </a:r>
+          </a:p>
+          <a:p>
+            <a:r>
+              <a:rPr lang="en-US" dirty="0"/>
+              <a:t>Although geared towards AI based models, </a:t>
+            </a:r>
+            <a:r>
+              <a:rPr lang="en-US" b="1" dirty="0"/>
+              <a:t>GNU Parallel </a:t>
+            </a:r>
+            <a:r>
+              <a:rPr lang="en-US" dirty="0"/>
+              <a:t>could help gain insight on patterns from existing data</a:t>
+            </a:r>
+          </a:p>
+          <a:p>
+            <a:r>
+              <a:rPr lang="en-US" dirty="0"/>
+              <a:t>Scheduling Characterization</a:t>
+            </a:r>
+          </a:p>
+          <a:p>
+            <a:r>
+              <a:rPr lang="en-US" dirty="0"/>
+              <a:t>Workload Characterization</a:t>
+            </a:r>
+          </a:p>
+          <a:p>
+            <a:r>
+              <a:rPr lang="en-US" dirty="0"/>
+              <a:t>File System Characterization</a:t>
+            </a:r>
+          </a:p>
+          <a:p>
+            <a:r>
+              <a:rPr lang="en-US" dirty="0"/>
+              <a:t>Error Characterization</a:t>
+            </a:r>
+          </a:p>
+        </p:txBody>
+      </p:sp>
+      <p:sp>
+        <p:nvSpPr>
+          <p:cNvPr id="4" name="Slide Number Placeholder 3">
+            <a:extLst>
+              <a:ext uri="{FF2B5EF4-FFF2-40B4-BE49-F238E27FC236}">
+                <a16:creationId xmlns:a16="http://schemas.microsoft.com/office/drawing/2014/main" id="{6D0E0BA3-5ECE-E94D-B034-8F400208F397}"/>
+              </a:ext>
+            </a:extLst>
+          </p:cNvPr>
+          <p:cNvSpPr>
+            <a:spLocks noGrp="1"/>
+          </p:cNvSpPr>
+          <p:nvPr>
+            <p:ph type="sldNum" sz="quarter" idx="12"/>
+          </p:nvPr>
+        </p:nvSpPr>
+        <p:spPr/>
+        <p:txBody>
+          <a:bodyPr/>
+          <a:lstStyle/>
+          <a:p>
+            <a:fld id="{4E3AEE2C-3A74-8643-B4A2-442777B583A3}" type="slidenum">
+              <a:rPr lang="en-US" smtClean="0">
+                <a:latin typeface="National Park " pitchFamily="2" charset="77"/>
+              </a:rPr>
+              <a:t>63</a:t>
+            </a:fld>
+            <a:endParaRPr lang="en-US">
+              <a:latin typeface="National Park " pitchFamily="2" charset="77"/>
+            </a:endParaRPr>
+          </a:p>
+        </p:txBody>
+      </p:sp>
+    </p:spTree>
+    <p:extLst>
+      <p:ext uri="{BB962C8B-B14F-4D97-AF65-F5344CB8AC3E}">
+        <p14:creationId xmlns:p14="http://schemas.microsoft.com/office/powerpoint/2010/main" val="4215097671"/>
+      </p:ext>
+    </p:extLst>
+  </p:cSld>
+  <p:clrMapOvr>
+    <a:masterClrMapping/>
+  </p:clrMapOvr>
+</p:sld>
+</file>
+
+<file path=ppt/slides/slide64.xml><?xml version="1.0" encoding="utf-8"?>
+<p:sld xmlns:a="http://schemas.openxmlformats.org/drawingml/2006/main" xmlns:r="http://schemas.openxmlformats.org/officeDocument/2006/relationships" xmlns:p="http://schemas.openxmlformats.org/presentationml/2006/main">
+  <p:cSld>
+    <p:spTree>
+      <p:nvGrpSpPr>
+        <p:cNvPr id="1" name=""/>
+        <p:cNvGrpSpPr/>
+        <p:nvPr/>
+      </p:nvGrpSpPr>
+      <p:grpSpPr>
+        <a:xfrm>
+          <a:off x="0" y="0"/>
+          <a:ext cx="0" cy="0"/>
+          <a:chOff x="0" y="0"/>
+          <a:chExt cx="0" cy="0"/>
+        </a:xfrm>
+      </p:grpSpPr>
+      <p:sp>
+        <p:nvSpPr>
+          <p:cNvPr id="2" name="Title 1"/>
+          <p:cNvSpPr>
+            <a:spLocks noGrp="1"/>
+          </p:cNvSpPr>
+          <p:nvPr>
+            <p:ph type="title"/>
+          </p:nvPr>
+        </p:nvSpPr>
+        <p:spPr/>
+        <p:txBody>
+          <a:bodyPr/>
+          <a:lstStyle/>
+          <a:p>
+            <a:pPr algn="ctr"/>
+            <a:r>
+              <a:rPr lang="en-US" dirty="0">
+                <a:latin typeface="National Park " pitchFamily="2" charset="77"/>
+              </a:rPr>
+              <a:t>Credits, references and resources</a:t>
+            </a:r>
+          </a:p>
+        </p:txBody>
+      </p:sp>
+      <p:sp>
+        <p:nvSpPr>
+          <p:cNvPr id="3" name="Content Placeholder 2"/>
+          <p:cNvSpPr>
+            <a:spLocks noGrp="1"/>
+          </p:cNvSpPr>
+          <p:nvPr>
+            <p:ph idx="1"/>
+          </p:nvPr>
+        </p:nvSpPr>
+        <p:spPr/>
+        <p:txBody>
+          <a:bodyPr>
+            <a:normAutofit fontScale="77500" lnSpcReduction="20000"/>
+          </a:bodyPr>
+          <a:lstStyle/>
+          <a:p>
+            <a:r>
+              <a:rPr lang="en-US" dirty="0">
+                <a:hlinkClick r:id="rId3"/>
+              </a:rPr>
+              <a:t>gnu.org/software/parallel</a:t>
+            </a:r>
+            <a:endParaRPr lang="en-US" dirty="0"/>
+          </a:p>
+          <a:p>
+            <a:r>
+              <a:rPr lang="en-US" dirty="0">
+                <a:hlinkClick r:id="rId4"/>
+              </a:rPr>
+              <a:t>rcc.uchicago.edu/documentation/_build/html/running-jobs/srun-parallel/index.html</a:t>
+            </a:r>
+            <a:endParaRPr lang="en-US" dirty="0"/>
+          </a:p>
+          <a:p>
+            <a:r>
+              <a:rPr lang="en-US" dirty="0">
+                <a:hlinkClick r:id="rId5"/>
+              </a:rPr>
+              <a:t>ulhpc-tutorials.readthedocs.io/en/latest/sequential/basics</a:t>
+            </a:r>
+            <a:endParaRPr lang="en-US" dirty="0"/>
+          </a:p>
+          <a:p>
+            <a:r>
+              <a:rPr lang="en-US" dirty="0">
+                <a:hlinkClick r:id="rId6"/>
+              </a:rPr>
+              <a:t>docs.ycrc.yale.edu/clusters-at-yale/guides/parallel</a:t>
+            </a:r>
+            <a:endParaRPr lang="en-US" dirty="0"/>
+          </a:p>
+          <a:p>
+            <a:r>
+              <a:rPr lang="en-US" dirty="0">
+                <a:hlinkClick r:id="rId7"/>
+              </a:rPr>
+              <a:t>www.vanderbilt.edu/accre/documentation/parallel</a:t>
+            </a:r>
+            <a:endParaRPr lang="en-US" dirty="0"/>
+          </a:p>
+          <a:p>
+            <a:r>
+              <a:rPr lang="en-US" dirty="0">
+                <a:hlinkClick r:id="rId8"/>
+              </a:rPr>
+              <a:t>docs-research-it.berkeley.edu/services/high-performance-computing/user-guide/running-your-jobs/gnu-parallel</a:t>
+            </a:r>
+            <a:endParaRPr lang="en-US" dirty="0"/>
+          </a:p>
+          <a:p>
+            <a:r>
+              <a:rPr lang="en-US" dirty="0">
+                <a:hlinkClick r:id="rId9"/>
+              </a:rPr>
+              <a:t>omgenomics.com/parallel</a:t>
+            </a:r>
+            <a:endParaRPr lang="en-US" dirty="0"/>
+          </a:p>
+          <a:p>
+            <a:r>
+              <a:rPr lang="en-US" dirty="0">
+                <a:hlinkClick r:id="rId10"/>
+              </a:rPr>
+              <a:t>curc.readthedocs.io/en/latest/software/GNUParallel.html</a:t>
+            </a:r>
+            <a:endParaRPr lang="en-US" dirty="0"/>
+          </a:p>
+          <a:p>
+            <a:r>
+              <a:rPr lang="en-US" dirty="0">
+                <a:hlinkClick r:id="rId11"/>
+              </a:rPr>
+              <a:t>thenybble.de/posts/json-analysis</a:t>
+            </a:r>
+            <a:endParaRPr lang="en-US" dirty="0"/>
+          </a:p>
+          <a:p>
+            <a:r>
+              <a:rPr lang="en-US" dirty="0">
+                <a:hlinkClick r:id="rId12"/>
+              </a:rPr>
+              <a:t>stackoverflow.com/questions/tagged/gnu-parallel</a:t>
+            </a:r>
+            <a:endParaRPr lang="en-US" dirty="0"/>
+          </a:p>
+          <a:p>
+            <a:r>
+              <a:rPr lang="en-US" dirty="0">
+                <a:hlinkClick r:id="rId13"/>
+              </a:rPr>
+              <a:t>unix.stackexchange.com/questions/tagged/gnu-parallel</a:t>
+            </a:r>
+            <a:endParaRPr lang="en-US" dirty="0"/>
+          </a:p>
+        </p:txBody>
+      </p:sp>
+      <p:sp>
+        <p:nvSpPr>
+          <p:cNvPr id="4" name="Slide Number Placeholder 3"/>
+          <p:cNvSpPr>
+            <a:spLocks noGrp="1"/>
+          </p:cNvSpPr>
+          <p:nvPr>
+            <p:ph type="sldNum" sz="quarter" idx="12"/>
+          </p:nvPr>
+        </p:nvSpPr>
+        <p:spPr/>
+        <p:txBody>
+          <a:bodyPr/>
+          <a:lstStyle/>
+          <a:p>
+            <a:fld id="{4E3AEE2C-3A74-8643-B4A2-442777B583A3}" type="slidenum">
+              <a:rPr lang="en-US" smtClean="0">
+                <a:latin typeface="National Park " pitchFamily="2" charset="77"/>
+              </a:rPr>
+              <a:t>64</a:t>
+            </a:fld>
+            <a:endParaRPr lang="en-US">
+              <a:latin typeface="National Park " pitchFamily="2" charset="77"/>
+            </a:endParaRPr>
+          </a:p>
+        </p:txBody>
+      </p:sp>
+    </p:spTree>
+    <p:extLst>
+      <p:ext uri="{BB962C8B-B14F-4D97-AF65-F5344CB8AC3E}">
+        <p14:creationId xmlns:p14="http://schemas.microsoft.com/office/powerpoint/2010/main" val="1816197902"/>
+      </p:ext>
+    </p:extLst>
+  </p:cSld>
+  <p:clrMapOvr>
+    <a:masterClrMapping/>
+  </p:clrMapOvr>
+</p:sld>
+</file>
+
+<file path=ppt/slides/slide65.xml><?xml version="1.0" encoding="utf-8"?>
+<p:sld xmlns:a="http://schemas.openxmlformats.org/drawingml/2006/main" xmlns:r="http://schemas.openxmlformats.org/officeDocument/2006/relationships" xmlns:p="http://schemas.openxmlformats.org/presentationml/2006/main">
+  <p:cSld>
+    <p:spTree>
+      <p:nvGrpSpPr>
+        <p:cNvPr id="1" name=""/>
+        <p:cNvGrpSpPr/>
+        <p:nvPr/>
+      </p:nvGrpSpPr>
+      <p:grpSpPr>
+        <a:xfrm>
+          <a:off x="0" y="0"/>
+          <a:ext cx="0" cy="0"/>
+          <a:chOff x="0" y="0"/>
+          <a:chExt cx="0" cy="0"/>
+        </a:xfrm>
+      </p:grpSpPr>
+      <p:sp>
+        <p:nvSpPr>
           <p:cNvPr id="2" name="Title 1"/>
           <p:cNvSpPr>
             <a:spLocks noGrp="1"/>
@@ -22416,7 +23481,7 @@
               <a:rPr lang="en-US" smtClean="0">
                 <a:latin typeface="National Park " pitchFamily="2" charset="77"/>
               </a:rPr>
-              <a:t>61</a:t>
+              <a:t>65</a:t>
             </a:fld>
             <a:endParaRPr lang="en-US">
               <a:latin typeface="National Park " pitchFamily="2" charset="77"/>
@@ -22467,7 +23532,7 @@
 </p:sld>
 </file>
 
-<file path=ppt/slides/slide62.xml><?xml version="1.0" encoding="utf-8"?>
+<file path=ppt/slides/slide66.xml><?xml version="1.0" encoding="utf-8"?>
 <p:sld xmlns:a="http://schemas.openxmlformats.org/drawingml/2006/main" xmlns:r="http://schemas.openxmlformats.org/officeDocument/2006/relationships" xmlns:p="http://schemas.openxmlformats.org/presentationml/2006/main">
   <p:cSld>
     <p:spTree>
@@ -22489,368 +23554,6 @@
           <p:cNvPr id="2" name="Title 1">
             <a:extLst>
               <a:ext uri="{FF2B5EF4-FFF2-40B4-BE49-F238E27FC236}">
-                <a16:creationId xmlns:a16="http://schemas.microsoft.com/office/drawing/2014/main" id="{6972196C-1D2D-C240-AD57-E3EBC4FA030D}"/>
-              </a:ext>
-            </a:extLst>
-          </p:cNvPr>
-          <p:cNvSpPr>
-            <a:spLocks noGrp="1"/>
-          </p:cNvSpPr>
-          <p:nvPr>
-            <p:ph type="title"/>
-          </p:nvPr>
-        </p:nvSpPr>
-        <p:spPr/>
-        <p:txBody>
-          <a:bodyPr>
-            <a:normAutofit fontScale="90000"/>
-          </a:bodyPr>
-          <a:lstStyle/>
-          <a:p>
-            <a:pPr algn="ctr"/>
-            <a:r>
-              <a:rPr lang="en-US" dirty="0">
-                <a:latin typeface="National Park " pitchFamily="2" charset="77"/>
-              </a:rPr>
-              <a:t>Practice and Exercises : Titanic Data Challenge</a:t>
-            </a:r>
-          </a:p>
-        </p:txBody>
-      </p:sp>
-      <p:sp>
-        <p:nvSpPr>
-          <p:cNvPr id="3" name="Content Placeholder 2">
-            <a:extLst>
-              <a:ext uri="{FF2B5EF4-FFF2-40B4-BE49-F238E27FC236}">
-                <a16:creationId xmlns:a16="http://schemas.microsoft.com/office/drawing/2014/main" id="{59541F7C-8324-CD41-84A0-D9DC3E4E12B8}"/>
-              </a:ext>
-            </a:extLst>
-          </p:cNvPr>
-          <p:cNvSpPr>
-            <a:spLocks noGrp="1"/>
-          </p:cNvSpPr>
-          <p:nvPr>
-            <p:ph idx="1"/>
-          </p:nvPr>
-        </p:nvSpPr>
-        <p:spPr/>
-        <p:txBody>
-          <a:bodyPr>
-            <a:normAutofit fontScale="92500" lnSpcReduction="20000"/>
-          </a:bodyPr>
-          <a:lstStyle/>
-          <a:p>
-            <a:pPr marL="0" indent="0">
-              <a:buNone/>
-            </a:pPr>
-            <a:r>
-              <a:rPr lang="en-US" dirty="0"/>
-              <a:t>Data: in </a:t>
-            </a:r>
-            <a:r>
-              <a:rPr lang="en-US" dirty="0" err="1"/>
-              <a:t>Github</a:t>
-            </a:r>
-            <a:r>
-              <a:rPr lang="en-US" dirty="0"/>
-              <a:t>, </a:t>
-            </a:r>
-            <a:r>
-              <a:rPr lang="en-US" dirty="0" err="1"/>
-              <a:t>Titanic.csv</a:t>
-            </a:r>
-            <a:r>
-              <a:rPr lang="en-US" dirty="0"/>
-              <a:t> </a:t>
-            </a:r>
-          </a:p>
-          <a:p>
-            <a:r>
-              <a:rPr lang="en-US" dirty="0"/>
-              <a:t>Problem 1. What characteristics are shared by all passengers whose fare is 0?</a:t>
-            </a:r>
-          </a:p>
-          <a:p>
-            <a:r>
-              <a:rPr lang="en-US" dirty="0"/>
-              <a:t>Problem 2. How many married women over age 50 embarked in Cherbourg? (Married women are denoted by "Mrs.")</a:t>
-            </a:r>
-          </a:p>
-          <a:p>
-            <a:r>
-              <a:rPr lang="en-US" dirty="0"/>
-              <a:t>Problem 3. Which embarkation city had the highest-paying passengers on average?</a:t>
-            </a:r>
-          </a:p>
-          <a:p>
-            <a:r>
-              <a:rPr lang="en-US" dirty="0"/>
-              <a:t>Problem 4. What is the most common last name among passengers? What is the average number of passengers per last name?</a:t>
-            </a:r>
-          </a:p>
-          <a:p>
-            <a:r>
-              <a:rPr lang="en-US" dirty="0"/>
-              <a:t>Problem 5. What's the survival rate for passengers in the three different classes, i.e., what fraction of passengers in each class survived? Find the answer using spreadsheet functions only - don't perform any arithmetic by hand! </a:t>
-            </a:r>
-          </a:p>
-          <a:p>
-            <a:endParaRPr lang="en-US" dirty="0"/>
-          </a:p>
-        </p:txBody>
-      </p:sp>
-      <p:sp>
-        <p:nvSpPr>
-          <p:cNvPr id="4" name="Slide Number Placeholder 3">
-            <a:extLst>
-              <a:ext uri="{FF2B5EF4-FFF2-40B4-BE49-F238E27FC236}">
-                <a16:creationId xmlns:a16="http://schemas.microsoft.com/office/drawing/2014/main" id="{6D0E0BA3-5ECE-E94D-B034-8F400208F397}"/>
-              </a:ext>
-            </a:extLst>
-          </p:cNvPr>
-          <p:cNvSpPr>
-            <a:spLocks noGrp="1"/>
-          </p:cNvSpPr>
-          <p:nvPr>
-            <p:ph type="sldNum" sz="quarter" idx="12"/>
-          </p:nvPr>
-        </p:nvSpPr>
-        <p:spPr/>
-        <p:txBody>
-          <a:bodyPr/>
-          <a:lstStyle/>
-          <a:p>
-            <a:fld id="{4E3AEE2C-3A74-8643-B4A2-442777B583A3}" type="slidenum">
-              <a:rPr lang="en-US" smtClean="0">
-                <a:latin typeface="National Park " pitchFamily="2" charset="77"/>
-              </a:rPr>
-              <a:t>62</a:t>
-            </a:fld>
-            <a:endParaRPr lang="en-US">
-              <a:latin typeface="National Park " pitchFamily="2" charset="77"/>
-            </a:endParaRPr>
-          </a:p>
-        </p:txBody>
-      </p:sp>
-    </p:spTree>
-    <p:extLst>
-      <p:ext uri="{BB962C8B-B14F-4D97-AF65-F5344CB8AC3E}">
-        <p14:creationId xmlns:p14="http://schemas.microsoft.com/office/powerpoint/2010/main" val="2526893295"/>
-      </p:ext>
-    </p:extLst>
-  </p:cSld>
-  <p:clrMapOvr>
-    <a:masterClrMapping/>
-  </p:clrMapOvr>
-</p:sld>
-</file>
-
-<file path=ppt/slides/slide63.xml><?xml version="1.0" encoding="utf-8"?>
-<p:sld xmlns:a="http://schemas.openxmlformats.org/drawingml/2006/main" xmlns:r="http://schemas.openxmlformats.org/officeDocument/2006/relationships" xmlns:p="http://schemas.openxmlformats.org/presentationml/2006/main">
-  <p:cSld>
-    <p:spTree>
-      <p:nvGrpSpPr>
-        <p:cNvPr id="1" name=""/>
-        <p:cNvGrpSpPr/>
-        <p:nvPr/>
-      </p:nvGrpSpPr>
-      <p:grpSpPr>
-        <a:xfrm>
-          <a:off x="0" y="0"/>
-          <a:ext cx="0" cy="0"/>
-          <a:chOff x="0" y="0"/>
-          <a:chExt cx="0" cy="0"/>
-        </a:xfrm>
-      </p:grpSpPr>
-      <p:sp>
-        <p:nvSpPr>
-          <p:cNvPr id="2" name="Title 1">
-            <a:extLst>
-              <a:ext uri="{FF2B5EF4-FFF2-40B4-BE49-F238E27FC236}">
-                <a16:creationId xmlns:a16="http://schemas.microsoft.com/office/drawing/2014/main" id="{6972196C-1D2D-C240-AD57-E3EBC4FA030D}"/>
-              </a:ext>
-            </a:extLst>
-          </p:cNvPr>
-          <p:cNvSpPr>
-            <a:spLocks noGrp="1"/>
-          </p:cNvSpPr>
-          <p:nvPr>
-            <p:ph type="title"/>
-          </p:nvPr>
-        </p:nvSpPr>
-        <p:spPr/>
-        <p:txBody>
-          <a:bodyPr>
-            <a:normAutofit fontScale="90000"/>
-          </a:bodyPr>
-          <a:lstStyle/>
-          <a:p>
-            <a:pPr algn="ctr"/>
-            <a:r>
-              <a:rPr lang="en-US" dirty="0">
-                <a:latin typeface="National Park " pitchFamily="2" charset="77"/>
-              </a:rPr>
-              <a:t>Practice and Exercises : MIT Datacenter Challenge</a:t>
-            </a:r>
-          </a:p>
-        </p:txBody>
-      </p:sp>
-      <p:sp>
-        <p:nvSpPr>
-          <p:cNvPr id="3" name="Content Placeholder 2">
-            <a:extLst>
-              <a:ext uri="{FF2B5EF4-FFF2-40B4-BE49-F238E27FC236}">
-                <a16:creationId xmlns:a16="http://schemas.microsoft.com/office/drawing/2014/main" id="{59541F7C-8324-CD41-84A0-D9DC3E4E12B8}"/>
-              </a:ext>
-            </a:extLst>
-          </p:cNvPr>
-          <p:cNvSpPr>
-            <a:spLocks noGrp="1"/>
-          </p:cNvSpPr>
-          <p:nvPr>
-            <p:ph idx="1"/>
-          </p:nvPr>
-        </p:nvSpPr>
-        <p:spPr/>
-        <p:txBody>
-          <a:bodyPr>
-            <a:normAutofit/>
-          </a:bodyPr>
-          <a:lstStyle/>
-          <a:p>
-            <a:r>
-              <a:rPr lang="en-US" dirty="0">
-                <a:hlinkClick r:id="rId2"/>
-              </a:rPr>
-              <a:t>dcc.mit.edu</a:t>
-            </a:r>
-            <a:r>
-              <a:rPr lang="en-US" dirty="0"/>
-              <a:t> </a:t>
-            </a:r>
-          </a:p>
-          <a:p>
-            <a:r>
-              <a:rPr lang="en-US" dirty="0"/>
-              <a:t>Partial </a:t>
-            </a:r>
-            <a:r>
-              <a:rPr lang="en-US" b="1" dirty="0"/>
-              <a:t>data available</a:t>
-            </a:r>
-            <a:r>
-              <a:rPr lang="en-US" dirty="0"/>
-              <a:t> on </a:t>
-            </a:r>
-            <a:r>
-              <a:rPr lang="en-US" dirty="0" err="1"/>
-              <a:t>Github</a:t>
-            </a:r>
-            <a:r>
-              <a:rPr lang="en-US" dirty="0"/>
-              <a:t> at /data/datacenter-challenge </a:t>
-            </a:r>
-          </a:p>
-          <a:p>
-            <a:r>
-              <a:rPr lang="en-US" dirty="0"/>
-              <a:t>Although geared towards AI based models, GNU parallel could help gain insight on patterns from existing data</a:t>
-            </a:r>
-          </a:p>
-          <a:p>
-            <a:r>
-              <a:rPr lang="en-US" dirty="0"/>
-              <a:t>Scheduling Characterization</a:t>
-            </a:r>
-          </a:p>
-          <a:p>
-            <a:r>
-              <a:rPr lang="en-US" dirty="0"/>
-              <a:t>Workload Characterization</a:t>
-            </a:r>
-          </a:p>
-          <a:p>
-            <a:r>
-              <a:rPr lang="en-US" dirty="0"/>
-              <a:t>File System Characterization</a:t>
-            </a:r>
-          </a:p>
-          <a:p>
-            <a:r>
-              <a:rPr lang="en-US" dirty="0"/>
-              <a:t>Error Characterization</a:t>
-            </a:r>
-          </a:p>
-        </p:txBody>
-      </p:sp>
-      <p:sp>
-        <p:nvSpPr>
-          <p:cNvPr id="4" name="Slide Number Placeholder 3">
-            <a:extLst>
-              <a:ext uri="{FF2B5EF4-FFF2-40B4-BE49-F238E27FC236}">
-                <a16:creationId xmlns:a16="http://schemas.microsoft.com/office/drawing/2014/main" id="{6D0E0BA3-5ECE-E94D-B034-8F400208F397}"/>
-              </a:ext>
-            </a:extLst>
-          </p:cNvPr>
-          <p:cNvSpPr>
-            <a:spLocks noGrp="1"/>
-          </p:cNvSpPr>
-          <p:nvPr>
-            <p:ph type="sldNum" sz="quarter" idx="12"/>
-          </p:nvPr>
-        </p:nvSpPr>
-        <p:spPr/>
-        <p:txBody>
-          <a:bodyPr/>
-          <a:lstStyle/>
-          <a:p>
-            <a:fld id="{4E3AEE2C-3A74-8643-B4A2-442777B583A3}" type="slidenum">
-              <a:rPr lang="en-US" smtClean="0">
-                <a:latin typeface="National Park " pitchFamily="2" charset="77"/>
-              </a:rPr>
-              <a:t>63</a:t>
-            </a:fld>
-            <a:endParaRPr lang="en-US">
-              <a:latin typeface="National Park " pitchFamily="2" charset="77"/>
-            </a:endParaRPr>
-          </a:p>
-        </p:txBody>
-      </p:sp>
-    </p:spTree>
-    <p:extLst>
-      <p:ext uri="{BB962C8B-B14F-4D97-AF65-F5344CB8AC3E}">
-        <p14:creationId xmlns:p14="http://schemas.microsoft.com/office/powerpoint/2010/main" val="4215097671"/>
-      </p:ext>
-    </p:extLst>
-  </p:cSld>
-  <p:clrMapOvr>
-    <a:masterClrMapping/>
-  </p:clrMapOvr>
-</p:sld>
-</file>
-
-<file path=ppt/slides/slide64.xml><?xml version="1.0" encoding="utf-8"?>
-<p:sld xmlns:a="http://schemas.openxmlformats.org/drawingml/2006/main" xmlns:r="http://schemas.openxmlformats.org/officeDocument/2006/relationships" xmlns:p="http://schemas.openxmlformats.org/presentationml/2006/main">
-  <p:cSld>
-    <p:spTree>
-      <p:nvGrpSpPr>
-        <p:cNvPr id="1" name=""/>
-        <p:cNvGrpSpPr/>
-        <p:nvPr/>
-      </p:nvGrpSpPr>
-      <p:grpSpPr>
-        <a:xfrm>
-          <a:off x="0" y="0"/>
-          <a:ext cx="0" cy="0"/>
-          <a:chOff x="0" y="0"/>
-          <a:chExt cx="0" cy="0"/>
-        </a:xfrm>
-      </p:grpSpPr>
-      <p:sp>
-        <p:nvSpPr>
-          <p:cNvPr id="2" name="Title 1">
-            <a:extLst>
-              <a:ext uri="{FF2B5EF4-FFF2-40B4-BE49-F238E27FC236}">
                 <a16:creationId xmlns:a16="http://schemas.microsoft.com/office/drawing/2014/main" id="{3CDA2C0A-84C5-DDCE-DE2D-F26D112FC42D}"/>
               </a:ext>
             </a:extLst>
@@ -22954,7 +23657,7 @@
           <a:p>
             <a:fld id="{4E3AEE2C-3A74-8643-B4A2-442777B583A3}" type="slidenum">
               <a:rPr lang="en-US" smtClean="0"/>
-              <a:t>64</a:t>
+              <a:t>66</a:t>
             </a:fld>
             <a:endParaRPr lang="en-US"/>
           </a:p>
@@ -23350,7 +24053,7 @@
               <a:rPr lang="en-US" dirty="0">
                 <a:latin typeface="National Park " pitchFamily="2" charset="77"/>
               </a:rPr>
-              <a:t>Part 2: Intro to GNU Parallel</a:t>
+              <a:t>Part 2: Introduction to GNU Parallel</a:t>
             </a:r>
             <a:endParaRPr lang="en-US" i="1" dirty="0">
               <a:latin typeface="National Park Medium" pitchFamily="2" charset="77"/>

--- a/gnu-parallel-tutorial.pptx
+++ b/gnu-parallel-tutorial.pptx
@@ -277,7 +277,7 @@
           <a:p>
             <a:fld id="{DE0C789A-1381-F54D-B55B-DCBB91319C08}" type="datetimeFigureOut">
               <a:rPr lang="en-US" smtClean="0"/>
-              <a:t>10/9/23</a:t>
+              <a:t>10/10/23</a:t>
             </a:fld>
             <a:endParaRPr lang="en-US"/>
           </a:p>
@@ -454,7 +454,7 @@
           <a:p>
             <a:fld id="{46CB9FDB-056B-6244-AE56-9549F1074EBB}" type="datetimeFigureOut">
               <a:rPr lang="en-US" smtClean="0"/>
-              <a:t>10/9/23</a:t>
+              <a:t>10/10/23</a:t>
             </a:fld>
             <a:endParaRPr lang="en-US"/>
           </a:p>
@@ -1551,7 +1551,7 @@
           <a:p>
             <a:fld id="{524F091B-C9FE-714F-8F5F-8CFB82A747F1}" type="datetime1">
               <a:rPr lang="en-US" smtClean="0"/>
-              <a:t>10/9/23</a:t>
+              <a:t>10/10/23</a:t>
             </a:fld>
             <a:endParaRPr lang="en-US"/>
           </a:p>
@@ -1721,7 +1721,7 @@
           <a:p>
             <a:fld id="{E5121F4C-BC13-F84F-9AD9-260A611D728C}" type="datetime1">
               <a:rPr lang="en-US" smtClean="0"/>
-              <a:t>10/9/23</a:t>
+              <a:t>10/10/23</a:t>
             </a:fld>
             <a:endParaRPr lang="en-US"/>
           </a:p>
@@ -1901,7 +1901,7 @@
           <a:p>
             <a:fld id="{69934431-5E8A-0144-AD3C-F9F3B5843812}" type="datetime1">
               <a:rPr lang="en-US" smtClean="0"/>
-              <a:t>10/9/23</a:t>
+              <a:t>10/10/23</a:t>
             </a:fld>
             <a:endParaRPr lang="en-US"/>
           </a:p>
@@ -2071,7 +2071,7 @@
           <a:p>
             <a:fld id="{4D966F88-1DAF-F94F-A3D2-93E7964825AC}" type="datetime1">
               <a:rPr lang="en-US" smtClean="0"/>
-              <a:t>10/9/23</a:t>
+              <a:t>10/10/23</a:t>
             </a:fld>
             <a:endParaRPr lang="en-US"/>
           </a:p>
@@ -2317,7 +2317,7 @@
           <a:p>
             <a:fld id="{75F67F5F-B354-5B41-A0FF-E33ACFB7B000}" type="datetime1">
               <a:rPr lang="en-US" smtClean="0"/>
-              <a:t>10/9/23</a:t>
+              <a:t>10/10/23</a:t>
             </a:fld>
             <a:endParaRPr lang="en-US"/>
           </a:p>
@@ -2549,7 +2549,7 @@
           <a:p>
             <a:fld id="{1FE71E3D-61C4-AF47-B5F6-80F7A2125094}" type="datetime1">
               <a:rPr lang="en-US" smtClean="0"/>
-              <a:t>10/9/23</a:t>
+              <a:t>10/10/23</a:t>
             </a:fld>
             <a:endParaRPr lang="en-US"/>
           </a:p>
@@ -2916,7 +2916,7 @@
           <a:p>
             <a:fld id="{B7259F95-3E7B-AE48-BD5A-55F4F48F15EE}" type="datetime1">
               <a:rPr lang="en-US" smtClean="0"/>
-              <a:t>10/9/23</a:t>
+              <a:t>10/10/23</a:t>
             </a:fld>
             <a:endParaRPr lang="en-US"/>
           </a:p>
@@ -3034,7 +3034,7 @@
           <a:p>
             <a:fld id="{1E2D71D9-286E-D847-8194-60F3E909E40C}" type="datetime1">
               <a:rPr lang="en-US" smtClean="0"/>
-              <a:t>10/9/23</a:t>
+              <a:t>10/10/23</a:t>
             </a:fld>
             <a:endParaRPr lang="en-US"/>
           </a:p>
@@ -3129,7 +3129,7 @@
           <a:p>
             <a:fld id="{3AC70D76-DA63-C342-B98E-F532027F9CD7}" type="datetime1">
               <a:rPr lang="en-US" smtClean="0"/>
-              <a:t>10/9/23</a:t>
+              <a:t>10/10/23</a:t>
             </a:fld>
             <a:endParaRPr lang="en-US"/>
           </a:p>
@@ -3406,7 +3406,7 @@
           <a:p>
             <a:fld id="{74E169E1-67F4-DE43-8AD1-CF716A32D6D9}" type="datetime1">
               <a:rPr lang="en-US" smtClean="0"/>
-              <a:t>10/9/23</a:t>
+              <a:t>10/10/23</a:t>
             </a:fld>
             <a:endParaRPr lang="en-US"/>
           </a:p>
@@ -3663,7 +3663,7 @@
           <a:p>
             <a:fld id="{EDBC0E13-B072-744E-A1EF-1258C23FD22F}" type="datetime1">
               <a:rPr lang="en-US" smtClean="0"/>
-              <a:t>10/9/23</a:t>
+              <a:t>10/10/23</a:t>
             </a:fld>
             <a:endParaRPr lang="en-US"/>
           </a:p>
@@ -3876,7 +3876,7 @@
           <a:p>
             <a:fld id="{14D54490-4A22-8B41-9AA4-9BECA28CBC89}" type="datetime1">
               <a:rPr lang="en-US" smtClean="0"/>
-              <a:t>10/9/23</a:t>
+              <a:t>10/10/23</a:t>
             </a:fld>
             <a:endParaRPr lang="en-US"/>
           </a:p>
@@ -4332,7 +4332,7 @@
               <a:rPr lang="en-US" dirty="0">
                 <a:latin typeface="National Park " pitchFamily="2" charset="77"/>
               </a:rPr>
-              <a:t>Ketan M. (km</a:t>
+              <a:t>Ketan Maheshwari (km</a:t>
             </a:r>
             <a:r>
               <a:rPr lang="en-US" dirty="0">
@@ -12071,7 +12071,7 @@
           <a:p>
             <a:r>
               <a:rPr lang="en-US" dirty="0"/>
-              <a:t>Part 1:   </a:t>
+              <a:t>Part 1:  </a:t>
             </a:r>
             <a:r>
               <a:rPr lang="en-US" dirty="0">
@@ -18394,7 +18394,10 @@
             </a:r>
           </a:p>
           <a:p>
-            <a:endParaRPr lang="en-US" dirty="0"/>
+            <a:r>
+              <a:rPr lang="en-US" dirty="0"/>
+              <a:t>Strategies to run applications and production tasks with GNU Parallel</a:t>
+            </a:r>
           </a:p>
         </p:txBody>
       </p:sp>
@@ -22158,7 +22161,7 @@
             </a:r>
             <a:r>
               <a:rPr lang="en-US" sz="2000" dirty="0"/>
-              <a:t>has data used for exercises</a:t>
+              <a:t>has data used for exercises.</a:t>
             </a:r>
           </a:p>
           <a:p>
@@ -22188,7 +22191,7 @@
             </a:r>
             <a:r>
               <a:rPr lang="en-US" sz="2000" dirty="0"/>
-              <a:t>has code shown here</a:t>
+              <a:t>has code discussed in the tutorial (except the one liners).</a:t>
             </a:r>
           </a:p>
           <a:p>
@@ -23963,6 +23966,17 @@
               <a:rPr lang="en-US" dirty="0"/>
               <a:t>Solve it offline if we run out of time</a:t>
             </a:r>
+          </a:p>
+          <a:p>
+            <a:r>
+              <a:rPr lang="en-US" dirty="0"/>
+              <a:t>Plan to publish solutions around Nov 10 on </a:t>
+            </a:r>
+            <a:r>
+              <a:rPr lang="en-US" dirty="0" err="1"/>
+              <a:t>Github</a:t>
+            </a:r>
+            <a:endParaRPr lang="en-US" dirty="0"/>
           </a:p>
           <a:p>
             <a:endParaRPr lang="en-US" dirty="0"/>

--- a/gnu-parallel-tutorial.pptx
+++ b/gnu-parallel-tutorial.pptx
@@ -75,8 +75,8 @@
     <p:sldId id="398" r:id="rId63"/>
     <p:sldId id="393" r:id="rId64"/>
     <p:sldId id="288" r:id="rId65"/>
-    <p:sldId id="309" r:id="rId66"/>
-    <p:sldId id="456" r:id="rId67"/>
+    <p:sldId id="456" r:id="rId66"/>
+    <p:sldId id="309" r:id="rId67"/>
   </p:sldIdLst>
   <p:sldSz cx="9144000" cy="5143500" type="screen16x9"/>
   <p:notesSz cx="9144000" cy="6858000"/>
@@ -4509,7 +4509,7 @@
           <a:p>
             <a:r>
               <a:rPr lang="en-US" dirty="0"/>
-              <a:t>A terminal tool to parallelize shell commands</a:t>
+              <a:t>A terminal tool to parallelize processes</a:t>
             </a:r>
           </a:p>
           <a:p>
@@ -4521,7 +4521,7 @@
           <a:p>
             <a:r>
               <a:rPr lang="en-US" dirty="0"/>
-              <a:t>Well suited to run many single-core tasks on:</a:t>
+              <a:t>Well suited to run many single-core / single-thread tasks on:</a:t>
             </a:r>
           </a:p>
           <a:p>
@@ -4542,7 +4542,7 @@
             <a:pPr lvl="1"/>
             <a:r>
               <a:rPr lang="en-US" dirty="0"/>
-              <a:t>Works well with Resource Managers and job schedulers</a:t>
+              <a:t>Works well with Resource Managers and Job Schedulers</a:t>
             </a:r>
           </a:p>
           <a:p>
@@ -4793,16 +4793,23 @@
                 <a:latin typeface="Courier New" panose="02070309020205020404" pitchFamily="49" charset="0"/>
                 <a:cs typeface="Courier New" panose="02070309020205020404" pitchFamily="49" charset="0"/>
               </a:rPr>
-              <a:t>make install    # needs </a:t>
-            </a:r>
-            <a:r>
-              <a:rPr lang="en-US" sz="1800" b="1" dirty="0" err="1">
+              <a:t>make install    </a:t>
+            </a:r>
+            <a:r>
+              <a:rPr lang="en-US" sz="1800" dirty="0">
+                <a:latin typeface="Courier New" panose="02070309020205020404" pitchFamily="49" charset="0"/>
+                <a:cs typeface="Courier New" panose="02070309020205020404" pitchFamily="49" charset="0"/>
+              </a:rPr>
+              <a:t># needs </a:t>
+            </a:r>
+            <a:r>
+              <a:rPr lang="en-US" sz="1800" dirty="0" err="1">
                 <a:latin typeface="Courier New" panose="02070309020205020404" pitchFamily="49" charset="0"/>
                 <a:cs typeface="Courier New" panose="02070309020205020404" pitchFamily="49" charset="0"/>
               </a:rPr>
               <a:t>libevent</a:t>
             </a:r>
-            <a:endParaRPr lang="en-US" sz="1800" b="1" dirty="0">
+            <a:endParaRPr lang="en-US" sz="1800" dirty="0">
               <a:latin typeface="Courier New" panose="02070309020205020404" pitchFamily="49" charset="0"/>
               <a:cs typeface="Courier New" panose="02070309020205020404" pitchFamily="49" charset="0"/>
             </a:endParaRPr>
@@ -4810,7 +4817,7 @@
           <a:p>
             <a:r>
               <a:rPr lang="en-US" dirty="0"/>
-              <a:t>Set PATH and it is ready to use:</a:t>
+              <a:t>Set PATH and it is ready to go:</a:t>
             </a:r>
             <a:br>
               <a:rPr lang="en-US" dirty="0"/>
@@ -5059,7 +5066,14 @@
                 <a:latin typeface="Courier New" panose="02070309020205020404" pitchFamily="49" charset="0"/>
                 <a:cs typeface="Courier New" panose="02070309020205020404" pitchFamily="49" charset="0"/>
               </a:rPr>
-              <a:t>parallel --help    # summary of most imp options</a:t>
+              <a:t>parallel --help    </a:t>
+            </a:r>
+            <a:r>
+              <a:rPr lang="en-US" sz="1800" dirty="0">
+                <a:latin typeface="Courier New" panose="02070309020205020404" pitchFamily="49" charset="0"/>
+                <a:cs typeface="Courier New" panose="02070309020205020404" pitchFamily="49" charset="0"/>
+              </a:rPr>
+              <a:t># summary of most imp options</a:t>
             </a:r>
           </a:p>
           <a:p>
@@ -5071,16 +5085,23 @@
                 <a:latin typeface="Courier New" panose="02070309020205020404" pitchFamily="49" charset="0"/>
                 <a:cs typeface="Courier New" panose="02070309020205020404" pitchFamily="49" charset="0"/>
               </a:rPr>
-              <a:t>parallel --max-line-length-allowed # max size of </a:t>
-            </a:r>
-            <a:r>
-              <a:rPr lang="en-US" sz="1800" b="1" dirty="0" err="1">
+              <a:t>parallel --max-line-length-allowed </a:t>
+            </a:r>
+            <a:r>
+              <a:rPr lang="en-US" sz="1800" dirty="0">
+                <a:latin typeface="Courier New" panose="02070309020205020404" pitchFamily="49" charset="0"/>
+                <a:cs typeface="Courier New" panose="02070309020205020404" pitchFamily="49" charset="0"/>
+              </a:rPr>
+              <a:t># max size of </a:t>
+            </a:r>
+            <a:r>
+              <a:rPr lang="en-US" sz="1800" dirty="0" err="1">
                 <a:latin typeface="Courier New" panose="02070309020205020404" pitchFamily="49" charset="0"/>
                 <a:cs typeface="Courier New" panose="02070309020205020404" pitchFamily="49" charset="0"/>
               </a:rPr>
               <a:t>cmdline</a:t>
             </a:r>
-            <a:endParaRPr lang="en-US" sz="1800" b="1" dirty="0">
+            <a:endParaRPr lang="en-US" sz="1800" dirty="0">
               <a:latin typeface="Courier New" panose="02070309020205020404" pitchFamily="49" charset="0"/>
               <a:cs typeface="Courier New" panose="02070309020205020404" pitchFamily="49" charset="0"/>
             </a:endParaRPr>
@@ -5405,7 +5426,7 @@
         </p:nvCxnSpPr>
         <p:spPr>
           <a:xfrm>
-            <a:off x="6549594" y="2192266"/>
+            <a:off x="6542220" y="2192266"/>
             <a:ext cx="0" cy="539496"/>
           </a:xfrm>
           <a:prstGeom prst="straightConnector1">
@@ -5441,7 +5462,7 @@
         </p:nvSpPr>
         <p:spPr>
           <a:xfrm>
-            <a:off x="6206711" y="1933863"/>
+            <a:off x="6147719" y="1933863"/>
             <a:ext cx="813043" cy="248209"/>
           </a:xfrm>
           <a:prstGeom prst="rect">
@@ -5636,7 +5657,7 @@
               <a:rPr lang="en-US" dirty="0">
                 <a:latin typeface="National Park " pitchFamily="2" charset="77"/>
               </a:rPr>
-              <a:t>Another Form of same command</a:t>
+              <a:t>Another Form of the same command</a:t>
             </a:r>
           </a:p>
         </p:txBody>
@@ -7447,7 +7468,7 @@
             </a:pPr>
             <a:r>
               <a:rPr lang="en-US" sz="1600" dirty="0"/>
-              <a:t>Triple colon semantic: Run &lt;command&gt; in parallel for each of the input parameters:</a:t>
+              <a:t>Triple colon: Run &lt;command&gt; in parallel for each of the input parameters:</a:t>
             </a:r>
             <a:br>
               <a:rPr lang="en-US" sz="1600" dirty="0"/>
@@ -7490,11 +7511,11 @@
             </a:pPr>
             <a:r>
               <a:rPr lang="en-US" sz="1600" b="1" dirty="0"/>
-              <a:t>Quad colon </a:t>
+              <a:t>Quad colon</a:t>
             </a:r>
             <a:r>
               <a:rPr lang="en-US" sz="1600" dirty="0"/>
-              <a:t>semantic: Run &lt;command&gt; in parallel for each line in input file; </a:t>
+              <a:t>: Run &lt;command&gt; in parallel for each line in input file; </a:t>
             </a:r>
             <a:r>
               <a:rPr lang="en-US" sz="1600" b="1" dirty="0">
@@ -7505,7 +7526,7 @@
             </a:r>
             <a:r>
               <a:rPr lang="en-US" sz="1600" dirty="0"/>
-              <a:t> is alternative syntax to quadruple colon</a:t>
+              <a:t> is alternative syntax to quad colon</a:t>
             </a:r>
             <a:br>
               <a:rPr lang="en-US" sz="1600" dirty="0"/>
@@ -8196,6 +8217,58 @@
                 <a:sym typeface="Courier New"/>
               </a:rPr>
             </a:br>
+            <a:r>
+              <a:rPr lang="en-US" sz="1600" dirty="0"/>
+              <a:t>May use </a:t>
+            </a:r>
+            <a:r>
+              <a:rPr lang="en-US" sz="1600" b="1" dirty="0">
+                <a:latin typeface="Courier New"/>
+                <a:ea typeface="Courier New"/>
+                <a:cs typeface="Courier New"/>
+                <a:sym typeface="Courier New"/>
+              </a:rPr>
+              <a:t>-N0</a:t>
+            </a:r>
+            <a:r>
+              <a:rPr lang="en-US" sz="1600" dirty="0"/>
+              <a:t> when no commands have no arguments (still need to provide :::)</a:t>
+            </a:r>
+          </a:p>
+          <a:p>
+            <a:pPr marL="596900" lvl="1" indent="0">
+              <a:spcBef>
+                <a:spcPts val="0"/>
+              </a:spcBef>
+              <a:buSzPts val="1400"/>
+              <a:buNone/>
+            </a:pPr>
+            <a:r>
+              <a:rPr lang="en-US" sz="1600" b="1" dirty="0">
+                <a:latin typeface="Courier New"/>
+                <a:ea typeface="Courier New"/>
+                <a:cs typeface="Courier New"/>
+                <a:sym typeface="Courier New"/>
+              </a:rPr>
+              <a:t>parallel -N0 date ::: </a:t>
+            </a:r>
+            <a:r>
+              <a:rPr lang="en-US" sz="1600" b="1" dirty="0" err="1">
+                <a:latin typeface="Courier New"/>
+                <a:ea typeface="Courier New"/>
+                <a:cs typeface="Courier New"/>
+                <a:sym typeface="Courier New"/>
+              </a:rPr>
+              <a:t>xyz</a:t>
+            </a:r>
+            <a:br>
+              <a:rPr lang="en-US" sz="1600" b="1" dirty="0">
+                <a:latin typeface="Courier New"/>
+                <a:ea typeface="Courier New"/>
+                <a:cs typeface="Courier New"/>
+                <a:sym typeface="Courier New"/>
+              </a:rPr>
+            </a:br>
             <a:endParaRPr lang="en-US" sz="1600" b="1" dirty="0">
               <a:latin typeface="Courier New"/>
               <a:ea typeface="Courier New"/>
@@ -8304,7 +8377,16 @@
                 <a:cs typeface="Courier New"/>
                 <a:sym typeface="Courier New"/>
               </a:rPr>
-              <a:t>/passwd echo # same as above</a:t>
+              <a:t>/passwd echo </a:t>
+            </a:r>
+            <a:r>
+              <a:rPr lang="en-US" sz="1600" dirty="0">
+                <a:latin typeface="Courier New"/>
+                <a:ea typeface="Courier New"/>
+                <a:cs typeface="Courier New"/>
+                <a:sym typeface="Courier New"/>
+              </a:rPr>
+              <a:t># same as above</a:t>
             </a:r>
             <a:br>
               <a:rPr lang="en-US" sz="1600" b="1" dirty="0">
@@ -8756,7 +8838,7 @@
             </a:pPr>
             <a:r>
               <a:rPr lang="en-US" sz="1600" dirty="0"/>
-              <a:t>Is equivalent to a nested for loop!:</a:t>
+              <a:t>is equivalent to a nested for loop:</a:t>
             </a:r>
             <a:br>
               <a:rPr lang="en-US" sz="1600" dirty="0"/>
@@ -8828,7 +8910,7 @@
                 <a:cs typeface="Courier New"/>
                 <a:sym typeface="Courier New"/>
               </a:rPr>
-              <a:t>    Echo $</a:t>
+              <a:t>    echo $</a:t>
             </a:r>
             <a:r>
               <a:rPr lang="en-US" sz="1600" b="1" dirty="0" err="1">
@@ -8922,7 +9004,7 @@
             </a:r>
             <a:r>
               <a:rPr lang="en-US" sz="1900" dirty="0"/>
-              <a:t> 1:1</a:t>
+              <a:t> 1:1:</a:t>
             </a:r>
             <a:br>
               <a:rPr lang="en-US" sz="1900" dirty="0"/>
@@ -9241,34 +9323,62 @@
             </a:r>
             <a:r>
               <a:rPr lang="en-US" sz="1600" dirty="0"/>
-              <a:t> /</a:t>
-            </a:r>
-            <a:r>
-              <a:rPr lang="en-US" sz="1600" dirty="0" err="1"/>
+              <a:t> </a:t>
+            </a:r>
+            <a:r>
+              <a:rPr lang="en-US" sz="1600" b="1" dirty="0">
+                <a:latin typeface="Courier New" panose="02070309020205020404" pitchFamily="49" charset="0"/>
+                <a:cs typeface="Courier New" panose="02070309020205020404" pitchFamily="49" charset="0"/>
+              </a:rPr>
+              <a:t>/</a:t>
+            </a:r>
+            <a:r>
+              <a:rPr lang="en-US" sz="1600" b="1" dirty="0" err="1">
+                <a:latin typeface="Courier New" panose="02070309020205020404" pitchFamily="49" charset="0"/>
+                <a:cs typeface="Courier New" panose="02070309020205020404" pitchFamily="49" charset="0"/>
+              </a:rPr>
               <a:t>tmp</a:t>
             </a:r>
             <a:r>
-              <a:rPr lang="en-US" sz="1600" dirty="0"/>
+              <a:rPr lang="en-US" sz="1600" b="1" dirty="0">
+                <a:latin typeface="Courier New" panose="02070309020205020404" pitchFamily="49" charset="0"/>
+                <a:cs typeface="Courier New" panose="02070309020205020404" pitchFamily="49" charset="0"/>
+              </a:rPr>
               <a:t>/</a:t>
             </a:r>
             <a:r>
-              <a:rPr lang="en-US" sz="1600" dirty="0" err="1"/>
+              <a:rPr lang="en-US" sz="1600" b="1" dirty="0" err="1">
+                <a:latin typeface="Courier New" panose="02070309020205020404" pitchFamily="49" charset="0"/>
+                <a:cs typeface="Courier New" panose="02070309020205020404" pitchFamily="49" charset="0"/>
+              </a:rPr>
               <a:t>afile.txt</a:t>
             </a:r>
             <a:r>
-              <a:rPr lang="en-US" sz="1600" dirty="0"/>
+              <a:rPr lang="en-US" sz="1600" b="1" dirty="0">
+                <a:latin typeface="Courier New" panose="02070309020205020404" pitchFamily="49" charset="0"/>
+                <a:cs typeface="Courier New" panose="02070309020205020404" pitchFamily="49" charset="0"/>
+              </a:rPr>
               <a:t> --&gt; /</a:t>
             </a:r>
             <a:r>
-              <a:rPr lang="en-US" sz="1600" dirty="0" err="1"/>
+              <a:rPr lang="en-US" sz="1600" b="1" dirty="0" err="1">
+                <a:latin typeface="Courier New" panose="02070309020205020404" pitchFamily="49" charset="0"/>
+                <a:cs typeface="Courier New" panose="02070309020205020404" pitchFamily="49" charset="0"/>
+              </a:rPr>
               <a:t>tmp</a:t>
             </a:r>
             <a:r>
-              <a:rPr lang="en-US" sz="1600" dirty="0"/>
+              <a:rPr lang="en-US" sz="1600" b="1" dirty="0">
+                <a:latin typeface="Courier New" panose="02070309020205020404" pitchFamily="49" charset="0"/>
+                <a:cs typeface="Courier New" panose="02070309020205020404" pitchFamily="49" charset="0"/>
+              </a:rPr>
               <a:t>/</a:t>
             </a:r>
             <a:r>
-              <a:rPr lang="en-US" sz="1600" dirty="0" err="1"/>
+              <a:rPr lang="en-US" sz="1600" b="1" dirty="0" err="1">
+                <a:latin typeface="Courier New" panose="02070309020205020404" pitchFamily="49" charset="0"/>
+                <a:cs typeface="Courier New" panose="02070309020205020404" pitchFamily="49" charset="0"/>
+              </a:rPr>
               <a:t>afile</a:t>
             </a:r>
             <a:br>
@@ -9291,32 +9401,55 @@
             </a:r>
             <a:r>
               <a:rPr lang="en-US" sz="1600" dirty="0"/>
-              <a:t> /</a:t>
-            </a:r>
-            <a:r>
-              <a:rPr lang="en-US" sz="1600" dirty="0" err="1"/>
+              <a:t> </a:t>
+            </a:r>
+            <a:r>
+              <a:rPr lang="en-US" sz="1600" b="1" dirty="0">
+                <a:latin typeface="Courier New" panose="02070309020205020404" pitchFamily="49" charset="0"/>
+                <a:cs typeface="Courier New" panose="02070309020205020404" pitchFamily="49" charset="0"/>
+              </a:rPr>
+              <a:t>/</a:t>
+            </a:r>
+            <a:r>
+              <a:rPr lang="en-US" sz="1600" b="1" dirty="0" err="1">
+                <a:latin typeface="Courier New" panose="02070309020205020404" pitchFamily="49" charset="0"/>
+                <a:cs typeface="Courier New" panose="02070309020205020404" pitchFamily="49" charset="0"/>
+              </a:rPr>
               <a:t>tmp</a:t>
             </a:r>
             <a:r>
-              <a:rPr lang="en-US" sz="1600" dirty="0"/>
+              <a:rPr lang="en-US" sz="1600" b="1" dirty="0">
+                <a:latin typeface="Courier New" panose="02070309020205020404" pitchFamily="49" charset="0"/>
+                <a:cs typeface="Courier New" panose="02070309020205020404" pitchFamily="49" charset="0"/>
+              </a:rPr>
               <a:t>/</a:t>
             </a:r>
             <a:r>
-              <a:rPr lang="en-US" sz="1600" dirty="0" err="1"/>
+              <a:rPr lang="en-US" sz="1600" b="1" dirty="0" err="1">
+                <a:latin typeface="Courier New" panose="02070309020205020404" pitchFamily="49" charset="0"/>
+                <a:cs typeface="Courier New" panose="02070309020205020404" pitchFamily="49" charset="0"/>
+              </a:rPr>
               <a:t>afile.txt</a:t>
             </a:r>
             <a:r>
-              <a:rPr lang="en-US" sz="1600" dirty="0"/>
+              <a:rPr lang="en-US" sz="1600" b="1" dirty="0">
+                <a:latin typeface="Courier New" panose="02070309020205020404" pitchFamily="49" charset="0"/>
+                <a:cs typeface="Courier New" panose="02070309020205020404" pitchFamily="49" charset="0"/>
+              </a:rPr>
               <a:t> </a:t>
             </a:r>
             <a:r>
-              <a:rPr lang="en-US" sz="1600" dirty="0">
+              <a:rPr lang="en-US" sz="1600" b="1" dirty="0">
+                <a:latin typeface="Courier New" panose="02070309020205020404" pitchFamily="49" charset="0"/>
+                <a:cs typeface="Courier New" panose="02070309020205020404" pitchFamily="49" charset="0"/>
                 <a:sym typeface="Wingdings" pitchFamily="2" charset="2"/>
               </a:rPr>
               <a:t>--&gt; </a:t>
             </a:r>
             <a:r>
-              <a:rPr lang="en-US" sz="1600" dirty="0" err="1">
+              <a:rPr lang="en-US" sz="1600" b="1" dirty="0" err="1">
+                <a:latin typeface="Courier New" panose="02070309020205020404" pitchFamily="49" charset="0"/>
+                <a:cs typeface="Courier New" panose="02070309020205020404" pitchFamily="49" charset="0"/>
                 <a:sym typeface="Wingdings" pitchFamily="2" charset="2"/>
               </a:rPr>
               <a:t>afile.txt</a:t>
@@ -9545,7 +9678,7 @@
         </p:nvSpPr>
         <p:spPr>
           <a:xfrm>
-            <a:off x="311700" y="1152475"/>
+            <a:off x="311700" y="1218841"/>
             <a:ext cx="8520600" cy="3416400"/>
           </a:xfrm>
           <a:prstGeom prst="rect">
@@ -9814,7 +9947,7 @@
             </a:br>
             <a:r>
               <a:rPr lang="en-US" sz="1600" dirty="0"/>
-              <a:t>0 means as many jobs as possible, default is all cores on a machine. May be provided as %. Silently ignore if value is greater than cores available.</a:t>
+              <a:t>0 means as many jobs as possible, default is all cores on a machine. May be provided as %. Silently ignores if value is greater than cores available.</a:t>
             </a:r>
             <a:br>
               <a:rPr lang="en-US" sz="1600" dirty="0"/>
@@ -9895,23 +10028,7 @@
             <a:br>
               <a:rPr lang="en-US" sz="1600" dirty="0"/>
             </a:br>
-            <a:r>
-              <a:rPr lang="en-US" sz="1600" dirty="0"/>
-              <a:t>Use </a:t>
-            </a:r>
-            <a:r>
-              <a:rPr lang="en-US" sz="1600" b="1" dirty="0">
-                <a:latin typeface="Courier New"/>
-                <a:ea typeface="Courier New"/>
-                <a:cs typeface="Courier New"/>
-                <a:sym typeface="Courier New"/>
-              </a:rPr>
-              <a:t>-N0</a:t>
-            </a:r>
-            <a:r>
-              <a:rPr lang="en-US" sz="1600" dirty="0"/>
-              <a:t> when no arguments</a:t>
-            </a:r>
+            <a:endParaRPr lang="en-US" sz="1600" dirty="0"/>
           </a:p>
         </p:txBody>
       </p:sp>
@@ -10429,7 +10546,11 @@
             </a:r>
             <a:r>
               <a:rPr lang="en-US" sz="1600" dirty="0"/>
-              <a:t>: show what will run in standard output but will not run anything</a:t>
+              <a:t>: show what will run in standard output but will not run anything, </a:t>
+            </a:r>
+            <a:r>
+              <a:rPr lang="en-US" sz="1600" b="1" dirty="0"/>
+              <a:t>very useful</a:t>
             </a:r>
           </a:p>
         </p:txBody>
@@ -10728,16 +10849,34 @@
               <a:buNone/>
             </a:pPr>
             <a:r>
-              <a:rPr lang="en-US" b="1">
+              <a:rPr lang="en-US" b="1" dirty="0">
                 <a:latin typeface="Courier New"/>
                 <a:ea typeface="Courier New"/>
                 <a:cs typeface="Courier New"/>
                 <a:sym typeface="Courier New"/>
               </a:rPr>
-              <a:t>--joblog, --resume</a:t>
-            </a:r>
-            <a:r>
-              <a:rPr lang="en-US"/>
+              <a:t>--</a:t>
+            </a:r>
+            <a:r>
+              <a:rPr lang="en-US" b="1" dirty="0" err="1">
+                <a:latin typeface="Courier New"/>
+                <a:ea typeface="Courier New"/>
+                <a:cs typeface="Courier New"/>
+                <a:sym typeface="Courier New"/>
+              </a:rPr>
+              <a:t>joblog</a:t>
+            </a:r>
+            <a:r>
+              <a:rPr lang="en-US" b="1" dirty="0">
+                <a:latin typeface="Courier New"/>
+                <a:ea typeface="Courier New"/>
+                <a:cs typeface="Courier New"/>
+                <a:sym typeface="Courier New"/>
+              </a:rPr>
+              <a:t>, --resume</a:t>
+            </a:r>
+            <a:r>
+              <a:rPr lang="en-US" dirty="0"/>
               <a:t>: Allows for monitoring progress, checkpointing and resuming an interrupted / partially failed run</a:t>
             </a:r>
           </a:p>
@@ -10750,14 +10889,101 @@
               <a:buNone/>
             </a:pPr>
             <a:r>
-              <a:rPr lang="en-US" b="1">
+              <a:rPr lang="en-US" b="1" dirty="0">
                 <a:latin typeface="Courier New"/>
                 <a:ea typeface="Courier New"/>
                 <a:cs typeface="Courier New"/>
                 <a:sym typeface="Courier New"/>
               </a:rPr>
-              <a:t>parallel -j 16 -n 100 --joblog /tmp/job.log --resume gen_digest {} :::: keys.txt</a:t>
-            </a:r>
+              <a:t>parallel -j 16 -N 100 --</a:t>
+            </a:r>
+            <a:r>
+              <a:rPr lang="en-US" b="1" dirty="0" err="1">
+                <a:latin typeface="Courier New"/>
+                <a:ea typeface="Courier New"/>
+                <a:cs typeface="Courier New"/>
+                <a:sym typeface="Courier New"/>
+              </a:rPr>
+              <a:t>joblog</a:t>
+            </a:r>
+            <a:r>
+              <a:rPr lang="en-US" b="1" dirty="0">
+                <a:latin typeface="Courier New"/>
+                <a:ea typeface="Courier New"/>
+                <a:cs typeface="Courier New"/>
+                <a:sym typeface="Courier New"/>
+              </a:rPr>
+              <a:t> /</a:t>
+            </a:r>
+            <a:r>
+              <a:rPr lang="en-US" b="1" dirty="0" err="1">
+                <a:latin typeface="Courier New"/>
+                <a:ea typeface="Courier New"/>
+                <a:cs typeface="Courier New"/>
+                <a:sym typeface="Courier New"/>
+              </a:rPr>
+              <a:t>tmp</a:t>
+            </a:r>
+            <a:r>
+              <a:rPr lang="en-US" b="1" dirty="0">
+                <a:latin typeface="Courier New"/>
+                <a:ea typeface="Courier New"/>
+                <a:cs typeface="Courier New"/>
+                <a:sym typeface="Courier New"/>
+              </a:rPr>
+              <a:t>/</a:t>
+            </a:r>
+            <a:r>
+              <a:rPr lang="en-US" b="1" dirty="0" err="1">
+                <a:latin typeface="Courier New"/>
+                <a:ea typeface="Courier New"/>
+                <a:cs typeface="Courier New"/>
+                <a:sym typeface="Courier New"/>
+              </a:rPr>
+              <a:t>job.log</a:t>
+            </a:r>
+            <a:r>
+              <a:rPr lang="en-US" b="1" dirty="0">
+                <a:latin typeface="Courier New"/>
+                <a:ea typeface="Courier New"/>
+                <a:cs typeface="Courier New"/>
+                <a:sym typeface="Courier New"/>
+              </a:rPr>
+              <a:t> --resume </a:t>
+            </a:r>
+            <a:r>
+              <a:rPr lang="en-US" b="1" dirty="0" err="1">
+                <a:latin typeface="Courier New"/>
+                <a:ea typeface="Courier New"/>
+                <a:cs typeface="Courier New"/>
+                <a:sym typeface="Courier New"/>
+              </a:rPr>
+              <a:t>gzip</a:t>
+            </a:r>
+            <a:r>
+              <a:rPr lang="en-US" b="1" dirty="0">
+                <a:latin typeface="Courier New"/>
+                <a:ea typeface="Courier New"/>
+                <a:cs typeface="Courier New"/>
+                <a:sym typeface="Courier New"/>
+              </a:rPr>
+              <a:t> {} :::: </a:t>
+            </a:r>
+            <a:r>
+              <a:rPr lang="en-US" b="1" dirty="0" err="1">
+                <a:latin typeface="Courier New"/>
+                <a:ea typeface="Courier New"/>
+                <a:cs typeface="Courier New"/>
+                <a:sym typeface="Courier New"/>
+              </a:rPr>
+              <a:t>filelist.txt</a:t>
+            </a:r>
+            <a:endParaRPr lang="en-US" b="1" dirty="0">
+              <a:latin typeface="Courier New"/>
+              <a:ea typeface="Courier New"/>
+              <a:cs typeface="Courier New"/>
+              <a:sym typeface="Courier New"/>
+            </a:endParaRPr>
           </a:p>
           <a:p>
             <a:pPr marL="0" indent="0">
@@ -10768,11 +10994,11 @@
               <a:buNone/>
             </a:pPr>
             <a:r>
-              <a:rPr lang="en-US"/>
+              <a:rPr lang="en-US" dirty="0"/>
               <a:t>Additionally, </a:t>
             </a:r>
             <a:r>
-              <a:rPr lang="en-US" b="1">
+              <a:rPr lang="en-US" b="1" dirty="0">
                 <a:latin typeface="Courier New"/>
                 <a:ea typeface="Courier New"/>
                 <a:cs typeface="Courier New"/>
@@ -10781,11 +11007,11 @@
               <a:t>--retry-failed</a:t>
             </a:r>
             <a:r>
-              <a:rPr lang="en-US"/>
+              <a:rPr lang="en-US" dirty="0"/>
               <a:t> (reads from log) and </a:t>
             </a:r>
             <a:r>
-              <a:rPr lang="en-US" b="1">
+              <a:rPr lang="en-US" b="1" dirty="0">
                 <a:latin typeface="Courier New"/>
                 <a:ea typeface="Courier New"/>
                 <a:cs typeface="Courier New"/>
@@ -10794,22 +11020,9 @@
               <a:t>--resume-failed</a:t>
             </a:r>
             <a:r>
-              <a:rPr lang="en-US"/>
+              <a:rPr lang="en-US" dirty="0"/>
               <a:t> (resumes afresh) to try failed jobs again. </a:t>
             </a:r>
-          </a:p>
-          <a:p>
-            <a:pPr marL="0" indent="0">
-              <a:spcBef>
-                <a:spcPts val="1200"/>
-              </a:spcBef>
-              <a:spcAft>
-                <a:spcPts val="1200"/>
-              </a:spcAft>
-              <a:buFont typeface="Arial" panose="020B0604020202020204" pitchFamily="34" charset="0"/>
-              <a:buNone/>
-            </a:pPr>
-            <a:endParaRPr lang="en-US" dirty="0"/>
           </a:p>
         </p:txBody>
       </p:sp>
@@ -10911,16 +11124,23 @@
                 <a:latin typeface="Courier New" panose="02070309020205020404" pitchFamily="49" charset="0"/>
                 <a:cs typeface="Courier New" panose="02070309020205020404" pitchFamily="49" charset="0"/>
               </a:rPr>
-              <a:t>parallel --files echo ::: A B C # will be saved in /</a:t>
-            </a:r>
-            <a:r>
-              <a:rPr lang="en-US" sz="1640" b="1" dirty="0" err="1">
+              <a:t>parallel --files echo ::: A B C </a:t>
+            </a:r>
+            <a:r>
+              <a:rPr lang="en-US" sz="1640" dirty="0">
+                <a:latin typeface="Courier New" panose="02070309020205020404" pitchFamily="49" charset="0"/>
+                <a:cs typeface="Courier New" panose="02070309020205020404" pitchFamily="49" charset="0"/>
+              </a:rPr>
+              <a:t># will be saved in /</a:t>
+            </a:r>
+            <a:r>
+              <a:rPr lang="en-US" sz="1640" dirty="0" err="1">
                 <a:latin typeface="Courier New" panose="02070309020205020404" pitchFamily="49" charset="0"/>
                 <a:cs typeface="Courier New" panose="02070309020205020404" pitchFamily="49" charset="0"/>
               </a:rPr>
               <a:t>tmp</a:t>
             </a:r>
-            <a:endParaRPr lang="en-US" sz="1640" b="1" dirty="0">
+            <a:endParaRPr lang="en-US" sz="1640" dirty="0">
               <a:latin typeface="Courier New" panose="02070309020205020404" pitchFamily="49" charset="0"/>
               <a:cs typeface="Courier New" panose="02070309020205020404" pitchFamily="49" charset="0"/>
             </a:endParaRPr>
@@ -11039,17 +11259,24 @@
                 <a:latin typeface="Courier New" panose="02070309020205020404" pitchFamily="49" charset="0"/>
                 <a:cs typeface="Courier New" panose="02070309020205020404" pitchFamily="49" charset="0"/>
               </a:rPr>
-              <a:t> --install # activate </a:t>
-            </a:r>
-            <a:r>
-              <a:rPr lang="en-US" sz="1800" b="1" dirty="0" err="1">
+              <a:t> --install </a:t>
+            </a:r>
+            <a:r>
+              <a:rPr lang="en-US" sz="1800" dirty="0">
+                <a:latin typeface="Courier New" panose="02070309020205020404" pitchFamily="49" charset="0"/>
+                <a:cs typeface="Courier New" panose="02070309020205020404" pitchFamily="49" charset="0"/>
+              </a:rPr>
+              <a:t># activate </a:t>
+            </a:r>
+            <a:r>
+              <a:rPr lang="en-US" sz="1800" dirty="0" err="1">
                 <a:latin typeface="Courier New" panose="02070309020205020404" pitchFamily="49" charset="0"/>
                 <a:cs typeface="Courier New" panose="02070309020205020404" pitchFamily="49" charset="0"/>
               </a:rPr>
               <a:t>parset</a:t>
             </a:r>
             <a:r>
-              <a:rPr lang="en-US" sz="1800" b="1" dirty="0">
+              <a:rPr lang="en-US" sz="1800" dirty="0">
                 <a:latin typeface="Courier New" panose="02070309020205020404" pitchFamily="49" charset="0"/>
                 <a:cs typeface="Courier New" panose="02070309020205020404" pitchFamily="49" charset="0"/>
               </a:rPr>
@@ -11531,6 +11758,16 @@
             <a:br>
               <a:rPr lang="en-US" dirty="0"/>
             </a:br>
+            <a:r>
+              <a:rPr lang="en-US" sz="1650" b="1" dirty="0">
+                <a:latin typeface="Courier New" panose="02070309020205020404" pitchFamily="49" charset="0"/>
+                <a:cs typeface="Courier New" panose="02070309020205020404" pitchFamily="49" charset="0"/>
+              </a:rPr>
+              <a:t>-N256</a:t>
+            </a:r>
+            <a:br>
+              <a:rPr lang="en-US" dirty="0"/>
+            </a:br>
             <a:br>
               <a:rPr lang="en-US" dirty="0"/>
             </a:br>
@@ -11700,7 +11937,20 @@
                 <a:latin typeface="Courier New" panose="02070309020205020404" pitchFamily="49" charset="0"/>
                 <a:cs typeface="Courier New" panose="02070309020205020404" pitchFamily="49" charset="0"/>
               </a:rPr>
-              <a:t>--nice 17</a:t>
+              <a:t>--nice 17 </a:t>
+            </a:r>
+            <a:br>
+              <a:rPr lang="en-US" sz="1640" b="1" dirty="0">
+                <a:latin typeface="Courier New" panose="02070309020205020404" pitchFamily="49" charset="0"/>
+                <a:cs typeface="Courier New" panose="02070309020205020404" pitchFamily="49" charset="0"/>
+              </a:rPr>
+            </a:br>
+            <a:r>
+              <a:rPr lang="en-US" sz="1640" b="1" dirty="0">
+                <a:latin typeface="Courier New" panose="02070309020205020404" pitchFamily="49" charset="0"/>
+                <a:cs typeface="Courier New" panose="02070309020205020404" pitchFamily="49" charset="0"/>
+              </a:rPr>
+              <a:t>-N100</a:t>
             </a:r>
           </a:p>
           <a:p>
@@ -11753,7 +12003,28 @@
               </a:rPr>
               <a:t>vv</a:t>
             </a:r>
-            <a:endParaRPr lang="en-US" sz="1640" b="1" dirty="0">
+            <a:r>
+              <a:rPr lang="en-US" sz="1640" b="1" dirty="0">
+                <a:latin typeface="Courier New" panose="02070309020205020404" pitchFamily="49" charset="0"/>
+                <a:cs typeface="Courier New" panose="02070309020205020404" pitchFamily="49" charset="0"/>
+              </a:rPr>
+              <a:t> </a:t>
+            </a:r>
+            <a:r>
+              <a:rPr lang="en-US" sz="1640" dirty="0">
+                <a:latin typeface="Courier New" panose="02070309020205020404" pitchFamily="49" charset="0"/>
+                <a:cs typeface="Courier New" panose="02070309020205020404" pitchFamily="49" charset="0"/>
+              </a:rPr>
+              <a:t># useful when used with </a:t>
+            </a:r>
+            <a:r>
+              <a:rPr lang="en-US" sz="1640" dirty="0" err="1">
+                <a:latin typeface="Courier New" panose="02070309020205020404" pitchFamily="49" charset="0"/>
+                <a:cs typeface="Courier New" panose="02070309020205020404" pitchFamily="49" charset="0"/>
+              </a:rPr>
+              <a:t>ssh</a:t>
+            </a:r>
+            <a:endParaRPr lang="en-US" sz="1640" dirty="0">
               <a:latin typeface="Courier New" panose="02070309020205020404" pitchFamily="49" charset="0"/>
               <a:cs typeface="Courier New" panose="02070309020205020404" pitchFamily="49" charset="0"/>
             </a:endParaRPr>
@@ -13801,7 +14072,7 @@
                 <a:latin typeface="Courier New" panose="02070309020205020404" pitchFamily="49" charset="0"/>
                 <a:cs typeface="Courier New" panose="02070309020205020404" pitchFamily="49" charset="0"/>
               </a:rPr>
-              <a:t>parallel -k -S rage1,rage4,rage7,rage8,rage9,rage10,rage11,rage12 ${</a:t>
+              <a:t>parallel -S rage1,rage4,rage7,rage8,rage9,rage10,rage11,rage12 ${</a:t>
             </a:r>
             <a:r>
               <a:rPr lang="en-US" sz="1640" b="1" dirty="0" err="1">
@@ -14199,7 +14470,7 @@
                 <a:latin typeface="Courier New" panose="02070309020205020404" pitchFamily="49" charset="0"/>
                 <a:cs typeface="Courier New" panose="02070309020205020404" pitchFamily="49" charset="0"/>
               </a:rPr>
-              <a:t> :::\ {28..35} \</a:t>
+              <a:t> ::: {28..35} \</a:t>
             </a:r>
             <a:br>
               <a:rPr lang="en-US" sz="1640" b="1" dirty="0">
@@ -14462,7 +14733,7 @@
           <a:p>
             <a:r>
               <a:rPr lang="en-US" dirty="0"/>
-              <a:t>When data is send over a Linux pipe to parallel command, it is treated as </a:t>
+              <a:t>When data is sent over a Linux pipe to parallel command, it is treated as </a:t>
             </a:r>
             <a:r>
               <a:rPr lang="en-US" b="1" dirty="0"/>
@@ -14500,7 +14771,7 @@
           <a:p>
             <a:r>
               <a:rPr lang="en-US" dirty="0"/>
-              <a:t>In the pipe mode, the data is delivered to the parallel command as </a:t>
+              <a:t>In the pipe mode, the data is delivered to the parallel command as standard input aka </a:t>
             </a:r>
             <a:r>
               <a:rPr lang="en-US" b="1" dirty="0"/>
@@ -14599,20 +14870,7 @@
                 <a:latin typeface="Courier New" panose="02070309020205020404" pitchFamily="49" charset="0"/>
                 <a:cs typeface="Courier New" panose="02070309020205020404" pitchFamily="49" charset="0"/>
               </a:rPr>
-              <a:t> -l \ </a:t>
-            </a:r>
-            <a:br>
-              <a:rPr lang="en-US" sz="1800" b="1" dirty="0">
-                <a:latin typeface="Courier New" panose="02070309020205020404" pitchFamily="49" charset="0"/>
-                <a:cs typeface="Courier New" panose="02070309020205020404" pitchFamily="49" charset="0"/>
-              </a:rPr>
-            </a:br>
-            <a:r>
-              <a:rPr lang="en-US" sz="1800" b="1" dirty="0">
-                <a:latin typeface="Courier New" panose="02070309020205020404" pitchFamily="49" charset="0"/>
-                <a:cs typeface="Courier New" panose="02070309020205020404" pitchFamily="49" charset="0"/>
-              </a:rPr>
-              <a:t>  # -N &lt;num&gt; for lines</a:t>
+              <a:t> -l</a:t>
             </a:r>
           </a:p>
         </p:txBody>
@@ -16186,7 +16444,7 @@
                 <a:latin typeface="Courier New" panose="02070309020205020404" pitchFamily="49" charset="0"/>
                 <a:cs typeface="Courier New" panose="02070309020205020404" pitchFamily="49" charset="0"/>
               </a:rPr>
-              <a:t> parallel --jobs 6 ./</a:t>
+              <a:t> parallel --jobs 8 ./</a:t>
             </a:r>
             <a:r>
               <a:rPr lang="en-US" b="1" dirty="0" err="1">
@@ -16209,13 +16467,10 @@
               </a:rPr>
               <a:t>input.txt</a:t>
             </a:r>
-            <a:r>
-              <a:rPr lang="en-US" b="1" dirty="0">
-                <a:latin typeface="Courier New" panose="02070309020205020404" pitchFamily="49" charset="0"/>
-                <a:cs typeface="Courier New" panose="02070309020205020404" pitchFamily="49" charset="0"/>
-              </a:rPr>
-              <a:t> </a:t>
-            </a:r>
+            <a:endParaRPr lang="en-US" b="1" dirty="0">
+              <a:latin typeface="Courier New" panose="02070309020205020404" pitchFamily="49" charset="0"/>
+              <a:cs typeface="Courier New" panose="02070309020205020404" pitchFamily="49" charset="0"/>
+            </a:endParaRPr>
           </a:p>
         </p:txBody>
       </p:sp>
@@ -16509,30 +16764,7 @@
                 <a:latin typeface="Courier New" panose="02070309020205020404" pitchFamily="49" charset="0"/>
                 <a:cs typeface="Courier New" panose="02070309020205020404" pitchFamily="49" charset="0"/>
               </a:rPr>
-              <a:t>parallel -j $SLURM_NTASKS &lt; </a:t>
-            </a:r>
-            <a:r>
-              <a:rPr lang="en-US" sz="1640" b="1" dirty="0" err="1">
-                <a:latin typeface="Courier New" panose="02070309020205020404" pitchFamily="49" charset="0"/>
-                <a:cs typeface="Courier New" panose="02070309020205020404" pitchFamily="49" charset="0"/>
-              </a:rPr>
-              <a:t>commands.txt</a:t>
-            </a:r>
-            <a:endParaRPr lang="en-US" sz="1640" b="1" dirty="0">
-              <a:latin typeface="Courier New" panose="02070309020205020404" pitchFamily="49" charset="0"/>
-              <a:cs typeface="Courier New" panose="02070309020205020404" pitchFamily="49" charset="0"/>
-            </a:endParaRPr>
-          </a:p>
-          <a:p>
-            <a:pPr marL="0" indent="0">
-              <a:buNone/>
-            </a:pPr>
-            <a:r>
-              <a:rPr lang="en-US" sz="1640" dirty="0">
-                <a:latin typeface="Courier New" panose="02070309020205020404" pitchFamily="49" charset="0"/>
-                <a:cs typeface="Courier New" panose="02070309020205020404" pitchFamily="49" charset="0"/>
-              </a:rPr>
-              <a:t>#OR</a:t>
+              <a:t>##OR</a:t>
             </a:r>
           </a:p>
           <a:p>
@@ -16618,6 +16850,12 @@
             <a:pPr marL="0" indent="0">
               <a:buNone/>
             </a:pPr>
+            <a:br>
+              <a:rPr lang="en-US" sz="1640" b="1" dirty="0">
+                <a:latin typeface="Courier New" panose="02070309020205020404" pitchFamily="49" charset="0"/>
+                <a:cs typeface="Courier New" panose="02070309020205020404" pitchFamily="49" charset="0"/>
+              </a:rPr>
+            </a:br>
             <a:r>
               <a:rPr lang="en-US" sz="1640" b="1" dirty="0">
                 <a:latin typeface="Courier New" panose="02070309020205020404" pitchFamily="49" charset="0"/>
@@ -16981,6 +17219,67 @@
               <a:t>45</a:t>
             </a:fld>
             <a:endParaRPr lang="en-US"/>
+          </a:p>
+        </p:txBody>
+      </p:sp>
+      <p:sp>
+        <p:nvSpPr>
+          <p:cNvPr id="5" name="TextBox 4">
+            <a:extLst>
+              <a:ext uri="{FF2B5EF4-FFF2-40B4-BE49-F238E27FC236}">
+                <a16:creationId xmlns:a16="http://schemas.microsoft.com/office/drawing/2014/main" id="{5E8B5B6C-8F38-D883-6B61-D1D2D3FE135D}"/>
+              </a:ext>
+            </a:extLst>
+          </p:cNvPr>
+          <p:cNvSpPr txBox="1"/>
+          <p:nvPr/>
+        </p:nvSpPr>
+        <p:spPr>
+          <a:xfrm>
+            <a:off x="5412285" y="1411630"/>
+            <a:ext cx="3000630" cy="369332"/>
+          </a:xfrm>
+          <a:prstGeom prst="rect">
+            <a:avLst/>
+          </a:prstGeom>
+          <a:noFill/>
+          <a:ln>
+            <a:solidFill>
+              <a:schemeClr val="accent1"/>
+            </a:solidFill>
+          </a:ln>
+        </p:spPr>
+        <p:txBody>
+          <a:bodyPr wrap="none" rtlCol="0">
+            <a:spAutoFit/>
+          </a:bodyPr>
+          <a:lstStyle/>
+          <a:p>
+            <a:r>
+              <a:rPr lang="en-US" dirty="0"/>
+              <a:t>code in </a:t>
+            </a:r>
+            <a:r>
+              <a:rPr lang="en-US" dirty="0" err="1"/>
+              <a:t>Github</a:t>
+            </a:r>
+            <a:r>
+              <a:rPr lang="en-US" dirty="0"/>
+              <a:t>: </a:t>
+            </a:r>
+            <a:r>
+              <a:rPr lang="en-US" dirty="0" err="1"/>
+              <a:t>src</a:t>
+            </a:r>
+            <a:r>
+              <a:rPr lang="en-US" dirty="0"/>
+              <a:t>/</a:t>
+            </a:r>
+            <a:r>
+              <a:rPr lang="en-US" dirty="0" err="1"/>
+              <a:t>multinode</a:t>
+            </a:r>
+            <a:endParaRPr lang="en-US" dirty="0"/>
           </a:p>
         </p:txBody>
       </p:sp>
@@ -18135,7 +18434,7 @@
               <a:rPr lang="en-US" dirty="0">
                 <a:latin typeface="National Park " pitchFamily="2" charset="77"/>
               </a:rPr>
-              <a:t>A Full DAG Workflow Example</a:t>
+              <a:t>A DAG Workflow Example</a:t>
             </a:r>
           </a:p>
         </p:txBody>
@@ -19055,7 +19354,7 @@
         <p:spPr>
           <a:xfrm>
             <a:off x="2013154" y="4771108"/>
-            <a:ext cx="4182235" cy="369332"/>
+            <a:ext cx="3906519" cy="369332"/>
           </a:xfrm>
           <a:prstGeom prst="rect">
             <a:avLst/>
@@ -19070,7 +19369,7 @@
           <a:p>
             <a:r>
               <a:rPr lang="en-US" dirty="0"/>
-              <a:t>All sources available in </a:t>
+              <a:t>Sources available in </a:t>
             </a:r>
             <a:r>
               <a:rPr lang="en-US" dirty="0" err="1"/>
@@ -21119,7 +21418,14 @@
                 <a:latin typeface="Courier New" panose="02070309020205020404" pitchFamily="49" charset="0"/>
                 <a:cs typeface="Courier New" panose="02070309020205020404" pitchFamily="49" charset="0"/>
               </a:rPr>
-              <a:t>/^&gt;/ {</a:t>
+              <a:t>/^&gt;/ </a:t>
+            </a:r>
+            <a:r>
+              <a:rPr lang="en-US" b="1" dirty="0">
+                <a:latin typeface="Courier New" panose="02070309020205020404" pitchFamily="49" charset="0"/>
+                <a:cs typeface="Courier New" panose="02070309020205020404" pitchFamily="49" charset="0"/>
+              </a:rPr>
+              <a:t>{</a:t>
             </a:r>
             <a:br>
               <a:rPr lang="en-US" dirty="0">
@@ -21199,7 +21505,21 @@
                 <a:latin typeface="Courier New" panose="02070309020205020404" pitchFamily="49" charset="0"/>
                 <a:cs typeface="Courier New" panose="02070309020205020404" pitchFamily="49" charset="0"/>
               </a:rPr>
-              <a:t>       print &gt;&gt; file; n++; next;</a:t>
+              <a:t>       print &gt;&gt; file; n++; </a:t>
+            </a:r>
+            <a:r>
+              <a:rPr lang="en-US" b="1" dirty="0">
+                <a:latin typeface="Courier New" panose="02070309020205020404" pitchFamily="49" charset="0"/>
+                <a:cs typeface="Courier New" panose="02070309020205020404" pitchFamily="49" charset="0"/>
+              </a:rPr>
+              <a:t>next</a:t>
+            </a:r>
+            <a:r>
+              <a:rPr lang="en-US" dirty="0">
+                <a:latin typeface="Courier New" panose="02070309020205020404" pitchFamily="49" charset="0"/>
+                <a:cs typeface="Courier New" panose="02070309020205020404" pitchFamily="49" charset="0"/>
+              </a:rPr>
+              <a:t>;</a:t>
             </a:r>
             <a:br>
               <a:rPr lang="en-US" dirty="0">
@@ -21212,7 +21532,14 @@
                 <a:latin typeface="Courier New" panose="02070309020205020404" pitchFamily="49" charset="0"/>
                 <a:cs typeface="Courier New" panose="02070309020205020404" pitchFamily="49" charset="0"/>
               </a:rPr>
-              <a:t>     }</a:t>
+              <a:t>     </a:t>
+            </a:r>
+            <a:r>
+              <a:rPr lang="en-US" b="1" dirty="0">
+                <a:latin typeface="Courier New" panose="02070309020205020404" pitchFamily="49" charset="0"/>
+                <a:cs typeface="Courier New" panose="02070309020205020404" pitchFamily="49" charset="0"/>
+              </a:rPr>
+              <a:t>}</a:t>
             </a:r>
             <a:br>
               <a:rPr lang="en-US" dirty="0">
@@ -21221,11 +21548,32 @@
               </a:rPr>
             </a:br>
             <a:r>
+              <a:rPr lang="en-US" b="1" dirty="0">
+                <a:latin typeface="Courier New" panose="02070309020205020404" pitchFamily="49" charset="0"/>
+                <a:cs typeface="Courier New" panose="02070309020205020404" pitchFamily="49" charset="0"/>
+              </a:rPr>
+              <a:t>{</a:t>
+            </a:r>
+            <a:r>
               <a:rPr lang="en-US" dirty="0">
                 <a:latin typeface="Courier New" panose="02070309020205020404" pitchFamily="49" charset="0"/>
                 <a:cs typeface="Courier New" panose="02070309020205020404" pitchFamily="49" charset="0"/>
               </a:rPr>
-              <a:t>{ print &gt;&gt; file; }' &lt; </a:t>
+              <a:t> print &gt;&gt; file; </a:t>
+            </a:r>
+            <a:r>
+              <a:rPr lang="en-US" b="1" dirty="0">
+                <a:latin typeface="Courier New" panose="02070309020205020404" pitchFamily="49" charset="0"/>
+                <a:cs typeface="Courier New" panose="02070309020205020404" pitchFamily="49" charset="0"/>
+              </a:rPr>
+              <a:t>}</a:t>
+            </a:r>
+            <a:r>
+              <a:rPr lang="en-US" dirty="0">
+                <a:latin typeface="Courier New" panose="02070309020205020404" pitchFamily="49" charset="0"/>
+                <a:cs typeface="Courier New" panose="02070309020205020404" pitchFamily="49" charset="0"/>
+              </a:rPr>
+              <a:t>' &lt; </a:t>
             </a:r>
             <a:r>
               <a:rPr lang="en-US" dirty="0" err="1">
@@ -22091,7 +22439,7 @@
               <a:rPr lang="en-US" dirty="0">
                 <a:latin typeface="National Park " pitchFamily="2" charset="77"/>
               </a:rPr>
-              <a:t>Slides and practice data for download</a:t>
+              <a:t>Slides and Practice Data for Download</a:t>
             </a:r>
           </a:p>
         </p:txBody>
@@ -22115,7 +22463,7 @@
         <p:spPr/>
         <p:txBody>
           <a:bodyPr>
-            <a:normAutofit/>
+            <a:normAutofit lnSpcReduction="10000"/>
           </a:bodyPr>
           <a:lstStyle/>
           <a:p>
@@ -22132,12 +22480,27 @@
               <a:buNone/>
             </a:pPr>
             <a:r>
-              <a:rPr lang="en-US" sz="2000" dirty="0">
+              <a:rPr lang="en-US" sz="2600" dirty="0">
                 <a:hlinkClick r:id="rId2"/>
               </a:rPr>
               <a:t>github.com/ketancmaheshwari/escience23tut</a:t>
             </a:r>
-            <a:endParaRPr lang="en-US" sz="2000" dirty="0"/>
+            <a:endParaRPr lang="en-US" sz="2600" dirty="0"/>
+          </a:p>
+          <a:p>
+            <a:pPr marL="0" indent="0">
+              <a:buNone/>
+            </a:pPr>
+            <a:r>
+              <a:rPr lang="en-US" sz="4000" dirty="0">
+                <a:cs typeface="Courier New" panose="02070309020205020404" pitchFamily="49" charset="0"/>
+                <a:hlinkClick r:id="rId3"/>
+              </a:rPr>
+              <a:t>tinyurl.com/4v4b8pch</a:t>
+            </a:r>
+            <a:endParaRPr lang="en-US" sz="4000" dirty="0">
+              <a:cs typeface="Courier New" panose="02070309020205020404" pitchFamily="49" charset="0"/>
+            </a:endParaRPr>
           </a:p>
           <a:p>
             <a:pPr marL="0" indent="0">
@@ -22200,6 +22563,22 @@
             </a:pPr>
             <a:endParaRPr lang="en-US" sz="2000" dirty="0"/>
           </a:p>
+          <a:p>
+            <a:pPr marL="0" indent="0">
+              <a:buNone/>
+            </a:pPr>
+            <a:r>
+              <a:rPr lang="en-US" sz="2000" dirty="0"/>
+              <a:t>Pull requests welcome! </a:t>
+            </a:r>
+            <a:r>
+              <a:rPr lang="en-US" sz="2000" dirty="0">
+                <a:sym typeface="Wingdings" pitchFamily="2" charset="2"/>
+              </a:rPr>
+              <a:t> </a:t>
+            </a:r>
+            <a:endParaRPr lang="en-US" sz="2000" dirty="0"/>
+          </a:p>
         </p:txBody>
       </p:sp>
       <p:sp>
@@ -22235,6 +22614,36 @@
           </a:p>
         </p:txBody>
       </p:sp>
+      <p:pic>
+        <p:nvPicPr>
+          <p:cNvPr id="5" name="Picture 4">
+            <a:extLst>
+              <a:ext uri="{FF2B5EF4-FFF2-40B4-BE49-F238E27FC236}">
+                <a16:creationId xmlns:a16="http://schemas.microsoft.com/office/drawing/2014/main" id="{8E9BD16E-BFBD-A700-F42F-B8E2927BA677}"/>
+              </a:ext>
+            </a:extLst>
+          </p:cNvPr>
+          <p:cNvPicPr>
+            <a:picLocks noChangeAspect="1"/>
+          </p:cNvPicPr>
+          <p:nvPr/>
+        </p:nvPicPr>
+        <p:blipFill>
+          <a:blip r:embed="rId4"/>
+          <a:stretch>
+            <a:fillRect/>
+          </a:stretch>
+        </p:blipFill>
+        <p:spPr>
+          <a:xfrm>
+            <a:off x="7042559" y="1706626"/>
+            <a:ext cx="1612900" cy="1612900"/>
+          </a:xfrm>
+          <a:prstGeom prst="rect">
+            <a:avLst/>
+          </a:prstGeom>
+        </p:spPr>
+      </p:pic>
     </p:spTree>
     <p:extLst>
       <p:ext uri="{BB962C8B-B14F-4D97-AF65-F5344CB8AC3E}">
@@ -23407,6 +23816,159 @@
       </p:grpSpPr>
       <p:sp>
         <p:nvSpPr>
+          <p:cNvPr id="2" name="Title 1">
+            <a:extLst>
+              <a:ext uri="{FF2B5EF4-FFF2-40B4-BE49-F238E27FC236}">
+                <a16:creationId xmlns:a16="http://schemas.microsoft.com/office/drawing/2014/main" id="{3CDA2C0A-84C5-DDCE-DE2D-F26D112FC42D}"/>
+              </a:ext>
+            </a:extLst>
+          </p:cNvPr>
+          <p:cNvSpPr>
+            <a:spLocks noGrp="1"/>
+          </p:cNvSpPr>
+          <p:nvPr>
+            <p:ph type="title"/>
+          </p:nvPr>
+        </p:nvSpPr>
+        <p:spPr/>
+        <p:txBody>
+          <a:bodyPr>
+            <a:normAutofit fontScale="90000"/>
+          </a:bodyPr>
+          <a:lstStyle/>
+          <a:p>
+            <a:pPr algn="ctr"/>
+            <a:r>
+              <a:rPr lang="en-US" dirty="0">
+                <a:latin typeface="National Park " pitchFamily="2" charset="77"/>
+              </a:rPr>
+              <a:t>Other Possible Venues to look for challenges</a:t>
+            </a:r>
+          </a:p>
+        </p:txBody>
+      </p:sp>
+      <p:sp>
+        <p:nvSpPr>
+          <p:cNvPr id="3" name="Content Placeholder 2">
+            <a:extLst>
+              <a:ext uri="{FF2B5EF4-FFF2-40B4-BE49-F238E27FC236}">
+                <a16:creationId xmlns:a16="http://schemas.microsoft.com/office/drawing/2014/main" id="{F46367CA-67BA-E0A5-9C11-0819709041BA}"/>
+              </a:ext>
+            </a:extLst>
+          </p:cNvPr>
+          <p:cNvSpPr>
+            <a:spLocks noGrp="1"/>
+          </p:cNvSpPr>
+          <p:nvPr>
+            <p:ph idx="1"/>
+          </p:nvPr>
+        </p:nvSpPr>
+        <p:spPr/>
+        <p:txBody>
+          <a:bodyPr/>
+          <a:lstStyle/>
+          <a:p>
+            <a:r>
+              <a:rPr lang="en-US" dirty="0"/>
+              <a:t>data/sales-data.csv</a:t>
+            </a:r>
+            <a:endParaRPr lang="en-US" dirty="0">
+              <a:hlinkClick r:id="rId2"/>
+            </a:endParaRPr>
+          </a:p>
+          <a:p>
+            <a:r>
+              <a:rPr lang="en-US" dirty="0">
+                <a:hlinkClick r:id="rId2"/>
+              </a:rPr>
+              <a:t>annas-blog.org/worldcat-scrape.html</a:t>
+            </a:r>
+            <a:endParaRPr lang="en-US" dirty="0"/>
+          </a:p>
+          <a:p>
+            <a:r>
+              <a:rPr lang="en-US" dirty="0">
+                <a:hlinkClick r:id="rId3"/>
+              </a:rPr>
+              <a:t>smc-datachallenge.ornl.gov</a:t>
+            </a:r>
+            <a:endParaRPr lang="en-US" dirty="0"/>
+          </a:p>
+          <a:p>
+            <a:r>
+              <a:rPr lang="en-US" dirty="0">
+                <a:hlinkClick r:id="rId4"/>
+              </a:rPr>
+              <a:t>www.reddit.com/r/DataHoarder</a:t>
+            </a:r>
+            <a:endParaRPr lang="en-US" dirty="0"/>
+          </a:p>
+          <a:p>
+            <a:endParaRPr lang="en-US" dirty="0"/>
+          </a:p>
+        </p:txBody>
+      </p:sp>
+      <p:sp>
+        <p:nvSpPr>
+          <p:cNvPr id="4" name="Slide Number Placeholder 3">
+            <a:extLst>
+              <a:ext uri="{FF2B5EF4-FFF2-40B4-BE49-F238E27FC236}">
+                <a16:creationId xmlns:a16="http://schemas.microsoft.com/office/drawing/2014/main" id="{DC20C616-4036-B93A-64BC-2D0981B65436}"/>
+              </a:ext>
+            </a:extLst>
+          </p:cNvPr>
+          <p:cNvSpPr>
+            <a:spLocks noGrp="1"/>
+          </p:cNvSpPr>
+          <p:nvPr>
+            <p:ph type="sldNum" sz="quarter" idx="12"/>
+          </p:nvPr>
+        </p:nvSpPr>
+        <p:spPr/>
+        <p:txBody>
+          <a:bodyPr/>
+          <a:lstStyle/>
+          <a:p>
+            <a:fld id="{4E3AEE2C-3A74-8643-B4A2-442777B583A3}" type="slidenum">
+              <a:rPr lang="en-US" smtClean="0"/>
+              <a:t>65</a:t>
+            </a:fld>
+            <a:endParaRPr lang="en-US"/>
+          </a:p>
+        </p:txBody>
+      </p:sp>
+    </p:spTree>
+    <p:extLst>
+      <p:ext uri="{BB962C8B-B14F-4D97-AF65-F5344CB8AC3E}">
+        <p14:creationId xmlns:p14="http://schemas.microsoft.com/office/powerpoint/2010/main" val="592777674"/>
+      </p:ext>
+    </p:extLst>
+  </p:cSld>
+  <p:clrMapOvr>
+    <a:masterClrMapping/>
+  </p:clrMapOvr>
+</p:sld>
+</file>
+
+<file path=ppt/slides/slide66.xml><?xml version="1.0" encoding="utf-8"?>
+<p:sld xmlns:a="http://schemas.openxmlformats.org/drawingml/2006/main" xmlns:r="http://schemas.openxmlformats.org/officeDocument/2006/relationships" xmlns:p="http://schemas.openxmlformats.org/presentationml/2006/main">
+  <p:cSld>
+    <p:spTree>
+      <p:nvGrpSpPr>
+        <p:cNvPr id="1" name=""/>
+        <p:cNvGrpSpPr/>
+        <p:nvPr/>
+      </p:nvGrpSpPr>
+      <p:grpSpPr>
+        <a:xfrm>
+          <a:off x="0" y="0"/>
+          <a:ext cx="0" cy="0"/>
+          <a:chOff x="0" y="0"/>
+          <a:chExt cx="0" cy="0"/>
+        </a:xfrm>
+      </p:grpSpPr>
+      <p:sp>
+        <p:nvSpPr>
           <p:cNvPr id="2" name="Title 1"/>
           <p:cNvSpPr>
             <a:spLocks noGrp="1"/>
@@ -23484,7 +24046,7 @@
               <a:rPr lang="en-US" smtClean="0">
                 <a:latin typeface="National Park " pitchFamily="2" charset="77"/>
               </a:rPr>
-              <a:t>65</a:t>
+              <a:t>66</a:t>
             </a:fld>
             <a:endParaRPr lang="en-US">
               <a:latin typeface="National Park " pitchFamily="2" charset="77"/>
@@ -23535,150 +24097,6 @@
 </p:sld>
 </file>
 
-<file path=ppt/slides/slide66.xml><?xml version="1.0" encoding="utf-8"?>
-<p:sld xmlns:a="http://schemas.openxmlformats.org/drawingml/2006/main" xmlns:r="http://schemas.openxmlformats.org/officeDocument/2006/relationships" xmlns:p="http://schemas.openxmlformats.org/presentationml/2006/main">
-  <p:cSld>
-    <p:spTree>
-      <p:nvGrpSpPr>
-        <p:cNvPr id="1" name=""/>
-        <p:cNvGrpSpPr/>
-        <p:nvPr/>
-      </p:nvGrpSpPr>
-      <p:grpSpPr>
-        <a:xfrm>
-          <a:off x="0" y="0"/>
-          <a:ext cx="0" cy="0"/>
-          <a:chOff x="0" y="0"/>
-          <a:chExt cx="0" cy="0"/>
-        </a:xfrm>
-      </p:grpSpPr>
-      <p:sp>
-        <p:nvSpPr>
-          <p:cNvPr id="2" name="Title 1">
-            <a:extLst>
-              <a:ext uri="{FF2B5EF4-FFF2-40B4-BE49-F238E27FC236}">
-                <a16:creationId xmlns:a16="http://schemas.microsoft.com/office/drawing/2014/main" id="{3CDA2C0A-84C5-DDCE-DE2D-F26D112FC42D}"/>
-              </a:ext>
-            </a:extLst>
-          </p:cNvPr>
-          <p:cNvSpPr>
-            <a:spLocks noGrp="1"/>
-          </p:cNvSpPr>
-          <p:nvPr>
-            <p:ph type="title"/>
-          </p:nvPr>
-        </p:nvSpPr>
-        <p:spPr/>
-        <p:txBody>
-          <a:bodyPr>
-            <a:normAutofit fontScale="90000"/>
-          </a:bodyPr>
-          <a:lstStyle/>
-          <a:p>
-            <a:pPr algn="ctr"/>
-            <a:r>
-              <a:rPr lang="en-US" dirty="0">
-                <a:latin typeface="National Park " pitchFamily="2" charset="77"/>
-              </a:rPr>
-              <a:t>Other Possible Venues to look for challenges</a:t>
-            </a:r>
-          </a:p>
-        </p:txBody>
-      </p:sp>
-      <p:sp>
-        <p:nvSpPr>
-          <p:cNvPr id="3" name="Content Placeholder 2">
-            <a:extLst>
-              <a:ext uri="{FF2B5EF4-FFF2-40B4-BE49-F238E27FC236}">
-                <a16:creationId xmlns:a16="http://schemas.microsoft.com/office/drawing/2014/main" id="{F46367CA-67BA-E0A5-9C11-0819709041BA}"/>
-              </a:ext>
-            </a:extLst>
-          </p:cNvPr>
-          <p:cNvSpPr>
-            <a:spLocks noGrp="1"/>
-          </p:cNvSpPr>
-          <p:nvPr>
-            <p:ph idx="1"/>
-          </p:nvPr>
-        </p:nvSpPr>
-        <p:spPr/>
-        <p:txBody>
-          <a:bodyPr/>
-          <a:lstStyle/>
-          <a:p>
-            <a:r>
-              <a:rPr lang="en-US" dirty="0">
-                <a:hlinkClick r:id="rId2"/>
-              </a:rPr>
-              <a:t>annas-blog.org/worldcat-scrape.html</a:t>
-            </a:r>
-            <a:endParaRPr lang="en-US" dirty="0"/>
-          </a:p>
-          <a:p>
-            <a:r>
-              <a:rPr lang="en-US" dirty="0">
-                <a:hlinkClick r:id="rId3"/>
-              </a:rPr>
-              <a:t>smc-datachallenge.ornl.gov</a:t>
-            </a:r>
-            <a:endParaRPr lang="en-US" dirty="0"/>
-          </a:p>
-          <a:p>
-            <a:r>
-              <a:rPr lang="en-US" dirty="0">
-                <a:hlinkClick r:id="rId4"/>
-              </a:rPr>
-              <a:t>www.reddit.com/r/DataHoarder</a:t>
-            </a:r>
-            <a:endParaRPr lang="en-US" dirty="0"/>
-          </a:p>
-          <a:p>
-            <a:endParaRPr lang="en-US" dirty="0"/>
-          </a:p>
-        </p:txBody>
-      </p:sp>
-      <p:sp>
-        <p:nvSpPr>
-          <p:cNvPr id="4" name="Slide Number Placeholder 3">
-            <a:extLst>
-              <a:ext uri="{FF2B5EF4-FFF2-40B4-BE49-F238E27FC236}">
-                <a16:creationId xmlns:a16="http://schemas.microsoft.com/office/drawing/2014/main" id="{DC20C616-4036-B93A-64BC-2D0981B65436}"/>
-              </a:ext>
-            </a:extLst>
-          </p:cNvPr>
-          <p:cNvSpPr>
-            <a:spLocks noGrp="1"/>
-          </p:cNvSpPr>
-          <p:nvPr>
-            <p:ph type="sldNum" sz="quarter" idx="12"/>
-          </p:nvPr>
-        </p:nvSpPr>
-        <p:spPr/>
-        <p:txBody>
-          <a:bodyPr/>
-          <a:lstStyle/>
-          <a:p>
-            <a:fld id="{4E3AEE2C-3A74-8643-B4A2-442777B583A3}" type="slidenum">
-              <a:rPr lang="en-US" smtClean="0"/>
-              <a:t>66</a:t>
-            </a:fld>
-            <a:endParaRPr lang="en-US"/>
-          </a:p>
-        </p:txBody>
-      </p:sp>
-    </p:spTree>
-    <p:extLst>
-      <p:ext uri="{BB962C8B-B14F-4D97-AF65-F5344CB8AC3E}">
-        <p14:creationId xmlns:p14="http://schemas.microsoft.com/office/powerpoint/2010/main" val="592777674"/>
-      </p:ext>
-    </p:extLst>
-  </p:cSld>
-  <p:clrMapOvr>
-    <a:masterClrMapping/>
-  </p:clrMapOvr>
-</p:sld>
-</file>
-
 <file path=ppt/slides/slide7.xml><?xml version="1.0" encoding="utf-8"?>
 <p:sld xmlns:a="http://schemas.openxmlformats.org/drawingml/2006/main" xmlns:r="http://schemas.openxmlformats.org/officeDocument/2006/relationships" xmlns:p="http://schemas.openxmlformats.org/presentationml/2006/main">
   <p:cSld>
@@ -23759,7 +24177,7 @@
             <a:pPr lvl="1"/>
             <a:r>
               <a:rPr lang="en-US" dirty="0"/>
-              <a:t>common commands, basic understanding of files and directories, editing.</a:t>
+              <a:t>common commands, basic understanding of files and directories, process.</a:t>
             </a:r>
             <a:br>
               <a:rPr lang="en-US" dirty="0"/>
@@ -23788,12 +24206,9 @@
               <a:rPr lang="en-US" b="1" dirty="0">
                 <a:cs typeface="Courier New" panose="02070309020205020404" pitchFamily="49" charset="0"/>
               </a:rPr>
-              <a:t>, cat</a:t>
-            </a:r>
-            <a:r>
-              <a:rPr lang="en-US" dirty="0"/>
-              <a:t> </a:t>
-            </a:r>
+              <a:t>, cat, date, seq</a:t>
+            </a:r>
+            <a:endParaRPr lang="en-US" dirty="0"/>
           </a:p>
           <a:p>
             <a:endParaRPr lang="en-US" dirty="0"/>
@@ -23970,7 +24385,7 @@
           <a:p>
             <a:r>
               <a:rPr lang="en-US" dirty="0"/>
-              <a:t>Plan to publish solutions around Nov 10 on </a:t>
+              <a:t>Plan to publish solutions around Nov 10, 2023, on </a:t>
             </a:r>
             <a:r>
               <a:rPr lang="en-US" dirty="0" err="1"/>

--- a/gnu-parallel-tutorial.pptx
+++ b/gnu-parallel-tutorial.pptx
@@ -7389,6 +7389,36 @@
           </a:p>
         </p:txBody>
       </p:sp>
+      <p:pic>
+        <p:nvPicPr>
+          <p:cNvPr id="3" name="Picture 2">
+            <a:extLst>
+              <a:ext uri="{FF2B5EF4-FFF2-40B4-BE49-F238E27FC236}">
+                <a16:creationId xmlns:a16="http://schemas.microsoft.com/office/drawing/2014/main" id="{86F74AF7-A89E-57A6-BAE2-D9BE1184DD13}"/>
+              </a:ext>
+            </a:extLst>
+          </p:cNvPr>
+          <p:cNvPicPr>
+            <a:picLocks noChangeAspect="1"/>
+          </p:cNvPicPr>
+          <p:nvPr/>
+        </p:nvPicPr>
+        <p:blipFill>
+          <a:blip r:embed="rId3"/>
+          <a:stretch>
+            <a:fillRect/>
+          </a:stretch>
+        </p:blipFill>
+        <p:spPr>
+          <a:xfrm>
+            <a:off x="7277534" y="102393"/>
+            <a:ext cx="1612900" cy="1612900"/>
+          </a:xfrm>
+          <a:prstGeom prst="rect">
+            <a:avLst/>
+          </a:prstGeom>
+        </p:spPr>
+      </p:pic>
     </p:spTree>
     <p:extLst>
       <p:ext uri="{BB962C8B-B14F-4D97-AF65-F5344CB8AC3E}">
@@ -22463,7 +22493,7 @@
         <p:spPr/>
         <p:txBody>
           <a:bodyPr>
-            <a:normAutofit lnSpcReduction="10000"/>
+            <a:normAutofit/>
           </a:bodyPr>
           <a:lstStyle/>
           <a:p>
@@ -22561,22 +22591,6 @@
             <a:pPr marL="0" indent="0">
               <a:buNone/>
             </a:pPr>
-            <a:endParaRPr lang="en-US" sz="2000" dirty="0"/>
-          </a:p>
-          <a:p>
-            <a:pPr marL="0" indent="0">
-              <a:buNone/>
-            </a:pPr>
-            <a:r>
-              <a:rPr lang="en-US" sz="2000" dirty="0"/>
-              <a:t>Pull requests welcome! </a:t>
-            </a:r>
-            <a:r>
-              <a:rPr lang="en-US" sz="2000" dirty="0">
-                <a:sym typeface="Wingdings" pitchFamily="2" charset="2"/>
-              </a:rPr>
-              <a:t> </a:t>
-            </a:r>
             <a:endParaRPr lang="en-US" sz="2000" dirty="0"/>
           </a:p>
         </p:txBody>
@@ -24552,6 +24566,36 @@
           </a:p>
         </p:txBody>
       </p:sp>
+      <p:pic>
+        <p:nvPicPr>
+          <p:cNvPr id="3" name="Picture 2">
+            <a:extLst>
+              <a:ext uri="{FF2B5EF4-FFF2-40B4-BE49-F238E27FC236}">
+                <a16:creationId xmlns:a16="http://schemas.microsoft.com/office/drawing/2014/main" id="{4FCEC9E9-534D-7B8B-F925-D525C3D79DF0}"/>
+              </a:ext>
+            </a:extLst>
+          </p:cNvPr>
+          <p:cNvPicPr>
+            <a:picLocks noChangeAspect="1"/>
+          </p:cNvPicPr>
+          <p:nvPr/>
+        </p:nvPicPr>
+        <p:blipFill>
+          <a:blip r:embed="rId3"/>
+          <a:stretch>
+            <a:fillRect/>
+          </a:stretch>
+        </p:blipFill>
+        <p:spPr>
+          <a:xfrm>
+            <a:off x="7300670" y="102393"/>
+            <a:ext cx="1612900" cy="1612900"/>
+          </a:xfrm>
+          <a:prstGeom prst="rect">
+            <a:avLst/>
+          </a:prstGeom>
+        </p:spPr>
+      </p:pic>
     </p:spTree>
     <p:extLst>
       <p:ext uri="{BB962C8B-B14F-4D97-AF65-F5344CB8AC3E}">

--- a/gnu-parallel-tutorial.pptx
+++ b/gnu-parallel-tutorial.pptx
@@ -7783,8 +7783,12 @@
               <a:buNone/>
             </a:pPr>
             <a:r>
+              <a:rPr lang="en-US" sz="1600"/>
+              <a:t>This work </a:t>
+            </a:r>
+            <a:r>
               <a:rPr lang="en-US" sz="1600" dirty="0"/>
-              <a:t>This research used resources of the Oak Ridge Leadership Computing Facility at the Oak Ridge National Laboratory, which is supported by the Office of Science of the U.S. Department of Energy under Contract No. DE-AC05-00OR22725.</a:t>
+              <a:t>used resources of the Oak Ridge Leadership Computing Facility at the Oak Ridge National Laboratory, which is supported by the Office of Science of the U.S. Department of Energy under Contract No. DE-AC05-00OR22725.</a:t>
             </a:r>
           </a:p>
           <a:p>

--- a/gnu-parallel-tutorial.pptx
+++ b/gnu-parallel-tutorial.pptx
@@ -277,7 +277,7 @@
           <a:p>
             <a:fld id="{DE0C789A-1381-F54D-B55B-DCBB91319C08}" type="datetimeFigureOut">
               <a:rPr lang="en-US" smtClean="0"/>
-              <a:t>10/10/23</a:t>
+              <a:t>10/11/23</a:t>
             </a:fld>
             <a:endParaRPr lang="en-US"/>
           </a:p>
@@ -454,7 +454,7 @@
           <a:p>
             <a:fld id="{46CB9FDB-056B-6244-AE56-9549F1074EBB}" type="datetimeFigureOut">
               <a:rPr lang="en-US" smtClean="0"/>
-              <a:t>10/10/23</a:t>
+              <a:t>10/11/23</a:t>
             </a:fld>
             <a:endParaRPr lang="en-US"/>
           </a:p>
@@ -1551,7 +1551,7 @@
           <a:p>
             <a:fld id="{524F091B-C9FE-714F-8F5F-8CFB82A747F1}" type="datetime1">
               <a:rPr lang="en-US" smtClean="0"/>
-              <a:t>10/10/23</a:t>
+              <a:t>10/11/23</a:t>
             </a:fld>
             <a:endParaRPr lang="en-US"/>
           </a:p>
@@ -1721,7 +1721,7 @@
           <a:p>
             <a:fld id="{E5121F4C-BC13-F84F-9AD9-260A611D728C}" type="datetime1">
               <a:rPr lang="en-US" smtClean="0"/>
-              <a:t>10/10/23</a:t>
+              <a:t>10/11/23</a:t>
             </a:fld>
             <a:endParaRPr lang="en-US"/>
           </a:p>
@@ -1901,7 +1901,7 @@
           <a:p>
             <a:fld id="{69934431-5E8A-0144-AD3C-F9F3B5843812}" type="datetime1">
               <a:rPr lang="en-US" smtClean="0"/>
-              <a:t>10/10/23</a:t>
+              <a:t>10/11/23</a:t>
             </a:fld>
             <a:endParaRPr lang="en-US"/>
           </a:p>
@@ -2071,7 +2071,7 @@
           <a:p>
             <a:fld id="{4D966F88-1DAF-F94F-A3D2-93E7964825AC}" type="datetime1">
               <a:rPr lang="en-US" smtClean="0"/>
-              <a:t>10/10/23</a:t>
+              <a:t>10/11/23</a:t>
             </a:fld>
             <a:endParaRPr lang="en-US"/>
           </a:p>
@@ -2317,7 +2317,7 @@
           <a:p>
             <a:fld id="{75F67F5F-B354-5B41-A0FF-E33ACFB7B000}" type="datetime1">
               <a:rPr lang="en-US" smtClean="0"/>
-              <a:t>10/10/23</a:t>
+              <a:t>10/11/23</a:t>
             </a:fld>
             <a:endParaRPr lang="en-US"/>
           </a:p>
@@ -2549,7 +2549,7 @@
           <a:p>
             <a:fld id="{1FE71E3D-61C4-AF47-B5F6-80F7A2125094}" type="datetime1">
               <a:rPr lang="en-US" smtClean="0"/>
-              <a:t>10/10/23</a:t>
+              <a:t>10/11/23</a:t>
             </a:fld>
             <a:endParaRPr lang="en-US"/>
           </a:p>
@@ -2916,7 +2916,7 @@
           <a:p>
             <a:fld id="{B7259F95-3E7B-AE48-BD5A-55F4F48F15EE}" type="datetime1">
               <a:rPr lang="en-US" smtClean="0"/>
-              <a:t>10/10/23</a:t>
+              <a:t>10/11/23</a:t>
             </a:fld>
             <a:endParaRPr lang="en-US"/>
           </a:p>
@@ -3034,7 +3034,7 @@
           <a:p>
             <a:fld id="{1E2D71D9-286E-D847-8194-60F3E909E40C}" type="datetime1">
               <a:rPr lang="en-US" smtClean="0"/>
-              <a:t>10/10/23</a:t>
+              <a:t>10/11/23</a:t>
             </a:fld>
             <a:endParaRPr lang="en-US"/>
           </a:p>
@@ -3129,7 +3129,7 @@
           <a:p>
             <a:fld id="{3AC70D76-DA63-C342-B98E-F532027F9CD7}" type="datetime1">
               <a:rPr lang="en-US" smtClean="0"/>
-              <a:t>10/10/23</a:t>
+              <a:t>10/11/23</a:t>
             </a:fld>
             <a:endParaRPr lang="en-US"/>
           </a:p>
@@ -3406,7 +3406,7 @@
           <a:p>
             <a:fld id="{74E169E1-67F4-DE43-8AD1-CF716A32D6D9}" type="datetime1">
               <a:rPr lang="en-US" smtClean="0"/>
-              <a:t>10/10/23</a:t>
+              <a:t>10/11/23</a:t>
             </a:fld>
             <a:endParaRPr lang="en-US"/>
           </a:p>
@@ -3663,7 +3663,7 @@
           <a:p>
             <a:fld id="{EDBC0E13-B072-744E-A1EF-1258C23FD22F}" type="datetime1">
               <a:rPr lang="en-US" smtClean="0"/>
-              <a:t>10/10/23</a:t>
+              <a:t>10/11/23</a:t>
             </a:fld>
             <a:endParaRPr lang="en-US"/>
           </a:p>
@@ -3876,7 +3876,7 @@
           <a:p>
             <a:fld id="{14D54490-4A22-8B41-9AA4-9BECA28CBC89}" type="datetime1">
               <a:rPr lang="en-US" smtClean="0"/>
-              <a:t>10/10/23</a:t>
+              <a:t>10/11/23</a:t>
             </a:fld>
             <a:endParaRPr lang="en-US"/>
           </a:p>
@@ -23478,7 +23478,7 @@
         <p:spPr/>
         <p:txBody>
           <a:bodyPr>
-            <a:normAutofit/>
+            <a:normAutofit lnSpcReduction="10000"/>
           </a:bodyPr>
           <a:lstStyle/>
           <a:p>
@@ -23491,6 +23491,12 @@
             <a:r>
               <a:rPr lang="en-US" dirty="0"/>
               <a:t> A 2.6T dataset pertaining to cluster operations</a:t>
+            </a:r>
+          </a:p>
+          <a:p>
+            <a:r>
+              <a:rPr lang="en-US" dirty="0"/>
+              <a:t>900K+ files, 2.6m+ lines of CSV data.</a:t>
             </a:r>
           </a:p>
           <a:p>
@@ -23881,14 +23887,27 @@
             <p:ph idx="1"/>
           </p:nvPr>
         </p:nvSpPr>
-        <p:spPr/>
+        <p:spPr>
+          <a:xfrm>
+            <a:off x="628650" y="1369219"/>
+            <a:ext cx="7886700" cy="3263504"/>
+          </a:xfrm>
+        </p:spPr>
         <p:txBody>
           <a:bodyPr/>
           <a:lstStyle/>
           <a:p>
             <a:r>
               <a:rPr lang="en-US" dirty="0"/>
-              <a:t>data/sales-data.csv</a:t>
+              <a:t>data/sales-</a:t>
+            </a:r>
+            <a:r>
+              <a:rPr lang="en-US" dirty="0" err="1"/>
+              <a:t>data.csv</a:t>
+            </a:r>
+            <a:r>
+              <a:rPr lang="en-US" dirty="0"/>
+              <a:t>: ~10K lines of sales data (mock)</a:t>
             </a:r>
             <a:endParaRPr lang="en-US" dirty="0">
               <a:hlinkClick r:id="rId2"/>

--- a/gnu-parallel-tutorial.pptx
+++ b/gnu-parallel-tutorial.pptx
@@ -278,7 +278,7 @@
           <a:p>
             <a:fld id="{DE0C789A-1381-F54D-B55B-DCBB91319C08}" type="datetimeFigureOut">
               <a:rPr lang="en-US" smtClean="0"/>
-              <a:t>4/1/24</a:t>
+              <a:t>4/10/24</a:t>
             </a:fld>
             <a:endParaRPr lang="en-US"/>
           </a:p>
@@ -455,7 +455,7 @@
           <a:p>
             <a:fld id="{46CB9FDB-056B-6244-AE56-9549F1074EBB}" type="datetimeFigureOut">
               <a:rPr lang="en-US" smtClean="0"/>
-              <a:t>4/1/24</a:t>
+              <a:t>4/10/24</a:t>
             </a:fld>
             <a:endParaRPr lang="en-US"/>
           </a:p>
@@ -1552,7 +1552,7 @@
           <a:p>
             <a:fld id="{524F091B-C9FE-714F-8F5F-8CFB82A747F1}" type="datetime1">
               <a:rPr lang="en-US" smtClean="0"/>
-              <a:t>4/1/24</a:t>
+              <a:t>4/10/24</a:t>
             </a:fld>
             <a:endParaRPr lang="en-US"/>
           </a:p>
@@ -1722,7 +1722,7 @@
           <a:p>
             <a:fld id="{E5121F4C-BC13-F84F-9AD9-260A611D728C}" type="datetime1">
               <a:rPr lang="en-US" smtClean="0"/>
-              <a:t>4/1/24</a:t>
+              <a:t>4/10/24</a:t>
             </a:fld>
             <a:endParaRPr lang="en-US"/>
           </a:p>
@@ -1902,7 +1902,7 @@
           <a:p>
             <a:fld id="{69934431-5E8A-0144-AD3C-F9F3B5843812}" type="datetime1">
               <a:rPr lang="en-US" smtClean="0"/>
-              <a:t>4/1/24</a:t>
+              <a:t>4/10/24</a:t>
             </a:fld>
             <a:endParaRPr lang="en-US"/>
           </a:p>
@@ -2072,7 +2072,7 @@
           <a:p>
             <a:fld id="{4D966F88-1DAF-F94F-A3D2-93E7964825AC}" type="datetime1">
               <a:rPr lang="en-US" smtClean="0"/>
-              <a:t>4/1/24</a:t>
+              <a:t>4/10/24</a:t>
             </a:fld>
             <a:endParaRPr lang="en-US"/>
           </a:p>
@@ -2318,7 +2318,7 @@
           <a:p>
             <a:fld id="{75F67F5F-B354-5B41-A0FF-E33ACFB7B000}" type="datetime1">
               <a:rPr lang="en-US" smtClean="0"/>
-              <a:t>4/1/24</a:t>
+              <a:t>4/10/24</a:t>
             </a:fld>
             <a:endParaRPr lang="en-US"/>
           </a:p>
@@ -2550,7 +2550,7 @@
           <a:p>
             <a:fld id="{1FE71E3D-61C4-AF47-B5F6-80F7A2125094}" type="datetime1">
               <a:rPr lang="en-US" smtClean="0"/>
-              <a:t>4/1/24</a:t>
+              <a:t>4/10/24</a:t>
             </a:fld>
             <a:endParaRPr lang="en-US"/>
           </a:p>
@@ -2917,7 +2917,7 @@
           <a:p>
             <a:fld id="{B7259F95-3E7B-AE48-BD5A-55F4F48F15EE}" type="datetime1">
               <a:rPr lang="en-US" smtClean="0"/>
-              <a:t>4/1/24</a:t>
+              <a:t>4/10/24</a:t>
             </a:fld>
             <a:endParaRPr lang="en-US"/>
           </a:p>
@@ -3035,7 +3035,7 @@
           <a:p>
             <a:fld id="{1E2D71D9-286E-D847-8194-60F3E909E40C}" type="datetime1">
               <a:rPr lang="en-US" smtClean="0"/>
-              <a:t>4/1/24</a:t>
+              <a:t>4/10/24</a:t>
             </a:fld>
             <a:endParaRPr lang="en-US"/>
           </a:p>
@@ -3130,7 +3130,7 @@
           <a:p>
             <a:fld id="{3AC70D76-DA63-C342-B98E-F532027F9CD7}" type="datetime1">
               <a:rPr lang="en-US" smtClean="0"/>
-              <a:t>4/1/24</a:t>
+              <a:t>4/10/24</a:t>
             </a:fld>
             <a:endParaRPr lang="en-US"/>
           </a:p>
@@ -3407,7 +3407,7 @@
           <a:p>
             <a:fld id="{74E169E1-67F4-DE43-8AD1-CF716A32D6D9}" type="datetime1">
               <a:rPr lang="en-US" smtClean="0"/>
-              <a:t>4/1/24</a:t>
+              <a:t>4/10/24</a:t>
             </a:fld>
             <a:endParaRPr lang="en-US"/>
           </a:p>
@@ -3664,7 +3664,7 @@
           <a:p>
             <a:fld id="{EDBC0E13-B072-744E-A1EF-1258C23FD22F}" type="datetime1">
               <a:rPr lang="en-US" smtClean="0"/>
-              <a:t>4/1/24</a:t>
+              <a:t>4/10/24</a:t>
             </a:fld>
             <a:endParaRPr lang="en-US"/>
           </a:p>
@@ -3877,7 +3877,7 @@
           <a:p>
             <a:fld id="{14D54490-4A22-8B41-9AA4-9BECA28CBC89}" type="datetime1">
               <a:rPr lang="en-US" smtClean="0"/>
-              <a:t>4/1/24</a:t>
+              <a:t>4/10/24</a:t>
             </a:fld>
             <a:endParaRPr lang="en-US"/>
           </a:p>
@@ -14839,61 +14839,61 @@
           <a:lstStyle/>
           <a:p>
             <a:r>
-              <a:rPr lang="en-US" sz="1640" b="1" dirty="0">
+              <a:rPr lang="en-US" sz="1640" dirty="0">
                 <a:latin typeface="Courier New" panose="02070309020205020404" pitchFamily="49" charset="0"/>
                 <a:cs typeface="Courier New" panose="02070309020205020404" pitchFamily="49" charset="0"/>
               </a:rPr>
               <a:t>parallel -S rage1,rage4,rage7,rage8,rage9,rage10,rage11,rage12 ${</a:t>
             </a:r>
             <a:r>
-              <a:rPr lang="en-US" sz="1640" b="1" dirty="0" err="1">
+              <a:rPr lang="en-US" sz="1640" dirty="0" err="1">
                 <a:latin typeface="Courier New" panose="02070309020205020404" pitchFamily="49" charset="0"/>
                 <a:cs typeface="Courier New" panose="02070309020205020404" pitchFamily="49" charset="0"/>
               </a:rPr>
               <a:t>scan_cmd</a:t>
             </a:r>
             <a:r>
-              <a:rPr lang="en-US" sz="1640" b="1" dirty="0">
+              <a:rPr lang="en-US" sz="1640" dirty="0">
                 <a:latin typeface="Courier New" panose="02070309020205020404" pitchFamily="49" charset="0"/>
                 <a:cs typeface="Courier New" panose="02070309020205020404" pitchFamily="49" charset="0"/>
               </a:rPr>
               <a:t>} ::: \</a:t>
             </a:r>
             <a:br>
-              <a:rPr lang="en-US" sz="1640" b="1" dirty="0">
+              <a:rPr lang="en-US" sz="1640" dirty="0">
                 <a:latin typeface="Courier New" panose="02070309020205020404" pitchFamily="49" charset="0"/>
                 <a:cs typeface="Courier New" panose="02070309020205020404" pitchFamily="49" charset="0"/>
               </a:rPr>
             </a:br>
             <a:r>
-              <a:rPr lang="en-US" sz="1640" b="1" dirty="0">
+              <a:rPr lang="en-US" sz="1640" dirty="0">
                 <a:latin typeface="Courier New" panose="02070309020205020404" pitchFamily="49" charset="0"/>
                 <a:cs typeface="Courier New" panose="02070309020205020404" pitchFamily="49" charset="0"/>
               </a:rPr>
               <a:t>${</a:t>
             </a:r>
             <a:r>
-              <a:rPr lang="en-US" sz="1640" b="1" dirty="0" err="1">
+              <a:rPr lang="en-US" sz="1640" dirty="0" err="1">
                 <a:latin typeface="Courier New" panose="02070309020205020404" pitchFamily="49" charset="0"/>
                 <a:cs typeface="Courier New" panose="02070309020205020404" pitchFamily="49" charset="0"/>
               </a:rPr>
               <a:t>scan_path</a:t>
             </a:r>
             <a:r>
-              <a:rPr lang="en-US" sz="1640" b="1" dirty="0">
+              <a:rPr lang="en-US" sz="1640" dirty="0">
                 <a:latin typeface="Courier New" panose="02070309020205020404" pitchFamily="49" charset="0"/>
                 <a:cs typeface="Courier New" panose="02070309020205020404" pitchFamily="49" charset="0"/>
               </a:rPr>
               <a:t>}/{44..51} \</a:t>
             </a:r>
             <a:br>
-              <a:rPr lang="en-US" sz="1640" b="1" dirty="0">
+              <a:rPr lang="en-US" sz="1640" dirty="0">
                 <a:latin typeface="Courier New" panose="02070309020205020404" pitchFamily="49" charset="0"/>
                 <a:cs typeface="Courier New" panose="02070309020205020404" pitchFamily="49" charset="0"/>
               </a:rPr>
             </a:br>
             <a:r>
-              <a:rPr lang="en-US" sz="1640" b="1" dirty="0">
+              <a:rPr lang="en-US" sz="1640" dirty="0">
                 <a:latin typeface="Courier New" panose="02070309020205020404" pitchFamily="49" charset="0"/>
                 <a:cs typeface="Courier New" panose="02070309020205020404" pitchFamily="49" charset="0"/>
               </a:rPr>
@@ -14904,110 +14904,110 @@
             <a:pPr marL="0" indent="0">
               <a:buNone/>
             </a:pPr>
-            <a:endParaRPr lang="en-US" sz="1640" b="1" dirty="0">
+            <a:endParaRPr lang="en-US" sz="1640" dirty="0">
               <a:latin typeface="Courier New" panose="02070309020205020404" pitchFamily="49" charset="0"/>
               <a:cs typeface="Courier New" panose="02070309020205020404" pitchFamily="49" charset="0"/>
             </a:endParaRPr>
           </a:p>
           <a:p>
             <a:r>
-              <a:rPr lang="en-US" sz="1640" b="1" dirty="0">
+              <a:rPr lang="en-US" sz="1640" dirty="0">
                 <a:latin typeface="Courier New" panose="02070309020205020404" pitchFamily="49" charset="0"/>
                 <a:cs typeface="Courier New" panose="02070309020205020404" pitchFamily="49" charset="0"/>
               </a:rPr>
               <a:t>parallel -S rage4 --jobs 30 '</a:t>
             </a:r>
             <a:r>
-              <a:rPr lang="en-US" sz="1640" b="1" dirty="0" err="1">
+              <a:rPr lang="en-US" sz="1640" dirty="0" err="1">
                 <a:latin typeface="Courier New" panose="02070309020205020404" pitchFamily="49" charset="0"/>
                 <a:cs typeface="Courier New" panose="02070309020205020404" pitchFamily="49" charset="0"/>
               </a:rPr>
               <a:t>nats</a:t>
             </a:r>
             <a:r>
-              <a:rPr lang="en-US" sz="1640" b="1" dirty="0">
+              <a:rPr lang="en-US" sz="1640" dirty="0">
                 <a:latin typeface="Courier New" panose="02070309020205020404" pitchFamily="49" charset="0"/>
                 <a:cs typeface="Courier New" panose="02070309020205020404" pitchFamily="49" charset="0"/>
               </a:rPr>
               <a:t> -s rage2:4222 \</a:t>
             </a:r>
             <a:br>
-              <a:rPr lang="en-US" sz="1640" b="1" dirty="0">
+              <a:rPr lang="en-US" sz="1640" dirty="0">
                 <a:latin typeface="Courier New" panose="02070309020205020404" pitchFamily="49" charset="0"/>
                 <a:cs typeface="Courier New" panose="02070309020205020404" pitchFamily="49" charset="0"/>
               </a:rPr>
             </a:br>
             <a:r>
-              <a:rPr lang="en-US" sz="1640" b="1" dirty="0">
+              <a:rPr lang="en-US" sz="1640" dirty="0">
                 <a:latin typeface="Courier New" panose="02070309020205020404" pitchFamily="49" charset="0"/>
                 <a:cs typeface="Courier New" panose="02070309020205020404" pitchFamily="49" charset="0"/>
               </a:rPr>
               <a:t>pub </a:t>
             </a:r>
             <a:r>
-              <a:rPr lang="en-US" sz="1640" b="1" dirty="0" err="1">
+              <a:rPr lang="en-US" sz="1640" dirty="0" err="1">
                 <a:latin typeface="Courier New" panose="02070309020205020404" pitchFamily="49" charset="0"/>
                 <a:cs typeface="Courier New" panose="02070309020205020404" pitchFamily="49" charset="0"/>
               </a:rPr>
               <a:t>migration.files.request</a:t>
             </a:r>
             <a:r>
-              <a:rPr lang="en-US" sz="1640" b="1" dirty="0">
+              <a:rPr lang="en-US" sz="1640" dirty="0">
                 <a:latin typeface="Courier New" panose="02070309020205020404" pitchFamily="49" charset="0"/>
                 <a:cs typeface="Courier New" panose="02070309020205020404" pitchFamily="49" charset="0"/>
               </a:rPr>
               <a:t> --count 1 \</a:t>
             </a:r>
             <a:br>
-              <a:rPr lang="en-US" sz="1640" b="1" dirty="0">
+              <a:rPr lang="en-US" sz="1640" dirty="0">
                 <a:latin typeface="Courier New" panose="02070309020205020404" pitchFamily="49" charset="0"/>
                 <a:cs typeface="Courier New" panose="02070309020205020404" pitchFamily="49" charset="0"/>
               </a:rPr>
             </a:br>
             <a:r>
-              <a:rPr lang="en-US" sz="1640" b="1" dirty="0">
+              <a:rPr lang="en-US" sz="1640" dirty="0">
                 <a:latin typeface="Courier New" panose="02070309020205020404" pitchFamily="49" charset="0"/>
                 <a:cs typeface="Courier New" panose="02070309020205020404" pitchFamily="49" charset="0"/>
               </a:rPr>
               <a:t>"{\"path\": \"/</a:t>
             </a:r>
             <a:r>
-              <a:rPr lang="en-US" sz="1640" b="1" dirty="0" err="1">
+              <a:rPr lang="en-US" sz="1640" dirty="0" err="1">
                 <a:latin typeface="Courier New" panose="02070309020205020404" pitchFamily="49" charset="0"/>
                 <a:cs typeface="Courier New" panose="02070309020205020404" pitchFamily="49" charset="0"/>
               </a:rPr>
               <a:t>lustre</a:t>
             </a:r>
             <a:r>
-              <a:rPr lang="en-US" sz="1640" b="1" dirty="0">
+              <a:rPr lang="en-US" sz="1640" dirty="0">
                 <a:latin typeface="Courier New" panose="02070309020205020404" pitchFamily="49" charset="0"/>
                 <a:cs typeface="Courier New" panose="02070309020205020404" pitchFamily="49" charset="0"/>
               </a:rPr>
               <a:t>/</a:t>
             </a:r>
             <a:r>
-              <a:rPr lang="en-US" sz="1640" b="1" dirty="0" err="1">
+              <a:rPr lang="en-US" sz="1640" dirty="0" err="1">
                 <a:latin typeface="Courier New" panose="02070309020205020404" pitchFamily="49" charset="0"/>
                 <a:cs typeface="Courier New" panose="02070309020205020404" pitchFamily="49" charset="0"/>
               </a:rPr>
               <a:t>crius</a:t>
             </a:r>
             <a:r>
-              <a:rPr lang="en-US" sz="1640" b="1" dirty="0">
+              <a:rPr lang="en-US" sz="1640" dirty="0">
                 <a:latin typeface="Courier New" panose="02070309020205020404" pitchFamily="49" charset="0"/>
                 <a:cs typeface="Courier New" panose="02070309020205020404" pitchFamily="49" charset="0"/>
               </a:rPr>
               <a:t>/</a:t>
             </a:r>
             <a:r>
-              <a:rPr lang="en-US" sz="1640" b="1" dirty="0" err="1">
+              <a:rPr lang="en-US" sz="1640" dirty="0" err="1">
                 <a:latin typeface="Courier New" panose="02070309020205020404" pitchFamily="49" charset="0"/>
                 <a:cs typeface="Courier New" panose="02070309020205020404" pitchFamily="49" charset="0"/>
               </a:rPr>
               <a:t>migagenttests</a:t>
             </a:r>
             <a:r>
-              <a:rPr lang="en-US" sz="1640" b="1" dirty="0">
+              <a:rPr lang="en-US" sz="1640" dirty="0">
                 <a:latin typeface="Courier New" panose="02070309020205020404" pitchFamily="49" charset="0"/>
                 <a:cs typeface="Courier New" panose="02070309020205020404" pitchFamily="49" charset="0"/>
               </a:rPr>
@@ -15139,35 +15139,35 @@
           <a:lstStyle/>
           <a:p>
             <a:r>
-              <a:rPr lang="en-US" sz="1640" b="1" dirty="0">
+              <a:rPr lang="en-US" sz="1640" dirty="0">
                 <a:latin typeface="Courier New" panose="02070309020205020404" pitchFamily="49" charset="0"/>
                 <a:cs typeface="Courier New" panose="02070309020205020404" pitchFamily="49" charset="0"/>
               </a:rPr>
               <a:t>parallel -S rage4 --jobs 30 "touch -d '-1 week’\ /</a:t>
             </a:r>
             <a:r>
-              <a:rPr lang="en-US" sz="1640" b="1" dirty="0" err="1">
+              <a:rPr lang="en-US" sz="1640" dirty="0" err="1">
                 <a:latin typeface="Courier New" panose="02070309020205020404" pitchFamily="49" charset="0"/>
                 <a:cs typeface="Courier New" panose="02070309020205020404" pitchFamily="49" charset="0"/>
               </a:rPr>
               <a:t>lustre</a:t>
             </a:r>
             <a:r>
-              <a:rPr lang="en-US" sz="1640" b="1" dirty="0">
+              <a:rPr lang="en-US" sz="1640" dirty="0">
                 <a:latin typeface="Courier New" panose="02070309020205020404" pitchFamily="49" charset="0"/>
                 <a:cs typeface="Courier New" panose="02070309020205020404" pitchFamily="49" charset="0"/>
               </a:rPr>
               <a:t>/</a:t>
             </a:r>
             <a:r>
-              <a:rPr lang="en-US" sz="1640" b="1" dirty="0" err="1">
+              <a:rPr lang="en-US" sz="1640" dirty="0" err="1">
                 <a:latin typeface="Courier New" panose="02070309020205020404" pitchFamily="49" charset="0"/>
                 <a:cs typeface="Courier New" panose="02070309020205020404" pitchFamily="49" charset="0"/>
               </a:rPr>
               <a:t>crius</a:t>
             </a:r>
             <a:r>
-              <a:rPr lang="en-US" sz="1640" b="1" dirty="0">
+              <a:rPr lang="en-US" sz="1640" dirty="0">
                 <a:latin typeface="Courier New" panose="02070309020205020404" pitchFamily="49" charset="0"/>
                 <a:cs typeface="Courier New" panose="02070309020205020404" pitchFamily="49" charset="0"/>
               </a:rPr>
@@ -15182,75 +15182,75 @@
           </a:p>
           <a:p>
             <a:r>
-              <a:rPr lang="en-US" sz="1640" b="1" dirty="0">
+              <a:rPr lang="en-US" sz="1640" dirty="0">
                 <a:latin typeface="Courier New" panose="02070309020205020404" pitchFamily="49" charset="0"/>
                 <a:cs typeface="Courier New" panose="02070309020205020404" pitchFamily="49" charset="0"/>
               </a:rPr>
               <a:t>parallel -k -S \ rage1,rage2,rage4,rage5,rage6,rage7,rage8,rage9 \</a:t>
             </a:r>
             <a:br>
-              <a:rPr lang="en-US" sz="1640" b="1" dirty="0">
+              <a:rPr lang="en-US" sz="1640" dirty="0">
                 <a:latin typeface="Courier New" panose="02070309020205020404" pitchFamily="49" charset="0"/>
                 <a:cs typeface="Courier New" panose="02070309020205020404" pitchFamily="49" charset="0"/>
               </a:rPr>
             </a:br>
             <a:r>
-              <a:rPr lang="en-US" sz="1640" b="1" dirty="0">
+              <a:rPr lang="en-US" sz="1640" dirty="0">
                 <a:latin typeface="Courier New" panose="02070309020205020404" pitchFamily="49" charset="0"/>
                 <a:cs typeface="Courier New" panose="02070309020205020404" pitchFamily="49" charset="0"/>
               </a:rPr>
               <a:t>/</a:t>
             </a:r>
             <a:r>
-              <a:rPr lang="en-US" sz="1640" b="1" dirty="0" err="1">
+              <a:rPr lang="en-US" sz="1640" dirty="0" err="1">
                 <a:latin typeface="Courier New" panose="02070309020205020404" pitchFamily="49" charset="0"/>
                 <a:cs typeface="Courier New" panose="02070309020205020404" pitchFamily="49" charset="0"/>
               </a:rPr>
               <a:t>lustre</a:t>
             </a:r>
             <a:r>
-              <a:rPr lang="en-US" sz="1640" b="1" dirty="0">
+              <a:rPr lang="en-US" sz="1640" dirty="0">
                 <a:latin typeface="Courier New" panose="02070309020205020404" pitchFamily="49" charset="0"/>
                 <a:cs typeface="Courier New" panose="02070309020205020404" pitchFamily="49" charset="0"/>
               </a:rPr>
               <a:t>/</a:t>
             </a:r>
             <a:r>
-              <a:rPr lang="en-US" sz="1640" b="1" dirty="0" err="1">
+              <a:rPr lang="en-US" sz="1640" dirty="0" err="1">
                 <a:latin typeface="Courier New" panose="02070309020205020404" pitchFamily="49" charset="0"/>
                 <a:cs typeface="Courier New" panose="02070309020205020404" pitchFamily="49" charset="0"/>
               </a:rPr>
               <a:t>crius</a:t>
             </a:r>
             <a:r>
-              <a:rPr lang="en-US" sz="1640" b="1" dirty="0">
+              <a:rPr lang="en-US" sz="1640" dirty="0">
                 <a:latin typeface="Courier New" panose="02070309020205020404" pitchFamily="49" charset="0"/>
                 <a:cs typeface="Courier New" panose="02070309020205020404" pitchFamily="49" charset="0"/>
               </a:rPr>
               <a:t>/scripts/</a:t>
             </a:r>
             <a:r>
-              <a:rPr lang="en-US" sz="1640" b="1" dirty="0" err="1">
+              <a:rPr lang="en-US" sz="1640" dirty="0" err="1">
                 <a:latin typeface="Courier New" panose="02070309020205020404" pitchFamily="49" charset="0"/>
                 <a:cs typeface="Courier New" panose="02070309020205020404" pitchFamily="49" charset="0"/>
               </a:rPr>
               <a:t>measure_lfsfind.sh</a:t>
             </a:r>
             <a:r>
-              <a:rPr lang="en-US" sz="1640" b="1" dirty="0">
+              <a:rPr lang="en-US" sz="1640" dirty="0">
                 <a:latin typeface="Courier New" panose="02070309020205020404" pitchFamily="49" charset="0"/>
                 <a:cs typeface="Courier New" panose="02070309020205020404" pitchFamily="49" charset="0"/>
               </a:rPr>
               <a:t> ::: {28..35} \</a:t>
             </a:r>
             <a:br>
-              <a:rPr lang="en-US" sz="1640" b="1" dirty="0">
+              <a:rPr lang="en-US" sz="1640" dirty="0">
                 <a:latin typeface="Courier New" panose="02070309020205020404" pitchFamily="49" charset="0"/>
                 <a:cs typeface="Courier New" panose="02070309020205020404" pitchFamily="49" charset="0"/>
               </a:rPr>
             </a:br>
             <a:r>
-              <a:rPr lang="en-US" sz="1640" b="1" dirty="0">
+              <a:rPr lang="en-US" sz="1640" dirty="0">
                 <a:latin typeface="Courier New" panose="02070309020205020404" pitchFamily="49" charset="0"/>
                 <a:cs typeface="Courier New" panose="02070309020205020404" pitchFamily="49" charset="0"/>
               </a:rPr>
